--- a/ClassMaterials/CohesionAndCoupling/Slides/Part2-OOD-DP4-TellDoNotAsk.pptx
+++ b/ClassMaterials/CohesionAndCoupling/Slides/Part2-OOD-DP4-TellDoNotAsk.pptx
@@ -312,7 +312,7 @@
           <a:p>
             <a:fld id="{11374350-B736-4AC1-A1E7-19777DF1B0E1}" type="datetimeFigureOut">
               <a:rPr lang="en-US" smtClean="0"/>
-              <a:t>11/20/22</a:t>
+              <a:t>8/11/2023</a:t>
             </a:fld>
             <a:endParaRPr lang="en-US"/>
           </a:p>
@@ -1217,12 +1217,195 @@
           <a:p>
             <a:pPr rtl="0"/>
             <a:r>
-              <a:rPr lang="en-US" baseline="0" dirty="0">
-                <a:sym typeface="Wingdings" panose="05000000000000000000" pitchFamily="2" charset="2"/>
-              </a:rPr>
-              <a:t>Manager and Employee are flipped, might be worth re-creating</a:t>
+              <a:rPr lang="en-US" dirty="0"/>
+              <a:t>@startuml</a:t>
+            </a:r>
+          </a:p>
+          <a:p>
+            <a:pPr rtl="0"/>
+            <a:r>
+              <a:rPr lang="en-US" dirty="0" err="1"/>
+              <a:t>skinparam</a:t>
+            </a:r>
+            <a:r>
+              <a:rPr lang="en-US" dirty="0"/>
+              <a:t> style </a:t>
+            </a:r>
+            <a:r>
+              <a:rPr lang="en-US" dirty="0" err="1"/>
+              <a:t>strictuml</a:t>
             </a:r>
             <a:endParaRPr lang="en-US" dirty="0"/>
+          </a:p>
+          <a:p>
+            <a:pPr rtl="0"/>
+            <a:endParaRPr lang="en-US" dirty="0"/>
+          </a:p>
+          <a:p>
+            <a:pPr rtl="0"/>
+            <a:r>
+              <a:rPr lang="en-US" dirty="0"/>
+              <a:t>class Main {</a:t>
+            </a:r>
+          </a:p>
+          <a:p>
+            <a:pPr rtl="0"/>
+            <a:r>
+              <a:rPr lang="en-US" dirty="0" err="1"/>
+              <a:t>handleUpdateEmployeeSalary</a:t>
+            </a:r>
+            <a:r>
+              <a:rPr lang="en-US" dirty="0"/>
+              <a:t>(name, salary)</a:t>
+            </a:r>
+          </a:p>
+          <a:p>
+            <a:pPr rtl="0"/>
+            <a:r>
+              <a:rPr lang="en-US" dirty="0" err="1"/>
+              <a:t>handleGetSalary</a:t>
+            </a:r>
+            <a:r>
+              <a:rPr lang="en-US" dirty="0"/>
+              <a:t>(name): double</a:t>
+            </a:r>
+          </a:p>
+          <a:p>
+            <a:pPr rtl="0"/>
+            <a:r>
+              <a:rPr lang="en-US" dirty="0"/>
+              <a:t>}</a:t>
+            </a:r>
+          </a:p>
+          <a:p>
+            <a:pPr rtl="0"/>
+            <a:endParaRPr lang="en-US" dirty="0"/>
+          </a:p>
+          <a:p>
+            <a:pPr rtl="0"/>
+            <a:r>
+              <a:rPr lang="en-US" dirty="0"/>
+              <a:t>class Manager {</a:t>
+            </a:r>
+          </a:p>
+          <a:p>
+            <a:pPr rtl="0"/>
+            <a:r>
+              <a:rPr lang="en-US" dirty="0"/>
+              <a:t>  name: String</a:t>
+            </a:r>
+          </a:p>
+          <a:p>
+            <a:pPr rtl="0"/>
+            <a:r>
+              <a:rPr lang="en-US" dirty="0"/>
+              <a:t>  </a:t>
+            </a:r>
+            <a:r>
+              <a:rPr lang="en-US" dirty="0" err="1"/>
+              <a:t>calculateSalary</a:t>
+            </a:r>
+            <a:r>
+              <a:rPr lang="en-US" dirty="0"/>
+              <a:t>(): double</a:t>
+            </a:r>
+          </a:p>
+          <a:p>
+            <a:pPr rtl="0"/>
+            <a:r>
+              <a:rPr lang="en-US" dirty="0"/>
+              <a:t>}</a:t>
+            </a:r>
+          </a:p>
+          <a:p>
+            <a:pPr rtl="0"/>
+            <a:endParaRPr lang="en-US" dirty="0"/>
+          </a:p>
+          <a:p>
+            <a:pPr rtl="0"/>
+            <a:r>
+              <a:rPr lang="en-US" dirty="0"/>
+              <a:t>class Employee {</a:t>
+            </a:r>
+          </a:p>
+          <a:p>
+            <a:pPr rtl="0"/>
+            <a:r>
+              <a:rPr lang="en-US" dirty="0"/>
+              <a:t>  name: String</a:t>
+            </a:r>
+          </a:p>
+          <a:p>
+            <a:pPr rtl="0"/>
+            <a:r>
+              <a:rPr lang="en-US" dirty="0"/>
+              <a:t>  salary: double</a:t>
+            </a:r>
+          </a:p>
+          <a:p>
+            <a:pPr rtl="0"/>
+            <a:r>
+              <a:rPr lang="en-US" dirty="0"/>
+              <a:t>  </a:t>
+            </a:r>
+            <a:r>
+              <a:rPr lang="en-US" dirty="0" err="1"/>
+              <a:t>setSalary</a:t>
+            </a:r>
+            <a:r>
+              <a:rPr lang="en-US" dirty="0"/>
+              <a:t>(salary: double)</a:t>
+            </a:r>
+          </a:p>
+          <a:p>
+            <a:pPr rtl="0"/>
+            <a:r>
+              <a:rPr lang="en-US" dirty="0"/>
+              <a:t>  </a:t>
+            </a:r>
+            <a:r>
+              <a:rPr lang="en-US" dirty="0" err="1"/>
+              <a:t>getSalary</a:t>
+            </a:r>
+            <a:r>
+              <a:rPr lang="en-US" dirty="0"/>
+              <a:t>(): double</a:t>
+            </a:r>
+          </a:p>
+          <a:p>
+            <a:pPr rtl="0"/>
+            <a:r>
+              <a:rPr lang="en-US" dirty="0"/>
+              <a:t>}</a:t>
+            </a:r>
+          </a:p>
+          <a:p>
+            <a:pPr rtl="0"/>
+            <a:r>
+              <a:rPr lang="en-US" dirty="0"/>
+              <a:t>Main -right-&gt; "*" Employee</a:t>
+            </a:r>
+          </a:p>
+          <a:p>
+            <a:pPr rtl="0"/>
+            <a:r>
+              <a:rPr lang="en-US" dirty="0"/>
+              <a:t>Manager -left-&gt; "*" Employee</a:t>
+            </a:r>
+          </a:p>
+          <a:p>
+            <a:pPr rtl="0"/>
+            <a:r>
+              <a:rPr lang="en-US" dirty="0"/>
+              <a:t>Main -right-&gt; "*" Manager</a:t>
+            </a:r>
+          </a:p>
+          <a:p>
+            <a:pPr rtl="0"/>
+            <a:r>
+              <a:rPr lang="en-US" dirty="0"/>
+              <a:t>@enduml</a:t>
+            </a:r>
           </a:p>
         </p:txBody>
       </p:sp>
@@ -3706,7 +3889,7 @@
           <a:p>
             <a:fld id="{50A519B0-864F-436F-AD10-563B5AD2C023}" type="datetimeFigureOut">
               <a:rPr lang="en-US" smtClean="0"/>
-              <a:t>11/20/22</a:t>
+              <a:t>8/11/2023</a:t>
             </a:fld>
             <a:endParaRPr lang="en-US"/>
           </a:p>
@@ -3874,7 +4057,7 @@
           <a:p>
             <a:fld id="{50A519B0-864F-436F-AD10-563B5AD2C023}" type="datetimeFigureOut">
               <a:rPr lang="en-US" smtClean="0"/>
-              <a:t>11/20/22</a:t>
+              <a:t>8/11/2023</a:t>
             </a:fld>
             <a:endParaRPr lang="en-US"/>
           </a:p>
@@ -4052,7 +4235,7 @@
           <a:p>
             <a:fld id="{50A519B0-864F-436F-AD10-563B5AD2C023}" type="datetimeFigureOut">
               <a:rPr lang="en-US" smtClean="0"/>
-              <a:t>11/20/22</a:t>
+              <a:t>8/11/2023</a:t>
             </a:fld>
             <a:endParaRPr lang="en-US"/>
           </a:p>
@@ -4220,7 +4403,7 @@
           <a:p>
             <a:fld id="{50A519B0-864F-436F-AD10-563B5AD2C023}" type="datetimeFigureOut">
               <a:rPr lang="en-US" smtClean="0"/>
-              <a:t>11/20/22</a:t>
+              <a:t>8/11/2023</a:t>
             </a:fld>
             <a:endParaRPr lang="en-US"/>
           </a:p>
@@ -4465,7 +4648,7 @@
           <a:p>
             <a:fld id="{50A519B0-864F-436F-AD10-563B5AD2C023}" type="datetimeFigureOut">
               <a:rPr lang="en-US" smtClean="0"/>
-              <a:t>11/20/22</a:t>
+              <a:t>8/11/2023</a:t>
             </a:fld>
             <a:endParaRPr lang="en-US"/>
           </a:p>
@@ -4750,7 +4933,7 @@
           <a:p>
             <a:fld id="{50A519B0-864F-436F-AD10-563B5AD2C023}" type="datetimeFigureOut">
               <a:rPr lang="en-US" smtClean="0"/>
-              <a:t>11/20/22</a:t>
+              <a:t>8/11/2023</a:t>
             </a:fld>
             <a:endParaRPr lang="en-US"/>
           </a:p>
@@ -5169,7 +5352,7 @@
           <a:p>
             <a:fld id="{50A519B0-864F-436F-AD10-563B5AD2C023}" type="datetimeFigureOut">
               <a:rPr lang="en-US" smtClean="0"/>
-              <a:t>11/20/22</a:t>
+              <a:t>8/11/2023</a:t>
             </a:fld>
             <a:endParaRPr lang="en-US"/>
           </a:p>
@@ -5286,7 +5469,7 @@
           <a:p>
             <a:fld id="{50A519B0-864F-436F-AD10-563B5AD2C023}" type="datetimeFigureOut">
               <a:rPr lang="en-US" smtClean="0"/>
-              <a:t>11/20/22</a:t>
+              <a:t>8/11/2023</a:t>
             </a:fld>
             <a:endParaRPr lang="en-US"/>
           </a:p>
@@ -5381,7 +5564,7 @@
           <a:p>
             <a:fld id="{50A519B0-864F-436F-AD10-563B5AD2C023}" type="datetimeFigureOut">
               <a:rPr lang="en-US" smtClean="0"/>
-              <a:t>11/20/22</a:t>
+              <a:t>8/11/2023</a:t>
             </a:fld>
             <a:endParaRPr lang="en-US"/>
           </a:p>
@@ -5656,7 +5839,7 @@
           <a:p>
             <a:fld id="{50A519B0-864F-436F-AD10-563B5AD2C023}" type="datetimeFigureOut">
               <a:rPr lang="en-US" smtClean="0"/>
-              <a:t>11/20/22</a:t>
+              <a:t>8/11/2023</a:t>
             </a:fld>
             <a:endParaRPr lang="en-US"/>
           </a:p>
@@ -5908,7 +6091,7 @@
           <a:p>
             <a:fld id="{50A519B0-864F-436F-AD10-563B5AD2C023}" type="datetimeFigureOut">
               <a:rPr lang="en-US" smtClean="0"/>
-              <a:t>11/20/22</a:t>
+              <a:t>8/11/2023</a:t>
             </a:fld>
             <a:endParaRPr lang="en-US"/>
           </a:p>
@@ -6119,7 +6302,7 @@
           <a:p>
             <a:fld id="{50A519B0-864F-436F-AD10-563B5AD2C023}" type="datetimeFigureOut">
               <a:rPr lang="en-US" smtClean="0"/>
-              <a:t>11/20/22</a:t>
+              <a:t>8/11/2023</a:t>
             </a:fld>
             <a:endParaRPr lang="en-US"/>
           </a:p>
@@ -8834,45 +9017,38 @@
       </p:sp>
       <p:pic>
         <p:nvPicPr>
-          <p:cNvPr id="3" name="Picture 2" descr="https://lh6.googleusercontent.com/RDfrU9GrvrHp9Xi4AUeFnx1Id0j9Eu8KsvyLcYfC3MaO1TMzis95pHYmzJGZ7Gbl4BkgBlF2dGfjBbgtjz0vZ41bdg22d8pLoBuisa9Ilkq2vpDtRHdXQOtMXW-SbrJzauCHYumm">
-            <a:hlinkClick r:id="rId3"/>
+          <p:cNvPr id="6" name="Picture 5" descr="A diagram of a workflow&#10;&#10;Description automatically generated">
+            <a:extLst>
+              <a:ext uri="{FF2B5EF4-FFF2-40B4-BE49-F238E27FC236}">
+                <a16:creationId xmlns:a16="http://schemas.microsoft.com/office/drawing/2014/main" id="{693FB2E2-9F0E-970E-6724-25C97FFB0444}"/>
+              </a:ext>
+            </a:extLst>
           </p:cNvPr>
           <p:cNvPicPr>
-            <a:picLocks noChangeAspect="1" noChangeArrowheads="1"/>
+            <a:picLocks noChangeAspect="1"/>
           </p:cNvPicPr>
           <p:nvPr/>
         </p:nvPicPr>
         <p:blipFill>
-          <a:blip r:embed="rId4">
+          <a:blip r:embed="rId3">
             <a:extLst>
               <a:ext uri="{28A0092B-C50C-407E-A947-70E740481C1C}">
                 <a14:useLocalDpi xmlns:a14="http://schemas.microsoft.com/office/drawing/2010/main" val="0"/>
               </a:ext>
             </a:extLst>
           </a:blip>
-          <a:srcRect/>
           <a:stretch>
             <a:fillRect/>
           </a:stretch>
         </p:blipFill>
-        <p:spPr bwMode="auto">
+        <p:spPr>
           <a:xfrm>
-            <a:off x="505312" y="1417638"/>
-            <a:ext cx="5578472" cy="1255309"/>
+            <a:off x="441358" y="1539558"/>
+            <a:ext cx="8413684" cy="1858962"/>
           </a:xfrm>
           <a:prstGeom prst="rect">
             <a:avLst/>
           </a:prstGeom>
-          <a:noFill/>
-          <a:extLst>
-            <a:ext uri="{909E8E84-426E-40DD-AFC4-6F175D3DCCD1}">
-              <a14:hiddenFill xmlns:a14="http://schemas.microsoft.com/office/drawing/2010/main">
-                <a:solidFill>
-                  <a:srgbClr val="FFFFFF"/>
-                </a:solidFill>
-              </a14:hiddenFill>
-            </a:ext>
-          </a:extLst>
         </p:spPr>
       </p:pic>
     </p:spTree>
@@ -8953,19 +9129,14 @@
             </a:r>
             <a:r>
               <a:rPr lang="en-US" dirty="0"/>
-              <a:t> between objects when it does not disrupt usability or </a:t>
-            </a:r>
-            <a:r>
-              <a:rPr lang="en-US" dirty="0" err="1"/>
-              <a:t>extendability</a:t>
-            </a:r>
-            <a:endParaRPr lang="en-US" dirty="0"/>
+              <a:t> between objects when it does not disrupt usability or extendibility</a:t>
+            </a:r>
           </a:p>
           <a:p>
             <a:pPr lvl="1" fontAlgn="base"/>
             <a:r>
               <a:rPr lang="en-US" dirty="0"/>
-              <a:t>If you can see a simpler design that works use it</a:t>
+              <a:t>If you can see a simpler design that works, use it</a:t>
             </a:r>
           </a:p>
           <a:p>

--- a/ClassMaterials/CohesionAndCoupling/Slides/Part2-OOD-DP4-TellDoNotAsk.pptx
+++ b/ClassMaterials/CohesionAndCoupling/Slides/Part2-OOD-DP4-TellDoNotAsk.pptx
@@ -5,7 +5,7 @@
     <p:sldMasterId id="2147483648" r:id="rId4"/>
   </p:sldMasterIdLst>
   <p:notesMasterIdLst>
-    <p:notesMasterId r:id="rId23"/>
+    <p:notesMasterId r:id="rId25"/>
   </p:notesMasterIdLst>
   <p:sldIdLst>
     <p:sldId id="284" r:id="rId5"/>
@@ -15,17 +15,19 @@
     <p:sldId id="305" r:id="rId9"/>
     <p:sldId id="307" r:id="rId10"/>
     <p:sldId id="309" r:id="rId11"/>
-    <p:sldId id="349" r:id="rId12"/>
-    <p:sldId id="362" r:id="rId13"/>
-    <p:sldId id="363" r:id="rId14"/>
-    <p:sldId id="350" r:id="rId15"/>
-    <p:sldId id="351" r:id="rId16"/>
-    <p:sldId id="352" r:id="rId17"/>
-    <p:sldId id="353" r:id="rId18"/>
-    <p:sldId id="354" r:id="rId19"/>
-    <p:sldId id="381" r:id="rId20"/>
-    <p:sldId id="382" r:id="rId21"/>
-    <p:sldId id="333" r:id="rId22"/>
+    <p:sldId id="383" r:id="rId12"/>
+    <p:sldId id="349" r:id="rId13"/>
+    <p:sldId id="384" r:id="rId14"/>
+    <p:sldId id="362" r:id="rId15"/>
+    <p:sldId id="363" r:id="rId16"/>
+    <p:sldId id="387" r:id="rId17"/>
+    <p:sldId id="351" r:id="rId18"/>
+    <p:sldId id="386" r:id="rId19"/>
+    <p:sldId id="385" r:id="rId20"/>
+    <p:sldId id="354" r:id="rId21"/>
+    <p:sldId id="381" r:id="rId22"/>
+    <p:sldId id="382" r:id="rId23"/>
+    <p:sldId id="333" r:id="rId24"/>
   </p:sldIdLst>
   <p:sldSz cx="9144000" cy="6858000" type="screen4x3"/>
   <p:notesSz cx="6858000" cy="9144000"/>
@@ -230,6 +232,790 @@
 </pc:chgInfo>
 </file>
 
+<file path=ppt/ink/ink1.xml><?xml version="1.0" encoding="utf-8"?>
+<inkml:ink xmlns:inkml="http://www.w3.org/2003/InkML">
+  <inkml:definitions>
+    <inkml:context xml:id="ctx0">
+      <inkml:inkSource xml:id="inkSrc0">
+        <inkml:traceFormat>
+          <inkml:channel name="X" type="integer" min="-2.14748E9" max="2.14748E9" units="cm"/>
+          <inkml:channel name="Y" type="integer" min="-2.14748E9" max="2.14748E9" units="cm"/>
+          <inkml:channel name="F" type="integer" max="32767" units="dev"/>
+        </inkml:traceFormat>
+        <inkml:channelProperties>
+          <inkml:channelProperty channel="X" name="resolution" value="1000" units="1/cm"/>
+          <inkml:channelProperty channel="Y" name="resolution" value="1000" units="1/cm"/>
+          <inkml:channelProperty channel="F" name="resolution" value="0" units="1/dev"/>
+        </inkml:channelProperties>
+      </inkml:inkSource>
+      <inkml:timestamp xml:id="ts0" timeString="2023-09-29T18:36:53.376"/>
+    </inkml:context>
+    <inkml:brush xml:id="br0">
+      <inkml:brushProperty name="width" value="0.035" units="cm"/>
+      <inkml:brushProperty name="height" value="0.035" units="cm"/>
+      <inkml:brushProperty name="color" value="#E71224"/>
+    </inkml:brush>
+  </inkml:definitions>
+  <inkml:trace contextRef="#ctx0" brushRef="#br0">0 1 24575,'0'5'0,"17"15"0,29 14 0,30 8 0,13 8 0,-3-5 0,-4-4 0,-10-3 0,-13-8 0,-15-4 0,-15-6-8191</inkml:trace>
+</inkml:ink>
+</file>
+
+<file path=ppt/ink/ink10.xml><?xml version="1.0" encoding="utf-8"?>
+<inkml:ink xmlns:inkml="http://www.w3.org/2003/InkML">
+  <inkml:definitions>
+    <inkml:context xml:id="ctx0">
+      <inkml:inkSource xml:id="inkSrc0">
+        <inkml:traceFormat>
+          <inkml:channel name="X" type="integer" min="-2.14748E9" max="2.14748E9" units="cm"/>
+          <inkml:channel name="Y" type="integer" min="-2.14748E9" max="2.14748E9" units="cm"/>
+          <inkml:channel name="F" type="integer" max="32767" units="dev"/>
+        </inkml:traceFormat>
+        <inkml:channelProperties>
+          <inkml:channelProperty channel="X" name="resolution" value="1000" units="1/cm"/>
+          <inkml:channelProperty channel="Y" name="resolution" value="1000" units="1/cm"/>
+          <inkml:channelProperty channel="F" name="resolution" value="0" units="1/dev"/>
+        </inkml:channelProperties>
+      </inkml:inkSource>
+      <inkml:timestamp xml:id="ts0" timeString="2023-09-29T18:36:57.706"/>
+    </inkml:context>
+    <inkml:brush xml:id="br0">
+      <inkml:brushProperty name="width" value="0.035" units="cm"/>
+      <inkml:brushProperty name="height" value="0.035" units="cm"/>
+      <inkml:brushProperty name="color" value="#E71224"/>
+    </inkml:brush>
+  </inkml:definitions>
+  <inkml:trace contextRef="#ctx0" brushRef="#br0">0 619 24575,'0'-6'0,"0"-7"0,12-20 0,26-26 0,18-27 0,18-9 0,1-1 0,0 4 0,-13 13 0,-17 19-8191</inkml:trace>
+</inkml:ink>
+</file>
+
+<file path=ppt/ink/ink11.xml><?xml version="1.0" encoding="utf-8"?>
+<inkml:ink xmlns:inkml="http://www.w3.org/2003/InkML">
+  <inkml:definitions>
+    <inkml:context xml:id="ctx0">
+      <inkml:inkSource xml:id="inkSrc0">
+        <inkml:traceFormat>
+          <inkml:channel name="X" type="integer" min="-2.14748E9" max="2.14748E9" units="cm"/>
+          <inkml:channel name="Y" type="integer" min="-2.14748E9" max="2.14748E9" units="cm"/>
+          <inkml:channel name="F" type="integer" max="32767" units="dev"/>
+        </inkml:traceFormat>
+        <inkml:channelProperties>
+          <inkml:channelProperty channel="X" name="resolution" value="1000" units="1/cm"/>
+          <inkml:channelProperty channel="Y" name="resolution" value="1000" units="1/cm"/>
+          <inkml:channelProperty channel="F" name="resolution" value="0" units="1/dev"/>
+        </inkml:channelProperties>
+      </inkml:inkSource>
+      <inkml:timestamp xml:id="ts0" timeString="2023-09-29T18:36:58.595"/>
+    </inkml:context>
+    <inkml:brush xml:id="br0">
+      <inkml:brushProperty name="width" value="0.035" units="cm"/>
+      <inkml:brushProperty name="height" value="0.035" units="cm"/>
+      <inkml:brushProperty name="color" value="#E71224"/>
+    </inkml:brush>
+  </inkml:definitions>
+  <inkml:trace contextRef="#ctx0" brushRef="#br0">611 0 24575,'-12'0'0,"-15"6"0,-14 7 0,-7 8 0,-5-1 0,5 3 0,5 3 0,5-2 0,2-1 0,-3-3 0,-2 0 0,1-3 0,7 1 0,4-2 0,0-4 0,0-4 0,4-4-8191</inkml:trace>
+</inkml:ink>
+</file>
+
+<file path=ppt/ink/ink12.xml><?xml version="1.0" encoding="utf-8"?>
+<inkml:ink xmlns:inkml="http://www.w3.org/2003/InkML">
+  <inkml:definitions>
+    <inkml:context xml:id="ctx0">
+      <inkml:inkSource xml:id="inkSrc0">
+        <inkml:traceFormat>
+          <inkml:channel name="X" type="integer" min="-2.14748E9" max="2.14748E9" units="cm"/>
+          <inkml:channel name="Y" type="integer" min="-2.14748E9" max="2.14748E9" units="cm"/>
+          <inkml:channel name="F" type="integer" max="32767" units="dev"/>
+        </inkml:traceFormat>
+        <inkml:channelProperties>
+          <inkml:channelProperty channel="X" name="resolution" value="1000" units="1/cm"/>
+          <inkml:channelProperty channel="Y" name="resolution" value="1000" units="1/cm"/>
+          <inkml:channelProperty channel="F" name="resolution" value="0" units="1/dev"/>
+        </inkml:channelProperties>
+      </inkml:inkSource>
+      <inkml:timestamp xml:id="ts0" timeString="2023-09-29T18:36:59.517"/>
+    </inkml:context>
+    <inkml:brush xml:id="br0">
+      <inkml:brushProperty name="width" value="0.035" units="cm"/>
+      <inkml:brushProperty name="height" value="0.035" units="cm"/>
+      <inkml:brushProperty name="color" value="#E71224"/>
+    </inkml:brush>
+  </inkml:definitions>
+  <inkml:trace contextRef="#ctx0" brushRef="#br0">1 1 24575,'0'6'0,"0"13"0,0 9 0,0 6 0,0 2 0,5 2 0,3-1 0,-1 0 0,-1-1 0,-2-1 0,-2-1 0,0 1 0,-2-7-8191</inkml:trace>
+</inkml:ink>
+</file>
+
+<file path=ppt/ink/ink13.xml><?xml version="1.0" encoding="utf-8"?>
+<inkml:ink xmlns:inkml="http://www.w3.org/2003/InkML">
+  <inkml:definitions>
+    <inkml:context xml:id="ctx0">
+      <inkml:inkSource xml:id="inkSrc0">
+        <inkml:traceFormat>
+          <inkml:channel name="X" type="integer" min="-2.14748E9" max="2.14748E9" units="cm"/>
+          <inkml:channel name="Y" type="integer" min="-2.14748E9" max="2.14748E9" units="cm"/>
+          <inkml:channel name="F" type="integer" max="32767" units="dev"/>
+        </inkml:traceFormat>
+        <inkml:channelProperties>
+          <inkml:channelProperty channel="X" name="resolution" value="1000" units="1/cm"/>
+          <inkml:channelProperty channel="Y" name="resolution" value="1000" units="1/cm"/>
+          <inkml:channelProperty channel="F" name="resolution" value="0" units="1/dev"/>
+        </inkml:channelProperties>
+      </inkml:inkSource>
+      <inkml:timestamp xml:id="ts0" timeString="2023-09-29T18:37:04.615"/>
+    </inkml:context>
+    <inkml:brush xml:id="br0">
+      <inkml:brushProperty name="width" value="0.035" units="cm"/>
+      <inkml:brushProperty name="height" value="0.035" units="cm"/>
+      <inkml:brushProperty name="color" value="#E71224"/>
+    </inkml:brush>
+  </inkml:definitions>
+  <inkml:trace contextRef="#ctx0" brushRef="#br0">1 0 24575,'0'0'0</inkml:trace>
+</inkml:ink>
+</file>
+
+<file path=ppt/ink/ink14.xml><?xml version="1.0" encoding="utf-8"?>
+<inkml:ink xmlns:inkml="http://www.w3.org/2003/InkML">
+  <inkml:definitions>
+    <inkml:context xml:id="ctx0">
+      <inkml:inkSource xml:id="inkSrc0">
+        <inkml:traceFormat>
+          <inkml:channel name="X" type="integer" min="-2.14748E9" max="2.14748E9" units="cm"/>
+          <inkml:channel name="Y" type="integer" min="-2.14748E9" max="2.14748E9" units="cm"/>
+          <inkml:channel name="F" type="integer" max="32767" units="dev"/>
+        </inkml:traceFormat>
+        <inkml:channelProperties>
+          <inkml:channelProperty channel="X" name="resolution" value="1000" units="1/cm"/>
+          <inkml:channelProperty channel="Y" name="resolution" value="1000" units="1/cm"/>
+          <inkml:channelProperty channel="F" name="resolution" value="0" units="1/dev"/>
+        </inkml:channelProperties>
+      </inkml:inkSource>
+      <inkml:timestamp xml:id="ts0" timeString="2023-09-29T18:37:09.740"/>
+    </inkml:context>
+    <inkml:brush xml:id="br0">
+      <inkml:brushProperty name="width" value="0.035" units="cm"/>
+      <inkml:brushProperty name="height" value="0.035" units="cm"/>
+      <inkml:brushProperty name="color" value="#E71224"/>
+    </inkml:brush>
+  </inkml:definitions>
+  <inkml:trace contextRef="#ctx0" brushRef="#br0">0 0 24575,'1626'0'0,"-1562"3"0,68 12 0,56 3 0,969-16 0,-554-5 0,43 3-1365,-604 0-5461</inkml:trace>
+</inkml:ink>
+</file>
+
+<file path=ppt/ink/ink15.xml><?xml version="1.0" encoding="utf-8"?>
+<inkml:ink xmlns:inkml="http://www.w3.org/2003/InkML">
+  <inkml:definitions>
+    <inkml:context xml:id="ctx0">
+      <inkml:inkSource xml:id="inkSrc0">
+        <inkml:traceFormat>
+          <inkml:channel name="X" type="integer" min="-2.14748E9" max="2.14748E9" units="cm"/>
+          <inkml:channel name="Y" type="integer" min="-2.14748E9" max="2.14748E9" units="cm"/>
+          <inkml:channel name="F" type="integer" max="32767" units="dev"/>
+        </inkml:traceFormat>
+        <inkml:channelProperties>
+          <inkml:channelProperty channel="X" name="resolution" value="1000" units="1/cm"/>
+          <inkml:channelProperty channel="Y" name="resolution" value="1000" units="1/cm"/>
+          <inkml:channelProperty channel="F" name="resolution" value="0" units="1/dev"/>
+        </inkml:channelProperties>
+      </inkml:inkSource>
+      <inkml:timestamp xml:id="ts0" timeString="2023-09-29T18:36:53.376"/>
+    </inkml:context>
+    <inkml:brush xml:id="br0">
+      <inkml:brushProperty name="width" value="0.035" units="cm"/>
+      <inkml:brushProperty name="height" value="0.035" units="cm"/>
+      <inkml:brushProperty name="color" value="#E71224"/>
+    </inkml:brush>
+  </inkml:definitions>
+  <inkml:trace contextRef="#ctx0" brushRef="#br0">0 1 24575,'0'5'0,"17"15"0,29 14 0,30 8 0,13 8 0,-3-5 0,-4-4 0,-10-3 0,-13-8 0,-15-4 0,-15-6-8191</inkml:trace>
+</inkml:ink>
+</file>
+
+<file path=ppt/ink/ink16.xml><?xml version="1.0" encoding="utf-8"?>
+<inkml:ink xmlns:inkml="http://www.w3.org/2003/InkML">
+  <inkml:definitions>
+    <inkml:context xml:id="ctx0">
+      <inkml:inkSource xml:id="inkSrc0">
+        <inkml:traceFormat>
+          <inkml:channel name="X" type="integer" min="-2.14748E9" max="2.14748E9" units="cm"/>
+          <inkml:channel name="Y" type="integer" min="-2.14748E9" max="2.14748E9" units="cm"/>
+          <inkml:channel name="F" type="integer" max="32767" units="dev"/>
+        </inkml:traceFormat>
+        <inkml:channelProperties>
+          <inkml:channelProperty channel="X" name="resolution" value="1000" units="1/cm"/>
+          <inkml:channelProperty channel="Y" name="resolution" value="1000" units="1/cm"/>
+          <inkml:channelProperty channel="F" name="resolution" value="0" units="1/dev"/>
+        </inkml:channelProperties>
+      </inkml:inkSource>
+      <inkml:timestamp xml:id="ts0" timeString="2023-09-29T18:36:53.817"/>
+    </inkml:context>
+    <inkml:brush xml:id="br0">
+      <inkml:brushProperty name="width" value="0.035" units="cm"/>
+      <inkml:brushProperty name="height" value="0.035" units="cm"/>
+      <inkml:brushProperty name="color" value="#E71224"/>
+    </inkml:brush>
+  </inkml:definitions>
+  <inkml:trace contextRef="#ctx0" brushRef="#br0">1 1 24575,'6'0'0,"7"0"0,31 6 0,25 7 0,12 2 0,4-2 0,-7 3 0,-11-2 0,-5-2 0,-13-5-8191</inkml:trace>
+</inkml:ink>
+</file>
+
+<file path=ppt/ink/ink17.xml><?xml version="1.0" encoding="utf-8"?>
+<inkml:ink xmlns:inkml="http://www.w3.org/2003/InkML">
+  <inkml:definitions>
+    <inkml:context xml:id="ctx0">
+      <inkml:inkSource xml:id="inkSrc0">
+        <inkml:traceFormat>
+          <inkml:channel name="X" type="integer" min="-2.14748E9" max="2.14748E9" units="cm"/>
+          <inkml:channel name="Y" type="integer" min="-2.14748E9" max="2.14748E9" units="cm"/>
+          <inkml:channel name="F" type="integer" max="32767" units="dev"/>
+        </inkml:traceFormat>
+        <inkml:channelProperties>
+          <inkml:channelProperty channel="X" name="resolution" value="1000" units="1/cm"/>
+          <inkml:channelProperty channel="Y" name="resolution" value="1000" units="1/cm"/>
+          <inkml:channelProperty channel="F" name="resolution" value="0" units="1/dev"/>
+        </inkml:channelProperties>
+      </inkml:inkSource>
+      <inkml:timestamp xml:id="ts0" timeString="2023-09-29T18:36:54.326"/>
+    </inkml:context>
+    <inkml:brush xml:id="br0">
+      <inkml:brushProperty name="width" value="0.035" units="cm"/>
+      <inkml:brushProperty name="height" value="0.035" units="cm"/>
+      <inkml:brushProperty name="color" value="#E71224"/>
+    </inkml:brush>
+  </inkml:definitions>
+  <inkml:trace contextRef="#ctx0" brushRef="#br0">1 1 24575,'28'0'0,"28"6"0,21 1 0,20 6 0,11 1 0,5 3 0,0 0 0,-2 1 0,-14-1 0,-17 2 0,-23-3-8191</inkml:trace>
+</inkml:ink>
+</file>
+
+<file path=ppt/ink/ink18.xml><?xml version="1.0" encoding="utf-8"?>
+<inkml:ink xmlns:inkml="http://www.w3.org/2003/InkML">
+  <inkml:definitions>
+    <inkml:context xml:id="ctx0">
+      <inkml:inkSource xml:id="inkSrc0">
+        <inkml:traceFormat>
+          <inkml:channel name="X" type="integer" min="-2.14748E9" max="2.14748E9" units="cm"/>
+          <inkml:channel name="Y" type="integer" min="-2.14748E9" max="2.14748E9" units="cm"/>
+          <inkml:channel name="F" type="integer" max="32767" units="dev"/>
+        </inkml:traceFormat>
+        <inkml:channelProperties>
+          <inkml:channelProperty channel="X" name="resolution" value="1000" units="1/cm"/>
+          <inkml:channelProperty channel="Y" name="resolution" value="1000" units="1/cm"/>
+          <inkml:channelProperty channel="F" name="resolution" value="0" units="1/dev"/>
+        </inkml:channelProperties>
+      </inkml:inkSource>
+      <inkml:timestamp xml:id="ts0" timeString="2023-09-29T18:36:54.752"/>
+    </inkml:context>
+    <inkml:brush xml:id="br0">
+      <inkml:brushProperty name="width" value="0.035" units="cm"/>
+      <inkml:brushProperty name="height" value="0.035" units="cm"/>
+      <inkml:brushProperty name="color" value="#E71224"/>
+    </inkml:brush>
+  </inkml:definitions>
+  <inkml:trace contextRef="#ctx0" brushRef="#br0">1 1 24575,'5'0'0,"9"0"0,12 0 0,20 0 0,14 0 0,7 6 0,-1 1 0,-1 0 0,-5-1 0,-14-2-8191</inkml:trace>
+</inkml:ink>
+</file>
+
+<file path=ppt/ink/ink19.xml><?xml version="1.0" encoding="utf-8"?>
+<inkml:ink xmlns:inkml="http://www.w3.org/2003/InkML">
+  <inkml:definitions>
+    <inkml:context xml:id="ctx0">
+      <inkml:inkSource xml:id="inkSrc0">
+        <inkml:traceFormat>
+          <inkml:channel name="X" type="integer" min="-2.14748E9" max="2.14748E9" units="cm"/>
+          <inkml:channel name="Y" type="integer" min="-2.14748E9" max="2.14748E9" units="cm"/>
+          <inkml:channel name="F" type="integer" max="32767" units="dev"/>
+        </inkml:traceFormat>
+        <inkml:channelProperties>
+          <inkml:channelProperty channel="X" name="resolution" value="1000" units="1/cm"/>
+          <inkml:channelProperty channel="Y" name="resolution" value="1000" units="1/cm"/>
+          <inkml:channelProperty channel="F" name="resolution" value="0" units="1/dev"/>
+        </inkml:channelProperties>
+      </inkml:inkSource>
+      <inkml:timestamp xml:id="ts0" timeString="2023-09-29T18:36:55.178"/>
+    </inkml:context>
+    <inkml:brush xml:id="br0">
+      <inkml:brushProperty name="width" value="0.035" units="cm"/>
+      <inkml:brushProperty name="height" value="0.035" units="cm"/>
+      <inkml:brushProperty name="color" value="#E71224"/>
+    </inkml:brush>
+  </inkml:definitions>
+  <inkml:trace contextRef="#ctx0" brushRef="#br0">0 1 24575,'12'0'0,"15"0"0,14 0 0,18 0 0,22 0 0,20 0 0,16 0 0,11 0 0,1 6 0,-10 2 0,-13-1 0,-20-1 0,-23-2-8191</inkml:trace>
+</inkml:ink>
+</file>
+
+<file path=ppt/ink/ink2.xml><?xml version="1.0" encoding="utf-8"?>
+<inkml:ink xmlns:inkml="http://www.w3.org/2003/InkML">
+  <inkml:definitions>
+    <inkml:context xml:id="ctx0">
+      <inkml:inkSource xml:id="inkSrc0">
+        <inkml:traceFormat>
+          <inkml:channel name="X" type="integer" min="-2.14748E9" max="2.14748E9" units="cm"/>
+          <inkml:channel name="Y" type="integer" min="-2.14748E9" max="2.14748E9" units="cm"/>
+          <inkml:channel name="F" type="integer" max="32767" units="dev"/>
+        </inkml:traceFormat>
+        <inkml:channelProperties>
+          <inkml:channelProperty channel="X" name="resolution" value="1000" units="1/cm"/>
+          <inkml:channelProperty channel="Y" name="resolution" value="1000" units="1/cm"/>
+          <inkml:channelProperty channel="F" name="resolution" value="0" units="1/dev"/>
+        </inkml:channelProperties>
+      </inkml:inkSource>
+      <inkml:timestamp xml:id="ts0" timeString="2023-09-29T18:36:53.817"/>
+    </inkml:context>
+    <inkml:brush xml:id="br0">
+      <inkml:brushProperty name="width" value="0.035" units="cm"/>
+      <inkml:brushProperty name="height" value="0.035" units="cm"/>
+      <inkml:brushProperty name="color" value="#E71224"/>
+    </inkml:brush>
+  </inkml:definitions>
+  <inkml:trace contextRef="#ctx0" brushRef="#br0">1 1 24575,'6'0'0,"7"0"0,31 6 0,25 7 0,12 2 0,4-2 0,-7 3 0,-11-2 0,-5-2 0,-13-5-8191</inkml:trace>
+</inkml:ink>
+</file>
+
+<file path=ppt/ink/ink20.xml><?xml version="1.0" encoding="utf-8"?>
+<inkml:ink xmlns:inkml="http://www.w3.org/2003/InkML">
+  <inkml:definitions>
+    <inkml:context xml:id="ctx0">
+      <inkml:inkSource xml:id="inkSrc0">
+        <inkml:traceFormat>
+          <inkml:channel name="X" type="integer" min="-2.14748E9" max="2.14748E9" units="cm"/>
+          <inkml:channel name="Y" type="integer" min="-2.14748E9" max="2.14748E9" units="cm"/>
+          <inkml:channel name="F" type="integer" max="32767" units="dev"/>
+        </inkml:traceFormat>
+        <inkml:channelProperties>
+          <inkml:channelProperty channel="X" name="resolution" value="1000" units="1/cm"/>
+          <inkml:channelProperty channel="Y" name="resolution" value="1000" units="1/cm"/>
+          <inkml:channelProperty channel="F" name="resolution" value="0" units="1/dev"/>
+        </inkml:channelProperties>
+      </inkml:inkSource>
+      <inkml:timestamp xml:id="ts0" timeString="2023-09-29T18:36:55.606"/>
+    </inkml:context>
+    <inkml:brush xml:id="br0">
+      <inkml:brushProperty name="width" value="0.035" units="cm"/>
+      <inkml:brushProperty name="height" value="0.035" units="cm"/>
+      <inkml:brushProperty name="color" value="#E71224"/>
+    </inkml:brush>
+  </inkml:definitions>
+  <inkml:trace contextRef="#ctx0" brushRef="#br0">1 75 24575,'17'0'0,"18"0"0,8 0 0,37-12 0,29-9 0,29-1 0,-8 3-8191</inkml:trace>
+</inkml:ink>
+</file>
+
+<file path=ppt/ink/ink21.xml><?xml version="1.0" encoding="utf-8"?>
+<inkml:ink xmlns:inkml="http://www.w3.org/2003/InkML">
+  <inkml:definitions>
+    <inkml:context xml:id="ctx0">
+      <inkml:inkSource xml:id="inkSrc0">
+        <inkml:traceFormat>
+          <inkml:channel name="X" type="integer" min="-2.14748E9" max="2.14748E9" units="cm"/>
+          <inkml:channel name="Y" type="integer" min="-2.14748E9" max="2.14748E9" units="cm"/>
+          <inkml:channel name="F" type="integer" max="32767" units="dev"/>
+        </inkml:traceFormat>
+        <inkml:channelProperties>
+          <inkml:channelProperty channel="X" name="resolution" value="1000" units="1/cm"/>
+          <inkml:channelProperty channel="Y" name="resolution" value="1000" units="1/cm"/>
+          <inkml:channelProperty channel="F" name="resolution" value="0" units="1/dev"/>
+        </inkml:channelProperties>
+      </inkml:inkSource>
+      <inkml:timestamp xml:id="ts0" timeString="2023-09-29T18:36:55.938"/>
+    </inkml:context>
+    <inkml:brush xml:id="br0">
+      <inkml:brushProperty name="width" value="0.035" units="cm"/>
+      <inkml:brushProperty name="height" value="0.035" units="cm"/>
+      <inkml:brushProperty name="color" value="#E71224"/>
+    </inkml:brush>
+  </inkml:definitions>
+  <inkml:trace contextRef="#ctx0" brushRef="#br0">0 162 24575,'6'0'0,"13"0"0,15-5 0,19-9 0,12-1 0,12-4 0,10-4 0,8-5 0,11-2 0,-13 3-8191</inkml:trace>
+</inkml:ink>
+</file>
+
+<file path=ppt/ink/ink22.xml><?xml version="1.0" encoding="utf-8"?>
+<inkml:ink xmlns:inkml="http://www.w3.org/2003/InkML">
+  <inkml:definitions>
+    <inkml:context xml:id="ctx0">
+      <inkml:inkSource xml:id="inkSrc0">
+        <inkml:traceFormat>
+          <inkml:channel name="X" type="integer" min="-2.14748E9" max="2.14748E9" units="cm"/>
+          <inkml:channel name="Y" type="integer" min="-2.14748E9" max="2.14748E9" units="cm"/>
+          <inkml:channel name="F" type="integer" max="32767" units="dev"/>
+        </inkml:traceFormat>
+        <inkml:channelProperties>
+          <inkml:channelProperty channel="X" name="resolution" value="1000" units="1/cm"/>
+          <inkml:channelProperty channel="Y" name="resolution" value="1000" units="1/cm"/>
+          <inkml:channelProperty channel="F" name="resolution" value="0" units="1/dev"/>
+        </inkml:channelProperties>
+      </inkml:inkSource>
+      <inkml:timestamp xml:id="ts0" timeString="2023-09-29T18:36:56.303"/>
+    </inkml:context>
+    <inkml:brush xml:id="br0">
+      <inkml:brushProperty name="width" value="0.035" units="cm"/>
+      <inkml:brushProperty name="height" value="0.035" units="cm"/>
+      <inkml:brushProperty name="color" value="#E71224"/>
+    </inkml:brush>
+  </inkml:definitions>
+  <inkml:trace contextRef="#ctx0" brushRef="#br0">0 198 24575,'12'-18'0,"32"-33"0,15-15 0,-3 4-8191</inkml:trace>
+</inkml:ink>
+</file>
+
+<file path=ppt/ink/ink23.xml><?xml version="1.0" encoding="utf-8"?>
+<inkml:ink xmlns:inkml="http://www.w3.org/2003/InkML">
+  <inkml:definitions>
+    <inkml:context xml:id="ctx0">
+      <inkml:inkSource xml:id="inkSrc0">
+        <inkml:traceFormat>
+          <inkml:channel name="X" type="integer" min="-2.14748E9" max="2.14748E9" units="cm"/>
+          <inkml:channel name="Y" type="integer" min="-2.14748E9" max="2.14748E9" units="cm"/>
+          <inkml:channel name="F" type="integer" max="32767" units="dev"/>
+        </inkml:traceFormat>
+        <inkml:channelProperties>
+          <inkml:channelProperty channel="X" name="resolution" value="1000" units="1/cm"/>
+          <inkml:channelProperty channel="Y" name="resolution" value="1000" units="1/cm"/>
+          <inkml:channelProperty channel="F" name="resolution" value="0" units="1/dev"/>
+        </inkml:channelProperties>
+      </inkml:inkSource>
+      <inkml:timestamp xml:id="ts0" timeString="2023-09-29T18:36:57.078"/>
+    </inkml:context>
+    <inkml:brush xml:id="br0">
+      <inkml:brushProperty name="width" value="0.035" units="cm"/>
+      <inkml:brushProperty name="height" value="0.035" units="cm"/>
+      <inkml:brushProperty name="color" value="#E71224"/>
+    </inkml:brush>
+  </inkml:definitions>
+  <inkml:trace contextRef="#ctx0" brushRef="#br0">0 95 24575,'6'0'0,"7"0"0,8 0 0,0-6 0,8-2 0,4-5 0,4-7 0,0-5 0,-6 2-8191</inkml:trace>
+</inkml:ink>
+</file>
+
+<file path=ppt/ink/ink24.xml><?xml version="1.0" encoding="utf-8"?>
+<inkml:ink xmlns:inkml="http://www.w3.org/2003/InkML">
+  <inkml:definitions>
+    <inkml:context xml:id="ctx0">
+      <inkml:inkSource xml:id="inkSrc0">
+        <inkml:traceFormat>
+          <inkml:channel name="X" type="integer" min="-2.14748E9" max="2.14748E9" units="cm"/>
+          <inkml:channel name="Y" type="integer" min="-2.14748E9" max="2.14748E9" units="cm"/>
+          <inkml:channel name="F" type="integer" max="32767" units="dev"/>
+        </inkml:traceFormat>
+        <inkml:channelProperties>
+          <inkml:channelProperty channel="X" name="resolution" value="1000" units="1/cm"/>
+          <inkml:channelProperty channel="Y" name="resolution" value="1000" units="1/cm"/>
+          <inkml:channelProperty channel="F" name="resolution" value="0" units="1/dev"/>
+        </inkml:channelProperties>
+      </inkml:inkSource>
+      <inkml:timestamp xml:id="ts0" timeString="2023-09-29T18:36:57.706"/>
+    </inkml:context>
+    <inkml:brush xml:id="br0">
+      <inkml:brushProperty name="width" value="0.035" units="cm"/>
+      <inkml:brushProperty name="height" value="0.035" units="cm"/>
+      <inkml:brushProperty name="color" value="#E71224"/>
+    </inkml:brush>
+  </inkml:definitions>
+  <inkml:trace contextRef="#ctx0" brushRef="#br0">0 619 24575,'0'-6'0,"0"-7"0,12-20 0,26-26 0,18-27 0,18-9 0,1-1 0,0 4 0,-13 13 0,-17 19-8191</inkml:trace>
+</inkml:ink>
+</file>
+
+<file path=ppt/ink/ink25.xml><?xml version="1.0" encoding="utf-8"?>
+<inkml:ink xmlns:inkml="http://www.w3.org/2003/InkML">
+  <inkml:definitions>
+    <inkml:context xml:id="ctx0">
+      <inkml:inkSource xml:id="inkSrc0">
+        <inkml:traceFormat>
+          <inkml:channel name="X" type="integer" min="-2.14748E9" max="2.14748E9" units="cm"/>
+          <inkml:channel name="Y" type="integer" min="-2.14748E9" max="2.14748E9" units="cm"/>
+          <inkml:channel name="F" type="integer" max="32767" units="dev"/>
+        </inkml:traceFormat>
+        <inkml:channelProperties>
+          <inkml:channelProperty channel="X" name="resolution" value="1000" units="1/cm"/>
+          <inkml:channelProperty channel="Y" name="resolution" value="1000" units="1/cm"/>
+          <inkml:channelProperty channel="F" name="resolution" value="0" units="1/dev"/>
+        </inkml:channelProperties>
+      </inkml:inkSource>
+      <inkml:timestamp xml:id="ts0" timeString="2023-09-29T18:36:58.595"/>
+    </inkml:context>
+    <inkml:brush xml:id="br0">
+      <inkml:brushProperty name="width" value="0.035" units="cm"/>
+      <inkml:brushProperty name="height" value="0.035" units="cm"/>
+      <inkml:brushProperty name="color" value="#E71224"/>
+    </inkml:brush>
+  </inkml:definitions>
+  <inkml:trace contextRef="#ctx0" brushRef="#br0">611 0 24575,'-12'0'0,"-15"6"0,-14 7 0,-7 8 0,-5-1 0,5 3 0,5 3 0,5-2 0,2-1 0,-3-3 0,-2 0 0,1-3 0,7 1 0,4-2 0,0-4 0,0-4 0,4-4-8191</inkml:trace>
+</inkml:ink>
+</file>
+
+<file path=ppt/ink/ink26.xml><?xml version="1.0" encoding="utf-8"?>
+<inkml:ink xmlns:inkml="http://www.w3.org/2003/InkML">
+  <inkml:definitions>
+    <inkml:context xml:id="ctx0">
+      <inkml:inkSource xml:id="inkSrc0">
+        <inkml:traceFormat>
+          <inkml:channel name="X" type="integer" min="-2.14748E9" max="2.14748E9" units="cm"/>
+          <inkml:channel name="Y" type="integer" min="-2.14748E9" max="2.14748E9" units="cm"/>
+          <inkml:channel name="F" type="integer" max="32767" units="dev"/>
+        </inkml:traceFormat>
+        <inkml:channelProperties>
+          <inkml:channelProperty channel="X" name="resolution" value="1000" units="1/cm"/>
+          <inkml:channelProperty channel="Y" name="resolution" value="1000" units="1/cm"/>
+          <inkml:channelProperty channel="F" name="resolution" value="0" units="1/dev"/>
+        </inkml:channelProperties>
+      </inkml:inkSource>
+      <inkml:timestamp xml:id="ts0" timeString="2023-09-29T18:36:59.517"/>
+    </inkml:context>
+    <inkml:brush xml:id="br0">
+      <inkml:brushProperty name="width" value="0.035" units="cm"/>
+      <inkml:brushProperty name="height" value="0.035" units="cm"/>
+      <inkml:brushProperty name="color" value="#E71224"/>
+    </inkml:brush>
+  </inkml:definitions>
+  <inkml:trace contextRef="#ctx0" brushRef="#br0">1 1 24575,'0'6'0,"0"13"0,0 9 0,0 6 0,0 2 0,5 2 0,3-1 0,-1 0 0,-1-1 0,-2-1 0,-2-1 0,0 1 0,-2-7-8191</inkml:trace>
+</inkml:ink>
+</file>
+
+<file path=ppt/ink/ink27.xml><?xml version="1.0" encoding="utf-8"?>
+<inkml:ink xmlns:inkml="http://www.w3.org/2003/InkML">
+  <inkml:definitions>
+    <inkml:context xml:id="ctx0">
+      <inkml:inkSource xml:id="inkSrc0">
+        <inkml:traceFormat>
+          <inkml:channel name="X" type="integer" min="-2.14748E9" max="2.14748E9" units="cm"/>
+          <inkml:channel name="Y" type="integer" min="-2.14748E9" max="2.14748E9" units="cm"/>
+          <inkml:channel name="F" type="integer" max="32767" units="dev"/>
+        </inkml:traceFormat>
+        <inkml:channelProperties>
+          <inkml:channelProperty channel="X" name="resolution" value="1000" units="1/cm"/>
+          <inkml:channelProperty channel="Y" name="resolution" value="1000" units="1/cm"/>
+          <inkml:channelProperty channel="F" name="resolution" value="0" units="1/dev"/>
+        </inkml:channelProperties>
+      </inkml:inkSource>
+      <inkml:timestamp xml:id="ts0" timeString="2023-09-29T18:37:04.615"/>
+    </inkml:context>
+    <inkml:brush xml:id="br0">
+      <inkml:brushProperty name="width" value="0.035" units="cm"/>
+      <inkml:brushProperty name="height" value="0.035" units="cm"/>
+      <inkml:brushProperty name="color" value="#E71224"/>
+    </inkml:brush>
+  </inkml:definitions>
+  <inkml:trace contextRef="#ctx0" brushRef="#br0">1 0 24575,'0'0'0</inkml:trace>
+</inkml:ink>
+</file>
+
+<file path=ppt/ink/ink28.xml><?xml version="1.0" encoding="utf-8"?>
+<inkml:ink xmlns:inkml="http://www.w3.org/2003/InkML">
+  <inkml:definitions>
+    <inkml:context xml:id="ctx0">
+      <inkml:inkSource xml:id="inkSrc0">
+        <inkml:traceFormat>
+          <inkml:channel name="X" type="integer" min="-2.14748E9" max="2.14748E9" units="cm"/>
+          <inkml:channel name="Y" type="integer" min="-2.14748E9" max="2.14748E9" units="cm"/>
+          <inkml:channel name="F" type="integer" max="32767" units="dev"/>
+        </inkml:traceFormat>
+        <inkml:channelProperties>
+          <inkml:channelProperty channel="X" name="resolution" value="1000" units="1/cm"/>
+          <inkml:channelProperty channel="Y" name="resolution" value="1000" units="1/cm"/>
+          <inkml:channelProperty channel="F" name="resolution" value="0" units="1/dev"/>
+        </inkml:channelProperties>
+      </inkml:inkSource>
+      <inkml:timestamp xml:id="ts0" timeString="2023-09-29T18:37:09.740"/>
+    </inkml:context>
+    <inkml:brush xml:id="br0">
+      <inkml:brushProperty name="width" value="0.035" units="cm"/>
+      <inkml:brushProperty name="height" value="0.035" units="cm"/>
+      <inkml:brushProperty name="color" value="#E71224"/>
+    </inkml:brush>
+  </inkml:definitions>
+  <inkml:trace contextRef="#ctx0" brushRef="#br0">0 0 24575,'1626'0'0,"-1562"3"0,68 12 0,56 3 0,969-16 0,-554-5 0,43 3-1365,-604 0-5461</inkml:trace>
+</inkml:ink>
+</file>
+
+<file path=ppt/ink/ink3.xml><?xml version="1.0" encoding="utf-8"?>
+<inkml:ink xmlns:inkml="http://www.w3.org/2003/InkML">
+  <inkml:definitions>
+    <inkml:context xml:id="ctx0">
+      <inkml:inkSource xml:id="inkSrc0">
+        <inkml:traceFormat>
+          <inkml:channel name="X" type="integer" min="-2.14748E9" max="2.14748E9" units="cm"/>
+          <inkml:channel name="Y" type="integer" min="-2.14748E9" max="2.14748E9" units="cm"/>
+          <inkml:channel name="F" type="integer" max="32767" units="dev"/>
+        </inkml:traceFormat>
+        <inkml:channelProperties>
+          <inkml:channelProperty channel="X" name="resolution" value="1000" units="1/cm"/>
+          <inkml:channelProperty channel="Y" name="resolution" value="1000" units="1/cm"/>
+          <inkml:channelProperty channel="F" name="resolution" value="0" units="1/dev"/>
+        </inkml:channelProperties>
+      </inkml:inkSource>
+      <inkml:timestamp xml:id="ts0" timeString="2023-09-29T18:36:54.326"/>
+    </inkml:context>
+    <inkml:brush xml:id="br0">
+      <inkml:brushProperty name="width" value="0.035" units="cm"/>
+      <inkml:brushProperty name="height" value="0.035" units="cm"/>
+      <inkml:brushProperty name="color" value="#E71224"/>
+    </inkml:brush>
+  </inkml:definitions>
+  <inkml:trace contextRef="#ctx0" brushRef="#br0">1 1 24575,'28'0'0,"28"6"0,21 1 0,20 6 0,11 1 0,5 3 0,0 0 0,-2 1 0,-14-1 0,-17 2 0,-23-3-8191</inkml:trace>
+</inkml:ink>
+</file>
+
+<file path=ppt/ink/ink4.xml><?xml version="1.0" encoding="utf-8"?>
+<inkml:ink xmlns:inkml="http://www.w3.org/2003/InkML">
+  <inkml:definitions>
+    <inkml:context xml:id="ctx0">
+      <inkml:inkSource xml:id="inkSrc0">
+        <inkml:traceFormat>
+          <inkml:channel name="X" type="integer" min="-2.14748E9" max="2.14748E9" units="cm"/>
+          <inkml:channel name="Y" type="integer" min="-2.14748E9" max="2.14748E9" units="cm"/>
+          <inkml:channel name="F" type="integer" max="32767" units="dev"/>
+        </inkml:traceFormat>
+        <inkml:channelProperties>
+          <inkml:channelProperty channel="X" name="resolution" value="1000" units="1/cm"/>
+          <inkml:channelProperty channel="Y" name="resolution" value="1000" units="1/cm"/>
+          <inkml:channelProperty channel="F" name="resolution" value="0" units="1/dev"/>
+        </inkml:channelProperties>
+      </inkml:inkSource>
+      <inkml:timestamp xml:id="ts0" timeString="2023-09-29T18:36:54.752"/>
+    </inkml:context>
+    <inkml:brush xml:id="br0">
+      <inkml:brushProperty name="width" value="0.035" units="cm"/>
+      <inkml:brushProperty name="height" value="0.035" units="cm"/>
+      <inkml:brushProperty name="color" value="#E71224"/>
+    </inkml:brush>
+  </inkml:definitions>
+  <inkml:trace contextRef="#ctx0" brushRef="#br0">1 1 24575,'5'0'0,"9"0"0,12 0 0,20 0 0,14 0 0,7 6 0,-1 1 0,-1 0 0,-5-1 0,-14-2-8191</inkml:trace>
+</inkml:ink>
+</file>
+
+<file path=ppt/ink/ink5.xml><?xml version="1.0" encoding="utf-8"?>
+<inkml:ink xmlns:inkml="http://www.w3.org/2003/InkML">
+  <inkml:definitions>
+    <inkml:context xml:id="ctx0">
+      <inkml:inkSource xml:id="inkSrc0">
+        <inkml:traceFormat>
+          <inkml:channel name="X" type="integer" min="-2.14748E9" max="2.14748E9" units="cm"/>
+          <inkml:channel name="Y" type="integer" min="-2.14748E9" max="2.14748E9" units="cm"/>
+          <inkml:channel name="F" type="integer" max="32767" units="dev"/>
+        </inkml:traceFormat>
+        <inkml:channelProperties>
+          <inkml:channelProperty channel="X" name="resolution" value="1000" units="1/cm"/>
+          <inkml:channelProperty channel="Y" name="resolution" value="1000" units="1/cm"/>
+          <inkml:channelProperty channel="F" name="resolution" value="0" units="1/dev"/>
+        </inkml:channelProperties>
+      </inkml:inkSource>
+      <inkml:timestamp xml:id="ts0" timeString="2023-09-29T18:36:55.178"/>
+    </inkml:context>
+    <inkml:brush xml:id="br0">
+      <inkml:brushProperty name="width" value="0.035" units="cm"/>
+      <inkml:brushProperty name="height" value="0.035" units="cm"/>
+      <inkml:brushProperty name="color" value="#E71224"/>
+    </inkml:brush>
+  </inkml:definitions>
+  <inkml:trace contextRef="#ctx0" brushRef="#br0">0 1 24575,'12'0'0,"15"0"0,14 0 0,18 0 0,22 0 0,20 0 0,16 0 0,11 0 0,1 6 0,-10 2 0,-13-1 0,-20-1 0,-23-2-8191</inkml:trace>
+</inkml:ink>
+</file>
+
+<file path=ppt/ink/ink6.xml><?xml version="1.0" encoding="utf-8"?>
+<inkml:ink xmlns:inkml="http://www.w3.org/2003/InkML">
+  <inkml:definitions>
+    <inkml:context xml:id="ctx0">
+      <inkml:inkSource xml:id="inkSrc0">
+        <inkml:traceFormat>
+          <inkml:channel name="X" type="integer" min="-2.14748E9" max="2.14748E9" units="cm"/>
+          <inkml:channel name="Y" type="integer" min="-2.14748E9" max="2.14748E9" units="cm"/>
+          <inkml:channel name="F" type="integer" max="32767" units="dev"/>
+        </inkml:traceFormat>
+        <inkml:channelProperties>
+          <inkml:channelProperty channel="X" name="resolution" value="1000" units="1/cm"/>
+          <inkml:channelProperty channel="Y" name="resolution" value="1000" units="1/cm"/>
+          <inkml:channelProperty channel="F" name="resolution" value="0" units="1/dev"/>
+        </inkml:channelProperties>
+      </inkml:inkSource>
+      <inkml:timestamp xml:id="ts0" timeString="2023-09-29T18:36:55.606"/>
+    </inkml:context>
+    <inkml:brush xml:id="br0">
+      <inkml:brushProperty name="width" value="0.035" units="cm"/>
+      <inkml:brushProperty name="height" value="0.035" units="cm"/>
+      <inkml:brushProperty name="color" value="#E71224"/>
+    </inkml:brush>
+  </inkml:definitions>
+  <inkml:trace contextRef="#ctx0" brushRef="#br0">1 75 24575,'17'0'0,"18"0"0,8 0 0,37-12 0,29-9 0,29-1 0,-8 3-8191</inkml:trace>
+</inkml:ink>
+</file>
+
+<file path=ppt/ink/ink7.xml><?xml version="1.0" encoding="utf-8"?>
+<inkml:ink xmlns:inkml="http://www.w3.org/2003/InkML">
+  <inkml:definitions>
+    <inkml:context xml:id="ctx0">
+      <inkml:inkSource xml:id="inkSrc0">
+        <inkml:traceFormat>
+          <inkml:channel name="X" type="integer" min="-2.14748E9" max="2.14748E9" units="cm"/>
+          <inkml:channel name="Y" type="integer" min="-2.14748E9" max="2.14748E9" units="cm"/>
+          <inkml:channel name="F" type="integer" max="32767" units="dev"/>
+        </inkml:traceFormat>
+        <inkml:channelProperties>
+          <inkml:channelProperty channel="X" name="resolution" value="1000" units="1/cm"/>
+          <inkml:channelProperty channel="Y" name="resolution" value="1000" units="1/cm"/>
+          <inkml:channelProperty channel="F" name="resolution" value="0" units="1/dev"/>
+        </inkml:channelProperties>
+      </inkml:inkSource>
+      <inkml:timestamp xml:id="ts0" timeString="2023-09-29T18:36:55.938"/>
+    </inkml:context>
+    <inkml:brush xml:id="br0">
+      <inkml:brushProperty name="width" value="0.035" units="cm"/>
+      <inkml:brushProperty name="height" value="0.035" units="cm"/>
+      <inkml:brushProperty name="color" value="#E71224"/>
+    </inkml:brush>
+  </inkml:definitions>
+  <inkml:trace contextRef="#ctx0" brushRef="#br0">0 162 24575,'6'0'0,"13"0"0,15-5 0,19-9 0,12-1 0,12-4 0,10-4 0,8-5 0,11-2 0,-13 3-8191</inkml:trace>
+</inkml:ink>
+</file>
+
+<file path=ppt/ink/ink8.xml><?xml version="1.0" encoding="utf-8"?>
+<inkml:ink xmlns:inkml="http://www.w3.org/2003/InkML">
+  <inkml:definitions>
+    <inkml:context xml:id="ctx0">
+      <inkml:inkSource xml:id="inkSrc0">
+        <inkml:traceFormat>
+          <inkml:channel name="X" type="integer" min="-2.14748E9" max="2.14748E9" units="cm"/>
+          <inkml:channel name="Y" type="integer" min="-2.14748E9" max="2.14748E9" units="cm"/>
+          <inkml:channel name="F" type="integer" max="32767" units="dev"/>
+        </inkml:traceFormat>
+        <inkml:channelProperties>
+          <inkml:channelProperty channel="X" name="resolution" value="1000" units="1/cm"/>
+          <inkml:channelProperty channel="Y" name="resolution" value="1000" units="1/cm"/>
+          <inkml:channelProperty channel="F" name="resolution" value="0" units="1/dev"/>
+        </inkml:channelProperties>
+      </inkml:inkSource>
+      <inkml:timestamp xml:id="ts0" timeString="2023-09-29T18:36:56.303"/>
+    </inkml:context>
+    <inkml:brush xml:id="br0">
+      <inkml:brushProperty name="width" value="0.035" units="cm"/>
+      <inkml:brushProperty name="height" value="0.035" units="cm"/>
+      <inkml:brushProperty name="color" value="#E71224"/>
+    </inkml:brush>
+  </inkml:definitions>
+  <inkml:trace contextRef="#ctx0" brushRef="#br0">0 198 24575,'12'-18'0,"32"-33"0,15-15 0,-3 4-8191</inkml:trace>
+</inkml:ink>
+</file>
+
+<file path=ppt/ink/ink9.xml><?xml version="1.0" encoding="utf-8"?>
+<inkml:ink xmlns:inkml="http://www.w3.org/2003/InkML">
+  <inkml:definitions>
+    <inkml:context xml:id="ctx0">
+      <inkml:inkSource xml:id="inkSrc0">
+        <inkml:traceFormat>
+          <inkml:channel name="X" type="integer" min="-2.14748E9" max="2.14748E9" units="cm"/>
+          <inkml:channel name="Y" type="integer" min="-2.14748E9" max="2.14748E9" units="cm"/>
+          <inkml:channel name="F" type="integer" max="32767" units="dev"/>
+        </inkml:traceFormat>
+        <inkml:channelProperties>
+          <inkml:channelProperty channel="X" name="resolution" value="1000" units="1/cm"/>
+          <inkml:channelProperty channel="Y" name="resolution" value="1000" units="1/cm"/>
+          <inkml:channelProperty channel="F" name="resolution" value="0" units="1/dev"/>
+        </inkml:channelProperties>
+      </inkml:inkSource>
+      <inkml:timestamp xml:id="ts0" timeString="2023-09-29T18:36:57.078"/>
+    </inkml:context>
+    <inkml:brush xml:id="br0">
+      <inkml:brushProperty name="width" value="0.035" units="cm"/>
+      <inkml:brushProperty name="height" value="0.035" units="cm"/>
+      <inkml:brushProperty name="color" value="#E71224"/>
+    </inkml:brush>
+  </inkml:definitions>
+  <inkml:trace contextRef="#ctx0" brushRef="#br0">0 95 24575,'6'0'0,"7"0"0,8 0 0,0-6 0,8-2 0,4-5 0,4-7 0,0-5 0,-6 2-8191</inkml:trace>
+</inkml:ink>
+</file>
+
 <file path=ppt/notesMasters/notesMaster1.xml><?xml version="1.0" encoding="utf-8"?>
 <p:notesMaster xmlns:a="http://schemas.openxmlformats.org/drawingml/2006/main" xmlns:r="http://schemas.openxmlformats.org/officeDocument/2006/relationships" xmlns:p="http://schemas.openxmlformats.org/presentationml/2006/main">
   <p:cSld>
@@ -312,7 +1098,7 @@
           <a:p>
             <a:fld id="{11374350-B736-4AC1-A1E7-19777DF1B0E1}" type="datetimeFigureOut">
               <a:rPr lang="en-US" smtClean="0"/>
-              <a:t>8/11/2023</a:t>
+              <a:t>10/2/2023</a:t>
             </a:fld>
             <a:endParaRPr lang="en-US"/>
           </a:p>
@@ -732,14 +1518,81 @@
           <a:bodyPr/>
           <a:lstStyle/>
           <a:p>
+            <a:pPr marL="0" indent="0">
+              <a:buNone/>
+            </a:pPr>
             <a:r>
               <a:rPr lang="en-US" dirty="0"/>
-              <a:t>Red code shows the average being</a:t>
-            </a:r>
-            <a:r>
-              <a:rPr lang="en-US" baseline="0" dirty="0"/>
-              <a:t> calculated</a:t>
-            </a:r>
+              <a:t>In your </a:t>
+            </a:r>
+            <a:r>
+              <a:rPr lang="en-US" dirty="0" err="1"/>
+              <a:t>VaporSalesManager</a:t>
+            </a:r>
+            <a:r>
+              <a:rPr lang="en-US" dirty="0"/>
+              <a:t> classes, you need to calculate a game’s total revenue, including revenue from its bundle sales. This could be accomplished by 2 different approaches:</a:t>
+            </a:r>
+          </a:p>
+          <a:p>
+            <a:pPr marL="514350" indent="-514350">
+              <a:buAutoNum type="arabicParenR"/>
+            </a:pPr>
+            <a:r>
+              <a:rPr lang="en-US" dirty="0"/>
+              <a:t>Adding a </a:t>
+            </a:r>
+            <a:r>
+              <a:rPr lang="en-US" i="1" dirty="0" err="1"/>
+              <a:t>computeTotalRevenue</a:t>
+            </a:r>
+            <a:r>
+              <a:rPr lang="en-US" dirty="0"/>
+              <a:t>() method to the Game class which adds up the revenues</a:t>
+            </a:r>
+          </a:p>
+          <a:p>
+            <a:pPr marL="514350" indent="-514350">
+              <a:buAutoNum type="arabicParenR"/>
+            </a:pPr>
+            <a:r>
+              <a:rPr lang="en-US" dirty="0"/>
+              <a:t>Adding a </a:t>
+            </a:r>
+            <a:r>
+              <a:rPr lang="en-US" i="1" dirty="0" err="1"/>
+              <a:t>getBundles</a:t>
+            </a:r>
+            <a:r>
+              <a:rPr lang="en-US" dirty="0"/>
+              <a:t>() method to the Game class, which the </a:t>
+            </a:r>
+            <a:r>
+              <a:rPr lang="en-US" dirty="0" err="1"/>
+              <a:t>SalesManager</a:t>
+            </a:r>
+            <a:r>
+              <a:rPr lang="en-US" dirty="0"/>
+              <a:t> class could call, and then use in </a:t>
+            </a:r>
+            <a:r>
+              <a:rPr lang="en-US" i="1" dirty="0" err="1"/>
+              <a:t>handleGetHighestRevenueGame</a:t>
+            </a:r>
+            <a:r>
+              <a:rPr lang="en-US" dirty="0"/>
+              <a:t>() and  </a:t>
+            </a:r>
+            <a:r>
+              <a:rPr lang="en-US" i="1" dirty="0" err="1"/>
+              <a:t>handlePrintGameSalesReport</a:t>
+            </a:r>
+            <a:r>
+              <a:rPr lang="en-US" dirty="0"/>
+              <a:t>()</a:t>
+            </a:r>
+          </a:p>
+          <a:p>
             <a:endParaRPr lang="en-US" dirty="0"/>
           </a:p>
         </p:txBody>
@@ -751,7 +1604,7 @@
             <a:spLocks noGrp="1"/>
           </p:cNvSpPr>
           <p:nvPr>
-            <p:ph type="sldNum" sz="quarter" idx="10"/>
+            <p:ph type="sldNum" sz="quarter" idx="5"/>
           </p:nvPr>
         </p:nvSpPr>
         <p:spPr/>
@@ -770,7 +1623,7 @@
     </p:spTree>
     <p:extLst>
       <p:ext uri="{BB962C8B-B14F-4D97-AF65-F5344CB8AC3E}">
-        <p14:creationId xmlns:p14="http://schemas.microsoft.com/office/powerpoint/2010/main" val="1879782064"/>
+        <p14:creationId xmlns:p14="http://schemas.microsoft.com/office/powerpoint/2010/main" val="759663520"/>
       </p:ext>
     </p:extLst>
   </p:cSld>
@@ -824,35 +1677,10 @@
           <a:bodyPr/>
           <a:lstStyle/>
           <a:p>
-            <a:pPr marL="0" marR="0" lvl="0" indent="0" algn="l" defTabSz="914400" rtl="0" eaLnBrk="1" fontAlgn="auto" latinLnBrk="0" hangingPunct="1">
-              <a:lnSpc>
-                <a:spcPct val="100000"/>
-              </a:lnSpc>
-              <a:spcBef>
-                <a:spcPts val="0"/>
-              </a:spcBef>
-              <a:spcAft>
-                <a:spcPts val="0"/>
-              </a:spcAft>
-              <a:buClrTx/>
-              <a:buSzTx/>
-              <a:buFontTx/>
-              <a:buNone/>
-              <a:tabLst/>
-              <a:defRPr/>
-            </a:pPr>
             <a:r>
               <a:rPr lang="en-US" dirty="0"/>
-              <a:t>Red code shows the average being</a:t>
-            </a:r>
-            <a:r>
-              <a:rPr lang="en-US" baseline="0" dirty="0"/>
-              <a:t> requested of the Student class</a:t>
-            </a:r>
-            <a:endParaRPr lang="en-US" dirty="0"/>
-          </a:p>
-          <a:p>
-            <a:endParaRPr lang="en-US" dirty="0"/>
+              <a:t>TIME CHECK: get to slide 18 by 32-minute mark</a:t>
+            </a:r>
           </a:p>
         </p:txBody>
       </p:sp>
@@ -882,7 +1710,7 @@
     </p:spTree>
     <p:extLst>
       <p:ext uri="{BB962C8B-B14F-4D97-AF65-F5344CB8AC3E}">
-        <p14:creationId xmlns:p14="http://schemas.microsoft.com/office/powerpoint/2010/main" val="957597012"/>
+        <p14:creationId xmlns:p14="http://schemas.microsoft.com/office/powerpoint/2010/main" val="3737874852"/>
       </p:ext>
     </p:extLst>
   </p:cSld>
@@ -936,49 +1764,13 @@
           <a:bodyPr/>
           <a:lstStyle/>
           <a:p>
-            <a:pPr marL="0" indent="0">
-              <a:buNone/>
-            </a:pPr>
             <a:r>
               <a:rPr lang="en-US" dirty="0"/>
-              <a:t>QUIZ QUESTION 1 and 2</a:t>
-            </a:r>
-          </a:p>
-          <a:p>
-            <a:pPr marL="0" indent="0">
-              <a:buNone/>
-            </a:pPr>
-            <a:endParaRPr lang="en-US" dirty="0"/>
-          </a:p>
-          <a:p>
-            <a:pPr marL="0" indent="0">
-              <a:buNone/>
-            </a:pPr>
-            <a:r>
-              <a:rPr lang="en-US" dirty="0"/>
-              <a:t>What is wrong with the following design? </a:t>
-            </a:r>
-          </a:p>
-          <a:p>
-            <a:pPr marL="0" indent="0">
-              <a:buNone/>
-            </a:pPr>
-            <a:r>
-              <a:rPr lang="en-US" dirty="0"/>
-              <a:t>Design your own improved UML diagram.</a:t>
-            </a:r>
-          </a:p>
-          <a:p>
-            <a:endParaRPr lang="en-US" dirty="0"/>
-          </a:p>
-          <a:p>
-            <a:r>
-              <a:rPr lang="en-US" dirty="0"/>
-              <a:t>How could we actually</a:t>
+              <a:t>Red code shows the revenue being</a:t>
             </a:r>
             <a:r>
               <a:rPr lang="en-US" baseline="0" dirty="0"/>
-              <a:t> write code for this?</a:t>
+              <a:t> calculated</a:t>
             </a:r>
             <a:endParaRPr lang="en-US" dirty="0"/>
           </a:p>
@@ -1001,7 +1793,7 @@
           <a:p>
             <a:fld id="{AC522A93-4968-4B29-BB16-64A778254383}" type="slidenum">
               <a:rPr lang="en-US" smtClean="0"/>
-              <a:t>16</a:t>
+              <a:t>15</a:t>
             </a:fld>
             <a:endParaRPr lang="en-US"/>
           </a:p>
@@ -1010,7 +1802,7 @@
     </p:spTree>
     <p:extLst>
       <p:ext uri="{BB962C8B-B14F-4D97-AF65-F5344CB8AC3E}">
-        <p14:creationId xmlns:p14="http://schemas.microsoft.com/office/powerpoint/2010/main" val="3871575604"/>
+        <p14:creationId xmlns:p14="http://schemas.microsoft.com/office/powerpoint/2010/main" val="2153970192"/>
       </p:ext>
     </p:extLst>
   </p:cSld>
@@ -1064,28 +1856,14 @@
           <a:bodyPr/>
           <a:lstStyle/>
           <a:p>
-            <a:pPr rtl="0"/>
-            <a:r>
-              <a:rPr lang="en-US" dirty="0">
-                <a:sym typeface="Wingdings" panose="05000000000000000000" pitchFamily="2" charset="2"/>
-              </a:rPr>
-              <a:t>What</a:t>
-            </a:r>
-            <a:r>
-              <a:rPr lang="en-US" baseline="0" dirty="0">
-                <a:sym typeface="Wingdings" panose="05000000000000000000" pitchFamily="2" charset="2"/>
-              </a:rPr>
-              <a:t> happens when we go to update the salary?</a:t>
-            </a:r>
-          </a:p>
-          <a:p>
-            <a:pPr rtl="0"/>
-            <a:endParaRPr lang="en-US" baseline="0" dirty="0">
-              <a:sym typeface="Wingdings" panose="05000000000000000000" pitchFamily="2" charset="2"/>
-            </a:endParaRPr>
-          </a:p>
-          <a:p>
-            <a:pPr rtl="0"/>
+            <a:r>
+              <a:rPr lang="en-US" dirty="0"/>
+              <a:t>Red code shows the revenue being</a:t>
+            </a:r>
+            <a:r>
+              <a:rPr lang="en-US" baseline="0" dirty="0"/>
+              <a:t> calculated</a:t>
+            </a:r>
             <a:endParaRPr lang="en-US" dirty="0"/>
           </a:p>
         </p:txBody>
@@ -1107,7 +1885,7 @@
           <a:p>
             <a:fld id="{AC522A93-4968-4B29-BB16-64A778254383}" type="slidenum">
               <a:rPr lang="en-US" smtClean="0"/>
-              <a:t>17</a:t>
+              <a:t>16</a:t>
             </a:fld>
             <a:endParaRPr lang="en-US"/>
           </a:p>
@@ -1116,7 +1894,7 @@
     </p:spTree>
     <p:extLst>
       <p:ext uri="{BB962C8B-B14F-4D97-AF65-F5344CB8AC3E}">
-        <p14:creationId xmlns:p14="http://schemas.microsoft.com/office/powerpoint/2010/main" val="2832137497"/>
+        <p14:creationId xmlns:p14="http://schemas.microsoft.com/office/powerpoint/2010/main" val="3611219643"/>
       </p:ext>
     </p:extLst>
   </p:cSld>
@@ -1170,42 +1948,146 @@
           <a:bodyPr/>
           <a:lstStyle/>
           <a:p>
+            <a:pPr marL="0" indent="0">
+              <a:buNone/>
+            </a:pPr>
+            <a:r>
+              <a:rPr lang="en-US" dirty="0"/>
+              <a:t>QUIZ QUESTION 1 and 2</a:t>
+            </a:r>
+          </a:p>
+          <a:p>
+            <a:pPr marL="0" indent="0">
+              <a:buNone/>
+            </a:pPr>
+            <a:endParaRPr lang="en-US" dirty="0"/>
+          </a:p>
+          <a:p>
+            <a:pPr marL="0" indent="0">
+              <a:buNone/>
+            </a:pPr>
+            <a:r>
+              <a:rPr lang="en-US" dirty="0"/>
+              <a:t>What is wrong with the following design? </a:t>
+            </a:r>
+          </a:p>
+          <a:p>
+            <a:pPr marL="0" indent="0">
+              <a:buNone/>
+            </a:pPr>
+            <a:r>
+              <a:rPr lang="en-US" dirty="0"/>
+              <a:t>Design your own improved UML diagram.</a:t>
+            </a:r>
+          </a:p>
+          <a:p>
+            <a:endParaRPr lang="en-US" dirty="0"/>
+          </a:p>
+          <a:p>
+            <a:r>
+              <a:rPr lang="en-US" dirty="0"/>
+              <a:t>How could we actually</a:t>
+            </a:r>
+            <a:r>
+              <a:rPr lang="en-US" baseline="0" dirty="0"/>
+              <a:t> write code for this?</a:t>
+            </a:r>
+            <a:endParaRPr lang="en-US" dirty="0"/>
+          </a:p>
+        </p:txBody>
+      </p:sp>
+      <p:sp>
+        <p:nvSpPr>
+          <p:cNvPr id="4" name="Slide Number Placeholder 3"/>
+          <p:cNvSpPr>
+            <a:spLocks noGrp="1"/>
+          </p:cNvSpPr>
+          <p:nvPr>
+            <p:ph type="sldNum" sz="quarter" idx="10"/>
+          </p:nvPr>
+        </p:nvSpPr>
+        <p:spPr/>
+        <p:txBody>
+          <a:bodyPr/>
+          <a:lstStyle/>
+          <a:p>
+            <a:fld id="{AC522A93-4968-4B29-BB16-64A778254383}" type="slidenum">
+              <a:rPr lang="en-US" smtClean="0"/>
+              <a:t>18</a:t>
+            </a:fld>
+            <a:endParaRPr lang="en-US"/>
+          </a:p>
+        </p:txBody>
+      </p:sp>
+    </p:spTree>
+    <p:extLst>
+      <p:ext uri="{BB962C8B-B14F-4D97-AF65-F5344CB8AC3E}">
+        <p14:creationId xmlns:p14="http://schemas.microsoft.com/office/powerpoint/2010/main" val="3871575604"/>
+      </p:ext>
+    </p:extLst>
+  </p:cSld>
+  <p:clrMapOvr>
+    <a:masterClrMapping/>
+  </p:clrMapOvr>
+</p:notes>
+</file>
+
+<file path=ppt/notesSlides/notesSlide15.xml><?xml version="1.0" encoding="utf-8"?>
+<p:notes xmlns:a="http://schemas.openxmlformats.org/drawingml/2006/main" xmlns:r="http://schemas.openxmlformats.org/officeDocument/2006/relationships" xmlns:p="http://schemas.openxmlformats.org/presentationml/2006/main">
+  <p:cSld>
+    <p:spTree>
+      <p:nvGrpSpPr>
+        <p:cNvPr id="1" name=""/>
+        <p:cNvGrpSpPr/>
+        <p:nvPr/>
+      </p:nvGrpSpPr>
+      <p:grpSpPr>
+        <a:xfrm>
+          <a:off x="0" y="0"/>
+          <a:ext cx="0" cy="0"/>
+          <a:chOff x="0" y="0"/>
+          <a:chExt cx="0" cy="0"/>
+        </a:xfrm>
+      </p:grpSpPr>
+      <p:sp>
+        <p:nvSpPr>
+          <p:cNvPr id="2" name="Slide Image Placeholder 1"/>
+          <p:cNvSpPr>
+            <a:spLocks noGrp="1" noRot="1" noChangeAspect="1"/>
+          </p:cNvSpPr>
+          <p:nvPr>
+            <p:ph type="sldImg"/>
+          </p:nvPr>
+        </p:nvSpPr>
+        <p:spPr/>
+      </p:sp>
+      <p:sp>
+        <p:nvSpPr>
+          <p:cNvPr id="3" name="Notes Placeholder 2"/>
+          <p:cNvSpPr>
+            <a:spLocks noGrp="1"/>
+          </p:cNvSpPr>
+          <p:nvPr>
+            <p:ph type="body" idx="1"/>
+          </p:nvPr>
+        </p:nvSpPr>
+        <p:spPr/>
+        <p:txBody>
+          <a:bodyPr/>
+          <a:lstStyle/>
+          <a:p>
             <a:pPr rtl="0"/>
             <a:r>
-              <a:rPr lang="en-US" dirty="0"/>
-              <a:t>QUIZ QUESTION 3</a:t>
-            </a:r>
-          </a:p>
-          <a:p>
-            <a:pPr rtl="0"/>
-            <a:endParaRPr lang="en-US" dirty="0"/>
-          </a:p>
-          <a:p>
-            <a:pPr rtl="0"/>
-            <a:r>
-              <a:rPr lang="en-US" dirty="0"/>
-              <a:t>Notice the removed dependency</a:t>
-            </a:r>
-            <a:r>
-              <a:rPr lang="en-US" baseline="0" dirty="0"/>
-              <a:t> (no line from Employee to Manager) this is possible since we don’t need to look up the manager to update its salary. We might want this for other reasons, but It is not strictly necessary here.</a:t>
-            </a:r>
-          </a:p>
-          <a:p>
-            <a:pPr rtl="0"/>
-            <a:endParaRPr lang="en-US" baseline="0" dirty="0"/>
-          </a:p>
-          <a:p>
-            <a:pPr rtl="0"/>
-            <a:r>
-              <a:rPr lang="en-US" baseline="0" dirty="0"/>
-              <a:t>Lazy evaluation </a:t>
+              <a:rPr lang="en-US" dirty="0">
+                <a:sym typeface="Wingdings" panose="05000000000000000000" pitchFamily="2" charset="2"/>
+              </a:rPr>
+              <a:t>What</a:t>
             </a:r>
             <a:r>
               <a:rPr lang="en-US" baseline="0" dirty="0">
                 <a:sym typeface="Wingdings" panose="05000000000000000000" pitchFamily="2" charset="2"/>
               </a:rPr>
-              <a:t> pros and cons</a:t>
+              <a:t> happens when we go to update the salary?</a:t>
             </a:r>
           </a:p>
           <a:p>
@@ -1216,6 +2098,136 @@
           </a:p>
           <a:p>
             <a:pPr rtl="0"/>
+            <a:endParaRPr lang="en-US" dirty="0"/>
+          </a:p>
+        </p:txBody>
+      </p:sp>
+      <p:sp>
+        <p:nvSpPr>
+          <p:cNvPr id="4" name="Slide Number Placeholder 3"/>
+          <p:cNvSpPr>
+            <a:spLocks noGrp="1"/>
+          </p:cNvSpPr>
+          <p:nvPr>
+            <p:ph type="sldNum" sz="quarter" idx="10"/>
+          </p:nvPr>
+        </p:nvSpPr>
+        <p:spPr/>
+        <p:txBody>
+          <a:bodyPr/>
+          <a:lstStyle/>
+          <a:p>
+            <a:fld id="{AC522A93-4968-4B29-BB16-64A778254383}" type="slidenum">
+              <a:rPr lang="en-US" smtClean="0"/>
+              <a:t>19</a:t>
+            </a:fld>
+            <a:endParaRPr lang="en-US"/>
+          </a:p>
+        </p:txBody>
+      </p:sp>
+    </p:spTree>
+    <p:extLst>
+      <p:ext uri="{BB962C8B-B14F-4D97-AF65-F5344CB8AC3E}">
+        <p14:creationId xmlns:p14="http://schemas.microsoft.com/office/powerpoint/2010/main" val="2832137497"/>
+      </p:ext>
+    </p:extLst>
+  </p:cSld>
+  <p:clrMapOvr>
+    <a:masterClrMapping/>
+  </p:clrMapOvr>
+</p:notes>
+</file>
+
+<file path=ppt/notesSlides/notesSlide16.xml><?xml version="1.0" encoding="utf-8"?>
+<p:notes xmlns:a="http://schemas.openxmlformats.org/drawingml/2006/main" xmlns:r="http://schemas.openxmlformats.org/officeDocument/2006/relationships" xmlns:p="http://schemas.openxmlformats.org/presentationml/2006/main">
+  <p:cSld>
+    <p:spTree>
+      <p:nvGrpSpPr>
+        <p:cNvPr id="1" name=""/>
+        <p:cNvGrpSpPr/>
+        <p:nvPr/>
+      </p:nvGrpSpPr>
+      <p:grpSpPr>
+        <a:xfrm>
+          <a:off x="0" y="0"/>
+          <a:ext cx="0" cy="0"/>
+          <a:chOff x="0" y="0"/>
+          <a:chExt cx="0" cy="0"/>
+        </a:xfrm>
+      </p:grpSpPr>
+      <p:sp>
+        <p:nvSpPr>
+          <p:cNvPr id="2" name="Slide Image Placeholder 1"/>
+          <p:cNvSpPr>
+            <a:spLocks noGrp="1" noRot="1" noChangeAspect="1"/>
+          </p:cNvSpPr>
+          <p:nvPr>
+            <p:ph type="sldImg"/>
+          </p:nvPr>
+        </p:nvSpPr>
+        <p:spPr/>
+      </p:sp>
+      <p:sp>
+        <p:nvSpPr>
+          <p:cNvPr id="3" name="Notes Placeholder 2"/>
+          <p:cNvSpPr>
+            <a:spLocks noGrp="1"/>
+          </p:cNvSpPr>
+          <p:nvPr>
+            <p:ph type="body" idx="1"/>
+          </p:nvPr>
+        </p:nvSpPr>
+        <p:spPr/>
+        <p:txBody>
+          <a:bodyPr/>
+          <a:lstStyle/>
+          <a:p>
+            <a:pPr rtl="0"/>
+            <a:r>
+              <a:rPr lang="en-US" dirty="0"/>
+              <a:t>QUIZ QUESTION 3</a:t>
+            </a:r>
+          </a:p>
+          <a:p>
+            <a:pPr rtl="0"/>
+            <a:endParaRPr lang="en-US" dirty="0"/>
+          </a:p>
+          <a:p>
+            <a:pPr rtl="0"/>
+            <a:r>
+              <a:rPr lang="en-US" dirty="0"/>
+              <a:t>Notice the removed dependency</a:t>
+            </a:r>
+            <a:r>
+              <a:rPr lang="en-US" baseline="0" dirty="0"/>
+              <a:t> (no line from Employee to Manager) this is possible since we don’t need to look up the manager to update its salary. We might want this for other reasons, but It is not strictly necessary here.</a:t>
+            </a:r>
+          </a:p>
+          <a:p>
+            <a:pPr rtl="0"/>
+            <a:endParaRPr lang="en-US" baseline="0" dirty="0"/>
+          </a:p>
+          <a:p>
+            <a:pPr rtl="0"/>
+            <a:r>
+              <a:rPr lang="en-US" baseline="0" dirty="0"/>
+              <a:t>Lazy evaluation </a:t>
+            </a:r>
+            <a:r>
+              <a:rPr lang="en-US" baseline="0" dirty="0">
+                <a:sym typeface="Wingdings" panose="05000000000000000000" pitchFamily="2" charset="2"/>
+              </a:rPr>
+              <a:t> pros and cons</a:t>
+            </a:r>
+          </a:p>
+          <a:p>
+            <a:pPr rtl="0"/>
+            <a:endParaRPr lang="en-US" baseline="0" dirty="0">
+              <a:sym typeface="Wingdings" panose="05000000000000000000" pitchFamily="2" charset="2"/>
+            </a:endParaRPr>
+          </a:p>
+          <a:p>
+            <a:pPr rtl="0"/>
             <a:r>
               <a:rPr lang="en-US" dirty="0"/>
               <a:t>@startuml</a:t>
@@ -1426,7 +2438,7 @@
           <a:p>
             <a:fld id="{AC522A93-4968-4B29-BB16-64A778254383}" type="slidenum">
               <a:rPr lang="en-US" smtClean="0"/>
-              <a:t>18</a:t>
+              <a:t>20</a:t>
             </a:fld>
             <a:endParaRPr lang="en-US"/>
           </a:p>
@@ -1772,14 +2784,81 @@
           <a:bodyPr/>
           <a:lstStyle/>
           <a:p>
+            <a:pPr marL="0" indent="0">
+              <a:buNone/>
+            </a:pPr>
             <a:r>
               <a:rPr lang="en-US" dirty="0"/>
-              <a:t>May make sense to put this on Friday instead, if time could introduce here, but provides nice example of tell</a:t>
-            </a:r>
-            <a:r>
-              <a:rPr lang="en-US" baseline="0" dirty="0"/>
-              <a:t> don’t ask</a:t>
-            </a:r>
+              <a:t>In your </a:t>
+            </a:r>
+            <a:r>
+              <a:rPr lang="en-US" dirty="0" err="1"/>
+              <a:t>VaporSalesManager</a:t>
+            </a:r>
+            <a:r>
+              <a:rPr lang="en-US" dirty="0"/>
+              <a:t> classes, you need to calculate a game’s total revenue, including revenue from its bundle sales. This could be accomplished by 2 different approaches:</a:t>
+            </a:r>
+          </a:p>
+          <a:p>
+            <a:pPr marL="514350" indent="-514350">
+              <a:buAutoNum type="arabicParenR"/>
+            </a:pPr>
+            <a:r>
+              <a:rPr lang="en-US" dirty="0"/>
+              <a:t>Adding a </a:t>
+            </a:r>
+            <a:r>
+              <a:rPr lang="en-US" i="1" dirty="0" err="1"/>
+              <a:t>computeTotalRevenue</a:t>
+            </a:r>
+            <a:r>
+              <a:rPr lang="en-US" dirty="0"/>
+              <a:t>() method to the Game class which adds up the revenues</a:t>
+            </a:r>
+          </a:p>
+          <a:p>
+            <a:pPr marL="514350" indent="-514350">
+              <a:buAutoNum type="arabicParenR"/>
+            </a:pPr>
+            <a:r>
+              <a:rPr lang="en-US" dirty="0"/>
+              <a:t>Adding a </a:t>
+            </a:r>
+            <a:r>
+              <a:rPr lang="en-US" i="1" dirty="0" err="1"/>
+              <a:t>getBundles</a:t>
+            </a:r>
+            <a:r>
+              <a:rPr lang="en-US" dirty="0"/>
+              <a:t>() method to the Game class, which the </a:t>
+            </a:r>
+            <a:r>
+              <a:rPr lang="en-US" dirty="0" err="1"/>
+              <a:t>SalesManager</a:t>
+            </a:r>
+            <a:r>
+              <a:rPr lang="en-US" dirty="0"/>
+              <a:t> class could call, and then use in </a:t>
+            </a:r>
+            <a:r>
+              <a:rPr lang="en-US" i="1" dirty="0" err="1"/>
+              <a:t>handleGetHighestRevenueGame</a:t>
+            </a:r>
+            <a:r>
+              <a:rPr lang="en-US" dirty="0"/>
+              <a:t>() and  </a:t>
+            </a:r>
+            <a:r>
+              <a:rPr lang="en-US" i="1" dirty="0" err="1"/>
+              <a:t>handlePrintGameSalesReport</a:t>
+            </a:r>
+            <a:r>
+              <a:rPr lang="en-US" dirty="0"/>
+              <a:t>()</a:t>
+            </a:r>
+          </a:p>
+          <a:p>
             <a:endParaRPr lang="en-US" dirty="0"/>
           </a:p>
         </p:txBody>
@@ -1791,7 +2870,7 @@
             <a:spLocks noGrp="1"/>
           </p:cNvSpPr>
           <p:nvPr>
-            <p:ph type="sldNum" sz="quarter" idx="10"/>
+            <p:ph type="sldNum" sz="quarter" idx="5"/>
           </p:nvPr>
         </p:nvSpPr>
         <p:spPr/>
@@ -1810,7 +2889,7 @@
     </p:spTree>
     <p:extLst>
       <p:ext uri="{BB962C8B-B14F-4D97-AF65-F5344CB8AC3E}">
-        <p14:creationId xmlns:p14="http://schemas.microsoft.com/office/powerpoint/2010/main" val="3416132268"/>
+        <p14:creationId xmlns:p14="http://schemas.microsoft.com/office/powerpoint/2010/main" val="3386797911"/>
       </p:ext>
     </p:extLst>
   </p:cSld>
@@ -1864,14 +2943,6 @@
           <a:bodyPr/>
           <a:lstStyle/>
           <a:p>
-            <a:r>
-              <a:rPr lang="en-US" dirty="0"/>
-              <a:t>May make sense to put this on Friday instead, if time could introduce here, but provides nice example of tell</a:t>
-            </a:r>
-            <a:r>
-              <a:rPr lang="en-US" baseline="0" dirty="0"/>
-              <a:t> don’t ask</a:t>
-            </a:r>
             <a:endParaRPr lang="en-US" dirty="0"/>
           </a:p>
         </p:txBody>
@@ -1902,7 +2973,7 @@
     </p:spTree>
     <p:extLst>
       <p:ext uri="{BB962C8B-B14F-4D97-AF65-F5344CB8AC3E}">
-        <p14:creationId xmlns:p14="http://schemas.microsoft.com/office/powerpoint/2010/main" val="2163677615"/>
+        <p14:creationId xmlns:p14="http://schemas.microsoft.com/office/powerpoint/2010/main" val="3416132268"/>
       </p:ext>
     </p:extLst>
   </p:cSld>
@@ -1956,14 +3027,81 @@
           <a:bodyPr/>
           <a:lstStyle/>
           <a:p>
+            <a:pPr marL="0" indent="0">
+              <a:buNone/>
+            </a:pPr>
             <a:r>
               <a:rPr lang="en-US" dirty="0"/>
-              <a:t>May make sense to put this on Friday instead, if time could introduce here, but provides nice example of tell</a:t>
-            </a:r>
-            <a:r>
-              <a:rPr lang="en-US" baseline="0" dirty="0"/>
-              <a:t> don’t ask</a:t>
-            </a:r>
+              <a:t>In your </a:t>
+            </a:r>
+            <a:r>
+              <a:rPr lang="en-US" dirty="0" err="1"/>
+              <a:t>VaporSalesManager</a:t>
+            </a:r>
+            <a:r>
+              <a:rPr lang="en-US" dirty="0"/>
+              <a:t> classes, you need to calculate a game’s total revenue, including revenue from its bundle sales. This could be accomplished by 2 different approaches:</a:t>
+            </a:r>
+          </a:p>
+          <a:p>
+            <a:pPr marL="514350" indent="-514350">
+              <a:buAutoNum type="arabicParenR"/>
+            </a:pPr>
+            <a:r>
+              <a:rPr lang="en-US" dirty="0"/>
+              <a:t>Adding a </a:t>
+            </a:r>
+            <a:r>
+              <a:rPr lang="en-US" i="1" dirty="0" err="1"/>
+              <a:t>computeTotalRevenue</a:t>
+            </a:r>
+            <a:r>
+              <a:rPr lang="en-US" dirty="0"/>
+              <a:t>() method to the Game class which adds up the revenues</a:t>
+            </a:r>
+          </a:p>
+          <a:p>
+            <a:pPr marL="514350" indent="-514350">
+              <a:buAutoNum type="arabicParenR"/>
+            </a:pPr>
+            <a:r>
+              <a:rPr lang="en-US" dirty="0"/>
+              <a:t>Adding a </a:t>
+            </a:r>
+            <a:r>
+              <a:rPr lang="en-US" i="1" dirty="0" err="1"/>
+              <a:t>getBundles</a:t>
+            </a:r>
+            <a:r>
+              <a:rPr lang="en-US" dirty="0"/>
+              <a:t>() method to the Game class, which the </a:t>
+            </a:r>
+            <a:r>
+              <a:rPr lang="en-US" dirty="0" err="1"/>
+              <a:t>SalesManager</a:t>
+            </a:r>
+            <a:r>
+              <a:rPr lang="en-US" dirty="0"/>
+              <a:t> class could call, and then use in </a:t>
+            </a:r>
+            <a:r>
+              <a:rPr lang="en-US" i="1" dirty="0" err="1"/>
+              <a:t>handleGetHighestRevenueGame</a:t>
+            </a:r>
+            <a:r>
+              <a:rPr lang="en-US" dirty="0"/>
+              <a:t>() and  </a:t>
+            </a:r>
+            <a:r>
+              <a:rPr lang="en-US" i="1" dirty="0" err="1"/>
+              <a:t>handlePrintGameSalesReport</a:t>
+            </a:r>
+            <a:r>
+              <a:rPr lang="en-US" dirty="0"/>
+              <a:t>()</a:t>
+            </a:r>
+          </a:p>
+          <a:p>
             <a:endParaRPr lang="en-US" dirty="0"/>
           </a:p>
         </p:txBody>
@@ -1975,7 +3113,7 @@
             <a:spLocks noGrp="1"/>
           </p:cNvSpPr>
           <p:nvPr>
-            <p:ph type="sldNum" sz="quarter" idx="10"/>
+            <p:ph type="sldNum" sz="quarter" idx="5"/>
           </p:nvPr>
         </p:nvSpPr>
         <p:spPr/>
@@ -1994,7 +3132,7 @@
     </p:spTree>
     <p:extLst>
       <p:ext uri="{BB962C8B-B14F-4D97-AF65-F5344CB8AC3E}">
-        <p14:creationId xmlns:p14="http://schemas.microsoft.com/office/powerpoint/2010/main" val="2222865674"/>
+        <p14:creationId xmlns:p14="http://schemas.microsoft.com/office/powerpoint/2010/main" val="2611663818"/>
       </p:ext>
     </p:extLst>
   </p:cSld>
@@ -2048,1544 +3186,14 @@
           <a:bodyPr/>
           <a:lstStyle/>
           <a:p>
-            <a:pPr rtl="0"/>
-            <a:r>
-              <a:rPr lang="en-US" sz="1200" b="0" i="0" u="none" strike="noStrike" kern="1200" dirty="0">
-                <a:solidFill>
-                  <a:schemeClr val="tx1"/>
-                </a:solidFill>
-                <a:effectLst/>
-                <a:latin typeface="+mn-lt"/>
-                <a:ea typeface="+mn-ea"/>
-                <a:cs typeface="+mn-cs"/>
-              </a:rPr>
-              <a:t>@</a:t>
-            </a:r>
-            <a:r>
-              <a:rPr lang="en-US" sz="1200" b="0" i="0" u="none" strike="noStrike" kern="1200" dirty="0" err="1">
-                <a:solidFill>
-                  <a:schemeClr val="tx1"/>
-                </a:solidFill>
-                <a:effectLst/>
-                <a:latin typeface="+mn-lt"/>
-                <a:ea typeface="+mn-ea"/>
-                <a:cs typeface="+mn-cs"/>
-              </a:rPr>
-              <a:t>startuml</a:t>
-            </a:r>
-            <a:endParaRPr lang="en-US" b="0" dirty="0">
-              <a:effectLst/>
-            </a:endParaRPr>
-          </a:p>
-          <a:p>
-            <a:pPr rtl="0"/>
-            <a:r>
-              <a:rPr lang="en-US" sz="1200" b="0" i="0" u="none" strike="noStrike" kern="1200" dirty="0" err="1">
-                <a:solidFill>
-                  <a:schemeClr val="tx1"/>
-                </a:solidFill>
-                <a:effectLst/>
-                <a:latin typeface="+mn-lt"/>
-                <a:ea typeface="+mn-ea"/>
-                <a:cs typeface="+mn-cs"/>
-              </a:rPr>
-              <a:t>skinparam</a:t>
-            </a:r>
-            <a:r>
-              <a:rPr lang="en-US" sz="1200" b="0" i="0" u="none" strike="noStrike" kern="1200" dirty="0">
-                <a:solidFill>
-                  <a:schemeClr val="tx1"/>
-                </a:solidFill>
-                <a:effectLst/>
-                <a:latin typeface="+mn-lt"/>
-                <a:ea typeface="+mn-ea"/>
-                <a:cs typeface="+mn-cs"/>
-              </a:rPr>
-              <a:t> style </a:t>
-            </a:r>
-            <a:r>
-              <a:rPr lang="en-US" sz="1200" b="0" i="0" u="none" strike="noStrike" kern="1200" dirty="0" err="1">
-                <a:solidFill>
-                  <a:schemeClr val="tx1"/>
-                </a:solidFill>
-                <a:effectLst/>
-                <a:latin typeface="+mn-lt"/>
-                <a:ea typeface="+mn-ea"/>
-                <a:cs typeface="+mn-cs"/>
-              </a:rPr>
-              <a:t>strictuml</a:t>
-            </a:r>
-            <a:endParaRPr lang="en-US" b="0" dirty="0">
-              <a:effectLst/>
-            </a:endParaRPr>
-          </a:p>
-          <a:p>
-            <a:pPr rtl="0"/>
-            <a:br>
-              <a:rPr lang="en-US" b="0" dirty="0">
-                <a:effectLst/>
-              </a:rPr>
-            </a:br>
-            <a:r>
-              <a:rPr lang="en-US" sz="1200" b="0" i="0" u="none" strike="noStrike" kern="1200" dirty="0">
-                <a:solidFill>
-                  <a:schemeClr val="tx1"/>
-                </a:solidFill>
-                <a:effectLst/>
-                <a:latin typeface="+mn-lt"/>
-                <a:ea typeface="+mn-ea"/>
-                <a:cs typeface="+mn-cs"/>
-              </a:rPr>
-              <a:t>class </a:t>
-            </a:r>
-            <a:r>
-              <a:rPr lang="en-US" sz="1200" b="0" i="0" u="none" strike="noStrike" kern="1200" dirty="0" err="1">
-                <a:solidFill>
-                  <a:schemeClr val="tx1"/>
-                </a:solidFill>
-                <a:effectLst/>
-                <a:latin typeface="+mn-lt"/>
-                <a:ea typeface="+mn-ea"/>
-                <a:cs typeface="+mn-cs"/>
-              </a:rPr>
-              <a:t>TeamGradebookMain</a:t>
-            </a:r>
-            <a:r>
-              <a:rPr lang="en-US" sz="1200" b="0" i="0" u="none" strike="noStrike" kern="1200" dirty="0">
-                <a:solidFill>
-                  <a:schemeClr val="tx1"/>
-                </a:solidFill>
-                <a:effectLst/>
-                <a:latin typeface="+mn-lt"/>
-                <a:ea typeface="+mn-ea"/>
-                <a:cs typeface="+mn-cs"/>
-              </a:rPr>
-              <a:t>{</a:t>
-            </a:r>
-            <a:endParaRPr lang="en-US" b="0" dirty="0">
-              <a:effectLst/>
-            </a:endParaRPr>
-          </a:p>
-          <a:p>
-            <a:pPr rtl="0"/>
-            <a:r>
-              <a:rPr lang="en-US" sz="1200" b="0" i="0" u="none" strike="noStrike" kern="1200" dirty="0" err="1">
-                <a:solidFill>
-                  <a:schemeClr val="tx1"/>
-                </a:solidFill>
-                <a:effectLst/>
-                <a:latin typeface="+mn-lt"/>
-                <a:ea typeface="+mn-ea"/>
-                <a:cs typeface="+mn-cs"/>
-              </a:rPr>
-              <a:t>handleAddStudent</a:t>
-            </a:r>
-            <a:r>
-              <a:rPr lang="en-US" sz="1200" b="0" i="0" u="none" strike="noStrike" kern="1200" dirty="0">
-                <a:solidFill>
-                  <a:schemeClr val="tx1"/>
-                </a:solidFill>
-                <a:effectLst/>
-                <a:latin typeface="+mn-lt"/>
-                <a:ea typeface="+mn-ea"/>
-                <a:cs typeface="+mn-cs"/>
-              </a:rPr>
-              <a:t>(String </a:t>
-            </a:r>
-            <a:r>
-              <a:rPr lang="en-US" sz="1200" b="0" i="0" u="none" strike="noStrike" kern="1200" dirty="0" err="1">
-                <a:solidFill>
-                  <a:schemeClr val="tx1"/>
-                </a:solidFill>
-                <a:effectLst/>
-                <a:latin typeface="+mn-lt"/>
-                <a:ea typeface="+mn-ea"/>
-                <a:cs typeface="+mn-cs"/>
-              </a:rPr>
-              <a:t>studentName</a:t>
-            </a:r>
-            <a:r>
-              <a:rPr lang="en-US" sz="1200" b="0" i="0" u="none" strike="noStrike" kern="1200" dirty="0">
-                <a:solidFill>
-                  <a:schemeClr val="tx1"/>
-                </a:solidFill>
-                <a:effectLst/>
-                <a:latin typeface="+mn-lt"/>
-                <a:ea typeface="+mn-ea"/>
-                <a:cs typeface="+mn-cs"/>
-              </a:rPr>
-              <a:t>)</a:t>
-            </a:r>
-            <a:endParaRPr lang="en-US" b="0" dirty="0">
-              <a:effectLst/>
-            </a:endParaRPr>
-          </a:p>
-          <a:p>
-            <a:pPr rtl="0"/>
-            <a:r>
-              <a:rPr lang="en-US" sz="1200" b="0" i="0" u="none" strike="noStrike" kern="1200" dirty="0" err="1">
-                <a:solidFill>
-                  <a:schemeClr val="tx1"/>
-                </a:solidFill>
-                <a:effectLst/>
-                <a:latin typeface="+mn-lt"/>
-                <a:ea typeface="+mn-ea"/>
-                <a:cs typeface="+mn-cs"/>
-              </a:rPr>
-              <a:t>handleAddTeam</a:t>
-            </a:r>
-            <a:r>
-              <a:rPr lang="en-US" sz="1200" b="0" i="0" u="none" strike="noStrike" kern="1200" dirty="0">
-                <a:solidFill>
-                  <a:schemeClr val="tx1"/>
-                </a:solidFill>
-                <a:effectLst/>
-                <a:latin typeface="+mn-lt"/>
-                <a:ea typeface="+mn-ea"/>
-                <a:cs typeface="+mn-cs"/>
-              </a:rPr>
-              <a:t>(String </a:t>
-            </a:r>
-            <a:r>
-              <a:rPr lang="en-US" sz="1200" b="0" i="0" u="none" strike="noStrike" kern="1200" dirty="0" err="1">
-                <a:solidFill>
-                  <a:schemeClr val="tx1"/>
-                </a:solidFill>
-                <a:effectLst/>
-                <a:latin typeface="+mn-lt"/>
-                <a:ea typeface="+mn-ea"/>
-                <a:cs typeface="+mn-cs"/>
-              </a:rPr>
-              <a:t>teamName</a:t>
-            </a:r>
-            <a:r>
-              <a:rPr lang="en-US" sz="1200" b="0" i="0" u="none" strike="noStrike" kern="1200" dirty="0">
-                <a:solidFill>
-                  <a:schemeClr val="tx1"/>
-                </a:solidFill>
-                <a:effectLst/>
-                <a:latin typeface="+mn-lt"/>
-                <a:ea typeface="+mn-ea"/>
-                <a:cs typeface="+mn-cs"/>
-              </a:rPr>
-              <a:t>, </a:t>
-            </a:r>
-            <a:r>
-              <a:rPr lang="en-US" sz="1200" b="0" i="0" u="none" strike="noStrike" kern="1200" dirty="0" err="1">
-                <a:solidFill>
-                  <a:schemeClr val="tx1"/>
-                </a:solidFill>
-                <a:effectLst/>
-                <a:latin typeface="+mn-lt"/>
-                <a:ea typeface="+mn-ea"/>
-                <a:cs typeface="+mn-cs"/>
-              </a:rPr>
-              <a:t>ArrayList</a:t>
-            </a:r>
-            <a:r>
-              <a:rPr lang="en-US" sz="1200" b="0" i="0" u="none" strike="noStrike" kern="1200" dirty="0">
-                <a:solidFill>
-                  <a:schemeClr val="tx1"/>
-                </a:solidFill>
-                <a:effectLst/>
-                <a:latin typeface="+mn-lt"/>
-                <a:ea typeface="+mn-ea"/>
-                <a:cs typeface="+mn-cs"/>
-              </a:rPr>
-              <a:t>&lt;String&gt; </a:t>
-            </a:r>
-            <a:r>
-              <a:rPr lang="en-US" sz="1200" b="0" i="0" u="none" strike="noStrike" kern="1200" dirty="0" err="1">
-                <a:solidFill>
-                  <a:schemeClr val="tx1"/>
-                </a:solidFill>
-                <a:effectLst/>
-                <a:latin typeface="+mn-lt"/>
-                <a:ea typeface="+mn-ea"/>
-                <a:cs typeface="+mn-cs"/>
-              </a:rPr>
-              <a:t>memberNames</a:t>
-            </a:r>
-            <a:r>
-              <a:rPr lang="en-US" sz="1200" b="0" i="0" u="none" strike="noStrike" kern="1200" dirty="0">
-                <a:solidFill>
-                  <a:schemeClr val="tx1"/>
-                </a:solidFill>
-                <a:effectLst/>
-                <a:latin typeface="+mn-lt"/>
-                <a:ea typeface="+mn-ea"/>
-                <a:cs typeface="+mn-cs"/>
-              </a:rPr>
-              <a:t>)</a:t>
-            </a:r>
-            <a:endParaRPr lang="en-US" b="0" dirty="0">
-              <a:effectLst/>
-            </a:endParaRPr>
-          </a:p>
-          <a:p>
-            <a:pPr rtl="0"/>
-            <a:r>
-              <a:rPr lang="en-US" sz="1200" b="0" i="0" u="none" strike="noStrike" kern="1200" dirty="0" err="1">
-                <a:solidFill>
-                  <a:schemeClr val="tx1"/>
-                </a:solidFill>
-                <a:effectLst/>
-                <a:latin typeface="+mn-lt"/>
-                <a:ea typeface="+mn-ea"/>
-                <a:cs typeface="+mn-cs"/>
-              </a:rPr>
-              <a:t>handleAddGrade</a:t>
-            </a:r>
-            <a:r>
-              <a:rPr lang="en-US" sz="1200" b="0" i="0" u="none" strike="noStrike" kern="1200" dirty="0">
-                <a:solidFill>
-                  <a:schemeClr val="tx1"/>
-                </a:solidFill>
-                <a:effectLst/>
-                <a:latin typeface="+mn-lt"/>
-                <a:ea typeface="+mn-ea"/>
-                <a:cs typeface="+mn-cs"/>
-              </a:rPr>
-              <a:t>(String </a:t>
-            </a:r>
-            <a:r>
-              <a:rPr lang="en-US" sz="1200" b="0" i="0" u="none" strike="noStrike" kern="1200" dirty="0" err="1">
-                <a:solidFill>
-                  <a:schemeClr val="tx1"/>
-                </a:solidFill>
-                <a:effectLst/>
-                <a:latin typeface="+mn-lt"/>
-                <a:ea typeface="+mn-ea"/>
-                <a:cs typeface="+mn-cs"/>
-              </a:rPr>
-              <a:t>teamName</a:t>
-            </a:r>
-            <a:r>
-              <a:rPr lang="en-US" sz="1200" b="0" i="0" u="none" strike="noStrike" kern="1200" dirty="0">
-                <a:solidFill>
-                  <a:schemeClr val="tx1"/>
-                </a:solidFill>
-                <a:effectLst/>
-                <a:latin typeface="+mn-lt"/>
-                <a:ea typeface="+mn-ea"/>
-                <a:cs typeface="+mn-cs"/>
-              </a:rPr>
-              <a:t>, double grade)</a:t>
-            </a:r>
-            <a:endParaRPr lang="en-US" b="0" dirty="0">
-              <a:effectLst/>
-            </a:endParaRPr>
-          </a:p>
-          <a:p>
-            <a:pPr rtl="0"/>
-            <a:r>
-              <a:rPr lang="en-US" sz="1200" b="0" i="0" u="none" strike="noStrike" kern="1200" dirty="0" err="1">
-                <a:solidFill>
-                  <a:schemeClr val="tx1"/>
-                </a:solidFill>
-                <a:effectLst/>
-                <a:latin typeface="+mn-lt"/>
-                <a:ea typeface="+mn-ea"/>
-                <a:cs typeface="+mn-cs"/>
-              </a:rPr>
-              <a:t>handleGetAverage</a:t>
-            </a:r>
-            <a:r>
-              <a:rPr lang="en-US" sz="1200" b="0" i="0" u="none" strike="noStrike" kern="1200" dirty="0">
-                <a:solidFill>
-                  <a:schemeClr val="tx1"/>
-                </a:solidFill>
-                <a:effectLst/>
-                <a:latin typeface="+mn-lt"/>
-                <a:ea typeface="+mn-ea"/>
-                <a:cs typeface="+mn-cs"/>
-              </a:rPr>
-              <a:t>(String </a:t>
-            </a:r>
-            <a:r>
-              <a:rPr lang="en-US" sz="1200" b="0" i="0" u="none" strike="noStrike" kern="1200" dirty="0" err="1">
-                <a:solidFill>
-                  <a:schemeClr val="tx1"/>
-                </a:solidFill>
-                <a:effectLst/>
-                <a:latin typeface="+mn-lt"/>
-                <a:ea typeface="+mn-ea"/>
-                <a:cs typeface="+mn-cs"/>
-              </a:rPr>
-              <a:t>studentName</a:t>
-            </a:r>
-            <a:r>
-              <a:rPr lang="en-US" sz="1200" b="0" i="0" u="none" strike="noStrike" kern="1200" dirty="0">
-                <a:solidFill>
-                  <a:schemeClr val="tx1"/>
-                </a:solidFill>
-                <a:effectLst/>
-                <a:latin typeface="+mn-lt"/>
-                <a:ea typeface="+mn-ea"/>
-                <a:cs typeface="+mn-cs"/>
-              </a:rPr>
-              <a:t>): double</a:t>
-            </a:r>
-            <a:endParaRPr lang="en-US" b="0" dirty="0">
-              <a:effectLst/>
-            </a:endParaRPr>
-          </a:p>
-          <a:p>
-            <a:pPr rtl="0"/>
-            <a:r>
-              <a:rPr lang="en-US" sz="1200" b="0" i="0" u="none" strike="noStrike" kern="1200" dirty="0">
-                <a:solidFill>
-                  <a:schemeClr val="tx1"/>
-                </a:solidFill>
-                <a:effectLst/>
-                <a:latin typeface="+mn-lt"/>
-                <a:ea typeface="+mn-ea"/>
-                <a:cs typeface="+mn-cs"/>
-              </a:rPr>
-              <a:t>}</a:t>
-            </a:r>
-            <a:endParaRPr lang="en-US" b="0" dirty="0">
-              <a:effectLst/>
-            </a:endParaRPr>
-          </a:p>
-          <a:p>
-            <a:pPr rtl="0"/>
-            <a:r>
-              <a:rPr lang="en-US" sz="1200" b="0" i="0" u="none" strike="noStrike" kern="1200" dirty="0">
-                <a:solidFill>
-                  <a:schemeClr val="tx1"/>
-                </a:solidFill>
-                <a:effectLst/>
-                <a:latin typeface="+mn-lt"/>
-                <a:ea typeface="+mn-ea"/>
-                <a:cs typeface="+mn-cs"/>
-              </a:rPr>
-              <a:t>class Student{</a:t>
-            </a:r>
-            <a:endParaRPr lang="en-US" b="0" dirty="0">
-              <a:effectLst/>
-            </a:endParaRPr>
-          </a:p>
-          <a:p>
-            <a:pPr rtl="0"/>
-            <a:r>
-              <a:rPr lang="en-US" sz="1200" b="0" i="0" u="none" strike="noStrike" kern="1200" dirty="0">
-                <a:solidFill>
-                  <a:schemeClr val="tx1"/>
-                </a:solidFill>
-                <a:effectLst/>
-                <a:latin typeface="+mn-lt"/>
-                <a:ea typeface="+mn-ea"/>
-                <a:cs typeface="+mn-cs"/>
-              </a:rPr>
-              <a:t>  String name</a:t>
-            </a:r>
-            <a:endParaRPr lang="en-US" b="0" dirty="0">
-              <a:effectLst/>
-            </a:endParaRPr>
-          </a:p>
-          <a:p>
-            <a:pPr rtl="0"/>
-            <a:r>
-              <a:rPr lang="en-US" sz="1200" b="0" i="0" u="none" strike="noStrike" kern="1200" dirty="0">
-                <a:solidFill>
-                  <a:schemeClr val="tx1"/>
-                </a:solidFill>
-                <a:effectLst/>
-                <a:latin typeface="+mn-lt"/>
-                <a:ea typeface="+mn-ea"/>
-                <a:cs typeface="+mn-cs"/>
-              </a:rPr>
-              <a:t>  </a:t>
-            </a:r>
-            <a:r>
-              <a:rPr lang="en-US" sz="1200" b="0" i="0" u="none" strike="noStrike" kern="1200" dirty="0" err="1">
-                <a:solidFill>
-                  <a:schemeClr val="tx1"/>
-                </a:solidFill>
-                <a:effectLst/>
-                <a:latin typeface="+mn-lt"/>
-                <a:ea typeface="+mn-ea"/>
-                <a:cs typeface="+mn-cs"/>
-              </a:rPr>
-              <a:t>ArrayList</a:t>
-            </a:r>
-            <a:r>
-              <a:rPr lang="en-US" sz="1200" b="0" i="0" u="none" strike="noStrike" kern="1200" dirty="0">
-                <a:solidFill>
-                  <a:schemeClr val="tx1"/>
-                </a:solidFill>
-                <a:effectLst/>
-                <a:latin typeface="+mn-lt"/>
-                <a:ea typeface="+mn-ea"/>
-                <a:cs typeface="+mn-cs"/>
-              </a:rPr>
-              <a:t>&lt;Double&gt; grades</a:t>
-            </a:r>
-            <a:endParaRPr lang="en-US" b="0" dirty="0">
-              <a:effectLst/>
-            </a:endParaRPr>
-          </a:p>
-          <a:p>
-            <a:pPr rtl="0"/>
-            <a:r>
-              <a:rPr lang="en-US" sz="1200" b="0" i="0" u="none" strike="noStrike" kern="1200" dirty="0">
-                <a:solidFill>
-                  <a:schemeClr val="tx1"/>
-                </a:solidFill>
-                <a:effectLst/>
-                <a:latin typeface="+mn-lt"/>
-                <a:ea typeface="+mn-ea"/>
-                <a:cs typeface="+mn-cs"/>
-              </a:rPr>
-              <a:t>  </a:t>
-            </a:r>
-            <a:r>
-              <a:rPr lang="en-US" sz="1200" b="0" i="0" u="none" strike="noStrike" kern="1200" dirty="0" err="1">
-                <a:solidFill>
-                  <a:schemeClr val="tx1"/>
-                </a:solidFill>
-                <a:effectLst/>
-                <a:latin typeface="+mn-lt"/>
-                <a:ea typeface="+mn-ea"/>
-                <a:cs typeface="+mn-cs"/>
-              </a:rPr>
-              <a:t>getAverage</a:t>
-            </a:r>
-            <a:r>
-              <a:rPr lang="en-US" sz="1200" b="0" i="0" u="none" strike="noStrike" kern="1200" dirty="0">
-                <a:solidFill>
-                  <a:schemeClr val="tx1"/>
-                </a:solidFill>
-                <a:effectLst/>
-                <a:latin typeface="+mn-lt"/>
-                <a:ea typeface="+mn-ea"/>
-                <a:cs typeface="+mn-cs"/>
-              </a:rPr>
-              <a:t>() : double</a:t>
-            </a:r>
-            <a:endParaRPr lang="en-US" b="0" dirty="0">
-              <a:effectLst/>
-            </a:endParaRPr>
-          </a:p>
-          <a:p>
-            <a:pPr rtl="0"/>
-            <a:r>
-              <a:rPr lang="en-US" sz="1200" b="0" i="0" u="none" strike="noStrike" kern="1200" dirty="0">
-                <a:solidFill>
-                  <a:schemeClr val="tx1"/>
-                </a:solidFill>
-                <a:effectLst/>
-                <a:latin typeface="+mn-lt"/>
-                <a:ea typeface="+mn-ea"/>
-                <a:cs typeface="+mn-cs"/>
-              </a:rPr>
-              <a:t>}</a:t>
-            </a:r>
-            <a:endParaRPr lang="en-US" b="0" dirty="0">
-              <a:effectLst/>
-            </a:endParaRPr>
-          </a:p>
-          <a:p>
-            <a:pPr rtl="0"/>
-            <a:br>
-              <a:rPr lang="en-US" b="0" dirty="0">
-                <a:effectLst/>
-              </a:rPr>
-            </a:br>
-            <a:r>
-              <a:rPr lang="en-US" sz="1200" b="0" i="0" u="none" strike="noStrike" kern="1200" dirty="0">
-                <a:solidFill>
-                  <a:schemeClr val="tx1"/>
-                </a:solidFill>
-                <a:effectLst/>
-                <a:latin typeface="+mn-lt"/>
-                <a:ea typeface="+mn-ea"/>
-                <a:cs typeface="+mn-cs"/>
-              </a:rPr>
-              <a:t>class Team{</a:t>
-            </a:r>
-            <a:endParaRPr lang="en-US" b="0" dirty="0">
-              <a:effectLst/>
-            </a:endParaRPr>
-          </a:p>
-          <a:p>
-            <a:pPr rtl="0"/>
-            <a:r>
-              <a:rPr lang="en-US" sz="1200" b="0" i="0" u="none" strike="noStrike" kern="1200" dirty="0">
-                <a:solidFill>
-                  <a:schemeClr val="tx1"/>
-                </a:solidFill>
-                <a:effectLst/>
-                <a:latin typeface="+mn-lt"/>
-                <a:ea typeface="+mn-ea"/>
-                <a:cs typeface="+mn-cs"/>
-              </a:rPr>
-              <a:t>  String name</a:t>
-            </a:r>
-            <a:endParaRPr lang="en-US" b="0" dirty="0">
-              <a:effectLst/>
-            </a:endParaRPr>
-          </a:p>
-          <a:p>
-            <a:pPr rtl="0"/>
-            <a:r>
-              <a:rPr lang="en-US" sz="1200" b="0" i="0" u="none" strike="noStrike" kern="1200" dirty="0">
-                <a:solidFill>
-                  <a:schemeClr val="tx1"/>
-                </a:solidFill>
-                <a:effectLst/>
-                <a:latin typeface="+mn-lt"/>
-                <a:ea typeface="+mn-ea"/>
-                <a:cs typeface="+mn-cs"/>
-              </a:rPr>
-              <a:t>  </a:t>
-            </a:r>
-            <a:r>
-              <a:rPr lang="en-US" sz="1200" b="0" i="0" u="none" strike="noStrike" kern="1200" dirty="0" err="1">
-                <a:solidFill>
-                  <a:schemeClr val="tx1"/>
-                </a:solidFill>
-                <a:effectLst/>
-                <a:latin typeface="+mn-lt"/>
-                <a:ea typeface="+mn-ea"/>
-                <a:cs typeface="+mn-cs"/>
-              </a:rPr>
-              <a:t>ArrayList</a:t>
-            </a:r>
-            <a:r>
-              <a:rPr lang="en-US" sz="1200" b="0" i="0" u="none" strike="noStrike" kern="1200" dirty="0">
-                <a:solidFill>
-                  <a:schemeClr val="tx1"/>
-                </a:solidFill>
-                <a:effectLst/>
-                <a:latin typeface="+mn-lt"/>
-                <a:ea typeface="+mn-ea"/>
-                <a:cs typeface="+mn-cs"/>
-              </a:rPr>
-              <a:t>&lt;Double&gt; grades</a:t>
-            </a:r>
-            <a:endParaRPr lang="en-US" b="0" dirty="0">
-              <a:effectLst/>
-            </a:endParaRPr>
-          </a:p>
-          <a:p>
-            <a:pPr rtl="0"/>
-            <a:r>
-              <a:rPr lang="en-US" sz="1200" b="0" i="0" u="none" strike="noStrike" kern="1200" dirty="0">
-                <a:solidFill>
-                  <a:schemeClr val="tx1"/>
-                </a:solidFill>
-                <a:effectLst/>
-                <a:latin typeface="+mn-lt"/>
-                <a:ea typeface="+mn-ea"/>
-                <a:cs typeface="+mn-cs"/>
-              </a:rPr>
-              <a:t>}</a:t>
-            </a:r>
-            <a:endParaRPr lang="en-US" b="0" dirty="0">
-              <a:effectLst/>
-            </a:endParaRPr>
-          </a:p>
-          <a:p>
-            <a:pPr rtl="0"/>
-            <a:r>
-              <a:rPr lang="en-US" sz="1200" b="0" i="0" u="none" strike="noStrike" kern="1200" dirty="0" err="1">
-                <a:solidFill>
-                  <a:schemeClr val="tx1"/>
-                </a:solidFill>
-                <a:effectLst/>
-                <a:latin typeface="+mn-lt"/>
-                <a:ea typeface="+mn-ea"/>
-                <a:cs typeface="+mn-cs"/>
-              </a:rPr>
-              <a:t>TeamGradebookMain</a:t>
-            </a:r>
-            <a:r>
-              <a:rPr lang="en-US" sz="1200" b="0" i="0" u="none" strike="noStrike" kern="1200" dirty="0">
-                <a:solidFill>
-                  <a:schemeClr val="tx1"/>
-                </a:solidFill>
-                <a:effectLst/>
-                <a:latin typeface="+mn-lt"/>
-                <a:ea typeface="+mn-ea"/>
-                <a:cs typeface="+mn-cs"/>
-              </a:rPr>
-              <a:t> -&gt; "*" Student</a:t>
-            </a:r>
-            <a:endParaRPr lang="en-US" b="0" dirty="0">
-              <a:effectLst/>
-            </a:endParaRPr>
-          </a:p>
-          <a:p>
-            <a:pPr rtl="0"/>
-            <a:r>
-              <a:rPr lang="en-US" sz="1200" b="0" i="0" u="none" strike="noStrike" kern="1200" dirty="0" err="1">
-                <a:solidFill>
-                  <a:schemeClr val="tx1"/>
-                </a:solidFill>
-                <a:effectLst/>
-                <a:latin typeface="+mn-lt"/>
-                <a:ea typeface="+mn-ea"/>
-                <a:cs typeface="+mn-cs"/>
-              </a:rPr>
-              <a:t>TeamGradebookMain</a:t>
-            </a:r>
-            <a:r>
-              <a:rPr lang="en-US" sz="1200" b="0" i="0" u="none" strike="noStrike" kern="1200" dirty="0">
-                <a:solidFill>
-                  <a:schemeClr val="tx1"/>
-                </a:solidFill>
-                <a:effectLst/>
-                <a:latin typeface="+mn-lt"/>
-                <a:ea typeface="+mn-ea"/>
-                <a:cs typeface="+mn-cs"/>
-              </a:rPr>
-              <a:t> -&gt; "*" Team</a:t>
-            </a:r>
-            <a:endParaRPr lang="en-US" b="0" dirty="0">
-              <a:effectLst/>
-            </a:endParaRPr>
-          </a:p>
-          <a:p>
-            <a:pPr rtl="0"/>
-            <a:r>
-              <a:rPr lang="en-US" sz="1200" b="0" i="0" u="none" strike="noStrike" kern="1200" dirty="0">
-                <a:solidFill>
-                  <a:schemeClr val="tx1"/>
-                </a:solidFill>
-                <a:effectLst/>
-                <a:latin typeface="+mn-lt"/>
-                <a:ea typeface="+mn-ea"/>
-                <a:cs typeface="+mn-cs"/>
-              </a:rPr>
-              <a:t>Team -&gt; "*" Student</a:t>
-            </a:r>
-            <a:endParaRPr lang="en-US" b="0" dirty="0">
-              <a:effectLst/>
-            </a:endParaRPr>
-          </a:p>
-          <a:p>
-            <a:pPr rtl="0"/>
-            <a:r>
-              <a:rPr lang="en-US" sz="1200" b="0" i="0" u="none" strike="noStrike" kern="1200" dirty="0">
-                <a:solidFill>
-                  <a:schemeClr val="tx1"/>
-                </a:solidFill>
-                <a:effectLst/>
-                <a:latin typeface="+mn-lt"/>
-                <a:ea typeface="+mn-ea"/>
-                <a:cs typeface="+mn-cs"/>
-              </a:rPr>
-              <a:t>@</a:t>
-            </a:r>
-            <a:r>
-              <a:rPr lang="en-US" sz="1200" b="0" i="0" u="none" strike="noStrike" kern="1200" dirty="0" err="1">
-                <a:solidFill>
-                  <a:schemeClr val="tx1"/>
-                </a:solidFill>
-                <a:effectLst/>
-                <a:latin typeface="+mn-lt"/>
-                <a:ea typeface="+mn-ea"/>
-                <a:cs typeface="+mn-cs"/>
-              </a:rPr>
-              <a:t>enduml</a:t>
-            </a:r>
-            <a:endParaRPr lang="en-US" b="0" dirty="0">
-              <a:effectLst/>
-            </a:endParaRPr>
-          </a:p>
-          <a:p>
-            <a:br>
+            <a:r>
               <a:rPr lang="en-US" dirty="0"/>
-            </a:br>
-            <a:endParaRPr lang="en-US" dirty="0"/>
-          </a:p>
-          <a:p>
-            <a:endParaRPr lang="en-US" dirty="0"/>
-          </a:p>
-          <a:p>
-            <a:endParaRPr lang="en-US" dirty="0"/>
-          </a:p>
-          <a:p>
-            <a:pPr rtl="0"/>
-            <a:r>
-              <a:rPr lang="en-US" sz="1200" b="0" i="0" u="none" strike="noStrike" kern="1200" dirty="0">
-                <a:solidFill>
-                  <a:schemeClr val="tx1"/>
-                </a:solidFill>
-                <a:effectLst/>
-                <a:latin typeface="+mn-lt"/>
-                <a:ea typeface="+mn-ea"/>
-                <a:cs typeface="+mn-cs"/>
-              </a:rPr>
-              <a:t>@</a:t>
-            </a:r>
-            <a:r>
-              <a:rPr lang="en-US" sz="1200" b="0" i="0" u="none" strike="noStrike" kern="1200" dirty="0" err="1">
-                <a:solidFill>
-                  <a:schemeClr val="tx1"/>
-                </a:solidFill>
-                <a:effectLst/>
-                <a:latin typeface="+mn-lt"/>
-                <a:ea typeface="+mn-ea"/>
-                <a:cs typeface="+mn-cs"/>
-              </a:rPr>
-              <a:t>startuml</a:t>
-            </a:r>
-            <a:endParaRPr lang="en-US" b="0" dirty="0">
-              <a:effectLst/>
-            </a:endParaRPr>
-          </a:p>
-          <a:p>
-            <a:pPr rtl="0"/>
-            <a:r>
-              <a:rPr lang="en-US" sz="1200" b="0" i="0" u="none" strike="noStrike" kern="1200" dirty="0" err="1">
-                <a:solidFill>
-                  <a:schemeClr val="tx1"/>
-                </a:solidFill>
-                <a:effectLst/>
-                <a:latin typeface="+mn-lt"/>
-                <a:ea typeface="+mn-ea"/>
-                <a:cs typeface="+mn-cs"/>
-              </a:rPr>
-              <a:t>skinparam</a:t>
-            </a:r>
-            <a:r>
-              <a:rPr lang="en-US" sz="1200" b="0" i="0" u="none" strike="noStrike" kern="1200" dirty="0">
-                <a:solidFill>
-                  <a:schemeClr val="tx1"/>
-                </a:solidFill>
-                <a:effectLst/>
-                <a:latin typeface="+mn-lt"/>
-                <a:ea typeface="+mn-ea"/>
-                <a:cs typeface="+mn-cs"/>
-              </a:rPr>
-              <a:t> style </a:t>
-            </a:r>
-            <a:r>
-              <a:rPr lang="en-US" sz="1200" b="0" i="0" u="none" strike="noStrike" kern="1200" dirty="0" err="1">
-                <a:solidFill>
-                  <a:schemeClr val="tx1"/>
-                </a:solidFill>
-                <a:effectLst/>
-                <a:latin typeface="+mn-lt"/>
-                <a:ea typeface="+mn-ea"/>
-                <a:cs typeface="+mn-cs"/>
-              </a:rPr>
-              <a:t>strictuml</a:t>
-            </a:r>
-            <a:endParaRPr lang="en-US" b="0" dirty="0">
-              <a:effectLst/>
-            </a:endParaRPr>
-          </a:p>
-          <a:p>
-            <a:pPr rtl="0"/>
-            <a:br>
-              <a:rPr lang="en-US" b="0" dirty="0">
-                <a:effectLst/>
-              </a:rPr>
-            </a:br>
-            <a:r>
-              <a:rPr lang="en-US" sz="1200" b="0" i="0" u="none" strike="noStrike" kern="1200" dirty="0">
-                <a:solidFill>
-                  <a:schemeClr val="tx1"/>
-                </a:solidFill>
-                <a:effectLst/>
-                <a:latin typeface="+mn-lt"/>
-                <a:ea typeface="+mn-ea"/>
-                <a:cs typeface="+mn-cs"/>
-              </a:rPr>
-              <a:t>class </a:t>
-            </a:r>
-            <a:r>
-              <a:rPr lang="en-US" sz="1200" b="0" i="0" u="none" strike="noStrike" kern="1200" dirty="0" err="1">
-                <a:solidFill>
-                  <a:schemeClr val="tx1"/>
-                </a:solidFill>
-                <a:effectLst/>
-                <a:latin typeface="+mn-lt"/>
-                <a:ea typeface="+mn-ea"/>
-                <a:cs typeface="+mn-cs"/>
-              </a:rPr>
-              <a:t>TeamGradebookMain</a:t>
-            </a:r>
-            <a:r>
-              <a:rPr lang="en-US" sz="1200" b="0" i="0" u="none" strike="noStrike" kern="1200" dirty="0">
-                <a:solidFill>
-                  <a:schemeClr val="tx1"/>
-                </a:solidFill>
-                <a:effectLst/>
-                <a:latin typeface="+mn-lt"/>
-                <a:ea typeface="+mn-ea"/>
-                <a:cs typeface="+mn-cs"/>
-              </a:rPr>
-              <a:t>{</a:t>
-            </a:r>
-            <a:endParaRPr lang="en-US" b="0" dirty="0">
-              <a:effectLst/>
-            </a:endParaRPr>
-          </a:p>
-          <a:p>
-            <a:pPr rtl="0"/>
-            <a:r>
-              <a:rPr lang="en-US" sz="1200" b="0" i="0" u="none" strike="noStrike" kern="1200" dirty="0" err="1">
-                <a:solidFill>
-                  <a:schemeClr val="tx1"/>
-                </a:solidFill>
-                <a:effectLst/>
-                <a:latin typeface="+mn-lt"/>
-                <a:ea typeface="+mn-ea"/>
-                <a:cs typeface="+mn-cs"/>
-              </a:rPr>
-              <a:t>handleAddStudent</a:t>
-            </a:r>
-            <a:r>
-              <a:rPr lang="en-US" sz="1200" b="0" i="0" u="none" strike="noStrike" kern="1200" dirty="0">
-                <a:solidFill>
-                  <a:schemeClr val="tx1"/>
-                </a:solidFill>
-                <a:effectLst/>
-                <a:latin typeface="+mn-lt"/>
-                <a:ea typeface="+mn-ea"/>
-                <a:cs typeface="+mn-cs"/>
-              </a:rPr>
-              <a:t>(String </a:t>
-            </a:r>
-            <a:r>
-              <a:rPr lang="en-US" sz="1200" b="0" i="0" u="none" strike="noStrike" kern="1200" dirty="0" err="1">
-                <a:solidFill>
-                  <a:schemeClr val="tx1"/>
-                </a:solidFill>
-                <a:effectLst/>
-                <a:latin typeface="+mn-lt"/>
-                <a:ea typeface="+mn-ea"/>
-                <a:cs typeface="+mn-cs"/>
-              </a:rPr>
-              <a:t>studentName</a:t>
-            </a:r>
-            <a:r>
-              <a:rPr lang="en-US" sz="1200" b="0" i="0" u="none" strike="noStrike" kern="1200" dirty="0">
-                <a:solidFill>
-                  <a:schemeClr val="tx1"/>
-                </a:solidFill>
-                <a:effectLst/>
-                <a:latin typeface="+mn-lt"/>
-                <a:ea typeface="+mn-ea"/>
-                <a:cs typeface="+mn-cs"/>
-              </a:rPr>
-              <a:t>)</a:t>
-            </a:r>
-            <a:endParaRPr lang="en-US" b="0" dirty="0">
-              <a:effectLst/>
-            </a:endParaRPr>
-          </a:p>
-          <a:p>
-            <a:pPr rtl="0"/>
-            <a:r>
-              <a:rPr lang="en-US" sz="1200" b="0" i="0" u="none" strike="noStrike" kern="1200" dirty="0" err="1">
-                <a:solidFill>
-                  <a:schemeClr val="tx1"/>
-                </a:solidFill>
-                <a:effectLst/>
-                <a:latin typeface="+mn-lt"/>
-                <a:ea typeface="+mn-ea"/>
-                <a:cs typeface="+mn-cs"/>
-              </a:rPr>
-              <a:t>handleAddTeam</a:t>
-            </a:r>
-            <a:r>
-              <a:rPr lang="en-US" sz="1200" b="0" i="0" u="none" strike="noStrike" kern="1200" dirty="0">
-                <a:solidFill>
-                  <a:schemeClr val="tx1"/>
-                </a:solidFill>
-                <a:effectLst/>
-                <a:latin typeface="+mn-lt"/>
-                <a:ea typeface="+mn-ea"/>
-                <a:cs typeface="+mn-cs"/>
-              </a:rPr>
-              <a:t>(String </a:t>
-            </a:r>
-            <a:r>
-              <a:rPr lang="en-US" sz="1200" b="0" i="0" u="none" strike="noStrike" kern="1200" dirty="0" err="1">
-                <a:solidFill>
-                  <a:schemeClr val="tx1"/>
-                </a:solidFill>
-                <a:effectLst/>
-                <a:latin typeface="+mn-lt"/>
-                <a:ea typeface="+mn-ea"/>
-                <a:cs typeface="+mn-cs"/>
-              </a:rPr>
-              <a:t>teamName</a:t>
-            </a:r>
-            <a:r>
-              <a:rPr lang="en-US" sz="1200" b="0" i="0" u="none" strike="noStrike" kern="1200" dirty="0">
-                <a:solidFill>
-                  <a:schemeClr val="tx1"/>
-                </a:solidFill>
-                <a:effectLst/>
-                <a:latin typeface="+mn-lt"/>
-                <a:ea typeface="+mn-ea"/>
-                <a:cs typeface="+mn-cs"/>
-              </a:rPr>
-              <a:t>, </a:t>
-            </a:r>
-            <a:r>
-              <a:rPr lang="en-US" sz="1200" b="0" i="0" u="none" strike="noStrike" kern="1200" dirty="0" err="1">
-                <a:solidFill>
-                  <a:schemeClr val="tx1"/>
-                </a:solidFill>
-                <a:effectLst/>
-                <a:latin typeface="+mn-lt"/>
-                <a:ea typeface="+mn-ea"/>
-                <a:cs typeface="+mn-cs"/>
-              </a:rPr>
-              <a:t>ArrayList</a:t>
-            </a:r>
-            <a:r>
-              <a:rPr lang="en-US" sz="1200" b="0" i="0" u="none" strike="noStrike" kern="1200" dirty="0">
-                <a:solidFill>
-                  <a:schemeClr val="tx1"/>
-                </a:solidFill>
-                <a:effectLst/>
-                <a:latin typeface="+mn-lt"/>
-                <a:ea typeface="+mn-ea"/>
-                <a:cs typeface="+mn-cs"/>
-              </a:rPr>
-              <a:t>&lt;String&gt; </a:t>
-            </a:r>
-            <a:r>
-              <a:rPr lang="en-US" sz="1200" b="0" i="0" u="none" strike="noStrike" kern="1200" dirty="0" err="1">
-                <a:solidFill>
-                  <a:schemeClr val="tx1"/>
-                </a:solidFill>
-                <a:effectLst/>
-                <a:latin typeface="+mn-lt"/>
-                <a:ea typeface="+mn-ea"/>
-                <a:cs typeface="+mn-cs"/>
-              </a:rPr>
-              <a:t>memberNames</a:t>
-            </a:r>
-            <a:r>
-              <a:rPr lang="en-US" sz="1200" b="0" i="0" u="none" strike="noStrike" kern="1200" dirty="0">
-                <a:solidFill>
-                  <a:schemeClr val="tx1"/>
-                </a:solidFill>
-                <a:effectLst/>
-                <a:latin typeface="+mn-lt"/>
-                <a:ea typeface="+mn-ea"/>
-                <a:cs typeface="+mn-cs"/>
-              </a:rPr>
-              <a:t>)</a:t>
-            </a:r>
-            <a:endParaRPr lang="en-US" b="0" dirty="0">
-              <a:effectLst/>
-            </a:endParaRPr>
-          </a:p>
-          <a:p>
-            <a:pPr rtl="0"/>
-            <a:r>
-              <a:rPr lang="en-US" sz="1200" b="0" i="0" u="none" strike="noStrike" kern="1200" dirty="0" err="1">
-                <a:solidFill>
-                  <a:schemeClr val="tx1"/>
-                </a:solidFill>
-                <a:effectLst/>
-                <a:latin typeface="+mn-lt"/>
-                <a:ea typeface="+mn-ea"/>
-                <a:cs typeface="+mn-cs"/>
-              </a:rPr>
-              <a:t>handleAddGrade</a:t>
-            </a:r>
-            <a:r>
-              <a:rPr lang="en-US" sz="1200" b="0" i="0" u="none" strike="noStrike" kern="1200" dirty="0">
-                <a:solidFill>
-                  <a:schemeClr val="tx1"/>
-                </a:solidFill>
-                <a:effectLst/>
-                <a:latin typeface="+mn-lt"/>
-                <a:ea typeface="+mn-ea"/>
-                <a:cs typeface="+mn-cs"/>
-              </a:rPr>
-              <a:t>(String </a:t>
-            </a:r>
-            <a:r>
-              <a:rPr lang="en-US" sz="1200" b="0" i="0" u="none" strike="noStrike" kern="1200" dirty="0" err="1">
-                <a:solidFill>
-                  <a:schemeClr val="tx1"/>
-                </a:solidFill>
-                <a:effectLst/>
-                <a:latin typeface="+mn-lt"/>
-                <a:ea typeface="+mn-ea"/>
-                <a:cs typeface="+mn-cs"/>
-              </a:rPr>
-              <a:t>teamName</a:t>
-            </a:r>
-            <a:r>
-              <a:rPr lang="en-US" sz="1200" b="0" i="0" u="none" strike="noStrike" kern="1200" dirty="0">
-                <a:solidFill>
-                  <a:schemeClr val="tx1"/>
-                </a:solidFill>
-                <a:effectLst/>
-                <a:latin typeface="+mn-lt"/>
-                <a:ea typeface="+mn-ea"/>
-                <a:cs typeface="+mn-cs"/>
-              </a:rPr>
-              <a:t>, double grade)</a:t>
-            </a:r>
-            <a:endParaRPr lang="en-US" b="0" dirty="0">
-              <a:effectLst/>
-            </a:endParaRPr>
-          </a:p>
-          <a:p>
-            <a:pPr rtl="0"/>
-            <a:r>
-              <a:rPr lang="en-US" sz="1200" b="0" i="0" u="none" strike="noStrike" kern="1200" dirty="0" err="1">
-                <a:solidFill>
-                  <a:schemeClr val="tx1"/>
-                </a:solidFill>
-                <a:effectLst/>
-                <a:latin typeface="+mn-lt"/>
-                <a:ea typeface="+mn-ea"/>
-                <a:cs typeface="+mn-cs"/>
-              </a:rPr>
-              <a:t>handleGetAverage</a:t>
-            </a:r>
-            <a:r>
-              <a:rPr lang="en-US" sz="1200" b="0" i="0" u="none" strike="noStrike" kern="1200" dirty="0">
-                <a:solidFill>
-                  <a:schemeClr val="tx1"/>
-                </a:solidFill>
-                <a:effectLst/>
-                <a:latin typeface="+mn-lt"/>
-                <a:ea typeface="+mn-ea"/>
-                <a:cs typeface="+mn-cs"/>
-              </a:rPr>
-              <a:t>(String </a:t>
-            </a:r>
-            <a:r>
-              <a:rPr lang="en-US" sz="1200" b="0" i="0" u="none" strike="noStrike" kern="1200" dirty="0" err="1">
-                <a:solidFill>
-                  <a:schemeClr val="tx1"/>
-                </a:solidFill>
-                <a:effectLst/>
-                <a:latin typeface="+mn-lt"/>
-                <a:ea typeface="+mn-ea"/>
-                <a:cs typeface="+mn-cs"/>
-              </a:rPr>
-              <a:t>studentName</a:t>
-            </a:r>
-            <a:r>
-              <a:rPr lang="en-US" sz="1200" b="0" i="0" u="none" strike="noStrike" kern="1200" dirty="0">
-                <a:solidFill>
-                  <a:schemeClr val="tx1"/>
-                </a:solidFill>
-                <a:effectLst/>
-                <a:latin typeface="+mn-lt"/>
-                <a:ea typeface="+mn-ea"/>
-                <a:cs typeface="+mn-cs"/>
-              </a:rPr>
-              <a:t>): double</a:t>
-            </a:r>
-            <a:endParaRPr lang="en-US" b="0" dirty="0">
-              <a:effectLst/>
-            </a:endParaRPr>
-          </a:p>
-          <a:p>
-            <a:pPr rtl="0"/>
-            <a:r>
-              <a:rPr lang="en-US" sz="1200" b="0" i="0" u="none" strike="noStrike" kern="1200" dirty="0">
-                <a:solidFill>
-                  <a:schemeClr val="tx1"/>
-                </a:solidFill>
-                <a:effectLst/>
-                <a:latin typeface="+mn-lt"/>
-                <a:ea typeface="+mn-ea"/>
-                <a:cs typeface="+mn-cs"/>
-              </a:rPr>
-              <a:t>}</a:t>
-            </a:r>
-            <a:endParaRPr lang="en-US" b="0" dirty="0">
-              <a:effectLst/>
-            </a:endParaRPr>
-          </a:p>
-          <a:p>
-            <a:pPr rtl="0"/>
-            <a:r>
-              <a:rPr lang="en-US" sz="1200" b="0" i="0" u="none" strike="noStrike" kern="1200" dirty="0">
-                <a:solidFill>
-                  <a:schemeClr val="tx1"/>
-                </a:solidFill>
-                <a:effectLst/>
-                <a:latin typeface="+mn-lt"/>
-                <a:ea typeface="+mn-ea"/>
-                <a:cs typeface="+mn-cs"/>
-              </a:rPr>
-              <a:t>class Student{</a:t>
-            </a:r>
-            <a:endParaRPr lang="en-US" b="0" dirty="0">
-              <a:effectLst/>
-            </a:endParaRPr>
-          </a:p>
-          <a:p>
-            <a:pPr rtl="0"/>
-            <a:r>
-              <a:rPr lang="en-US" sz="1200" b="0" i="0" u="none" strike="noStrike" kern="1200" dirty="0">
-                <a:solidFill>
-                  <a:schemeClr val="tx1"/>
-                </a:solidFill>
-                <a:effectLst/>
-                <a:latin typeface="+mn-lt"/>
-                <a:ea typeface="+mn-ea"/>
-                <a:cs typeface="+mn-cs"/>
-              </a:rPr>
-              <a:t>  String name</a:t>
-            </a:r>
-            <a:endParaRPr lang="en-US" b="0" dirty="0">
-              <a:effectLst/>
-            </a:endParaRPr>
-          </a:p>
-          <a:p>
-            <a:pPr rtl="0"/>
-            <a:r>
-              <a:rPr lang="en-US" sz="1200" b="0" i="0" u="none" strike="noStrike" kern="1200" dirty="0">
-                <a:solidFill>
-                  <a:schemeClr val="tx1"/>
-                </a:solidFill>
-                <a:effectLst/>
-                <a:latin typeface="+mn-lt"/>
-                <a:ea typeface="+mn-ea"/>
-                <a:cs typeface="+mn-cs"/>
-              </a:rPr>
-              <a:t>  </a:t>
-            </a:r>
-            <a:r>
-              <a:rPr lang="en-US" sz="1200" b="0" i="0" u="none" strike="noStrike" kern="1200" dirty="0" err="1">
-                <a:solidFill>
-                  <a:schemeClr val="tx1"/>
-                </a:solidFill>
-                <a:effectLst/>
-                <a:latin typeface="+mn-lt"/>
-                <a:ea typeface="+mn-ea"/>
-                <a:cs typeface="+mn-cs"/>
-              </a:rPr>
-              <a:t>ArrayList</a:t>
-            </a:r>
-            <a:r>
-              <a:rPr lang="en-US" sz="1200" b="0" i="0" u="none" strike="noStrike" kern="1200" dirty="0">
-                <a:solidFill>
-                  <a:schemeClr val="tx1"/>
-                </a:solidFill>
-                <a:effectLst/>
-                <a:latin typeface="+mn-lt"/>
-                <a:ea typeface="+mn-ea"/>
-                <a:cs typeface="+mn-cs"/>
-              </a:rPr>
-              <a:t>&lt;Double&gt; grades</a:t>
-            </a:r>
-            <a:endParaRPr lang="en-US" b="0" dirty="0">
-              <a:effectLst/>
-            </a:endParaRPr>
-          </a:p>
-          <a:p>
-            <a:pPr rtl="0"/>
-            <a:r>
-              <a:rPr lang="en-US" sz="1200" b="0" i="0" u="none" strike="noStrike" kern="1200" dirty="0">
-                <a:solidFill>
-                  <a:schemeClr val="tx1"/>
-                </a:solidFill>
-                <a:effectLst/>
-                <a:latin typeface="+mn-lt"/>
-                <a:ea typeface="+mn-ea"/>
-                <a:cs typeface="+mn-cs"/>
-              </a:rPr>
-              <a:t>  </a:t>
-            </a:r>
-            <a:r>
-              <a:rPr lang="en-US" sz="1200" b="0" i="0" u="none" strike="noStrike" kern="1200" dirty="0" err="1">
-                <a:solidFill>
-                  <a:schemeClr val="tx1"/>
-                </a:solidFill>
-                <a:effectLst/>
-                <a:latin typeface="+mn-lt"/>
-                <a:ea typeface="+mn-ea"/>
-                <a:cs typeface="+mn-cs"/>
-              </a:rPr>
-              <a:t>getGrades</a:t>
-            </a:r>
-            <a:r>
-              <a:rPr lang="en-US" sz="1200" b="0" i="0" u="none" strike="noStrike" kern="1200" dirty="0">
-                <a:solidFill>
-                  <a:schemeClr val="tx1"/>
-                </a:solidFill>
-                <a:effectLst/>
-                <a:latin typeface="+mn-lt"/>
-                <a:ea typeface="+mn-ea"/>
-                <a:cs typeface="+mn-cs"/>
-              </a:rPr>
-              <a:t>() : </a:t>
-            </a:r>
-            <a:r>
-              <a:rPr lang="en-US" sz="1200" b="0" i="0" u="none" strike="noStrike" kern="1200" dirty="0" err="1">
-                <a:solidFill>
-                  <a:schemeClr val="tx1"/>
-                </a:solidFill>
-                <a:effectLst/>
-                <a:latin typeface="+mn-lt"/>
-                <a:ea typeface="+mn-ea"/>
-                <a:cs typeface="+mn-cs"/>
-              </a:rPr>
-              <a:t>ArrayList</a:t>
-            </a:r>
-            <a:r>
-              <a:rPr lang="en-US" sz="1200" b="0" i="0" u="none" strike="noStrike" kern="1200" dirty="0">
-                <a:solidFill>
-                  <a:schemeClr val="tx1"/>
-                </a:solidFill>
-                <a:effectLst/>
-                <a:latin typeface="+mn-lt"/>
-                <a:ea typeface="+mn-ea"/>
-                <a:cs typeface="+mn-cs"/>
-              </a:rPr>
-              <a:t>&lt;Double&gt;</a:t>
-            </a:r>
-            <a:endParaRPr lang="en-US" b="0" dirty="0">
-              <a:effectLst/>
-            </a:endParaRPr>
-          </a:p>
-          <a:p>
-            <a:pPr rtl="0"/>
-            <a:r>
-              <a:rPr lang="en-US" sz="1200" b="0" i="0" u="none" strike="noStrike" kern="1200" dirty="0">
-                <a:solidFill>
-                  <a:schemeClr val="tx1"/>
-                </a:solidFill>
-                <a:effectLst/>
-                <a:latin typeface="+mn-lt"/>
-                <a:ea typeface="+mn-ea"/>
-                <a:cs typeface="+mn-cs"/>
-              </a:rPr>
-              <a:t>}</a:t>
-            </a:r>
-            <a:endParaRPr lang="en-US" b="0" dirty="0">
-              <a:effectLst/>
-            </a:endParaRPr>
-          </a:p>
-          <a:p>
-            <a:pPr rtl="0"/>
-            <a:br>
-              <a:rPr lang="en-US" b="0" dirty="0">
-                <a:effectLst/>
-              </a:rPr>
-            </a:br>
-            <a:r>
-              <a:rPr lang="en-US" sz="1200" b="0" i="0" u="none" strike="noStrike" kern="1200" dirty="0">
-                <a:solidFill>
-                  <a:schemeClr val="tx1"/>
-                </a:solidFill>
-                <a:effectLst/>
-                <a:latin typeface="+mn-lt"/>
-                <a:ea typeface="+mn-ea"/>
-                <a:cs typeface="+mn-cs"/>
-              </a:rPr>
-              <a:t>class Team{</a:t>
-            </a:r>
-            <a:endParaRPr lang="en-US" b="0" dirty="0">
-              <a:effectLst/>
-            </a:endParaRPr>
-          </a:p>
-          <a:p>
-            <a:pPr rtl="0"/>
-            <a:r>
-              <a:rPr lang="en-US" sz="1200" b="0" i="0" u="none" strike="noStrike" kern="1200" dirty="0">
-                <a:solidFill>
-                  <a:schemeClr val="tx1"/>
-                </a:solidFill>
-                <a:effectLst/>
-                <a:latin typeface="+mn-lt"/>
-                <a:ea typeface="+mn-ea"/>
-                <a:cs typeface="+mn-cs"/>
-              </a:rPr>
-              <a:t>  String name</a:t>
-            </a:r>
-            <a:endParaRPr lang="en-US" b="0" dirty="0">
-              <a:effectLst/>
-            </a:endParaRPr>
-          </a:p>
-          <a:p>
-            <a:pPr rtl="0"/>
-            <a:r>
-              <a:rPr lang="en-US" sz="1200" b="0" i="0" u="none" strike="noStrike" kern="1200" dirty="0">
-                <a:solidFill>
-                  <a:schemeClr val="tx1"/>
-                </a:solidFill>
-                <a:effectLst/>
-                <a:latin typeface="+mn-lt"/>
-                <a:ea typeface="+mn-ea"/>
-                <a:cs typeface="+mn-cs"/>
-              </a:rPr>
-              <a:t>  </a:t>
-            </a:r>
-            <a:r>
-              <a:rPr lang="en-US" sz="1200" b="0" i="0" u="none" strike="noStrike" kern="1200" dirty="0" err="1">
-                <a:solidFill>
-                  <a:schemeClr val="tx1"/>
-                </a:solidFill>
-                <a:effectLst/>
-                <a:latin typeface="+mn-lt"/>
-                <a:ea typeface="+mn-ea"/>
-                <a:cs typeface="+mn-cs"/>
-              </a:rPr>
-              <a:t>ArrayList</a:t>
-            </a:r>
-            <a:r>
-              <a:rPr lang="en-US" sz="1200" b="0" i="0" u="none" strike="noStrike" kern="1200" dirty="0">
-                <a:solidFill>
-                  <a:schemeClr val="tx1"/>
-                </a:solidFill>
-                <a:effectLst/>
-                <a:latin typeface="+mn-lt"/>
-                <a:ea typeface="+mn-ea"/>
-                <a:cs typeface="+mn-cs"/>
-              </a:rPr>
-              <a:t>&lt;Double&gt; grades</a:t>
-            </a:r>
-            <a:endParaRPr lang="en-US" b="0" dirty="0">
-              <a:effectLst/>
-            </a:endParaRPr>
-          </a:p>
-          <a:p>
-            <a:pPr rtl="0"/>
-            <a:r>
-              <a:rPr lang="en-US" sz="1200" b="0" i="0" u="none" strike="noStrike" kern="1200" dirty="0">
-                <a:solidFill>
-                  <a:schemeClr val="tx1"/>
-                </a:solidFill>
-                <a:effectLst/>
-                <a:latin typeface="+mn-lt"/>
-                <a:ea typeface="+mn-ea"/>
-                <a:cs typeface="+mn-cs"/>
-              </a:rPr>
-              <a:t>}</a:t>
-            </a:r>
-            <a:endParaRPr lang="en-US" b="0" dirty="0">
-              <a:effectLst/>
-            </a:endParaRPr>
-          </a:p>
-          <a:p>
-            <a:pPr rtl="0"/>
-            <a:r>
-              <a:rPr lang="en-US" sz="1200" b="0" i="0" u="none" strike="noStrike" kern="1200" dirty="0" err="1">
-                <a:solidFill>
-                  <a:schemeClr val="tx1"/>
-                </a:solidFill>
-                <a:effectLst/>
-                <a:latin typeface="+mn-lt"/>
-                <a:ea typeface="+mn-ea"/>
-                <a:cs typeface="+mn-cs"/>
-              </a:rPr>
-              <a:t>TeamGradebookMain</a:t>
-            </a:r>
-            <a:r>
-              <a:rPr lang="en-US" sz="1200" b="0" i="0" u="none" strike="noStrike" kern="1200" dirty="0">
-                <a:solidFill>
-                  <a:schemeClr val="tx1"/>
-                </a:solidFill>
-                <a:effectLst/>
-                <a:latin typeface="+mn-lt"/>
-                <a:ea typeface="+mn-ea"/>
-                <a:cs typeface="+mn-cs"/>
-              </a:rPr>
-              <a:t> -&gt; "*" Student</a:t>
-            </a:r>
-            <a:endParaRPr lang="en-US" b="0" dirty="0">
-              <a:effectLst/>
-            </a:endParaRPr>
-          </a:p>
-          <a:p>
-            <a:pPr rtl="0"/>
-            <a:r>
-              <a:rPr lang="en-US" sz="1200" b="0" i="0" u="none" strike="noStrike" kern="1200" dirty="0" err="1">
-                <a:solidFill>
-                  <a:schemeClr val="tx1"/>
-                </a:solidFill>
-                <a:effectLst/>
-                <a:latin typeface="+mn-lt"/>
-                <a:ea typeface="+mn-ea"/>
-                <a:cs typeface="+mn-cs"/>
-              </a:rPr>
-              <a:t>TeamGradebookMain</a:t>
-            </a:r>
-            <a:r>
-              <a:rPr lang="en-US" sz="1200" b="0" i="0" u="none" strike="noStrike" kern="1200" dirty="0">
-                <a:solidFill>
-                  <a:schemeClr val="tx1"/>
-                </a:solidFill>
-                <a:effectLst/>
-                <a:latin typeface="+mn-lt"/>
-                <a:ea typeface="+mn-ea"/>
-                <a:cs typeface="+mn-cs"/>
-              </a:rPr>
-              <a:t> -&gt; "*" Team</a:t>
-            </a:r>
-            <a:endParaRPr lang="en-US" b="0" dirty="0">
-              <a:effectLst/>
-            </a:endParaRPr>
-          </a:p>
-          <a:p>
-            <a:pPr rtl="0"/>
-            <a:r>
-              <a:rPr lang="en-US" sz="1200" b="0" i="0" u="none" strike="noStrike" kern="1200" dirty="0">
-                <a:solidFill>
-                  <a:schemeClr val="tx1"/>
-                </a:solidFill>
-                <a:effectLst/>
-                <a:latin typeface="+mn-lt"/>
-                <a:ea typeface="+mn-ea"/>
-                <a:cs typeface="+mn-cs"/>
-              </a:rPr>
-              <a:t>Team -&gt; "*" Student</a:t>
-            </a:r>
-            <a:endParaRPr lang="en-US" b="0" dirty="0">
-              <a:effectLst/>
-            </a:endParaRPr>
-          </a:p>
-          <a:p>
-            <a:pPr rtl="0"/>
-            <a:r>
-              <a:rPr lang="en-US" sz="1200" b="0" i="0" u="none" strike="noStrike" kern="1200" dirty="0">
-                <a:solidFill>
-                  <a:schemeClr val="tx1"/>
-                </a:solidFill>
-                <a:effectLst/>
-                <a:latin typeface="+mn-lt"/>
-                <a:ea typeface="+mn-ea"/>
-                <a:cs typeface="+mn-cs"/>
-              </a:rPr>
-              <a:t>@</a:t>
-            </a:r>
-            <a:r>
-              <a:rPr lang="en-US" sz="1200" b="0" i="0" u="none" strike="noStrike" kern="1200" dirty="0" err="1">
-                <a:solidFill>
-                  <a:schemeClr val="tx1"/>
-                </a:solidFill>
-                <a:effectLst/>
-                <a:latin typeface="+mn-lt"/>
-                <a:ea typeface="+mn-ea"/>
-                <a:cs typeface="+mn-cs"/>
-              </a:rPr>
-              <a:t>enduml</a:t>
-            </a:r>
-            <a:endParaRPr lang="en-US" b="0" dirty="0">
-              <a:effectLst/>
-            </a:endParaRPr>
-          </a:p>
-          <a:p>
-            <a:br>
-              <a:rPr lang="en-US" dirty="0"/>
-            </a:br>
-            <a:endParaRPr lang="en-US" dirty="0"/>
-          </a:p>
-          <a:p>
+              <a:t>May make sense to put this on Friday instead, if time could introduce here, but provides nice example of tell</a:t>
+            </a:r>
+            <a:r>
+              <a:rPr lang="en-US" baseline="0" dirty="0"/>
+              <a:t> don’t ask</a:t>
+            </a:r>
             <a:endParaRPr lang="en-US" dirty="0"/>
           </a:p>
         </p:txBody>
@@ -3616,7 +3224,7 @@
     </p:spTree>
     <p:extLst>
       <p:ext uri="{BB962C8B-B14F-4D97-AF65-F5344CB8AC3E}">
-        <p14:creationId xmlns:p14="http://schemas.microsoft.com/office/powerpoint/2010/main" val="1789438253"/>
+        <p14:creationId xmlns:p14="http://schemas.microsoft.com/office/powerpoint/2010/main" val="2163677615"/>
       </p:ext>
     </p:extLst>
   </p:cSld>
@@ -3670,6 +3278,14 @@
           <a:bodyPr/>
           <a:lstStyle/>
           <a:p>
+            <a:r>
+              <a:rPr lang="en-US" dirty="0"/>
+              <a:t>May make sense to put this on Friday instead, if time could introduce here, but provides nice example of tell</a:t>
+            </a:r>
+            <a:r>
+              <a:rPr lang="en-US" baseline="0" dirty="0"/>
+              <a:t> don’t ask</a:t>
+            </a:r>
             <a:endParaRPr lang="en-US" dirty="0"/>
           </a:p>
         </p:txBody>
@@ -3700,7 +3316,7 @@
     </p:spTree>
     <p:extLst>
       <p:ext uri="{BB962C8B-B14F-4D97-AF65-F5344CB8AC3E}">
-        <p14:creationId xmlns:p14="http://schemas.microsoft.com/office/powerpoint/2010/main" val="3737874852"/>
+        <p14:creationId xmlns:p14="http://schemas.microsoft.com/office/powerpoint/2010/main" val="2222865674"/>
       </p:ext>
     </p:extLst>
   </p:cSld>
@@ -3889,7 +3505,7 @@
           <a:p>
             <a:fld id="{50A519B0-864F-436F-AD10-563B5AD2C023}" type="datetimeFigureOut">
               <a:rPr lang="en-US" smtClean="0"/>
-              <a:t>8/11/2023</a:t>
+              <a:t>10/2/2023</a:t>
             </a:fld>
             <a:endParaRPr lang="en-US"/>
           </a:p>
@@ -4057,7 +3673,7 @@
           <a:p>
             <a:fld id="{50A519B0-864F-436F-AD10-563B5AD2C023}" type="datetimeFigureOut">
               <a:rPr lang="en-US" smtClean="0"/>
-              <a:t>8/11/2023</a:t>
+              <a:t>10/2/2023</a:t>
             </a:fld>
             <a:endParaRPr lang="en-US"/>
           </a:p>
@@ -4235,7 +3851,7 @@
           <a:p>
             <a:fld id="{50A519B0-864F-436F-AD10-563B5AD2C023}" type="datetimeFigureOut">
               <a:rPr lang="en-US" smtClean="0"/>
-              <a:t>8/11/2023</a:t>
+              <a:t>10/2/2023</a:t>
             </a:fld>
             <a:endParaRPr lang="en-US"/>
           </a:p>
@@ -4403,7 +4019,7 @@
           <a:p>
             <a:fld id="{50A519B0-864F-436F-AD10-563B5AD2C023}" type="datetimeFigureOut">
               <a:rPr lang="en-US" smtClean="0"/>
-              <a:t>8/11/2023</a:t>
+              <a:t>10/2/2023</a:t>
             </a:fld>
             <a:endParaRPr lang="en-US"/>
           </a:p>
@@ -4648,7 +4264,7 @@
           <a:p>
             <a:fld id="{50A519B0-864F-436F-AD10-563B5AD2C023}" type="datetimeFigureOut">
               <a:rPr lang="en-US" smtClean="0"/>
-              <a:t>8/11/2023</a:t>
+              <a:t>10/2/2023</a:t>
             </a:fld>
             <a:endParaRPr lang="en-US"/>
           </a:p>
@@ -4933,7 +4549,7 @@
           <a:p>
             <a:fld id="{50A519B0-864F-436F-AD10-563B5AD2C023}" type="datetimeFigureOut">
               <a:rPr lang="en-US" smtClean="0"/>
-              <a:t>8/11/2023</a:t>
+              <a:t>10/2/2023</a:t>
             </a:fld>
             <a:endParaRPr lang="en-US"/>
           </a:p>
@@ -5352,7 +4968,7 @@
           <a:p>
             <a:fld id="{50A519B0-864F-436F-AD10-563B5AD2C023}" type="datetimeFigureOut">
               <a:rPr lang="en-US" smtClean="0"/>
-              <a:t>8/11/2023</a:t>
+              <a:t>10/2/2023</a:t>
             </a:fld>
             <a:endParaRPr lang="en-US"/>
           </a:p>
@@ -5469,7 +5085,7 @@
           <a:p>
             <a:fld id="{50A519B0-864F-436F-AD10-563B5AD2C023}" type="datetimeFigureOut">
               <a:rPr lang="en-US" smtClean="0"/>
-              <a:t>8/11/2023</a:t>
+              <a:t>10/2/2023</a:t>
             </a:fld>
             <a:endParaRPr lang="en-US"/>
           </a:p>
@@ -5564,7 +5180,7 @@
           <a:p>
             <a:fld id="{50A519B0-864F-436F-AD10-563B5AD2C023}" type="datetimeFigureOut">
               <a:rPr lang="en-US" smtClean="0"/>
-              <a:t>8/11/2023</a:t>
+              <a:t>10/2/2023</a:t>
             </a:fld>
             <a:endParaRPr lang="en-US"/>
           </a:p>
@@ -5839,7 +5455,7 @@
           <a:p>
             <a:fld id="{50A519B0-864F-436F-AD10-563B5AD2C023}" type="datetimeFigureOut">
               <a:rPr lang="en-US" smtClean="0"/>
-              <a:t>8/11/2023</a:t>
+              <a:t>10/2/2023</a:t>
             </a:fld>
             <a:endParaRPr lang="en-US"/>
           </a:p>
@@ -6091,7 +5707,7 @@
           <a:p>
             <a:fld id="{50A519B0-864F-436F-AD10-563B5AD2C023}" type="datetimeFigureOut">
               <a:rPr lang="en-US" smtClean="0"/>
-              <a:t>8/11/2023</a:t>
+              <a:t>10/2/2023</a:t>
             </a:fld>
             <a:endParaRPr lang="en-US"/>
           </a:p>
@@ -6302,7 +5918,7 @@
           <a:p>
             <a:fld id="{50A519B0-864F-436F-AD10-563B5AD2C023}" type="datetimeFigureOut">
               <a:rPr lang="en-US" smtClean="0"/>
-              <a:t>8/11/2023</a:t>
+              <a:t>10/2/2023</a:t>
             </a:fld>
             <a:endParaRPr lang="en-US"/>
           </a:p>
@@ -6810,6 +6426,966 @@
       </p:grpSpPr>
       <p:sp>
         <p:nvSpPr>
+          <p:cNvPr id="2" name="Title 1">
+            <a:extLst>
+              <a:ext uri="{FF2B5EF4-FFF2-40B4-BE49-F238E27FC236}">
+                <a16:creationId xmlns:a16="http://schemas.microsoft.com/office/drawing/2014/main" id="{9D2C71B3-EAC7-849E-C9CC-60FB16B606E4}"/>
+              </a:ext>
+            </a:extLst>
+          </p:cNvPr>
+          <p:cNvSpPr>
+            <a:spLocks noGrp="1"/>
+          </p:cNvSpPr>
+          <p:nvPr>
+            <p:ph type="title"/>
+          </p:nvPr>
+        </p:nvSpPr>
+        <p:spPr>
+          <a:xfrm>
+            <a:off x="457200" y="0"/>
+            <a:ext cx="8229600" cy="1143000"/>
+          </a:xfrm>
+        </p:spPr>
+        <p:txBody>
+          <a:bodyPr/>
+          <a:lstStyle/>
+          <a:p>
+            <a:r>
+              <a:rPr lang="en-US" dirty="0"/>
+              <a:t>Tell (better design)</a:t>
+            </a:r>
+          </a:p>
+        </p:txBody>
+      </p:sp>
+      <p:pic>
+        <p:nvPicPr>
+          <p:cNvPr id="4" name="Picture 3" descr="A diagram of a computer code&#10;&#10;Description automatically generated with medium confidence">
+            <a:extLst>
+              <a:ext uri="{FF2B5EF4-FFF2-40B4-BE49-F238E27FC236}">
+                <a16:creationId xmlns:a16="http://schemas.microsoft.com/office/drawing/2014/main" id="{965C6FCA-3F0F-73A5-424B-98E39A7E3B60}"/>
+              </a:ext>
+            </a:extLst>
+          </p:cNvPr>
+          <p:cNvPicPr>
+            <a:picLocks noChangeAspect="1"/>
+          </p:cNvPicPr>
+          <p:nvPr/>
+        </p:nvPicPr>
+        <p:blipFill>
+          <a:blip r:embed="rId3">
+            <a:extLst>
+              <a:ext uri="{28A0092B-C50C-407E-A947-70E740481C1C}">
+                <a14:useLocalDpi xmlns:a14="http://schemas.microsoft.com/office/drawing/2010/main" val="0"/>
+              </a:ext>
+            </a:extLst>
+          </a:blip>
+          <a:stretch>
+            <a:fillRect/>
+          </a:stretch>
+        </p:blipFill>
+        <p:spPr>
+          <a:xfrm>
+            <a:off x="104775" y="895183"/>
+            <a:ext cx="8934450" cy="2076617"/>
+          </a:xfrm>
+          <a:prstGeom prst="rect">
+            <a:avLst/>
+          </a:prstGeom>
+        </p:spPr>
+      </p:pic>
+      <p:sp>
+        <p:nvSpPr>
+          <p:cNvPr id="3" name="Title 1">
+            <a:extLst>
+              <a:ext uri="{FF2B5EF4-FFF2-40B4-BE49-F238E27FC236}">
+                <a16:creationId xmlns:a16="http://schemas.microsoft.com/office/drawing/2014/main" id="{9518D671-F7B9-299A-10DA-825EDD49B8B5}"/>
+              </a:ext>
+            </a:extLst>
+          </p:cNvPr>
+          <p:cNvSpPr txBox="1">
+            <a:spLocks/>
+          </p:cNvSpPr>
+          <p:nvPr/>
+        </p:nvSpPr>
+        <p:spPr>
+          <a:xfrm>
+            <a:off x="457200" y="2815424"/>
+            <a:ext cx="8229600" cy="1143000"/>
+          </a:xfrm>
+          <a:prstGeom prst="rect">
+            <a:avLst/>
+          </a:prstGeom>
+        </p:spPr>
+        <p:txBody>
+          <a:bodyPr vert="horz" lIns="91440" tIns="45720" rIns="91440" bIns="45720" rtlCol="0" anchor="ctr">
+            <a:normAutofit/>
+          </a:bodyPr>
+          <a:lstStyle>
+            <a:lvl1pPr algn="ctr" defTabSz="914400" rtl="0" eaLnBrk="1" latinLnBrk="0" hangingPunct="1">
+              <a:spcBef>
+                <a:spcPct val="0"/>
+              </a:spcBef>
+              <a:buNone/>
+              <a:defRPr sz="4400" kern="1200">
+                <a:solidFill>
+                  <a:schemeClr val="tx1"/>
+                </a:solidFill>
+                <a:latin typeface="+mj-lt"/>
+                <a:ea typeface="+mj-ea"/>
+                <a:cs typeface="+mj-cs"/>
+              </a:defRPr>
+            </a:lvl1pPr>
+          </a:lstStyle>
+          <a:p>
+            <a:r>
+              <a:rPr lang="en-US" dirty="0"/>
+              <a:t>Ask (worse design)</a:t>
+            </a:r>
+          </a:p>
+        </p:txBody>
+      </p:sp>
+      <p:pic>
+        <p:nvPicPr>
+          <p:cNvPr id="5" name="Picture 4" descr="A diagram of a computer code&#10;&#10;Description automatically generated with medium confidence">
+            <a:extLst>
+              <a:ext uri="{FF2B5EF4-FFF2-40B4-BE49-F238E27FC236}">
+                <a16:creationId xmlns:a16="http://schemas.microsoft.com/office/drawing/2014/main" id="{D8C84864-0C24-BF92-62CE-AF23368E8388}"/>
+              </a:ext>
+            </a:extLst>
+          </p:cNvPr>
+          <p:cNvPicPr>
+            <a:picLocks noChangeAspect="1"/>
+          </p:cNvPicPr>
+          <p:nvPr/>
+        </p:nvPicPr>
+        <p:blipFill>
+          <a:blip r:embed="rId3">
+            <a:extLst>
+              <a:ext uri="{28A0092B-C50C-407E-A947-70E740481C1C}">
+                <a14:useLocalDpi xmlns:a14="http://schemas.microsoft.com/office/drawing/2010/main" val="0"/>
+              </a:ext>
+            </a:extLst>
+          </a:blip>
+          <a:stretch>
+            <a:fillRect/>
+          </a:stretch>
+        </p:blipFill>
+        <p:spPr>
+          <a:xfrm>
+            <a:off x="104775" y="3958424"/>
+            <a:ext cx="8934450" cy="2076617"/>
+          </a:xfrm>
+          <a:prstGeom prst="rect">
+            <a:avLst/>
+          </a:prstGeom>
+        </p:spPr>
+      </p:pic>
+      <mc:AlternateContent xmlns:mc="http://schemas.openxmlformats.org/markup-compatibility/2006" xmlns:p14="http://schemas.microsoft.com/office/powerpoint/2010/main">
+        <mc:Choice Requires="p14">
+          <p:contentPart p14:bwMode="auto" r:id="rId4">
+            <p14:nvContentPartPr>
+              <p14:cNvPr id="6" name="Ink 5">
+                <a:extLst>
+                  <a:ext uri="{FF2B5EF4-FFF2-40B4-BE49-F238E27FC236}">
+                    <a16:creationId xmlns:a16="http://schemas.microsoft.com/office/drawing/2014/main" id="{7A889256-13B5-CBCA-96AB-2D5E143D4515}"/>
+                  </a:ext>
+                </a:extLst>
+              </p14:cNvPr>
+              <p14:cNvContentPartPr/>
+              <p14:nvPr/>
+            </p14:nvContentPartPr>
+            <p14:xfrm>
+              <a:off x="2499312" y="6022488"/>
+              <a:ext cx="216360" cy="127080"/>
+            </p14:xfrm>
+          </p:contentPart>
+        </mc:Choice>
+        <mc:Fallback xmlns="">
+          <p:pic>
+            <p:nvPicPr>
+              <p:cNvPr id="6" name="Ink 5">
+                <a:extLst>
+                  <a:ext uri="{FF2B5EF4-FFF2-40B4-BE49-F238E27FC236}">
+                    <a16:creationId xmlns:a16="http://schemas.microsoft.com/office/drawing/2014/main" id="{7A889256-13B5-CBCA-96AB-2D5E143D4515}"/>
+                  </a:ext>
+                </a:extLst>
+              </p:cNvPr>
+              <p:cNvPicPr/>
+              <p:nvPr/>
+            </p:nvPicPr>
+            <p:blipFill>
+              <a:blip r:embed="rId5"/>
+              <a:stretch>
+                <a:fillRect/>
+              </a:stretch>
+            </p:blipFill>
+            <p:spPr>
+              <a:xfrm>
+                <a:off x="2493192" y="6016368"/>
+                <a:ext cx="228600" cy="139320"/>
+              </a:xfrm>
+              <a:prstGeom prst="rect">
+                <a:avLst/>
+              </a:prstGeom>
+            </p:spPr>
+          </p:pic>
+        </mc:Fallback>
+      </mc:AlternateContent>
+      <mc:AlternateContent xmlns:mc="http://schemas.openxmlformats.org/markup-compatibility/2006" xmlns:p14="http://schemas.microsoft.com/office/powerpoint/2010/main">
+        <mc:Choice Requires="p14">
+          <p:contentPart p14:bwMode="auto" r:id="rId6">
+            <p14:nvContentPartPr>
+              <p14:cNvPr id="7" name="Ink 6">
+                <a:extLst>
+                  <a:ext uri="{FF2B5EF4-FFF2-40B4-BE49-F238E27FC236}">
+                    <a16:creationId xmlns:a16="http://schemas.microsoft.com/office/drawing/2014/main" id="{44E14977-4158-D198-4885-A172464F748D}"/>
+                  </a:ext>
+                </a:extLst>
+              </p14:cNvPr>
+              <p14:cNvContentPartPr/>
+              <p14:nvPr/>
+            </p14:nvContentPartPr>
+            <p14:xfrm>
+              <a:off x="3059832" y="6327408"/>
+              <a:ext cx="199800" cy="34920"/>
+            </p14:xfrm>
+          </p:contentPart>
+        </mc:Choice>
+        <mc:Fallback xmlns="">
+          <p:pic>
+            <p:nvPicPr>
+              <p:cNvPr id="7" name="Ink 6">
+                <a:extLst>
+                  <a:ext uri="{FF2B5EF4-FFF2-40B4-BE49-F238E27FC236}">
+                    <a16:creationId xmlns:a16="http://schemas.microsoft.com/office/drawing/2014/main" id="{44E14977-4158-D198-4885-A172464F748D}"/>
+                  </a:ext>
+                </a:extLst>
+              </p:cNvPr>
+              <p:cNvPicPr/>
+              <p:nvPr/>
+            </p:nvPicPr>
+            <p:blipFill>
+              <a:blip r:embed="rId7"/>
+              <a:stretch>
+                <a:fillRect/>
+              </a:stretch>
+            </p:blipFill>
+            <p:spPr>
+              <a:xfrm>
+                <a:off x="3053712" y="6321288"/>
+                <a:ext cx="212040" cy="47160"/>
+              </a:xfrm>
+              <a:prstGeom prst="rect">
+                <a:avLst/>
+              </a:prstGeom>
+            </p:spPr>
+          </p:pic>
+        </mc:Fallback>
+      </mc:AlternateContent>
+      <mc:AlternateContent xmlns:mc="http://schemas.openxmlformats.org/markup-compatibility/2006" xmlns:p14="http://schemas.microsoft.com/office/powerpoint/2010/main">
+        <mc:Choice Requires="p14">
+          <p:contentPart p14:bwMode="auto" r:id="rId8">
+            <p14:nvContentPartPr>
+              <p14:cNvPr id="8" name="Ink 7">
+                <a:extLst>
+                  <a:ext uri="{FF2B5EF4-FFF2-40B4-BE49-F238E27FC236}">
+                    <a16:creationId xmlns:a16="http://schemas.microsoft.com/office/drawing/2014/main" id="{44AF32D2-30D1-2E03-49C7-6F30640915BF}"/>
+                  </a:ext>
+                </a:extLst>
+              </p14:cNvPr>
+              <p14:cNvContentPartPr/>
+              <p14:nvPr/>
+            </p14:nvContentPartPr>
+            <p14:xfrm>
+              <a:off x="3767232" y="6473568"/>
+              <a:ext cx="337680" cy="52200"/>
+            </p14:xfrm>
+          </p:contentPart>
+        </mc:Choice>
+        <mc:Fallback xmlns="">
+          <p:pic>
+            <p:nvPicPr>
+              <p:cNvPr id="8" name="Ink 7">
+                <a:extLst>
+                  <a:ext uri="{FF2B5EF4-FFF2-40B4-BE49-F238E27FC236}">
+                    <a16:creationId xmlns:a16="http://schemas.microsoft.com/office/drawing/2014/main" id="{44AF32D2-30D1-2E03-49C7-6F30640915BF}"/>
+                  </a:ext>
+                </a:extLst>
+              </p:cNvPr>
+              <p:cNvPicPr/>
+              <p:nvPr/>
+            </p:nvPicPr>
+            <p:blipFill>
+              <a:blip r:embed="rId9"/>
+              <a:stretch>
+                <a:fillRect/>
+              </a:stretch>
+            </p:blipFill>
+            <p:spPr>
+              <a:xfrm>
+                <a:off x="3761112" y="6467448"/>
+                <a:ext cx="349920" cy="64440"/>
+              </a:xfrm>
+              <a:prstGeom prst="rect">
+                <a:avLst/>
+              </a:prstGeom>
+            </p:spPr>
+          </p:pic>
+        </mc:Fallback>
+      </mc:AlternateContent>
+      <mc:AlternateContent xmlns:mc="http://schemas.openxmlformats.org/markup-compatibility/2006" xmlns:p14="http://schemas.microsoft.com/office/powerpoint/2010/main">
+        <mc:Choice Requires="p14">
+          <p:contentPart p14:bwMode="auto" r:id="rId10">
+            <p14:nvContentPartPr>
+              <p14:cNvPr id="9" name="Ink 8">
+                <a:extLst>
+                  <a:ext uri="{FF2B5EF4-FFF2-40B4-BE49-F238E27FC236}">
+                    <a16:creationId xmlns:a16="http://schemas.microsoft.com/office/drawing/2014/main" id="{85F8835D-D489-DB36-5554-1AA96B5E6916}"/>
+                  </a:ext>
+                </a:extLst>
+              </p14:cNvPr>
+              <p14:cNvContentPartPr/>
+              <p14:nvPr/>
+            </p14:nvContentPartPr>
+            <p14:xfrm>
+              <a:off x="4425312" y="6595608"/>
+              <a:ext cx="164520" cy="11160"/>
+            </p14:xfrm>
+          </p:contentPart>
+        </mc:Choice>
+        <mc:Fallback xmlns="">
+          <p:pic>
+            <p:nvPicPr>
+              <p:cNvPr id="9" name="Ink 8">
+                <a:extLst>
+                  <a:ext uri="{FF2B5EF4-FFF2-40B4-BE49-F238E27FC236}">
+                    <a16:creationId xmlns:a16="http://schemas.microsoft.com/office/drawing/2014/main" id="{85F8835D-D489-DB36-5554-1AA96B5E6916}"/>
+                  </a:ext>
+                </a:extLst>
+              </p:cNvPr>
+              <p:cNvPicPr/>
+              <p:nvPr/>
+            </p:nvPicPr>
+            <p:blipFill>
+              <a:blip r:embed="rId11"/>
+              <a:stretch>
+                <a:fillRect/>
+              </a:stretch>
+            </p:blipFill>
+            <p:spPr>
+              <a:xfrm>
+                <a:off x="4419192" y="6589488"/>
+                <a:ext cx="176760" cy="23400"/>
+              </a:xfrm>
+              <a:prstGeom prst="rect">
+                <a:avLst/>
+              </a:prstGeom>
+            </p:spPr>
+          </p:pic>
+        </mc:Fallback>
+      </mc:AlternateContent>
+      <mc:AlternateContent xmlns:mc="http://schemas.openxmlformats.org/markup-compatibility/2006" xmlns:p14="http://schemas.microsoft.com/office/powerpoint/2010/main">
+        <mc:Choice Requires="p14">
+          <p:contentPart p14:bwMode="auto" r:id="rId12">
+            <p14:nvContentPartPr>
+              <p14:cNvPr id="10" name="Ink 9">
+                <a:extLst>
+                  <a:ext uri="{FF2B5EF4-FFF2-40B4-BE49-F238E27FC236}">
+                    <a16:creationId xmlns:a16="http://schemas.microsoft.com/office/drawing/2014/main" id="{AD0526D7-AEB7-87C7-09BA-E0E6A143EF49}"/>
+                  </a:ext>
+                </a:extLst>
+              </p14:cNvPr>
+              <p14:cNvContentPartPr/>
+              <p14:nvPr/>
+            </p14:nvContentPartPr>
+            <p14:xfrm>
+              <a:off x="4925352" y="6656448"/>
+              <a:ext cx="384840" cy="11520"/>
+            </p14:xfrm>
+          </p:contentPart>
+        </mc:Choice>
+        <mc:Fallback xmlns="">
+          <p:pic>
+            <p:nvPicPr>
+              <p:cNvPr id="10" name="Ink 9">
+                <a:extLst>
+                  <a:ext uri="{FF2B5EF4-FFF2-40B4-BE49-F238E27FC236}">
+                    <a16:creationId xmlns:a16="http://schemas.microsoft.com/office/drawing/2014/main" id="{AD0526D7-AEB7-87C7-09BA-E0E6A143EF49}"/>
+                  </a:ext>
+                </a:extLst>
+              </p:cNvPr>
+              <p:cNvPicPr/>
+              <p:nvPr/>
+            </p:nvPicPr>
+            <p:blipFill>
+              <a:blip r:embed="rId13"/>
+              <a:stretch>
+                <a:fillRect/>
+              </a:stretch>
+            </p:blipFill>
+            <p:spPr>
+              <a:xfrm>
+                <a:off x="4919232" y="6650328"/>
+                <a:ext cx="397080" cy="23760"/>
+              </a:xfrm>
+              <a:prstGeom prst="rect">
+                <a:avLst/>
+              </a:prstGeom>
+            </p:spPr>
+          </p:pic>
+        </mc:Fallback>
+      </mc:AlternateContent>
+      <mc:AlternateContent xmlns:mc="http://schemas.openxmlformats.org/markup-compatibility/2006" xmlns:p14="http://schemas.microsoft.com/office/powerpoint/2010/main">
+        <mc:Choice Requires="p14">
+          <p:contentPart p14:bwMode="auto" r:id="rId14">
+            <p14:nvContentPartPr>
+              <p14:cNvPr id="11" name="Ink 10">
+                <a:extLst>
+                  <a:ext uri="{FF2B5EF4-FFF2-40B4-BE49-F238E27FC236}">
+                    <a16:creationId xmlns:a16="http://schemas.microsoft.com/office/drawing/2014/main" id="{9138F49E-CA1C-137B-3662-4AC6667FDEE6}"/>
+                  </a:ext>
+                </a:extLst>
+              </p14:cNvPr>
+              <p14:cNvContentPartPr/>
+              <p14:nvPr/>
+            </p14:nvContentPartPr>
+            <p14:xfrm>
+              <a:off x="5778552" y="6678768"/>
+              <a:ext cx="199080" cy="27000"/>
+            </p14:xfrm>
+          </p:contentPart>
+        </mc:Choice>
+        <mc:Fallback xmlns="">
+          <p:pic>
+            <p:nvPicPr>
+              <p:cNvPr id="11" name="Ink 10">
+                <a:extLst>
+                  <a:ext uri="{FF2B5EF4-FFF2-40B4-BE49-F238E27FC236}">
+                    <a16:creationId xmlns:a16="http://schemas.microsoft.com/office/drawing/2014/main" id="{9138F49E-CA1C-137B-3662-4AC6667FDEE6}"/>
+                  </a:ext>
+                </a:extLst>
+              </p:cNvPr>
+              <p:cNvPicPr/>
+              <p:nvPr/>
+            </p:nvPicPr>
+            <p:blipFill>
+              <a:blip r:embed="rId15"/>
+              <a:stretch>
+                <a:fillRect/>
+              </a:stretch>
+            </p:blipFill>
+            <p:spPr>
+              <a:xfrm>
+                <a:off x="5772432" y="6672648"/>
+                <a:ext cx="211320" cy="39240"/>
+              </a:xfrm>
+              <a:prstGeom prst="rect">
+                <a:avLst/>
+              </a:prstGeom>
+            </p:spPr>
+          </p:pic>
+        </mc:Fallback>
+      </mc:AlternateContent>
+      <mc:AlternateContent xmlns:mc="http://schemas.openxmlformats.org/markup-compatibility/2006" xmlns:p14="http://schemas.microsoft.com/office/powerpoint/2010/main">
+        <mc:Choice Requires="p14">
+          <p:contentPart p14:bwMode="auto" r:id="rId16">
+            <p14:nvContentPartPr>
+              <p14:cNvPr id="12" name="Ink 11">
+                <a:extLst>
+                  <a:ext uri="{FF2B5EF4-FFF2-40B4-BE49-F238E27FC236}">
+                    <a16:creationId xmlns:a16="http://schemas.microsoft.com/office/drawing/2014/main" id="{56987A22-B702-356E-F540-FE45962621C4}"/>
+                  </a:ext>
+                </a:extLst>
+              </p14:cNvPr>
+              <p14:cNvContentPartPr/>
+              <p14:nvPr/>
+            </p14:nvContentPartPr>
+            <p14:xfrm>
+              <a:off x="6583872" y="6488688"/>
+              <a:ext cx="228960" cy="58680"/>
+            </p14:xfrm>
+          </p:contentPart>
+        </mc:Choice>
+        <mc:Fallback xmlns="">
+          <p:pic>
+            <p:nvPicPr>
+              <p:cNvPr id="12" name="Ink 11">
+                <a:extLst>
+                  <a:ext uri="{FF2B5EF4-FFF2-40B4-BE49-F238E27FC236}">
+                    <a16:creationId xmlns:a16="http://schemas.microsoft.com/office/drawing/2014/main" id="{56987A22-B702-356E-F540-FE45962621C4}"/>
+                  </a:ext>
+                </a:extLst>
+              </p:cNvPr>
+              <p:cNvPicPr/>
+              <p:nvPr/>
+            </p:nvPicPr>
+            <p:blipFill>
+              <a:blip r:embed="rId17"/>
+              <a:stretch>
+                <a:fillRect/>
+              </a:stretch>
+            </p:blipFill>
+            <p:spPr>
+              <a:xfrm>
+                <a:off x="6577752" y="6482568"/>
+                <a:ext cx="241200" cy="70920"/>
+              </a:xfrm>
+              <a:prstGeom prst="rect">
+                <a:avLst/>
+              </a:prstGeom>
+            </p:spPr>
+          </p:pic>
+        </mc:Fallback>
+      </mc:AlternateContent>
+      <mc:AlternateContent xmlns:mc="http://schemas.openxmlformats.org/markup-compatibility/2006" xmlns:p14="http://schemas.microsoft.com/office/powerpoint/2010/main">
+        <mc:Choice Requires="p14">
+          <p:contentPart p14:bwMode="auto" r:id="rId18">
+            <p14:nvContentPartPr>
+              <p14:cNvPr id="13" name="Ink 12">
+                <a:extLst>
+                  <a:ext uri="{FF2B5EF4-FFF2-40B4-BE49-F238E27FC236}">
+                    <a16:creationId xmlns:a16="http://schemas.microsoft.com/office/drawing/2014/main" id="{FA6E65DF-871E-731B-C1CA-21791D50B224}"/>
+                  </a:ext>
+                </a:extLst>
+              </p14:cNvPr>
+              <p14:cNvContentPartPr/>
+              <p14:nvPr/>
+            </p14:nvContentPartPr>
+            <p14:xfrm>
+              <a:off x="7375872" y="6158928"/>
+              <a:ext cx="61920" cy="71280"/>
+            </p14:xfrm>
+          </p:contentPart>
+        </mc:Choice>
+        <mc:Fallback xmlns="">
+          <p:pic>
+            <p:nvPicPr>
+              <p:cNvPr id="13" name="Ink 12">
+                <a:extLst>
+                  <a:ext uri="{FF2B5EF4-FFF2-40B4-BE49-F238E27FC236}">
+                    <a16:creationId xmlns:a16="http://schemas.microsoft.com/office/drawing/2014/main" id="{FA6E65DF-871E-731B-C1CA-21791D50B224}"/>
+                  </a:ext>
+                </a:extLst>
+              </p:cNvPr>
+              <p:cNvPicPr/>
+              <p:nvPr/>
+            </p:nvPicPr>
+            <p:blipFill>
+              <a:blip r:embed="rId19"/>
+              <a:stretch>
+                <a:fillRect/>
+              </a:stretch>
+            </p:blipFill>
+            <p:spPr>
+              <a:xfrm>
+                <a:off x="7369752" y="6152808"/>
+                <a:ext cx="74160" cy="83520"/>
+              </a:xfrm>
+              <a:prstGeom prst="rect">
+                <a:avLst/>
+              </a:prstGeom>
+            </p:spPr>
+          </p:pic>
+        </mc:Fallback>
+      </mc:AlternateContent>
+      <mc:AlternateContent xmlns:mc="http://schemas.openxmlformats.org/markup-compatibility/2006" xmlns:p14="http://schemas.microsoft.com/office/powerpoint/2010/main">
+        <mc:Choice Requires="p14">
+          <p:contentPart p14:bwMode="auto" r:id="rId20">
+            <p14:nvContentPartPr>
+              <p14:cNvPr id="14" name="Ink 13">
+                <a:extLst>
+                  <a:ext uri="{FF2B5EF4-FFF2-40B4-BE49-F238E27FC236}">
+                    <a16:creationId xmlns:a16="http://schemas.microsoft.com/office/drawing/2014/main" id="{1652C279-373D-2C74-1E1B-1C278DC999FB}"/>
+                  </a:ext>
+                </a:extLst>
+              </p14:cNvPr>
+              <p14:cNvContentPartPr/>
+              <p14:nvPr/>
+            </p14:nvContentPartPr>
+            <p14:xfrm>
+              <a:off x="7071312" y="6342528"/>
+              <a:ext cx="82440" cy="34560"/>
+            </p14:xfrm>
+          </p:contentPart>
+        </mc:Choice>
+        <mc:Fallback xmlns="">
+          <p:pic>
+            <p:nvPicPr>
+              <p:cNvPr id="14" name="Ink 13">
+                <a:extLst>
+                  <a:ext uri="{FF2B5EF4-FFF2-40B4-BE49-F238E27FC236}">
+                    <a16:creationId xmlns:a16="http://schemas.microsoft.com/office/drawing/2014/main" id="{1652C279-373D-2C74-1E1B-1C278DC999FB}"/>
+                  </a:ext>
+                </a:extLst>
+              </p:cNvPr>
+              <p:cNvPicPr/>
+              <p:nvPr/>
+            </p:nvPicPr>
+            <p:blipFill>
+              <a:blip r:embed="rId21"/>
+              <a:stretch>
+                <a:fillRect/>
+              </a:stretch>
+            </p:blipFill>
+            <p:spPr>
+              <a:xfrm>
+                <a:off x="7065192" y="6336408"/>
+                <a:ext cx="94680" cy="46800"/>
+              </a:xfrm>
+              <a:prstGeom prst="rect">
+                <a:avLst/>
+              </a:prstGeom>
+            </p:spPr>
+          </p:pic>
+        </mc:Fallback>
+      </mc:AlternateContent>
+      <p:grpSp>
+        <p:nvGrpSpPr>
+          <p:cNvPr id="18" name="Group 17">
+            <a:extLst>
+              <a:ext uri="{FF2B5EF4-FFF2-40B4-BE49-F238E27FC236}">
+                <a16:creationId xmlns:a16="http://schemas.microsoft.com/office/drawing/2014/main" id="{52C8A897-B57A-EE81-DBBB-0C1D1E66BCD5}"/>
+              </a:ext>
+            </a:extLst>
+          </p:cNvPr>
+          <p:cNvGrpSpPr/>
+          <p:nvPr/>
+        </p:nvGrpSpPr>
+        <p:grpSpPr>
+          <a:xfrm>
+            <a:off x="7522032" y="5791368"/>
+            <a:ext cx="257040" cy="268560"/>
+            <a:chOff x="7522032" y="5791368"/>
+            <a:chExt cx="257040" cy="268560"/>
+          </a:xfrm>
+        </p:grpSpPr>
+        <mc:AlternateContent xmlns:mc="http://schemas.openxmlformats.org/markup-compatibility/2006" xmlns:p14="http://schemas.microsoft.com/office/powerpoint/2010/main">
+          <mc:Choice Requires="p14">
+            <p:contentPart p14:bwMode="auto" r:id="rId22">
+              <p14:nvContentPartPr>
+                <p14:cNvPr id="15" name="Ink 14">
+                  <a:extLst>
+                    <a:ext uri="{FF2B5EF4-FFF2-40B4-BE49-F238E27FC236}">
+                      <a16:creationId xmlns:a16="http://schemas.microsoft.com/office/drawing/2014/main" id="{C39DD605-38CE-000E-0FF1-FC888D5CEC72}"/>
+                    </a:ext>
+                  </a:extLst>
+                </p14:cNvPr>
+                <p14:cNvContentPartPr/>
+                <p14:nvPr/>
+              </p14:nvContentPartPr>
+              <p14:xfrm>
+                <a:off x="7571352" y="5836728"/>
+                <a:ext cx="157320" cy="223200"/>
+              </p14:xfrm>
+            </p:contentPart>
+          </mc:Choice>
+          <mc:Fallback xmlns="">
+            <p:pic>
+              <p:nvPicPr>
+                <p:cNvPr id="15" name="Ink 14">
+                  <a:extLst>
+                    <a:ext uri="{FF2B5EF4-FFF2-40B4-BE49-F238E27FC236}">
+                      <a16:creationId xmlns:a16="http://schemas.microsoft.com/office/drawing/2014/main" id="{C39DD605-38CE-000E-0FF1-FC888D5CEC72}"/>
+                    </a:ext>
+                  </a:extLst>
+                </p:cNvPr>
+                <p:cNvPicPr/>
+                <p:nvPr/>
+              </p:nvPicPr>
+              <p:blipFill>
+                <a:blip r:embed="rId23"/>
+                <a:stretch>
+                  <a:fillRect/>
+                </a:stretch>
+              </p:blipFill>
+              <p:spPr>
+                <a:xfrm>
+                  <a:off x="7565232" y="5830608"/>
+                  <a:ext cx="169560" cy="235440"/>
+                </a:xfrm>
+                <a:prstGeom prst="rect">
+                  <a:avLst/>
+                </a:prstGeom>
+              </p:spPr>
+            </p:pic>
+          </mc:Fallback>
+        </mc:AlternateContent>
+        <mc:AlternateContent xmlns:mc="http://schemas.openxmlformats.org/markup-compatibility/2006" xmlns:p14="http://schemas.microsoft.com/office/powerpoint/2010/main">
+          <mc:Choice Requires="p14">
+            <p:contentPart p14:bwMode="auto" r:id="rId24">
+              <p14:nvContentPartPr>
+                <p14:cNvPr id="16" name="Ink 15">
+                  <a:extLst>
+                    <a:ext uri="{FF2B5EF4-FFF2-40B4-BE49-F238E27FC236}">
+                      <a16:creationId xmlns:a16="http://schemas.microsoft.com/office/drawing/2014/main" id="{0028271C-9287-3E24-B351-52D9BBE470C5}"/>
+                    </a:ext>
+                  </a:extLst>
+                </p14:cNvPr>
+                <p14:cNvContentPartPr/>
+                <p14:nvPr/>
+              </p14:nvContentPartPr>
+              <p14:xfrm>
+                <a:off x="7522032" y="5791368"/>
+                <a:ext cx="219960" cy="97920"/>
+              </p14:xfrm>
+            </p:contentPart>
+          </mc:Choice>
+          <mc:Fallback xmlns="">
+            <p:pic>
+              <p:nvPicPr>
+                <p:cNvPr id="16" name="Ink 15">
+                  <a:extLst>
+                    <a:ext uri="{FF2B5EF4-FFF2-40B4-BE49-F238E27FC236}">
+                      <a16:creationId xmlns:a16="http://schemas.microsoft.com/office/drawing/2014/main" id="{0028271C-9287-3E24-B351-52D9BBE470C5}"/>
+                    </a:ext>
+                  </a:extLst>
+                </p:cNvPr>
+                <p:cNvPicPr/>
+                <p:nvPr/>
+              </p:nvPicPr>
+              <p:blipFill>
+                <a:blip r:embed="rId25"/>
+                <a:stretch>
+                  <a:fillRect/>
+                </a:stretch>
+              </p:blipFill>
+              <p:spPr>
+                <a:xfrm>
+                  <a:off x="7515912" y="5785248"/>
+                  <a:ext cx="232200" cy="110160"/>
+                </a:xfrm>
+                <a:prstGeom prst="rect">
+                  <a:avLst/>
+                </a:prstGeom>
+              </p:spPr>
+            </p:pic>
+          </mc:Fallback>
+        </mc:AlternateContent>
+        <mc:AlternateContent xmlns:mc="http://schemas.openxmlformats.org/markup-compatibility/2006" xmlns:p14="http://schemas.microsoft.com/office/powerpoint/2010/main">
+          <mc:Choice Requires="p14">
+            <p:contentPart p14:bwMode="auto" r:id="rId26">
+              <p14:nvContentPartPr>
+                <p14:cNvPr id="17" name="Ink 16">
+                  <a:extLst>
+                    <a:ext uri="{FF2B5EF4-FFF2-40B4-BE49-F238E27FC236}">
+                      <a16:creationId xmlns:a16="http://schemas.microsoft.com/office/drawing/2014/main" id="{85EC7925-7C8C-1960-0A20-631351494ABC}"/>
+                    </a:ext>
+                  </a:extLst>
+                </p14:cNvPr>
+                <p14:cNvContentPartPr/>
+                <p14:nvPr/>
+              </p14:nvContentPartPr>
+              <p14:xfrm>
+                <a:off x="7766112" y="5815488"/>
+                <a:ext cx="12960" cy="145440"/>
+              </p14:xfrm>
+            </p:contentPart>
+          </mc:Choice>
+          <mc:Fallback xmlns="">
+            <p:pic>
+              <p:nvPicPr>
+                <p:cNvPr id="17" name="Ink 16">
+                  <a:extLst>
+                    <a:ext uri="{FF2B5EF4-FFF2-40B4-BE49-F238E27FC236}">
+                      <a16:creationId xmlns:a16="http://schemas.microsoft.com/office/drawing/2014/main" id="{85EC7925-7C8C-1960-0A20-631351494ABC}"/>
+                    </a:ext>
+                  </a:extLst>
+                </p:cNvPr>
+                <p:cNvPicPr/>
+                <p:nvPr/>
+              </p:nvPicPr>
+              <p:blipFill>
+                <a:blip r:embed="rId27"/>
+                <a:stretch>
+                  <a:fillRect/>
+                </a:stretch>
+              </p:blipFill>
+              <p:spPr>
+                <a:xfrm>
+                  <a:off x="7759992" y="5809368"/>
+                  <a:ext cx="25200" cy="157680"/>
+                </a:xfrm>
+                <a:prstGeom prst="rect">
+                  <a:avLst/>
+                </a:prstGeom>
+              </p:spPr>
+            </p:pic>
+          </mc:Fallback>
+        </mc:AlternateContent>
+      </p:grpSp>
+      <mc:AlternateContent xmlns:mc="http://schemas.openxmlformats.org/markup-compatibility/2006" xmlns:p14="http://schemas.microsoft.com/office/powerpoint/2010/main">
+        <mc:Choice Requires="p14">
+          <p:contentPart p14:bwMode="auto" r:id="rId28">
+            <p14:nvContentPartPr>
+              <p14:cNvPr id="19" name="Ink 18">
+                <a:extLst>
+                  <a:ext uri="{FF2B5EF4-FFF2-40B4-BE49-F238E27FC236}">
+                    <a16:creationId xmlns:a16="http://schemas.microsoft.com/office/drawing/2014/main" id="{99BF301A-8F6F-F59F-A677-73E14F91EDE3}"/>
+                  </a:ext>
+                </a:extLst>
+              </p14:cNvPr>
+              <p14:cNvContentPartPr/>
+              <p14:nvPr/>
+            </p14:nvContentPartPr>
+            <p14:xfrm>
+              <a:off x="4900872" y="5559528"/>
+              <a:ext cx="360" cy="360"/>
+            </p14:xfrm>
+          </p:contentPart>
+        </mc:Choice>
+        <mc:Fallback xmlns="">
+          <p:pic>
+            <p:nvPicPr>
+              <p:cNvPr id="19" name="Ink 18">
+                <a:extLst>
+                  <a:ext uri="{FF2B5EF4-FFF2-40B4-BE49-F238E27FC236}">
+                    <a16:creationId xmlns:a16="http://schemas.microsoft.com/office/drawing/2014/main" id="{99BF301A-8F6F-F59F-A677-73E14F91EDE3}"/>
+                  </a:ext>
+                </a:extLst>
+              </p:cNvPr>
+              <p:cNvPicPr/>
+              <p:nvPr/>
+            </p:nvPicPr>
+            <p:blipFill>
+              <a:blip r:embed="rId29"/>
+              <a:stretch>
+                <a:fillRect/>
+              </a:stretch>
+            </p:blipFill>
+            <p:spPr>
+              <a:xfrm>
+                <a:off x="4894752" y="5553408"/>
+                <a:ext cx="12600" cy="12600"/>
+              </a:xfrm>
+              <a:prstGeom prst="rect">
+                <a:avLst/>
+              </a:prstGeom>
+            </p:spPr>
+          </p:pic>
+        </mc:Fallback>
+      </mc:AlternateContent>
+      <mc:AlternateContent xmlns:mc="http://schemas.openxmlformats.org/markup-compatibility/2006" xmlns:p14="http://schemas.microsoft.com/office/powerpoint/2010/main">
+        <mc:Choice Requires="p14">
+          <p:contentPart p14:bwMode="auto" r:id="rId30">
+            <p14:nvContentPartPr>
+              <p14:cNvPr id="20" name="Ink 19">
+                <a:extLst>
+                  <a:ext uri="{FF2B5EF4-FFF2-40B4-BE49-F238E27FC236}">
+                    <a16:creationId xmlns:a16="http://schemas.microsoft.com/office/drawing/2014/main" id="{11C71C60-AADE-35A9-69F6-F615B915049B}"/>
+                  </a:ext>
+                </a:extLst>
+              </p14:cNvPr>
+              <p14:cNvContentPartPr/>
+              <p14:nvPr/>
+            </p14:nvContentPartPr>
+            <p14:xfrm>
+              <a:off x="4913472" y="5571408"/>
+              <a:ext cx="1605240" cy="13680"/>
+            </p14:xfrm>
+          </p:contentPart>
+        </mc:Choice>
+        <mc:Fallback xmlns="">
+          <p:pic>
+            <p:nvPicPr>
+              <p:cNvPr id="20" name="Ink 19">
+                <a:extLst>
+                  <a:ext uri="{FF2B5EF4-FFF2-40B4-BE49-F238E27FC236}">
+                    <a16:creationId xmlns:a16="http://schemas.microsoft.com/office/drawing/2014/main" id="{11C71C60-AADE-35A9-69F6-F615B915049B}"/>
+                  </a:ext>
+                </a:extLst>
+              </p:cNvPr>
+              <p:cNvPicPr/>
+              <p:nvPr/>
+            </p:nvPicPr>
+            <p:blipFill>
+              <a:blip r:embed="rId31"/>
+              <a:stretch>
+                <a:fillRect/>
+              </a:stretch>
+            </p:blipFill>
+            <p:spPr>
+              <a:xfrm>
+                <a:off x="4907352" y="5565288"/>
+                <a:ext cx="1617480" cy="25920"/>
+              </a:xfrm>
+              <a:prstGeom prst="rect">
+                <a:avLst/>
+              </a:prstGeom>
+            </p:spPr>
+          </p:pic>
+        </mc:Fallback>
+      </mc:AlternateContent>
+      <p:sp>
+        <p:nvSpPr>
+          <p:cNvPr id="22" name="TextBox 21">
+            <a:extLst>
+              <a:ext uri="{FF2B5EF4-FFF2-40B4-BE49-F238E27FC236}">
+                <a16:creationId xmlns:a16="http://schemas.microsoft.com/office/drawing/2014/main" id="{3552FF96-B71F-44DD-9AE8-0BEDF09FE6F3}"/>
+              </a:ext>
+            </a:extLst>
+          </p:cNvPr>
+          <p:cNvSpPr txBox="1"/>
+          <p:nvPr/>
+        </p:nvSpPr>
+        <p:spPr>
+          <a:xfrm>
+            <a:off x="4863432" y="5887308"/>
+            <a:ext cx="1911960" cy="369332"/>
+          </a:xfrm>
+          <a:prstGeom prst="rect">
+            <a:avLst/>
+          </a:prstGeom>
+          <a:noFill/>
+        </p:spPr>
+        <p:txBody>
+          <a:bodyPr wrap="square" rtlCol="0">
+            <a:spAutoFit/>
+          </a:bodyPr>
+          <a:lstStyle/>
+          <a:p>
+            <a:r>
+              <a:rPr lang="en-US" dirty="0" err="1"/>
+              <a:t>getBundles</a:t>
+            </a:r>
+            <a:r>
+              <a:rPr lang="en-US" dirty="0"/>
+              <a:t>()</a:t>
+            </a:r>
+          </a:p>
+        </p:txBody>
+      </p:sp>
+    </p:spTree>
+    <p:extLst>
+      <p:ext uri="{BB962C8B-B14F-4D97-AF65-F5344CB8AC3E}">
+        <p14:creationId xmlns:p14="http://schemas.microsoft.com/office/powerpoint/2010/main" val="1462003855"/>
+      </p:ext>
+    </p:extLst>
+  </p:cSld>
+  <p:clrMapOvr>
+    <a:masterClrMapping/>
+  </p:clrMapOvr>
+</p:sld>
+</file>
+
+<file path=ppt/slides/slide11.xml><?xml version="1.0" encoding="utf-8"?>
+<p:sld xmlns:a="http://schemas.openxmlformats.org/drawingml/2006/main" xmlns:r="http://schemas.openxmlformats.org/officeDocument/2006/relationships" xmlns:p="http://schemas.openxmlformats.org/presentationml/2006/main">
+  <p:cSld>
+    <p:spTree>
+      <p:nvGrpSpPr>
+        <p:cNvPr id="1" name=""/>
+        <p:cNvGrpSpPr/>
+        <p:nvPr/>
+      </p:nvGrpSpPr>
+      <p:grpSpPr>
+        <a:xfrm>
+          <a:off x="0" y="0"/>
+          <a:ext cx="0" cy="0"/>
+          <a:chOff x="0" y="0"/>
+          <a:chExt cx="0" cy="0"/>
+        </a:xfrm>
+      </p:grpSpPr>
+      <p:sp>
+        <p:nvSpPr>
           <p:cNvPr id="2" name="Title 1"/>
           <p:cNvSpPr>
             <a:spLocks noGrp="1"/>
@@ -6854,7 +7430,24 @@
             </a:pPr>
             <a:r>
               <a:rPr lang="en-US" dirty="0"/>
-              <a:t>Approach #2:</a:t>
+              <a:t>Approach #1:</a:t>
+            </a:r>
+          </a:p>
+          <a:p>
+            <a:pPr marL="514350" indent="-514350">
+              <a:buAutoNum type="arabicParenR"/>
+            </a:pPr>
+            <a:r>
+              <a:rPr lang="en-US" dirty="0"/>
+              <a:t>Adding a </a:t>
+            </a:r>
+            <a:r>
+              <a:rPr lang="en-US" i="1" dirty="0" err="1"/>
+              <a:t>computeTotalRevenue</a:t>
+            </a:r>
+            <a:r>
+              <a:rPr lang="en-US" dirty="0"/>
+              <a:t>() method to the Game class</a:t>
             </a:r>
           </a:p>
           <a:p>
@@ -6867,7 +7460,7 @@
                   <a:srgbClr val="FFFF00"/>
                 </a:highlight>
               </a:rPr>
-              <a:t>Second approach increases coupling between </a:t>
+              <a:t>This approach engineers the Game class so that it “knows” more about what goes on with Games, and </a:t>
             </a:r>
             <a:r>
               <a:rPr lang="en-US" dirty="0" err="1">
@@ -6875,7 +7468,7 @@
                   <a:srgbClr val="FFFF00"/>
                 </a:highlight>
               </a:rPr>
-              <a:t>TeamGradeBook</a:t>
+              <a:t>SalesManager</a:t>
             </a:r>
             <a:r>
               <a:rPr lang="en-US" dirty="0">
@@ -6883,7 +7476,160 @@
                   <a:srgbClr val="FFFF00"/>
                 </a:highlight>
               </a:rPr>
-              <a:t> and Student class, i.e., </a:t>
+              <a:t> “knows” less</a:t>
+            </a:r>
+          </a:p>
+          <a:p>
+            <a:pPr marL="0" indent="0">
+              <a:buNone/>
+            </a:pPr>
+            <a:endParaRPr lang="en-US" dirty="0"/>
+          </a:p>
+          <a:p>
+            <a:pPr marL="514350" indent="-514350">
+              <a:buAutoNum type="alphaLcParenR"/>
+            </a:pPr>
+            <a:endParaRPr lang="en-US" dirty="0"/>
+          </a:p>
+        </p:txBody>
+      </p:sp>
+      <p:sp>
+        <p:nvSpPr>
+          <p:cNvPr id="4" name="Rectangle: Rounded Corners 3">
+            <a:extLst>
+              <a:ext uri="{FF2B5EF4-FFF2-40B4-BE49-F238E27FC236}">
+                <a16:creationId xmlns:a16="http://schemas.microsoft.com/office/drawing/2014/main" id="{9FDF7A2F-37E5-4A29-9E46-AFA3BEB7826C}"/>
+              </a:ext>
+            </a:extLst>
+          </p:cNvPr>
+          <p:cNvSpPr/>
+          <p:nvPr/>
+        </p:nvSpPr>
+        <p:spPr>
+          <a:xfrm>
+            <a:off x="304800" y="2133600"/>
+            <a:ext cx="8382000" cy="1066800"/>
+          </a:xfrm>
+          <a:prstGeom prst="roundRect">
+            <a:avLst/>
+          </a:prstGeom>
+          <a:noFill/>
+        </p:spPr>
+        <p:style>
+          <a:lnRef idx="2">
+            <a:schemeClr val="accent1">
+              <a:shade val="50000"/>
+            </a:schemeClr>
+          </a:lnRef>
+          <a:fillRef idx="1">
+            <a:schemeClr val="accent1"/>
+          </a:fillRef>
+          <a:effectRef idx="0">
+            <a:schemeClr val="accent1"/>
+          </a:effectRef>
+          <a:fontRef idx="minor">
+            <a:schemeClr val="lt1"/>
+          </a:fontRef>
+        </p:style>
+        <p:txBody>
+          <a:bodyPr rtlCol="0" anchor="ctr"/>
+          <a:lstStyle/>
+          <a:p>
+            <a:pPr algn="ctr"/>
+            <a:endParaRPr lang="en-US"/>
+          </a:p>
+        </p:txBody>
+      </p:sp>
+    </p:spTree>
+    <p:extLst>
+      <p:ext uri="{BB962C8B-B14F-4D97-AF65-F5344CB8AC3E}">
+        <p14:creationId xmlns:p14="http://schemas.microsoft.com/office/powerpoint/2010/main" val="3847481478"/>
+      </p:ext>
+    </p:extLst>
+  </p:cSld>
+  <p:clrMapOvr>
+    <a:masterClrMapping/>
+  </p:clrMapOvr>
+</p:sld>
+</file>
+
+<file path=ppt/slides/slide12.xml><?xml version="1.0" encoding="utf-8"?>
+<p:sld xmlns:a="http://schemas.openxmlformats.org/drawingml/2006/main" xmlns:r="http://schemas.openxmlformats.org/officeDocument/2006/relationships" xmlns:p="http://schemas.openxmlformats.org/presentationml/2006/main">
+  <p:cSld>
+    <p:spTree>
+      <p:nvGrpSpPr>
+        <p:cNvPr id="1" name=""/>
+        <p:cNvGrpSpPr/>
+        <p:nvPr/>
+      </p:nvGrpSpPr>
+      <p:grpSpPr>
+        <a:xfrm>
+          <a:off x="0" y="0"/>
+          <a:ext cx="0" cy="0"/>
+          <a:chOff x="0" y="0"/>
+          <a:chExt cx="0" cy="0"/>
+        </a:xfrm>
+      </p:grpSpPr>
+      <p:sp>
+        <p:nvSpPr>
+          <p:cNvPr id="2" name="Title 1"/>
+          <p:cNvSpPr>
+            <a:spLocks noGrp="1"/>
+          </p:cNvSpPr>
+          <p:nvPr>
+            <p:ph type="title"/>
+          </p:nvPr>
+        </p:nvSpPr>
+        <p:spPr/>
+        <p:txBody>
+          <a:bodyPr>
+            <a:normAutofit/>
+          </a:bodyPr>
+          <a:lstStyle/>
+          <a:p>
+            <a:r>
+              <a:rPr lang="en-US" dirty="0"/>
+              <a:t>A simple example of Tell Don’t Ask</a:t>
+            </a:r>
+          </a:p>
+        </p:txBody>
+      </p:sp>
+      <p:sp>
+        <p:nvSpPr>
+          <p:cNvPr id="3" name="Content Placeholder 2"/>
+          <p:cNvSpPr>
+            <a:spLocks noGrp="1"/>
+          </p:cNvSpPr>
+          <p:nvPr>
+            <p:ph idx="1"/>
+          </p:nvPr>
+        </p:nvSpPr>
+        <p:spPr/>
+        <p:txBody>
+          <a:bodyPr>
+            <a:normAutofit/>
+          </a:bodyPr>
+          <a:lstStyle/>
+          <a:p>
+            <a:pPr marL="0" indent="0">
+              <a:buNone/>
+            </a:pPr>
+            <a:r>
+              <a:rPr lang="en-US" dirty="0"/>
+              <a:t>Approach #2:</a:t>
+            </a:r>
+          </a:p>
+          <a:p>
+            <a:pPr marL="0" indent="0">
+              <a:buNone/>
+            </a:pPr>
+            <a:r>
+              <a:rPr lang="en-US" dirty="0">
+                <a:highlight>
+                  <a:srgbClr val="FFFF00"/>
+                </a:highlight>
+              </a:rPr>
+              <a:t>Second approach increases coupling between </a:t>
             </a:r>
             <a:r>
               <a:rPr lang="en-US" dirty="0" err="1">
@@ -6891,7 +7637,7 @@
                   <a:srgbClr val="FFFF00"/>
                 </a:highlight>
               </a:rPr>
-              <a:t>TeamGradBook</a:t>
+              <a:t>SalesManager</a:t>
             </a:r>
             <a:r>
               <a:rPr lang="en-US" dirty="0">
@@ -6899,7 +7645,23 @@
                   <a:srgbClr val="FFFF00"/>
                 </a:highlight>
               </a:rPr>
-              <a:t> “knows” more about Student</a:t>
+              <a:t> and Game class, i.e., </a:t>
+            </a:r>
+            <a:r>
+              <a:rPr lang="en-US" dirty="0" err="1">
+                <a:highlight>
+                  <a:srgbClr val="FFFF00"/>
+                </a:highlight>
+              </a:rPr>
+              <a:t>SalesManager</a:t>
+            </a:r>
+            <a:r>
+              <a:rPr lang="en-US" dirty="0">
+                <a:highlight>
+                  <a:srgbClr val="FFFF00"/>
+                </a:highlight>
+              </a:rPr>
+              <a:t> “knows” more about Game</a:t>
             </a:r>
           </a:p>
           <a:p>
@@ -6913,19 +7675,19 @@
             </a:r>
             <a:r>
               <a:rPr lang="en-US" i="1" dirty="0" err="1"/>
-              <a:t>getGrades</a:t>
+              <a:t>getBundles</a:t>
             </a:r>
             <a:r>
               <a:rPr lang="en-US" dirty="0"/>
-              <a:t>() method to the student class, which the </a:t>
+              <a:t>() method to the Game class, which the </a:t>
             </a:r>
             <a:r>
               <a:rPr lang="en-US" dirty="0" err="1"/>
-              <a:t>TeamGradebook</a:t>
+              <a:t>SalesManager</a:t>
             </a:r>
             <a:r>
               <a:rPr lang="en-US" dirty="0"/>
-              <a:t> class could call, and then use to compute the average</a:t>
+              <a:t> class could call, and then loop over the game’s bundles</a:t>
             </a:r>
           </a:p>
           <a:p>
@@ -7002,225 +7764,6 @@
 </p:sld>
 </file>
 
-<file path=ppt/slides/slide11.xml><?xml version="1.0" encoding="utf-8"?>
-<p:sld xmlns:a="http://schemas.openxmlformats.org/drawingml/2006/main" xmlns:r="http://schemas.openxmlformats.org/officeDocument/2006/relationships" xmlns:p="http://schemas.openxmlformats.org/presentationml/2006/main">
-  <p:cSld>
-    <p:spTree>
-      <p:nvGrpSpPr>
-        <p:cNvPr id="1" name=""/>
-        <p:cNvGrpSpPr/>
-        <p:nvPr/>
-      </p:nvGrpSpPr>
-      <p:grpSpPr>
-        <a:xfrm>
-          <a:off x="0" y="0"/>
-          <a:ext cx="0" cy="0"/>
-          <a:chOff x="0" y="0"/>
-          <a:chExt cx="0" cy="0"/>
-        </a:xfrm>
-      </p:grpSpPr>
-      <p:sp>
-        <p:nvSpPr>
-          <p:cNvPr id="2" name="Title 1"/>
-          <p:cNvSpPr>
-            <a:spLocks noGrp="1"/>
-          </p:cNvSpPr>
-          <p:nvPr>
-            <p:ph type="title"/>
-          </p:nvPr>
-        </p:nvSpPr>
-        <p:spPr/>
-        <p:txBody>
-          <a:bodyPr/>
-          <a:lstStyle/>
-          <a:p>
-            <a:r>
-              <a:rPr lang="en-US" dirty="0"/>
-              <a:t>Diagrams look similar!</a:t>
-            </a:r>
-          </a:p>
-        </p:txBody>
-      </p:sp>
-      <p:pic>
-        <p:nvPicPr>
-          <p:cNvPr id="2050" name="Picture 2" descr="https://lh5.googleusercontent.com/M-yAO8Nwo3ZydBpkJck9V7pa5X6TqiuVcMEjbTqwpQXonqoPk3BiEmOU-GC2vet0vSsNCSaznQdFnS_NISNMH-pte1MzAeEHzemaYu-i_sGli246QvEvdL7d2Qs5995Hg0Ur09mz">
-            <a:hlinkClick r:id="rId3"/>
-          </p:cNvPr>
-          <p:cNvPicPr>
-            <a:picLocks noChangeAspect="1" noChangeArrowheads="1"/>
-          </p:cNvPicPr>
-          <p:nvPr/>
-        </p:nvPicPr>
-        <p:blipFill>
-          <a:blip r:embed="rId4">
-            <a:extLst>
-              <a:ext uri="{28A0092B-C50C-407E-A947-70E740481C1C}">
-                <a14:useLocalDpi xmlns:a14="http://schemas.microsoft.com/office/drawing/2010/main" val="0"/>
-              </a:ext>
-            </a:extLst>
-          </a:blip>
-          <a:srcRect/>
-          <a:stretch>
-            <a:fillRect/>
-          </a:stretch>
-        </p:blipFill>
-        <p:spPr bwMode="auto">
-          <a:xfrm>
-            <a:off x="640224" y="1676400"/>
-            <a:ext cx="8114294" cy="1495424"/>
-          </a:xfrm>
-          <a:prstGeom prst="rect">
-            <a:avLst/>
-          </a:prstGeom>
-          <a:noFill/>
-          <a:extLst>
-            <a:ext uri="{909E8E84-426E-40DD-AFC4-6F175D3DCCD1}">
-              <a14:hiddenFill xmlns:a14="http://schemas.microsoft.com/office/drawing/2010/main">
-                <a:solidFill>
-                  <a:srgbClr val="FFFFFF"/>
-                </a:solidFill>
-              </a14:hiddenFill>
-            </a:ext>
-          </a:extLst>
-        </p:spPr>
-      </p:pic>
-      <p:pic>
-        <p:nvPicPr>
-          <p:cNvPr id="2052" name="Picture 4" descr="https://lh3.googleusercontent.com/l-b0n-_zLngWSZV5ZwzmmWa4k9FJo9rpK02HTVWHarJx485Oh2Lhmhjy9X8-mt-g481TZcUojynkOB57COlGnnpfaSMZstovSseHUEeEFGWuYeysXh8eO5Mfy19JbVOAbRdpv0OL">
-            <a:hlinkClick r:id="rId5"/>
-          </p:cNvPr>
-          <p:cNvPicPr>
-            <a:picLocks noChangeAspect="1" noChangeArrowheads="1"/>
-          </p:cNvPicPr>
-          <p:nvPr/>
-        </p:nvPicPr>
-        <p:blipFill>
-          <a:blip r:embed="rId6">
-            <a:extLst>
-              <a:ext uri="{28A0092B-C50C-407E-A947-70E740481C1C}">
-                <a14:useLocalDpi xmlns:a14="http://schemas.microsoft.com/office/drawing/2010/main" val="0"/>
-              </a:ext>
-            </a:extLst>
-          </a:blip>
-          <a:srcRect/>
-          <a:stretch>
-            <a:fillRect/>
-          </a:stretch>
-        </p:blipFill>
-        <p:spPr bwMode="auto">
-          <a:xfrm>
-            <a:off x="645540" y="3962400"/>
-            <a:ext cx="8144918" cy="1409700"/>
-          </a:xfrm>
-          <a:prstGeom prst="rect">
-            <a:avLst/>
-          </a:prstGeom>
-          <a:noFill/>
-          <a:extLst>
-            <a:ext uri="{909E8E84-426E-40DD-AFC4-6F175D3DCCD1}">
-              <a14:hiddenFill xmlns:a14="http://schemas.microsoft.com/office/drawing/2010/main">
-                <a:solidFill>
-                  <a:srgbClr val="FFFFFF"/>
-                </a:solidFill>
-              </a14:hiddenFill>
-            </a:ext>
-          </a:extLst>
-        </p:spPr>
-      </p:pic>
-    </p:spTree>
-    <p:extLst>
-      <p:ext uri="{BB962C8B-B14F-4D97-AF65-F5344CB8AC3E}">
-        <p14:creationId xmlns:p14="http://schemas.microsoft.com/office/powerpoint/2010/main" val="1707336356"/>
-      </p:ext>
-    </p:extLst>
-  </p:cSld>
-  <p:clrMapOvr>
-    <a:masterClrMapping/>
-  </p:clrMapOvr>
-</p:sld>
-</file>
-
-<file path=ppt/slides/slide12.xml><?xml version="1.0" encoding="utf-8"?>
-<p:sld xmlns:a="http://schemas.openxmlformats.org/drawingml/2006/main" xmlns:r="http://schemas.openxmlformats.org/officeDocument/2006/relationships" xmlns:p="http://schemas.openxmlformats.org/presentationml/2006/main">
-  <p:cSld>
-    <p:spTree>
-      <p:nvGrpSpPr>
-        <p:cNvPr id="1" name=""/>
-        <p:cNvGrpSpPr/>
-        <p:nvPr/>
-      </p:nvGrpSpPr>
-      <p:grpSpPr>
-        <a:xfrm>
-          <a:off x="0" y="0"/>
-          <a:ext cx="0" cy="0"/>
-          <a:chOff x="0" y="0"/>
-          <a:chExt cx="0" cy="0"/>
-        </a:xfrm>
-      </p:grpSpPr>
-      <p:sp>
-        <p:nvSpPr>
-          <p:cNvPr id="2" name="Title 1"/>
-          <p:cNvSpPr>
-            <a:spLocks noGrp="1"/>
-          </p:cNvSpPr>
-          <p:nvPr>
-            <p:ph type="title"/>
-          </p:nvPr>
-        </p:nvSpPr>
-        <p:spPr/>
-        <p:txBody>
-          <a:bodyPr/>
-          <a:lstStyle/>
-          <a:p>
-            <a:r>
-              <a:rPr lang="en-US" dirty="0"/>
-              <a:t>Diagrams look similar!</a:t>
-            </a:r>
-          </a:p>
-        </p:txBody>
-      </p:sp>
-      <p:sp>
-        <p:nvSpPr>
-          <p:cNvPr id="3" name="TextBox 2"/>
-          <p:cNvSpPr txBox="1"/>
-          <p:nvPr/>
-        </p:nvSpPr>
-        <p:spPr>
-          <a:xfrm>
-            <a:off x="990600" y="1828800"/>
-            <a:ext cx="7239000" cy="2554545"/>
-          </a:xfrm>
-          <a:prstGeom prst="rect">
-            <a:avLst/>
-          </a:prstGeom>
-          <a:noFill/>
-        </p:spPr>
-        <p:txBody>
-          <a:bodyPr wrap="square" rtlCol="0">
-            <a:spAutoFit/>
-          </a:bodyPr>
-          <a:lstStyle/>
-          <a:p>
-            <a:r>
-              <a:rPr lang="en-US" sz="4000" dirty="0"/>
-              <a:t>How would the actual code compare when performing the stated task “calculate a student’s average grade”?</a:t>
-            </a:r>
-          </a:p>
-        </p:txBody>
-      </p:sp>
-    </p:spTree>
-    <p:extLst>
-      <p:ext uri="{BB962C8B-B14F-4D97-AF65-F5344CB8AC3E}">
-        <p14:creationId xmlns:p14="http://schemas.microsoft.com/office/powerpoint/2010/main" val="1796087521"/>
-      </p:ext>
-    </p:extLst>
-  </p:cSld>
-  <p:clrMapOvr>
-    <a:masterClrMapping/>
-  </p:clrMapOvr>
-</p:sld>
-</file>
-
 <file path=ppt/slides/slide13.xml><?xml version="1.0" encoding="utf-8"?>
 <p:sld xmlns:a="http://schemas.openxmlformats.org/drawingml/2006/main" xmlns:r="http://schemas.openxmlformats.org/officeDocument/2006/relationships" xmlns:p="http://schemas.openxmlformats.org/presentationml/2006/main">
   <p:cSld>
@@ -7240,7 +7783,13 @@
       </p:grpSpPr>
       <p:sp>
         <p:nvSpPr>
-          <p:cNvPr id="2" name="Title 1"/>
+          <p:cNvPr id="2" name="Title 1">
+            <a:extLst>
+              <a:ext uri="{FF2B5EF4-FFF2-40B4-BE49-F238E27FC236}">
+                <a16:creationId xmlns:a16="http://schemas.microsoft.com/office/drawing/2014/main" id="{9D2C71B3-EAC7-849E-C9CC-60FB16B606E4}"/>
+              </a:ext>
+            </a:extLst>
+          </p:cNvPr>
           <p:cNvSpPr>
             <a:spLocks noGrp="1"/>
           </p:cNvSpPr>
@@ -7248,413 +7797,902 @@
             <p:ph type="title"/>
           </p:nvPr>
         </p:nvSpPr>
-        <p:spPr/>
+        <p:spPr>
+          <a:xfrm>
+            <a:off x="457200" y="0"/>
+            <a:ext cx="8229600" cy="1143000"/>
+          </a:xfrm>
+        </p:spPr>
         <p:txBody>
           <a:bodyPr/>
           <a:lstStyle/>
           <a:p>
             <a:r>
-              <a:rPr lang="en-US" dirty="0" err="1">
-                <a:latin typeface="Consolas" panose="020B0609020204030204" pitchFamily="49" charset="0"/>
-              </a:rPr>
-              <a:t>getGrades</a:t>
-            </a:r>
-            <a:r>
-              <a:rPr lang="en-US" dirty="0">
-                <a:latin typeface="Consolas" panose="020B0609020204030204" pitchFamily="49" charset="0"/>
-              </a:rPr>
-              <a:t>()</a:t>
-            </a:r>
-          </a:p>
-        </p:txBody>
-      </p:sp>
-      <p:sp>
-        <p:nvSpPr>
-          <p:cNvPr id="3" name="Content Placeholder 2"/>
-          <p:cNvSpPr>
-            <a:spLocks noGrp="1"/>
-          </p:cNvSpPr>
-          <p:nvPr>
-            <p:ph idx="1"/>
-          </p:nvPr>
-        </p:nvSpPr>
+              <a:rPr lang="en-US" dirty="0"/>
+              <a:t>Tell (better design)</a:t>
+            </a:r>
+          </a:p>
+        </p:txBody>
+      </p:sp>
+      <p:pic>
+        <p:nvPicPr>
+          <p:cNvPr id="4" name="Picture 3" descr="A diagram of a computer code&#10;&#10;Description automatically generated with medium confidence">
+            <a:extLst>
+              <a:ext uri="{FF2B5EF4-FFF2-40B4-BE49-F238E27FC236}">
+                <a16:creationId xmlns:a16="http://schemas.microsoft.com/office/drawing/2014/main" id="{965C6FCA-3F0F-73A5-424B-98E39A7E3B60}"/>
+              </a:ext>
+            </a:extLst>
+          </p:cNvPr>
+          <p:cNvPicPr>
+            <a:picLocks noChangeAspect="1"/>
+          </p:cNvPicPr>
+          <p:nvPr/>
+        </p:nvPicPr>
+        <p:blipFill>
+          <a:blip r:embed="rId3">
+            <a:extLst>
+              <a:ext uri="{28A0092B-C50C-407E-A947-70E740481C1C}">
+                <a14:useLocalDpi xmlns:a14="http://schemas.microsoft.com/office/drawing/2010/main" val="0"/>
+              </a:ext>
+            </a:extLst>
+          </a:blip>
+          <a:stretch>
+            <a:fillRect/>
+          </a:stretch>
+        </p:blipFill>
         <p:spPr>
           <a:xfrm>
-            <a:off x="457200" y="1600201"/>
-            <a:ext cx="8382000" cy="4114800"/>
+            <a:off x="104775" y="895183"/>
+            <a:ext cx="8934450" cy="2076617"/>
           </a:xfrm>
+          <a:prstGeom prst="rect">
+            <a:avLst/>
+          </a:prstGeom>
         </p:spPr>
-        <p:txBody>
-          <a:bodyPr>
-            <a:noAutofit/>
+      </p:pic>
+      <p:sp>
+        <p:nvSpPr>
+          <p:cNvPr id="3" name="Title 1">
+            <a:extLst>
+              <a:ext uri="{FF2B5EF4-FFF2-40B4-BE49-F238E27FC236}">
+                <a16:creationId xmlns:a16="http://schemas.microsoft.com/office/drawing/2014/main" id="{9518D671-F7B9-299A-10DA-825EDD49B8B5}"/>
+              </a:ext>
+            </a:extLst>
+          </p:cNvPr>
+          <p:cNvSpPr txBox="1">
+            <a:spLocks/>
+          </p:cNvSpPr>
+          <p:nvPr/>
+        </p:nvSpPr>
+        <p:spPr>
+          <a:xfrm>
+            <a:off x="457200" y="2815424"/>
+            <a:ext cx="8229600" cy="1143000"/>
+          </a:xfrm>
+          <a:prstGeom prst="rect">
+            <a:avLst/>
+          </a:prstGeom>
+        </p:spPr>
+        <p:txBody>
+          <a:bodyPr vert="horz" lIns="91440" tIns="45720" rIns="91440" bIns="45720" rtlCol="0" anchor="ctr">
+            <a:normAutofit/>
           </a:bodyPr>
-          <a:lstStyle/>
-          <a:p>
-            <a:pPr marL="0" indent="0">
+          <a:lstStyle>
+            <a:lvl1pPr algn="ctr" defTabSz="914400" rtl="0" eaLnBrk="1" latinLnBrk="0" hangingPunct="1">
+              <a:spcBef>
+                <a:spcPct val="0"/>
+              </a:spcBef>
               <a:buNone/>
-            </a:pPr>
-            <a:r>
-              <a:rPr lang="en-US" sz="1800" dirty="0">
-                <a:latin typeface="Consolas" panose="020B0609020204030204" pitchFamily="49" charset="0"/>
-              </a:rPr>
-              <a:t>public class </a:t>
-            </a:r>
-            <a:r>
-              <a:rPr lang="en-US" sz="1800" dirty="0" err="1">
-                <a:latin typeface="Consolas" panose="020B0609020204030204" pitchFamily="49" charset="0"/>
-              </a:rPr>
-              <a:t>TeamGradebook</a:t>
-            </a:r>
-            <a:r>
-              <a:rPr lang="en-US" sz="1800" dirty="0">
-                <a:latin typeface="Consolas" panose="020B0609020204030204" pitchFamily="49" charset="0"/>
-              </a:rPr>
-              <a:t> {</a:t>
-            </a:r>
-          </a:p>
-          <a:p>
-            <a:pPr marL="0" indent="0">
-              <a:buNone/>
-            </a:pPr>
-            <a:r>
-              <a:rPr lang="en-US" sz="1800" dirty="0">
-                <a:latin typeface="Consolas" panose="020B0609020204030204" pitchFamily="49" charset="0"/>
-              </a:rPr>
-              <a:t>…</a:t>
-            </a:r>
-          </a:p>
-          <a:p>
-            <a:pPr marL="0" indent="0">
-              <a:buNone/>
-            </a:pPr>
-            <a:r>
-              <a:rPr lang="en-US" sz="1800" dirty="0">
-                <a:latin typeface="Consolas" panose="020B0609020204030204" pitchFamily="49" charset="0"/>
-              </a:rPr>
-              <a:t>private String </a:t>
-            </a:r>
-            <a:r>
-              <a:rPr lang="en-US" sz="1800" dirty="0" err="1">
-                <a:latin typeface="Consolas" panose="020B0609020204030204" pitchFamily="49" charset="0"/>
-              </a:rPr>
-              <a:t>handleGetAverage</a:t>
-            </a:r>
-            <a:r>
-              <a:rPr lang="en-US" sz="1800" dirty="0">
-                <a:latin typeface="Consolas" panose="020B0609020204030204" pitchFamily="49" charset="0"/>
-              </a:rPr>
-              <a:t>(String </a:t>
-            </a:r>
-            <a:r>
-              <a:rPr lang="en-US" sz="1800" dirty="0" err="1">
-                <a:latin typeface="Consolas" panose="020B0609020204030204" pitchFamily="49" charset="0"/>
-              </a:rPr>
-              <a:t>studentName</a:t>
-            </a:r>
-            <a:r>
-              <a:rPr lang="en-US" sz="1800" dirty="0">
-                <a:latin typeface="Consolas" panose="020B0609020204030204" pitchFamily="49" charset="0"/>
-              </a:rPr>
-              <a:t>) {</a:t>
-            </a:r>
-          </a:p>
-          <a:p>
-            <a:pPr marL="0" indent="0">
-              <a:buNone/>
-            </a:pPr>
-            <a:r>
-              <a:rPr lang="en-US" sz="1800" dirty="0">
-                <a:latin typeface="Consolas" panose="020B0609020204030204" pitchFamily="49" charset="0"/>
-              </a:rPr>
-              <a:t>	Student </a:t>
-            </a:r>
-            <a:r>
-              <a:rPr lang="en-US" sz="1800" dirty="0" err="1">
-                <a:latin typeface="Consolas" panose="020B0609020204030204" pitchFamily="49" charset="0"/>
-              </a:rPr>
-              <a:t>student</a:t>
-            </a:r>
-            <a:r>
-              <a:rPr lang="en-US" sz="1800" dirty="0">
-                <a:latin typeface="Consolas" panose="020B0609020204030204" pitchFamily="49" charset="0"/>
-              </a:rPr>
-              <a:t> = </a:t>
-            </a:r>
-            <a:r>
-              <a:rPr lang="en-US" sz="1800" dirty="0" err="1">
-                <a:latin typeface="Consolas" panose="020B0609020204030204" pitchFamily="49" charset="0"/>
-              </a:rPr>
-              <a:t>getStudentByName</a:t>
-            </a:r>
-            <a:r>
-              <a:rPr lang="en-US" sz="1800" dirty="0">
-                <a:latin typeface="Consolas" panose="020B0609020204030204" pitchFamily="49" charset="0"/>
-              </a:rPr>
-              <a:t>(</a:t>
-            </a:r>
-            <a:r>
-              <a:rPr lang="en-US" sz="1800" dirty="0" err="1">
-                <a:latin typeface="Consolas" panose="020B0609020204030204" pitchFamily="49" charset="0"/>
-              </a:rPr>
-              <a:t>studentName</a:t>
-            </a:r>
-            <a:r>
-              <a:rPr lang="en-US" sz="1800" dirty="0">
-                <a:latin typeface="Consolas" panose="020B0609020204030204" pitchFamily="49" charset="0"/>
-              </a:rPr>
-              <a:t>);</a:t>
-            </a:r>
-          </a:p>
-          <a:p>
-            <a:pPr marL="0" indent="0">
-              <a:buNone/>
-            </a:pPr>
-            <a:r>
-              <a:rPr lang="en-US" sz="1800" dirty="0">
-                <a:latin typeface="Consolas" panose="020B0609020204030204" pitchFamily="49" charset="0"/>
-              </a:rPr>
-              <a:t>	if (student == null) {</a:t>
-            </a:r>
-          </a:p>
-          <a:p>
-            <a:pPr marL="0" indent="0">
-              <a:buNone/>
-            </a:pPr>
-            <a:r>
-              <a:rPr lang="en-US" sz="1800" dirty="0">
-                <a:latin typeface="Consolas" panose="020B0609020204030204" pitchFamily="49" charset="0"/>
-              </a:rPr>
-              <a:t>		return "student " + student + " not found";</a:t>
-            </a:r>
-          </a:p>
-          <a:p>
-            <a:pPr marL="0" indent="0">
-              <a:buNone/>
-            </a:pPr>
-            <a:r>
-              <a:rPr lang="en-US" sz="1800" dirty="0">
-                <a:latin typeface="Consolas" panose="020B0609020204030204" pitchFamily="49" charset="0"/>
-              </a:rPr>
-              <a:t>	} // end if</a:t>
-            </a:r>
-          </a:p>
-          <a:p>
-            <a:pPr marL="0" indent="0">
-              <a:buNone/>
-            </a:pPr>
-            <a:r>
-              <a:rPr lang="en-US" sz="1800" dirty="0">
-                <a:latin typeface="Consolas" panose="020B0609020204030204" pitchFamily="49" charset="0"/>
-              </a:rPr>
-              <a:t>	</a:t>
-            </a:r>
-            <a:r>
-              <a:rPr lang="en-US" sz="1800" dirty="0">
+              <a:defRPr sz="4400" kern="1200">
                 <a:solidFill>
-                  <a:srgbClr val="FF0000"/>
+                  <a:schemeClr val="tx1"/>
                 </a:solidFill>
-                <a:latin typeface="Consolas" panose="020B0609020204030204" pitchFamily="49" charset="0"/>
-              </a:rPr>
-              <a:t>double total = 0;</a:t>
-            </a:r>
-          </a:p>
-          <a:p>
-            <a:pPr marL="0" indent="0">
-              <a:buNone/>
-            </a:pPr>
-            <a:r>
-              <a:rPr lang="en-US" sz="1800" dirty="0">
-                <a:solidFill>
-                  <a:srgbClr val="FF0000"/>
-                </a:solidFill>
-                <a:latin typeface="Consolas" panose="020B0609020204030204" pitchFamily="49" charset="0"/>
-              </a:rPr>
-              <a:t>	for (double d: </a:t>
-            </a:r>
-            <a:r>
-              <a:rPr lang="en-US" sz="1800" dirty="0" err="1">
-                <a:solidFill>
-                  <a:srgbClr val="FF0000"/>
-                </a:solidFill>
-                <a:latin typeface="Consolas" panose="020B0609020204030204" pitchFamily="49" charset="0"/>
-              </a:rPr>
-              <a:t>student.getGrades</a:t>
-            </a:r>
-            <a:r>
-              <a:rPr lang="en-US" sz="1800" dirty="0">
-                <a:solidFill>
-                  <a:srgbClr val="FF0000"/>
-                </a:solidFill>
-                <a:latin typeface="Consolas" panose="020B0609020204030204" pitchFamily="49" charset="0"/>
-              </a:rPr>
-              <a:t>() ) {</a:t>
-            </a:r>
-          </a:p>
-          <a:p>
-            <a:pPr marL="0" indent="0">
-              <a:buNone/>
-            </a:pPr>
-            <a:r>
-              <a:rPr lang="en-US" sz="1800" dirty="0">
-                <a:solidFill>
-                  <a:srgbClr val="FF0000"/>
-                </a:solidFill>
-                <a:latin typeface="Consolas" panose="020B0609020204030204" pitchFamily="49" charset="0"/>
-              </a:rPr>
-              <a:t>		total += d;</a:t>
-            </a:r>
-          </a:p>
-          <a:p>
-            <a:pPr marL="0" indent="0">
-              <a:buNone/>
-            </a:pPr>
-            <a:r>
-              <a:rPr lang="en-US" sz="1800" dirty="0">
-                <a:solidFill>
-                  <a:srgbClr val="FF0000"/>
-                </a:solidFill>
-                <a:latin typeface="Consolas" panose="020B0609020204030204" pitchFamily="49" charset="0"/>
-              </a:rPr>
-              <a:t>	}</a:t>
-            </a:r>
-          </a:p>
-          <a:p>
-            <a:pPr marL="0" indent="0">
-              <a:buNone/>
-            </a:pPr>
-            <a:r>
-              <a:rPr lang="en-US" sz="1800" dirty="0">
-                <a:solidFill>
-                  <a:srgbClr val="FF0000"/>
-                </a:solidFill>
-                <a:latin typeface="Consolas" panose="020B0609020204030204" pitchFamily="49" charset="0"/>
-              </a:rPr>
-              <a:t>	double average = total / </a:t>
-            </a:r>
-            <a:r>
-              <a:rPr lang="en-US" sz="1800" dirty="0" err="1">
-                <a:solidFill>
-                  <a:srgbClr val="FF0000"/>
-                </a:solidFill>
-                <a:latin typeface="Consolas" panose="020B0609020204030204" pitchFamily="49" charset="0"/>
-              </a:rPr>
-              <a:t>student.getGrades</a:t>
-            </a:r>
-            <a:r>
-              <a:rPr lang="en-US" sz="1800" dirty="0">
-                <a:solidFill>
-                  <a:srgbClr val="FF0000"/>
-                </a:solidFill>
-                <a:latin typeface="Consolas" panose="020B0609020204030204" pitchFamily="49" charset="0"/>
-              </a:rPr>
-              <a:t>().size();</a:t>
-            </a:r>
-          </a:p>
-          <a:p>
-            <a:pPr marL="0" indent="0">
-              <a:buNone/>
-            </a:pPr>
-            <a:r>
-              <a:rPr lang="en-US" sz="1800" dirty="0">
-                <a:latin typeface="Consolas" panose="020B0609020204030204" pitchFamily="49" charset="0"/>
-              </a:rPr>
-              <a:t>	return </a:t>
-            </a:r>
-            <a:r>
-              <a:rPr lang="en-US" sz="1800" dirty="0" err="1">
-                <a:latin typeface="Consolas" panose="020B0609020204030204" pitchFamily="49" charset="0"/>
-              </a:rPr>
-              <a:t>Long.toString</a:t>
-            </a:r>
-            <a:r>
-              <a:rPr lang="en-US" sz="1800" dirty="0">
-                <a:latin typeface="Consolas" panose="020B0609020204030204" pitchFamily="49" charset="0"/>
-              </a:rPr>
-              <a:t>(</a:t>
-            </a:r>
-            <a:r>
-              <a:rPr lang="en-US" sz="1800" dirty="0" err="1">
-                <a:latin typeface="Consolas" panose="020B0609020204030204" pitchFamily="49" charset="0"/>
-              </a:rPr>
-              <a:t>Math.round</a:t>
-            </a:r>
-            <a:r>
-              <a:rPr lang="en-US" sz="1800" dirty="0">
-                <a:latin typeface="Consolas" panose="020B0609020204030204" pitchFamily="49" charset="0"/>
-              </a:rPr>
-              <a:t>(</a:t>
-            </a:r>
-            <a:r>
-              <a:rPr lang="en-US" sz="1800" dirty="0">
-                <a:solidFill>
-                  <a:srgbClr val="FF0000"/>
-                </a:solidFill>
-                <a:latin typeface="Consolas" panose="020B0609020204030204" pitchFamily="49" charset="0"/>
-              </a:rPr>
-              <a:t>average</a:t>
-            </a:r>
-            <a:r>
-              <a:rPr lang="en-US" sz="1800" dirty="0">
-                <a:latin typeface="Consolas" panose="020B0609020204030204" pitchFamily="49" charset="0"/>
-              </a:rPr>
-              <a:t>));</a:t>
-            </a:r>
-          </a:p>
-          <a:p>
-            <a:pPr marL="0" indent="0">
-              <a:buNone/>
-            </a:pPr>
-            <a:r>
-              <a:rPr lang="en-US" sz="1800" dirty="0">
-                <a:latin typeface="Consolas" panose="020B0609020204030204" pitchFamily="49" charset="0"/>
-              </a:rPr>
-              <a:t>}</a:t>
-            </a:r>
-          </a:p>
-          <a:p>
-            <a:pPr marL="0" indent="0">
-              <a:buNone/>
-            </a:pPr>
-            <a:r>
-              <a:rPr lang="en-US" sz="1800" dirty="0">
-                <a:latin typeface="Consolas" panose="020B0609020204030204" pitchFamily="49" charset="0"/>
-              </a:rPr>
-              <a:t>…</a:t>
-            </a:r>
-          </a:p>
-          <a:p>
-            <a:pPr marL="0" indent="0">
-              <a:buNone/>
-            </a:pPr>
-            <a:r>
-              <a:rPr lang="en-US" sz="1800" dirty="0">
-                <a:latin typeface="Consolas" panose="020B0609020204030204" pitchFamily="49" charset="0"/>
-              </a:rPr>
-              <a:t>}</a:t>
-            </a:r>
-          </a:p>
-        </p:txBody>
-      </p:sp>
-      <p:sp>
-        <p:nvSpPr>
-          <p:cNvPr id="4" name="TextBox 3"/>
+                <a:latin typeface="+mj-lt"/>
+                <a:ea typeface="+mj-ea"/>
+                <a:cs typeface="+mj-cs"/>
+              </a:defRPr>
+            </a:lvl1pPr>
+          </a:lstStyle>
+          <a:p>
+            <a:r>
+              <a:rPr lang="en-US" dirty="0"/>
+              <a:t>Ask (worse design)</a:t>
+            </a:r>
+          </a:p>
+        </p:txBody>
+      </p:sp>
+      <p:pic>
+        <p:nvPicPr>
+          <p:cNvPr id="5" name="Picture 4" descr="A diagram of a computer code&#10;&#10;Description automatically generated with medium confidence">
+            <a:extLst>
+              <a:ext uri="{FF2B5EF4-FFF2-40B4-BE49-F238E27FC236}">
+                <a16:creationId xmlns:a16="http://schemas.microsoft.com/office/drawing/2014/main" id="{D8C84864-0C24-BF92-62CE-AF23368E8388}"/>
+              </a:ext>
+            </a:extLst>
+          </p:cNvPr>
+          <p:cNvPicPr>
+            <a:picLocks noChangeAspect="1"/>
+          </p:cNvPicPr>
+          <p:nvPr/>
+        </p:nvPicPr>
+        <p:blipFill>
+          <a:blip r:embed="rId3">
+            <a:extLst>
+              <a:ext uri="{28A0092B-C50C-407E-A947-70E740481C1C}">
+                <a14:useLocalDpi xmlns:a14="http://schemas.microsoft.com/office/drawing/2010/main" val="0"/>
+              </a:ext>
+            </a:extLst>
+          </a:blip>
+          <a:stretch>
+            <a:fillRect/>
+          </a:stretch>
+        </p:blipFill>
+        <p:spPr>
+          <a:xfrm>
+            <a:off x="104775" y="3958424"/>
+            <a:ext cx="8934450" cy="2076617"/>
+          </a:xfrm>
+          <a:prstGeom prst="rect">
+            <a:avLst/>
+          </a:prstGeom>
+        </p:spPr>
+      </p:pic>
+      <mc:AlternateContent xmlns:mc="http://schemas.openxmlformats.org/markup-compatibility/2006" xmlns:p14="http://schemas.microsoft.com/office/powerpoint/2010/main">
+        <mc:Choice Requires="p14">
+          <p:contentPart p14:bwMode="auto" r:id="rId4">
+            <p14:nvContentPartPr>
+              <p14:cNvPr id="6" name="Ink 5">
+                <a:extLst>
+                  <a:ext uri="{FF2B5EF4-FFF2-40B4-BE49-F238E27FC236}">
+                    <a16:creationId xmlns:a16="http://schemas.microsoft.com/office/drawing/2014/main" id="{7A889256-13B5-CBCA-96AB-2D5E143D4515}"/>
+                  </a:ext>
+                </a:extLst>
+              </p14:cNvPr>
+              <p14:cNvContentPartPr/>
+              <p14:nvPr/>
+            </p14:nvContentPartPr>
+            <p14:xfrm>
+              <a:off x="2499312" y="6022488"/>
+              <a:ext cx="216360" cy="127080"/>
+            </p14:xfrm>
+          </p:contentPart>
+        </mc:Choice>
+        <mc:Fallback xmlns="">
+          <p:pic>
+            <p:nvPicPr>
+              <p:cNvPr id="6" name="Ink 5">
+                <a:extLst>
+                  <a:ext uri="{FF2B5EF4-FFF2-40B4-BE49-F238E27FC236}">
+                    <a16:creationId xmlns:a16="http://schemas.microsoft.com/office/drawing/2014/main" id="{7A889256-13B5-CBCA-96AB-2D5E143D4515}"/>
+                  </a:ext>
+                </a:extLst>
+              </p:cNvPr>
+              <p:cNvPicPr/>
+              <p:nvPr/>
+            </p:nvPicPr>
+            <p:blipFill>
+              <a:blip r:embed="rId5"/>
+              <a:stretch>
+                <a:fillRect/>
+              </a:stretch>
+            </p:blipFill>
+            <p:spPr>
+              <a:xfrm>
+                <a:off x="2493192" y="6016368"/>
+                <a:ext cx="228600" cy="139320"/>
+              </a:xfrm>
+              <a:prstGeom prst="rect">
+                <a:avLst/>
+              </a:prstGeom>
+            </p:spPr>
+          </p:pic>
+        </mc:Fallback>
+      </mc:AlternateContent>
+      <mc:AlternateContent xmlns:mc="http://schemas.openxmlformats.org/markup-compatibility/2006" xmlns:p14="http://schemas.microsoft.com/office/powerpoint/2010/main">
+        <mc:Choice Requires="p14">
+          <p:contentPart p14:bwMode="auto" r:id="rId6">
+            <p14:nvContentPartPr>
+              <p14:cNvPr id="7" name="Ink 6">
+                <a:extLst>
+                  <a:ext uri="{FF2B5EF4-FFF2-40B4-BE49-F238E27FC236}">
+                    <a16:creationId xmlns:a16="http://schemas.microsoft.com/office/drawing/2014/main" id="{44E14977-4158-D198-4885-A172464F748D}"/>
+                  </a:ext>
+                </a:extLst>
+              </p14:cNvPr>
+              <p14:cNvContentPartPr/>
+              <p14:nvPr/>
+            </p14:nvContentPartPr>
+            <p14:xfrm>
+              <a:off x="3059832" y="6327408"/>
+              <a:ext cx="199800" cy="34920"/>
+            </p14:xfrm>
+          </p:contentPart>
+        </mc:Choice>
+        <mc:Fallback xmlns="">
+          <p:pic>
+            <p:nvPicPr>
+              <p:cNvPr id="7" name="Ink 6">
+                <a:extLst>
+                  <a:ext uri="{FF2B5EF4-FFF2-40B4-BE49-F238E27FC236}">
+                    <a16:creationId xmlns:a16="http://schemas.microsoft.com/office/drawing/2014/main" id="{44E14977-4158-D198-4885-A172464F748D}"/>
+                  </a:ext>
+                </a:extLst>
+              </p:cNvPr>
+              <p:cNvPicPr/>
+              <p:nvPr/>
+            </p:nvPicPr>
+            <p:blipFill>
+              <a:blip r:embed="rId7"/>
+              <a:stretch>
+                <a:fillRect/>
+              </a:stretch>
+            </p:blipFill>
+            <p:spPr>
+              <a:xfrm>
+                <a:off x="3053712" y="6321288"/>
+                <a:ext cx="212040" cy="47160"/>
+              </a:xfrm>
+              <a:prstGeom prst="rect">
+                <a:avLst/>
+              </a:prstGeom>
+            </p:spPr>
+          </p:pic>
+        </mc:Fallback>
+      </mc:AlternateContent>
+      <mc:AlternateContent xmlns:mc="http://schemas.openxmlformats.org/markup-compatibility/2006" xmlns:p14="http://schemas.microsoft.com/office/powerpoint/2010/main">
+        <mc:Choice Requires="p14">
+          <p:contentPart p14:bwMode="auto" r:id="rId8">
+            <p14:nvContentPartPr>
+              <p14:cNvPr id="8" name="Ink 7">
+                <a:extLst>
+                  <a:ext uri="{FF2B5EF4-FFF2-40B4-BE49-F238E27FC236}">
+                    <a16:creationId xmlns:a16="http://schemas.microsoft.com/office/drawing/2014/main" id="{44AF32D2-30D1-2E03-49C7-6F30640915BF}"/>
+                  </a:ext>
+                </a:extLst>
+              </p14:cNvPr>
+              <p14:cNvContentPartPr/>
+              <p14:nvPr/>
+            </p14:nvContentPartPr>
+            <p14:xfrm>
+              <a:off x="3767232" y="6473568"/>
+              <a:ext cx="337680" cy="52200"/>
+            </p14:xfrm>
+          </p:contentPart>
+        </mc:Choice>
+        <mc:Fallback xmlns="">
+          <p:pic>
+            <p:nvPicPr>
+              <p:cNvPr id="8" name="Ink 7">
+                <a:extLst>
+                  <a:ext uri="{FF2B5EF4-FFF2-40B4-BE49-F238E27FC236}">
+                    <a16:creationId xmlns:a16="http://schemas.microsoft.com/office/drawing/2014/main" id="{44AF32D2-30D1-2E03-49C7-6F30640915BF}"/>
+                  </a:ext>
+                </a:extLst>
+              </p:cNvPr>
+              <p:cNvPicPr/>
+              <p:nvPr/>
+            </p:nvPicPr>
+            <p:blipFill>
+              <a:blip r:embed="rId9"/>
+              <a:stretch>
+                <a:fillRect/>
+              </a:stretch>
+            </p:blipFill>
+            <p:spPr>
+              <a:xfrm>
+                <a:off x="3761112" y="6467448"/>
+                <a:ext cx="349920" cy="64440"/>
+              </a:xfrm>
+              <a:prstGeom prst="rect">
+                <a:avLst/>
+              </a:prstGeom>
+            </p:spPr>
+          </p:pic>
+        </mc:Fallback>
+      </mc:AlternateContent>
+      <mc:AlternateContent xmlns:mc="http://schemas.openxmlformats.org/markup-compatibility/2006" xmlns:p14="http://schemas.microsoft.com/office/powerpoint/2010/main">
+        <mc:Choice Requires="p14">
+          <p:contentPart p14:bwMode="auto" r:id="rId10">
+            <p14:nvContentPartPr>
+              <p14:cNvPr id="9" name="Ink 8">
+                <a:extLst>
+                  <a:ext uri="{FF2B5EF4-FFF2-40B4-BE49-F238E27FC236}">
+                    <a16:creationId xmlns:a16="http://schemas.microsoft.com/office/drawing/2014/main" id="{85F8835D-D489-DB36-5554-1AA96B5E6916}"/>
+                  </a:ext>
+                </a:extLst>
+              </p14:cNvPr>
+              <p14:cNvContentPartPr/>
+              <p14:nvPr/>
+            </p14:nvContentPartPr>
+            <p14:xfrm>
+              <a:off x="4425312" y="6595608"/>
+              <a:ext cx="164520" cy="11160"/>
+            </p14:xfrm>
+          </p:contentPart>
+        </mc:Choice>
+        <mc:Fallback xmlns="">
+          <p:pic>
+            <p:nvPicPr>
+              <p:cNvPr id="9" name="Ink 8">
+                <a:extLst>
+                  <a:ext uri="{FF2B5EF4-FFF2-40B4-BE49-F238E27FC236}">
+                    <a16:creationId xmlns:a16="http://schemas.microsoft.com/office/drawing/2014/main" id="{85F8835D-D489-DB36-5554-1AA96B5E6916}"/>
+                  </a:ext>
+                </a:extLst>
+              </p:cNvPr>
+              <p:cNvPicPr/>
+              <p:nvPr/>
+            </p:nvPicPr>
+            <p:blipFill>
+              <a:blip r:embed="rId11"/>
+              <a:stretch>
+                <a:fillRect/>
+              </a:stretch>
+            </p:blipFill>
+            <p:spPr>
+              <a:xfrm>
+                <a:off x="4419192" y="6589488"/>
+                <a:ext cx="176760" cy="23400"/>
+              </a:xfrm>
+              <a:prstGeom prst="rect">
+                <a:avLst/>
+              </a:prstGeom>
+            </p:spPr>
+          </p:pic>
+        </mc:Fallback>
+      </mc:AlternateContent>
+      <mc:AlternateContent xmlns:mc="http://schemas.openxmlformats.org/markup-compatibility/2006" xmlns:p14="http://schemas.microsoft.com/office/powerpoint/2010/main">
+        <mc:Choice Requires="p14">
+          <p:contentPart p14:bwMode="auto" r:id="rId12">
+            <p14:nvContentPartPr>
+              <p14:cNvPr id="10" name="Ink 9">
+                <a:extLst>
+                  <a:ext uri="{FF2B5EF4-FFF2-40B4-BE49-F238E27FC236}">
+                    <a16:creationId xmlns:a16="http://schemas.microsoft.com/office/drawing/2014/main" id="{AD0526D7-AEB7-87C7-09BA-E0E6A143EF49}"/>
+                  </a:ext>
+                </a:extLst>
+              </p14:cNvPr>
+              <p14:cNvContentPartPr/>
+              <p14:nvPr/>
+            </p14:nvContentPartPr>
+            <p14:xfrm>
+              <a:off x="4925352" y="6656448"/>
+              <a:ext cx="384840" cy="11520"/>
+            </p14:xfrm>
+          </p:contentPart>
+        </mc:Choice>
+        <mc:Fallback xmlns="">
+          <p:pic>
+            <p:nvPicPr>
+              <p:cNvPr id="10" name="Ink 9">
+                <a:extLst>
+                  <a:ext uri="{FF2B5EF4-FFF2-40B4-BE49-F238E27FC236}">
+                    <a16:creationId xmlns:a16="http://schemas.microsoft.com/office/drawing/2014/main" id="{AD0526D7-AEB7-87C7-09BA-E0E6A143EF49}"/>
+                  </a:ext>
+                </a:extLst>
+              </p:cNvPr>
+              <p:cNvPicPr/>
+              <p:nvPr/>
+            </p:nvPicPr>
+            <p:blipFill>
+              <a:blip r:embed="rId13"/>
+              <a:stretch>
+                <a:fillRect/>
+              </a:stretch>
+            </p:blipFill>
+            <p:spPr>
+              <a:xfrm>
+                <a:off x="4919232" y="6650328"/>
+                <a:ext cx="397080" cy="23760"/>
+              </a:xfrm>
+              <a:prstGeom prst="rect">
+                <a:avLst/>
+              </a:prstGeom>
+            </p:spPr>
+          </p:pic>
+        </mc:Fallback>
+      </mc:AlternateContent>
+      <mc:AlternateContent xmlns:mc="http://schemas.openxmlformats.org/markup-compatibility/2006" xmlns:p14="http://schemas.microsoft.com/office/powerpoint/2010/main">
+        <mc:Choice Requires="p14">
+          <p:contentPart p14:bwMode="auto" r:id="rId14">
+            <p14:nvContentPartPr>
+              <p14:cNvPr id="11" name="Ink 10">
+                <a:extLst>
+                  <a:ext uri="{FF2B5EF4-FFF2-40B4-BE49-F238E27FC236}">
+                    <a16:creationId xmlns:a16="http://schemas.microsoft.com/office/drawing/2014/main" id="{9138F49E-CA1C-137B-3662-4AC6667FDEE6}"/>
+                  </a:ext>
+                </a:extLst>
+              </p14:cNvPr>
+              <p14:cNvContentPartPr/>
+              <p14:nvPr/>
+            </p14:nvContentPartPr>
+            <p14:xfrm>
+              <a:off x="5778552" y="6678768"/>
+              <a:ext cx="199080" cy="27000"/>
+            </p14:xfrm>
+          </p:contentPart>
+        </mc:Choice>
+        <mc:Fallback xmlns="">
+          <p:pic>
+            <p:nvPicPr>
+              <p:cNvPr id="11" name="Ink 10">
+                <a:extLst>
+                  <a:ext uri="{FF2B5EF4-FFF2-40B4-BE49-F238E27FC236}">
+                    <a16:creationId xmlns:a16="http://schemas.microsoft.com/office/drawing/2014/main" id="{9138F49E-CA1C-137B-3662-4AC6667FDEE6}"/>
+                  </a:ext>
+                </a:extLst>
+              </p:cNvPr>
+              <p:cNvPicPr/>
+              <p:nvPr/>
+            </p:nvPicPr>
+            <p:blipFill>
+              <a:blip r:embed="rId15"/>
+              <a:stretch>
+                <a:fillRect/>
+              </a:stretch>
+            </p:blipFill>
+            <p:spPr>
+              <a:xfrm>
+                <a:off x="5772432" y="6672648"/>
+                <a:ext cx="211320" cy="39240"/>
+              </a:xfrm>
+              <a:prstGeom prst="rect">
+                <a:avLst/>
+              </a:prstGeom>
+            </p:spPr>
+          </p:pic>
+        </mc:Fallback>
+      </mc:AlternateContent>
+      <mc:AlternateContent xmlns:mc="http://schemas.openxmlformats.org/markup-compatibility/2006" xmlns:p14="http://schemas.microsoft.com/office/powerpoint/2010/main">
+        <mc:Choice Requires="p14">
+          <p:contentPart p14:bwMode="auto" r:id="rId16">
+            <p14:nvContentPartPr>
+              <p14:cNvPr id="12" name="Ink 11">
+                <a:extLst>
+                  <a:ext uri="{FF2B5EF4-FFF2-40B4-BE49-F238E27FC236}">
+                    <a16:creationId xmlns:a16="http://schemas.microsoft.com/office/drawing/2014/main" id="{56987A22-B702-356E-F540-FE45962621C4}"/>
+                  </a:ext>
+                </a:extLst>
+              </p14:cNvPr>
+              <p14:cNvContentPartPr/>
+              <p14:nvPr/>
+            </p14:nvContentPartPr>
+            <p14:xfrm>
+              <a:off x="6583872" y="6488688"/>
+              <a:ext cx="228960" cy="58680"/>
+            </p14:xfrm>
+          </p:contentPart>
+        </mc:Choice>
+        <mc:Fallback xmlns="">
+          <p:pic>
+            <p:nvPicPr>
+              <p:cNvPr id="12" name="Ink 11">
+                <a:extLst>
+                  <a:ext uri="{FF2B5EF4-FFF2-40B4-BE49-F238E27FC236}">
+                    <a16:creationId xmlns:a16="http://schemas.microsoft.com/office/drawing/2014/main" id="{56987A22-B702-356E-F540-FE45962621C4}"/>
+                  </a:ext>
+                </a:extLst>
+              </p:cNvPr>
+              <p:cNvPicPr/>
+              <p:nvPr/>
+            </p:nvPicPr>
+            <p:blipFill>
+              <a:blip r:embed="rId17"/>
+              <a:stretch>
+                <a:fillRect/>
+              </a:stretch>
+            </p:blipFill>
+            <p:spPr>
+              <a:xfrm>
+                <a:off x="6577752" y="6482568"/>
+                <a:ext cx="241200" cy="70920"/>
+              </a:xfrm>
+              <a:prstGeom prst="rect">
+                <a:avLst/>
+              </a:prstGeom>
+            </p:spPr>
+          </p:pic>
+        </mc:Fallback>
+      </mc:AlternateContent>
+      <mc:AlternateContent xmlns:mc="http://schemas.openxmlformats.org/markup-compatibility/2006" xmlns:p14="http://schemas.microsoft.com/office/powerpoint/2010/main">
+        <mc:Choice Requires="p14">
+          <p:contentPart p14:bwMode="auto" r:id="rId18">
+            <p14:nvContentPartPr>
+              <p14:cNvPr id="13" name="Ink 12">
+                <a:extLst>
+                  <a:ext uri="{FF2B5EF4-FFF2-40B4-BE49-F238E27FC236}">
+                    <a16:creationId xmlns:a16="http://schemas.microsoft.com/office/drawing/2014/main" id="{FA6E65DF-871E-731B-C1CA-21791D50B224}"/>
+                  </a:ext>
+                </a:extLst>
+              </p14:cNvPr>
+              <p14:cNvContentPartPr/>
+              <p14:nvPr/>
+            </p14:nvContentPartPr>
+            <p14:xfrm>
+              <a:off x="7375872" y="6158928"/>
+              <a:ext cx="61920" cy="71280"/>
+            </p14:xfrm>
+          </p:contentPart>
+        </mc:Choice>
+        <mc:Fallback xmlns="">
+          <p:pic>
+            <p:nvPicPr>
+              <p:cNvPr id="13" name="Ink 12">
+                <a:extLst>
+                  <a:ext uri="{FF2B5EF4-FFF2-40B4-BE49-F238E27FC236}">
+                    <a16:creationId xmlns:a16="http://schemas.microsoft.com/office/drawing/2014/main" id="{FA6E65DF-871E-731B-C1CA-21791D50B224}"/>
+                  </a:ext>
+                </a:extLst>
+              </p:cNvPr>
+              <p:cNvPicPr/>
+              <p:nvPr/>
+            </p:nvPicPr>
+            <p:blipFill>
+              <a:blip r:embed="rId19"/>
+              <a:stretch>
+                <a:fillRect/>
+              </a:stretch>
+            </p:blipFill>
+            <p:spPr>
+              <a:xfrm>
+                <a:off x="7369752" y="6152808"/>
+                <a:ext cx="74160" cy="83520"/>
+              </a:xfrm>
+              <a:prstGeom prst="rect">
+                <a:avLst/>
+              </a:prstGeom>
+            </p:spPr>
+          </p:pic>
+        </mc:Fallback>
+      </mc:AlternateContent>
+      <mc:AlternateContent xmlns:mc="http://schemas.openxmlformats.org/markup-compatibility/2006" xmlns:p14="http://schemas.microsoft.com/office/powerpoint/2010/main">
+        <mc:Choice Requires="p14">
+          <p:contentPart p14:bwMode="auto" r:id="rId20">
+            <p14:nvContentPartPr>
+              <p14:cNvPr id="14" name="Ink 13">
+                <a:extLst>
+                  <a:ext uri="{FF2B5EF4-FFF2-40B4-BE49-F238E27FC236}">
+                    <a16:creationId xmlns:a16="http://schemas.microsoft.com/office/drawing/2014/main" id="{1652C279-373D-2C74-1E1B-1C278DC999FB}"/>
+                  </a:ext>
+                </a:extLst>
+              </p14:cNvPr>
+              <p14:cNvContentPartPr/>
+              <p14:nvPr/>
+            </p14:nvContentPartPr>
+            <p14:xfrm>
+              <a:off x="7071312" y="6342528"/>
+              <a:ext cx="82440" cy="34560"/>
+            </p14:xfrm>
+          </p:contentPart>
+        </mc:Choice>
+        <mc:Fallback xmlns="">
+          <p:pic>
+            <p:nvPicPr>
+              <p:cNvPr id="14" name="Ink 13">
+                <a:extLst>
+                  <a:ext uri="{FF2B5EF4-FFF2-40B4-BE49-F238E27FC236}">
+                    <a16:creationId xmlns:a16="http://schemas.microsoft.com/office/drawing/2014/main" id="{1652C279-373D-2C74-1E1B-1C278DC999FB}"/>
+                  </a:ext>
+                </a:extLst>
+              </p:cNvPr>
+              <p:cNvPicPr/>
+              <p:nvPr/>
+            </p:nvPicPr>
+            <p:blipFill>
+              <a:blip r:embed="rId21"/>
+              <a:stretch>
+                <a:fillRect/>
+              </a:stretch>
+            </p:blipFill>
+            <p:spPr>
+              <a:xfrm>
+                <a:off x="7065192" y="6336408"/>
+                <a:ext cx="94680" cy="46800"/>
+              </a:xfrm>
+              <a:prstGeom prst="rect">
+                <a:avLst/>
+              </a:prstGeom>
+            </p:spPr>
+          </p:pic>
+        </mc:Fallback>
+      </mc:AlternateContent>
+      <p:grpSp>
+        <p:nvGrpSpPr>
+          <p:cNvPr id="18" name="Group 17">
+            <a:extLst>
+              <a:ext uri="{FF2B5EF4-FFF2-40B4-BE49-F238E27FC236}">
+                <a16:creationId xmlns:a16="http://schemas.microsoft.com/office/drawing/2014/main" id="{52C8A897-B57A-EE81-DBBB-0C1D1E66BCD5}"/>
+              </a:ext>
+            </a:extLst>
+          </p:cNvPr>
+          <p:cNvGrpSpPr/>
+          <p:nvPr/>
+        </p:nvGrpSpPr>
+        <p:grpSpPr>
+          <a:xfrm>
+            <a:off x="7522032" y="5791368"/>
+            <a:ext cx="257040" cy="268560"/>
+            <a:chOff x="7522032" y="5791368"/>
+            <a:chExt cx="257040" cy="268560"/>
+          </a:xfrm>
+        </p:grpSpPr>
+        <mc:AlternateContent xmlns:mc="http://schemas.openxmlformats.org/markup-compatibility/2006" xmlns:p14="http://schemas.microsoft.com/office/powerpoint/2010/main">
+          <mc:Choice Requires="p14">
+            <p:contentPart p14:bwMode="auto" r:id="rId22">
+              <p14:nvContentPartPr>
+                <p14:cNvPr id="15" name="Ink 14">
+                  <a:extLst>
+                    <a:ext uri="{FF2B5EF4-FFF2-40B4-BE49-F238E27FC236}">
+                      <a16:creationId xmlns:a16="http://schemas.microsoft.com/office/drawing/2014/main" id="{C39DD605-38CE-000E-0FF1-FC888D5CEC72}"/>
+                    </a:ext>
+                  </a:extLst>
+                </p14:cNvPr>
+                <p14:cNvContentPartPr/>
+                <p14:nvPr/>
+              </p14:nvContentPartPr>
+              <p14:xfrm>
+                <a:off x="7571352" y="5836728"/>
+                <a:ext cx="157320" cy="223200"/>
+              </p14:xfrm>
+            </p:contentPart>
+          </mc:Choice>
+          <mc:Fallback xmlns="">
+            <p:pic>
+              <p:nvPicPr>
+                <p:cNvPr id="15" name="Ink 14">
+                  <a:extLst>
+                    <a:ext uri="{FF2B5EF4-FFF2-40B4-BE49-F238E27FC236}">
+                      <a16:creationId xmlns:a16="http://schemas.microsoft.com/office/drawing/2014/main" id="{C39DD605-38CE-000E-0FF1-FC888D5CEC72}"/>
+                    </a:ext>
+                  </a:extLst>
+                </p:cNvPr>
+                <p:cNvPicPr/>
+                <p:nvPr/>
+              </p:nvPicPr>
+              <p:blipFill>
+                <a:blip r:embed="rId23"/>
+                <a:stretch>
+                  <a:fillRect/>
+                </a:stretch>
+              </p:blipFill>
+              <p:spPr>
+                <a:xfrm>
+                  <a:off x="7565232" y="5830608"/>
+                  <a:ext cx="169560" cy="235440"/>
+                </a:xfrm>
+                <a:prstGeom prst="rect">
+                  <a:avLst/>
+                </a:prstGeom>
+              </p:spPr>
+            </p:pic>
+          </mc:Fallback>
+        </mc:AlternateContent>
+        <mc:AlternateContent xmlns:mc="http://schemas.openxmlformats.org/markup-compatibility/2006" xmlns:p14="http://schemas.microsoft.com/office/powerpoint/2010/main">
+          <mc:Choice Requires="p14">
+            <p:contentPart p14:bwMode="auto" r:id="rId24">
+              <p14:nvContentPartPr>
+                <p14:cNvPr id="16" name="Ink 15">
+                  <a:extLst>
+                    <a:ext uri="{FF2B5EF4-FFF2-40B4-BE49-F238E27FC236}">
+                      <a16:creationId xmlns:a16="http://schemas.microsoft.com/office/drawing/2014/main" id="{0028271C-9287-3E24-B351-52D9BBE470C5}"/>
+                    </a:ext>
+                  </a:extLst>
+                </p14:cNvPr>
+                <p14:cNvContentPartPr/>
+                <p14:nvPr/>
+              </p14:nvContentPartPr>
+              <p14:xfrm>
+                <a:off x="7522032" y="5791368"/>
+                <a:ext cx="219960" cy="97920"/>
+              </p14:xfrm>
+            </p:contentPart>
+          </mc:Choice>
+          <mc:Fallback xmlns="">
+            <p:pic>
+              <p:nvPicPr>
+                <p:cNvPr id="16" name="Ink 15">
+                  <a:extLst>
+                    <a:ext uri="{FF2B5EF4-FFF2-40B4-BE49-F238E27FC236}">
+                      <a16:creationId xmlns:a16="http://schemas.microsoft.com/office/drawing/2014/main" id="{0028271C-9287-3E24-B351-52D9BBE470C5}"/>
+                    </a:ext>
+                  </a:extLst>
+                </p:cNvPr>
+                <p:cNvPicPr/>
+                <p:nvPr/>
+              </p:nvPicPr>
+              <p:blipFill>
+                <a:blip r:embed="rId25"/>
+                <a:stretch>
+                  <a:fillRect/>
+                </a:stretch>
+              </p:blipFill>
+              <p:spPr>
+                <a:xfrm>
+                  <a:off x="7515912" y="5785248"/>
+                  <a:ext cx="232200" cy="110160"/>
+                </a:xfrm>
+                <a:prstGeom prst="rect">
+                  <a:avLst/>
+                </a:prstGeom>
+              </p:spPr>
+            </p:pic>
+          </mc:Fallback>
+        </mc:AlternateContent>
+        <mc:AlternateContent xmlns:mc="http://schemas.openxmlformats.org/markup-compatibility/2006" xmlns:p14="http://schemas.microsoft.com/office/powerpoint/2010/main">
+          <mc:Choice Requires="p14">
+            <p:contentPart p14:bwMode="auto" r:id="rId26">
+              <p14:nvContentPartPr>
+                <p14:cNvPr id="17" name="Ink 16">
+                  <a:extLst>
+                    <a:ext uri="{FF2B5EF4-FFF2-40B4-BE49-F238E27FC236}">
+                      <a16:creationId xmlns:a16="http://schemas.microsoft.com/office/drawing/2014/main" id="{85EC7925-7C8C-1960-0A20-631351494ABC}"/>
+                    </a:ext>
+                  </a:extLst>
+                </p14:cNvPr>
+                <p14:cNvContentPartPr/>
+                <p14:nvPr/>
+              </p14:nvContentPartPr>
+              <p14:xfrm>
+                <a:off x="7766112" y="5815488"/>
+                <a:ext cx="12960" cy="145440"/>
+              </p14:xfrm>
+            </p:contentPart>
+          </mc:Choice>
+          <mc:Fallback xmlns="">
+            <p:pic>
+              <p:nvPicPr>
+                <p:cNvPr id="17" name="Ink 16">
+                  <a:extLst>
+                    <a:ext uri="{FF2B5EF4-FFF2-40B4-BE49-F238E27FC236}">
+                      <a16:creationId xmlns:a16="http://schemas.microsoft.com/office/drawing/2014/main" id="{85EC7925-7C8C-1960-0A20-631351494ABC}"/>
+                    </a:ext>
+                  </a:extLst>
+                </p:cNvPr>
+                <p:cNvPicPr/>
+                <p:nvPr/>
+              </p:nvPicPr>
+              <p:blipFill>
+                <a:blip r:embed="rId27"/>
+                <a:stretch>
+                  <a:fillRect/>
+                </a:stretch>
+              </p:blipFill>
+              <p:spPr>
+                <a:xfrm>
+                  <a:off x="7759992" y="5809368"/>
+                  <a:ext cx="25200" cy="157680"/>
+                </a:xfrm>
+                <a:prstGeom prst="rect">
+                  <a:avLst/>
+                </a:prstGeom>
+              </p:spPr>
+            </p:pic>
+          </mc:Fallback>
+        </mc:AlternateContent>
+      </p:grpSp>
+      <mc:AlternateContent xmlns:mc="http://schemas.openxmlformats.org/markup-compatibility/2006" xmlns:p14="http://schemas.microsoft.com/office/powerpoint/2010/main">
+        <mc:Choice Requires="p14">
+          <p:contentPart p14:bwMode="auto" r:id="rId28">
+            <p14:nvContentPartPr>
+              <p14:cNvPr id="19" name="Ink 18">
+                <a:extLst>
+                  <a:ext uri="{FF2B5EF4-FFF2-40B4-BE49-F238E27FC236}">
+                    <a16:creationId xmlns:a16="http://schemas.microsoft.com/office/drawing/2014/main" id="{99BF301A-8F6F-F59F-A677-73E14F91EDE3}"/>
+                  </a:ext>
+                </a:extLst>
+              </p14:cNvPr>
+              <p14:cNvContentPartPr/>
+              <p14:nvPr/>
+            </p14:nvContentPartPr>
+            <p14:xfrm>
+              <a:off x="4900872" y="5559528"/>
+              <a:ext cx="360" cy="360"/>
+            </p14:xfrm>
+          </p:contentPart>
+        </mc:Choice>
+        <mc:Fallback xmlns="">
+          <p:pic>
+            <p:nvPicPr>
+              <p:cNvPr id="19" name="Ink 18">
+                <a:extLst>
+                  <a:ext uri="{FF2B5EF4-FFF2-40B4-BE49-F238E27FC236}">
+                    <a16:creationId xmlns:a16="http://schemas.microsoft.com/office/drawing/2014/main" id="{99BF301A-8F6F-F59F-A677-73E14F91EDE3}"/>
+                  </a:ext>
+                </a:extLst>
+              </p:cNvPr>
+              <p:cNvPicPr/>
+              <p:nvPr/>
+            </p:nvPicPr>
+            <p:blipFill>
+              <a:blip r:embed="rId29"/>
+              <a:stretch>
+                <a:fillRect/>
+              </a:stretch>
+            </p:blipFill>
+            <p:spPr>
+              <a:xfrm>
+                <a:off x="4894752" y="5553408"/>
+                <a:ext cx="12600" cy="12600"/>
+              </a:xfrm>
+              <a:prstGeom prst="rect">
+                <a:avLst/>
+              </a:prstGeom>
+            </p:spPr>
+          </p:pic>
+        </mc:Fallback>
+      </mc:AlternateContent>
+      <mc:AlternateContent xmlns:mc="http://schemas.openxmlformats.org/markup-compatibility/2006" xmlns:p14="http://schemas.microsoft.com/office/powerpoint/2010/main">
+        <mc:Choice Requires="p14">
+          <p:contentPart p14:bwMode="auto" r:id="rId30">
+            <p14:nvContentPartPr>
+              <p14:cNvPr id="20" name="Ink 19">
+                <a:extLst>
+                  <a:ext uri="{FF2B5EF4-FFF2-40B4-BE49-F238E27FC236}">
+                    <a16:creationId xmlns:a16="http://schemas.microsoft.com/office/drawing/2014/main" id="{11C71C60-AADE-35A9-69F6-F615B915049B}"/>
+                  </a:ext>
+                </a:extLst>
+              </p14:cNvPr>
+              <p14:cNvContentPartPr/>
+              <p14:nvPr/>
+            </p14:nvContentPartPr>
+            <p14:xfrm>
+              <a:off x="4913472" y="5571408"/>
+              <a:ext cx="1605240" cy="13680"/>
+            </p14:xfrm>
+          </p:contentPart>
+        </mc:Choice>
+        <mc:Fallback xmlns="">
+          <p:pic>
+            <p:nvPicPr>
+              <p:cNvPr id="20" name="Ink 19">
+                <a:extLst>
+                  <a:ext uri="{FF2B5EF4-FFF2-40B4-BE49-F238E27FC236}">
+                    <a16:creationId xmlns:a16="http://schemas.microsoft.com/office/drawing/2014/main" id="{11C71C60-AADE-35A9-69F6-F615B915049B}"/>
+                  </a:ext>
+                </a:extLst>
+              </p:cNvPr>
+              <p:cNvPicPr/>
+              <p:nvPr/>
+            </p:nvPicPr>
+            <p:blipFill>
+              <a:blip r:embed="rId31"/>
+              <a:stretch>
+                <a:fillRect/>
+              </a:stretch>
+            </p:blipFill>
+            <p:spPr>
+              <a:xfrm>
+                <a:off x="4907352" y="5565288"/>
+                <a:ext cx="1617480" cy="25920"/>
+              </a:xfrm>
+              <a:prstGeom prst="rect">
+                <a:avLst/>
+              </a:prstGeom>
+            </p:spPr>
+          </p:pic>
+        </mc:Fallback>
+      </mc:AlternateContent>
+      <p:sp>
+        <p:nvSpPr>
+          <p:cNvPr id="22" name="TextBox 21">
+            <a:extLst>
+              <a:ext uri="{FF2B5EF4-FFF2-40B4-BE49-F238E27FC236}">
+                <a16:creationId xmlns:a16="http://schemas.microsoft.com/office/drawing/2014/main" id="{3552FF96-B71F-44DD-9AE8-0BEDF09FE6F3}"/>
+              </a:ext>
+            </a:extLst>
+          </p:cNvPr>
           <p:cNvSpPr txBox="1"/>
           <p:nvPr/>
         </p:nvSpPr>
         <p:spPr>
           <a:xfrm>
-            <a:off x="3810000" y="6019800"/>
-            <a:ext cx="4267200" cy="369332"/>
+            <a:off x="4863432" y="5887308"/>
+            <a:ext cx="1911960" cy="369332"/>
           </a:xfrm>
           <a:prstGeom prst="rect">
             <a:avLst/>
           </a:prstGeom>
           <a:noFill/>
-          <a:ln>
-            <a:solidFill>
-              <a:srgbClr val="FF0000"/>
-            </a:solidFill>
-          </a:ln>
         </p:spPr>
         <p:txBody>
           <a:bodyPr wrap="square" rtlCol="0">
@@ -7663,16 +8701,12 @@
           <a:lstStyle/>
           <a:p>
             <a:r>
+              <a:rPr lang="en-US" dirty="0" err="1"/>
+              <a:t>getBundles</a:t>
+            </a:r>
+            <a:r>
               <a:rPr lang="en-US" dirty="0"/>
-              <a:t>Calculation happening in </a:t>
-            </a:r>
-            <a:r>
-              <a:rPr lang="en-US" dirty="0" err="1"/>
-              <a:t>TeamGradebook</a:t>
-            </a:r>
-            <a:r>
-              <a:rPr lang="en-US" dirty="0"/>
-              <a:t>!</a:t>
+              <a:t>()</a:t>
             </a:r>
           </a:p>
         </p:txBody>
@@ -7680,7 +8714,7 @@
     </p:spTree>
     <p:extLst>
       <p:ext uri="{BB962C8B-B14F-4D97-AF65-F5344CB8AC3E}">
-        <p14:creationId xmlns:p14="http://schemas.microsoft.com/office/powerpoint/2010/main" val="4277210476"/>
+        <p14:creationId xmlns:p14="http://schemas.microsoft.com/office/powerpoint/2010/main" val="4225876227"/>
       </p:ext>
     </p:extLst>
   </p:cSld>
@@ -7723,304 +8757,27 @@
           <a:lstStyle/>
           <a:p>
             <a:r>
-              <a:rPr lang="en-US" dirty="0" err="1">
-                <a:latin typeface="Consolas" panose="020B0609020204030204" pitchFamily="49" charset="0"/>
-              </a:rPr>
-              <a:t>getAverage</a:t>
-            </a:r>
-            <a:r>
-              <a:rPr lang="en-US" dirty="0">
-                <a:latin typeface="Consolas" panose="020B0609020204030204" pitchFamily="49" charset="0"/>
-              </a:rPr>
-              <a:t>()</a:t>
-            </a:r>
-          </a:p>
-        </p:txBody>
-      </p:sp>
-      <p:sp>
-        <p:nvSpPr>
-          <p:cNvPr id="3" name="Content Placeholder 2"/>
-          <p:cNvSpPr>
-            <a:spLocks noGrp="1"/>
-          </p:cNvSpPr>
-          <p:nvPr>
-            <p:ph idx="1"/>
-          </p:nvPr>
+              <a:rPr lang="en-US" dirty="0"/>
+              <a:t>Diagrams look similar!</a:t>
+            </a:r>
+          </a:p>
+        </p:txBody>
+      </p:sp>
+      <p:sp>
+        <p:nvSpPr>
+          <p:cNvPr id="3" name="TextBox 2"/>
+          <p:cNvSpPr txBox="1"/>
+          <p:nvPr/>
         </p:nvSpPr>
         <p:spPr>
           <a:xfrm>
-            <a:off x="457200" y="1600201"/>
-            <a:ext cx="8382000" cy="4114800"/>
-          </a:xfrm>
-        </p:spPr>
-        <p:txBody>
-          <a:bodyPr>
-            <a:normAutofit/>
-          </a:bodyPr>
-          <a:lstStyle/>
-          <a:p>
-            <a:pPr marL="0" indent="0">
-              <a:buNone/>
-            </a:pPr>
-            <a:r>
-              <a:rPr lang="en-US" sz="1800" dirty="0">
-                <a:latin typeface="Consolas" panose="020B0609020204030204" pitchFamily="49" charset="0"/>
-              </a:rPr>
-              <a:t>public class </a:t>
-            </a:r>
-            <a:r>
-              <a:rPr lang="en-US" sz="1800" dirty="0" err="1">
-                <a:latin typeface="Consolas" panose="020B0609020204030204" pitchFamily="49" charset="0"/>
-              </a:rPr>
-              <a:t>TeamGradebook</a:t>
-            </a:r>
-            <a:r>
-              <a:rPr lang="en-US" sz="1800" dirty="0">
-                <a:latin typeface="Consolas" panose="020B0609020204030204" pitchFamily="49" charset="0"/>
-              </a:rPr>
-              <a:t> {</a:t>
-            </a:r>
-          </a:p>
-          <a:p>
-            <a:pPr marL="0" indent="0">
-              <a:buNone/>
-            </a:pPr>
-            <a:r>
-              <a:rPr lang="en-US" sz="1800" dirty="0">
-                <a:latin typeface="Consolas" panose="020B0609020204030204" pitchFamily="49" charset="0"/>
-              </a:rPr>
-              <a:t>…</a:t>
-            </a:r>
-          </a:p>
-          <a:p>
-            <a:pPr marL="0" indent="0">
-              <a:buNone/>
-            </a:pPr>
-            <a:r>
-              <a:rPr lang="en-US" sz="1800" dirty="0">
-                <a:latin typeface="Consolas" panose="020B0609020204030204" pitchFamily="49" charset="0"/>
-              </a:rPr>
-              <a:t>private String </a:t>
-            </a:r>
-            <a:r>
-              <a:rPr lang="en-US" sz="1800" dirty="0" err="1">
-                <a:latin typeface="Consolas" panose="020B0609020204030204" pitchFamily="49" charset="0"/>
-              </a:rPr>
-              <a:t>handleGetAverage</a:t>
-            </a:r>
-            <a:r>
-              <a:rPr lang="en-US" sz="1800" dirty="0">
-                <a:latin typeface="Consolas" panose="020B0609020204030204" pitchFamily="49" charset="0"/>
-              </a:rPr>
-              <a:t>(String </a:t>
-            </a:r>
-            <a:r>
-              <a:rPr lang="en-US" sz="1800" dirty="0" err="1">
-                <a:latin typeface="Consolas" panose="020B0609020204030204" pitchFamily="49" charset="0"/>
-              </a:rPr>
-              <a:t>studentName</a:t>
-            </a:r>
-            <a:r>
-              <a:rPr lang="en-US" sz="1800" dirty="0">
-                <a:latin typeface="Consolas" panose="020B0609020204030204" pitchFamily="49" charset="0"/>
-              </a:rPr>
-              <a:t>) {</a:t>
-            </a:r>
-          </a:p>
-          <a:p>
-            <a:pPr marL="0" indent="0">
-              <a:buNone/>
-            </a:pPr>
-            <a:r>
-              <a:rPr lang="en-US" sz="1800" dirty="0">
-                <a:latin typeface="Consolas" panose="020B0609020204030204" pitchFamily="49" charset="0"/>
-              </a:rPr>
-              <a:t>	Student </a:t>
-            </a:r>
-            <a:r>
-              <a:rPr lang="en-US" sz="1800" dirty="0" err="1">
-                <a:latin typeface="Consolas" panose="020B0609020204030204" pitchFamily="49" charset="0"/>
-              </a:rPr>
-              <a:t>student</a:t>
-            </a:r>
-            <a:r>
-              <a:rPr lang="en-US" sz="1800" dirty="0">
-                <a:latin typeface="Consolas" panose="020B0609020204030204" pitchFamily="49" charset="0"/>
-              </a:rPr>
-              <a:t> = </a:t>
-            </a:r>
-            <a:r>
-              <a:rPr lang="en-US" sz="1800" dirty="0" err="1">
-                <a:latin typeface="Consolas" panose="020B0609020204030204" pitchFamily="49" charset="0"/>
-              </a:rPr>
-              <a:t>getStudentByName</a:t>
-            </a:r>
-            <a:r>
-              <a:rPr lang="en-US" sz="1800" dirty="0">
-                <a:latin typeface="Consolas" panose="020B0609020204030204" pitchFamily="49" charset="0"/>
-              </a:rPr>
-              <a:t>(</a:t>
-            </a:r>
-            <a:r>
-              <a:rPr lang="en-US" sz="1800" dirty="0" err="1">
-                <a:latin typeface="Consolas" panose="020B0609020204030204" pitchFamily="49" charset="0"/>
-              </a:rPr>
-              <a:t>studentName</a:t>
-            </a:r>
-            <a:r>
-              <a:rPr lang="en-US" sz="1800" dirty="0">
-                <a:latin typeface="Consolas" panose="020B0609020204030204" pitchFamily="49" charset="0"/>
-              </a:rPr>
-              <a:t>);</a:t>
-            </a:r>
-          </a:p>
-          <a:p>
-            <a:pPr marL="0" indent="0">
-              <a:buNone/>
-            </a:pPr>
-            <a:r>
-              <a:rPr lang="en-US" sz="1800" dirty="0">
-                <a:latin typeface="Consolas" panose="020B0609020204030204" pitchFamily="49" charset="0"/>
-              </a:rPr>
-              <a:t>	if (student == null) {</a:t>
-            </a:r>
-          </a:p>
-          <a:p>
-            <a:pPr marL="0" indent="0">
-              <a:buNone/>
-            </a:pPr>
-            <a:r>
-              <a:rPr lang="en-US" sz="1800" dirty="0">
-                <a:latin typeface="Consolas" panose="020B0609020204030204" pitchFamily="49" charset="0"/>
-              </a:rPr>
-              <a:t>		return "student " + student + " not found";</a:t>
-            </a:r>
-          </a:p>
-          <a:p>
-            <a:pPr marL="0" indent="0">
-              <a:buNone/>
-            </a:pPr>
-            <a:r>
-              <a:rPr lang="en-US" sz="1800" dirty="0">
-                <a:latin typeface="Consolas" panose="020B0609020204030204" pitchFamily="49" charset="0"/>
-              </a:rPr>
-              <a:t>	} // end if</a:t>
-            </a:r>
-          </a:p>
-          <a:p>
-            <a:pPr marL="0" indent="0">
-              <a:buNone/>
-            </a:pPr>
-            <a:r>
-              <a:rPr lang="en-US" sz="1800" dirty="0">
-                <a:latin typeface="Consolas" panose="020B0609020204030204" pitchFamily="49" charset="0"/>
-              </a:rPr>
-              <a:t>	return </a:t>
-            </a:r>
-            <a:r>
-              <a:rPr lang="en-US" sz="1800" dirty="0" err="1">
-                <a:latin typeface="Consolas" panose="020B0609020204030204" pitchFamily="49" charset="0"/>
-              </a:rPr>
-              <a:t>Long.toString</a:t>
-            </a:r>
-            <a:r>
-              <a:rPr lang="en-US" sz="1800" dirty="0">
-                <a:latin typeface="Consolas" panose="020B0609020204030204" pitchFamily="49" charset="0"/>
-              </a:rPr>
-              <a:t>(</a:t>
-            </a:r>
-            <a:r>
-              <a:rPr lang="en-US" sz="1800" dirty="0" err="1">
-                <a:latin typeface="Consolas" panose="020B0609020204030204" pitchFamily="49" charset="0"/>
-              </a:rPr>
-              <a:t>Math.round</a:t>
-            </a:r>
-            <a:r>
-              <a:rPr lang="en-US" sz="1800" dirty="0">
-                <a:latin typeface="Consolas" panose="020B0609020204030204" pitchFamily="49" charset="0"/>
-              </a:rPr>
-              <a:t>(</a:t>
-            </a:r>
-            <a:r>
-              <a:rPr lang="en-US" sz="1800" dirty="0" err="1">
-                <a:solidFill>
-                  <a:srgbClr val="FF0000"/>
-                </a:solidFill>
-                <a:latin typeface="Consolas" panose="020B0609020204030204" pitchFamily="49" charset="0"/>
-              </a:rPr>
-              <a:t>student.getAverage</a:t>
-            </a:r>
-            <a:r>
-              <a:rPr lang="en-US" sz="1800" dirty="0">
-                <a:solidFill>
-                  <a:srgbClr val="FF0000"/>
-                </a:solidFill>
-                <a:latin typeface="Consolas" panose="020B0609020204030204" pitchFamily="49" charset="0"/>
-              </a:rPr>
-              <a:t>()</a:t>
-            </a:r>
-            <a:r>
-              <a:rPr lang="en-US" sz="1800" dirty="0">
-                <a:latin typeface="Consolas" panose="020B0609020204030204" pitchFamily="49" charset="0"/>
-              </a:rPr>
-              <a:t>));</a:t>
-            </a:r>
-          </a:p>
-          <a:p>
-            <a:pPr marL="0" indent="0">
-              <a:buNone/>
-            </a:pPr>
-            <a:r>
-              <a:rPr lang="en-US" sz="1800" dirty="0">
-                <a:latin typeface="Consolas" panose="020B0609020204030204" pitchFamily="49" charset="0"/>
-              </a:rPr>
-              <a:t>}</a:t>
-            </a:r>
-          </a:p>
-          <a:p>
-            <a:pPr marL="0" indent="0">
-              <a:buNone/>
-            </a:pPr>
-            <a:r>
-              <a:rPr lang="en-US" sz="1800" dirty="0">
-                <a:latin typeface="Consolas" panose="020B0609020204030204" pitchFamily="49" charset="0"/>
-              </a:rPr>
-              <a:t>…</a:t>
-            </a:r>
-          </a:p>
-          <a:p>
-            <a:pPr marL="0" indent="0">
-              <a:buNone/>
-            </a:pPr>
-            <a:r>
-              <a:rPr lang="en-US" sz="1800" dirty="0">
-                <a:latin typeface="Consolas" panose="020B0609020204030204" pitchFamily="49" charset="0"/>
-              </a:rPr>
-              <a:t>}</a:t>
-            </a:r>
-          </a:p>
-        </p:txBody>
-      </p:sp>
-      <p:sp>
-        <p:nvSpPr>
-          <p:cNvPr id="5" name="TextBox 4"/>
-          <p:cNvSpPr txBox="1"/>
-          <p:nvPr/>
-        </p:nvSpPr>
-        <p:spPr>
-          <a:xfrm>
-            <a:off x="3810000" y="6019800"/>
-            <a:ext cx="4267200" cy="369332"/>
+            <a:off x="990600" y="1828800"/>
+            <a:ext cx="7239000" cy="2554545"/>
           </a:xfrm>
           <a:prstGeom prst="rect">
             <a:avLst/>
           </a:prstGeom>
           <a:noFill/>
-          <a:ln>
-            <a:solidFill>
-              <a:srgbClr val="FF0000"/>
-            </a:solidFill>
-          </a:ln>
         </p:spPr>
         <p:txBody>
           <a:bodyPr wrap="square" rtlCol="0">
@@ -8029,8 +8786,8 @@
           <a:lstStyle/>
           <a:p>
             <a:r>
-              <a:rPr lang="en-US" dirty="0"/>
-              <a:t>Calculation happening in Student Class!</a:t>
+              <a:rPr lang="en-US" sz="4000" dirty="0"/>
+              <a:t>How would the actual code compare when performing the stated task “calculate a game’s total revenue”?</a:t>
             </a:r>
           </a:p>
         </p:txBody>
@@ -8038,7 +8795,7 @@
     </p:spTree>
     <p:extLst>
       <p:ext uri="{BB962C8B-B14F-4D97-AF65-F5344CB8AC3E}">
-        <p14:creationId xmlns:p14="http://schemas.microsoft.com/office/powerpoint/2010/main" val="2698250179"/>
+        <p14:creationId xmlns:p14="http://schemas.microsoft.com/office/powerpoint/2010/main" val="1796087521"/>
       </p:ext>
     </p:extLst>
   </p:cSld>
@@ -8075,14 +8832,27 @@
             <p:ph type="title"/>
           </p:nvPr>
         </p:nvSpPr>
-        <p:spPr/>
+        <p:spPr>
+          <a:xfrm>
+            <a:off x="457200" y="0"/>
+            <a:ext cx="8229600" cy="1143000"/>
+          </a:xfrm>
+        </p:spPr>
         <p:txBody>
           <a:bodyPr/>
           <a:lstStyle/>
           <a:p>
             <a:r>
-              <a:rPr lang="en-US" dirty="0"/>
-              <a:t>Why does this improve the design?</a:t>
+              <a:rPr lang="en-US" dirty="0" err="1">
+                <a:latin typeface="Consolas" panose="020B0609020204030204" pitchFamily="49" charset="0"/>
+              </a:rPr>
+              <a:t>getBundles</a:t>
+            </a:r>
+            <a:r>
+              <a:rPr lang="en-US" dirty="0">
+                <a:latin typeface="Consolas" panose="020B0609020204030204" pitchFamily="49" charset="0"/>
+              </a:rPr>
+              <a:t>()</a:t>
             </a:r>
           </a:p>
         </p:txBody>
@@ -8097,15 +8867,1088 @@
             <p:ph idx="1"/>
           </p:nvPr>
         </p:nvSpPr>
-        <p:spPr/>
-        <p:txBody>
-          <a:bodyPr/>
+        <p:spPr>
+          <a:xfrm>
+            <a:off x="457200" y="914400"/>
+            <a:ext cx="8382000" cy="4114800"/>
+          </a:xfrm>
+        </p:spPr>
+        <p:txBody>
+          <a:bodyPr>
+            <a:noAutofit/>
+          </a:bodyPr>
           <a:lstStyle/>
           <a:p>
             <a:pPr marL="0" indent="0">
               <a:buNone/>
             </a:pPr>
             <a:r>
+              <a:rPr lang="en-US" sz="1800" dirty="0">
+                <a:latin typeface="Consolas" panose="020B0609020204030204" pitchFamily="49" charset="0"/>
+              </a:rPr>
+              <a:t>public class </a:t>
+            </a:r>
+            <a:r>
+              <a:rPr lang="en-US" sz="1800" dirty="0" err="1">
+                <a:latin typeface="Consolas" panose="020B0609020204030204" pitchFamily="49" charset="0"/>
+              </a:rPr>
+              <a:t>SalesManager</a:t>
+            </a:r>
+            <a:r>
+              <a:rPr lang="en-US" sz="1800" dirty="0">
+                <a:latin typeface="Consolas" panose="020B0609020204030204" pitchFamily="49" charset="0"/>
+              </a:rPr>
+              <a:t> {</a:t>
+            </a:r>
+          </a:p>
+          <a:p>
+            <a:pPr marL="0" indent="0">
+              <a:buNone/>
+            </a:pPr>
+            <a:r>
+              <a:rPr lang="en-US" sz="1800" dirty="0">
+                <a:latin typeface="Consolas" panose="020B0609020204030204" pitchFamily="49" charset="0"/>
+              </a:rPr>
+              <a:t>…</a:t>
+            </a:r>
+          </a:p>
+          <a:p>
+            <a:pPr marL="0" indent="0">
+              <a:buNone/>
+            </a:pPr>
+            <a:r>
+              <a:rPr lang="en-US" sz="1800" dirty="0">
+                <a:latin typeface="Consolas" panose="020B0609020204030204" pitchFamily="49" charset="0"/>
+              </a:rPr>
+              <a:t>private String </a:t>
+            </a:r>
+            <a:r>
+              <a:rPr lang="en-US" sz="1800" dirty="0" err="1">
+                <a:latin typeface="Consolas" panose="020B0609020204030204" pitchFamily="49" charset="0"/>
+              </a:rPr>
+              <a:t>handleGetHighestRevenueGame</a:t>
+            </a:r>
+            <a:r>
+              <a:rPr lang="en-US" sz="1800" dirty="0">
+                <a:latin typeface="Consolas" panose="020B0609020204030204" pitchFamily="49" charset="0"/>
+              </a:rPr>
+              <a:t>() {</a:t>
+            </a:r>
+          </a:p>
+          <a:p>
+            <a:pPr marL="0" indent="0">
+              <a:buNone/>
+            </a:pPr>
+            <a:r>
+              <a:rPr lang="en-US" sz="1800" dirty="0">
+                <a:latin typeface="Consolas" panose="020B0609020204030204" pitchFamily="49" charset="0"/>
+              </a:rPr>
+              <a:t>	double </a:t>
+            </a:r>
+            <a:r>
+              <a:rPr lang="en-US" sz="1800" dirty="0" err="1">
+                <a:latin typeface="Consolas" panose="020B0609020204030204" pitchFamily="49" charset="0"/>
+              </a:rPr>
+              <a:t>maxRevenue</a:t>
+            </a:r>
+            <a:r>
+              <a:rPr lang="en-US" sz="1800" dirty="0">
+                <a:latin typeface="Consolas" panose="020B0609020204030204" pitchFamily="49" charset="0"/>
+              </a:rPr>
+              <a:t> = </a:t>
+            </a:r>
+            <a:r>
+              <a:rPr lang="en-US" sz="1800" dirty="0" err="1">
+                <a:latin typeface="Consolas" panose="020B0609020204030204" pitchFamily="49" charset="0"/>
+              </a:rPr>
+              <a:t>Double.MIN_VALUE</a:t>
+            </a:r>
+            <a:r>
+              <a:rPr lang="en-US" sz="1800" dirty="0">
+                <a:latin typeface="Consolas" panose="020B0609020204030204" pitchFamily="49" charset="0"/>
+              </a:rPr>
+              <a:t>;</a:t>
+            </a:r>
+          </a:p>
+          <a:p>
+            <a:pPr marL="0" indent="0">
+              <a:buNone/>
+            </a:pPr>
+            <a:r>
+              <a:rPr lang="en-US" sz="1800" dirty="0">
+                <a:latin typeface="Consolas" panose="020B0609020204030204" pitchFamily="49" charset="0"/>
+              </a:rPr>
+              <a:t>	String </a:t>
+            </a:r>
+            <a:r>
+              <a:rPr lang="en-US" sz="1800" dirty="0" err="1">
+                <a:latin typeface="Consolas" panose="020B0609020204030204" pitchFamily="49" charset="0"/>
+              </a:rPr>
+              <a:t>maxRevenueGameTitle</a:t>
+            </a:r>
+            <a:r>
+              <a:rPr lang="en-US" sz="1800" dirty="0">
+                <a:latin typeface="Consolas" panose="020B0609020204030204" pitchFamily="49" charset="0"/>
+              </a:rPr>
+              <a:t> = "";</a:t>
+            </a:r>
+          </a:p>
+          <a:p>
+            <a:pPr marL="0" indent="0">
+              <a:buNone/>
+            </a:pPr>
+            <a:r>
+              <a:rPr lang="en-US" sz="1800" dirty="0">
+                <a:latin typeface="Consolas" panose="020B0609020204030204" pitchFamily="49" charset="0"/>
+              </a:rPr>
+              <a:t>	for (Game </a:t>
+            </a:r>
+            <a:r>
+              <a:rPr lang="en-US" sz="1800" dirty="0" err="1">
+                <a:latin typeface="Consolas" panose="020B0609020204030204" pitchFamily="49" charset="0"/>
+              </a:rPr>
+              <a:t>game</a:t>
+            </a:r>
+            <a:r>
+              <a:rPr lang="en-US" sz="1800" dirty="0">
+                <a:latin typeface="Consolas" panose="020B0609020204030204" pitchFamily="49" charset="0"/>
+              </a:rPr>
+              <a:t> : </a:t>
+            </a:r>
+            <a:r>
+              <a:rPr lang="en-US" sz="1800" dirty="0" err="1">
+                <a:latin typeface="Consolas" panose="020B0609020204030204" pitchFamily="49" charset="0"/>
+              </a:rPr>
+              <a:t>this.games</a:t>
+            </a:r>
+            <a:r>
+              <a:rPr lang="en-US" sz="1800" dirty="0">
+                <a:latin typeface="Consolas" panose="020B0609020204030204" pitchFamily="49" charset="0"/>
+              </a:rPr>
+              <a:t>) {</a:t>
+            </a:r>
+          </a:p>
+          <a:p>
+            <a:pPr marL="0" indent="0">
+              <a:buNone/>
+            </a:pPr>
+            <a:r>
+              <a:rPr lang="en-US" sz="1800" dirty="0">
+                <a:latin typeface="Consolas" panose="020B0609020204030204" pitchFamily="49" charset="0"/>
+              </a:rPr>
+              <a:t> 	    </a:t>
+            </a:r>
+            <a:r>
+              <a:rPr lang="en-US" sz="1800" dirty="0">
+                <a:solidFill>
+                  <a:srgbClr val="FF0000"/>
+                </a:solidFill>
+                <a:latin typeface="Consolas" panose="020B0609020204030204" pitchFamily="49" charset="0"/>
+              </a:rPr>
+              <a:t>double </a:t>
+            </a:r>
+            <a:r>
+              <a:rPr lang="en-US" sz="1800" dirty="0" err="1">
+                <a:solidFill>
+                  <a:srgbClr val="FF0000"/>
+                </a:solidFill>
+                <a:latin typeface="Consolas" panose="020B0609020204030204" pitchFamily="49" charset="0"/>
+              </a:rPr>
+              <a:t>revenueIndividualSales</a:t>
+            </a:r>
+            <a:r>
+              <a:rPr lang="en-US" sz="1800" dirty="0">
+                <a:solidFill>
+                  <a:srgbClr val="FF0000"/>
+                </a:solidFill>
+                <a:latin typeface="Consolas" panose="020B0609020204030204" pitchFamily="49" charset="0"/>
+              </a:rPr>
+              <a:t> = </a:t>
+            </a:r>
+            <a:br>
+              <a:rPr lang="en-US" sz="1800" dirty="0">
+                <a:solidFill>
+                  <a:srgbClr val="FF0000"/>
+                </a:solidFill>
+                <a:latin typeface="Consolas" panose="020B0609020204030204" pitchFamily="49" charset="0"/>
+              </a:rPr>
+            </a:br>
+            <a:r>
+              <a:rPr lang="en-US" sz="1800" dirty="0">
+                <a:solidFill>
+                  <a:srgbClr val="FF0000"/>
+                </a:solidFill>
+                <a:latin typeface="Consolas" panose="020B0609020204030204" pitchFamily="49" charset="0"/>
+              </a:rPr>
+              <a:t>			</a:t>
+            </a:r>
+            <a:r>
+              <a:rPr lang="en-US" sz="1800" dirty="0" err="1">
+                <a:solidFill>
+                  <a:srgbClr val="FF0000"/>
+                </a:solidFill>
+                <a:latin typeface="Consolas" panose="020B0609020204030204" pitchFamily="49" charset="0"/>
+              </a:rPr>
+              <a:t>game.getPrice</a:t>
+            </a:r>
+            <a:r>
+              <a:rPr lang="en-US" sz="1800" dirty="0">
+                <a:solidFill>
+                  <a:srgbClr val="FF0000"/>
+                </a:solidFill>
+                <a:latin typeface="Consolas" panose="020B0609020204030204" pitchFamily="49" charset="0"/>
+              </a:rPr>
+              <a:t>() * </a:t>
+            </a:r>
+            <a:r>
+              <a:rPr lang="en-US" sz="1800" dirty="0" err="1">
+                <a:solidFill>
+                  <a:srgbClr val="FF0000"/>
+                </a:solidFill>
+                <a:latin typeface="Consolas" panose="020B0609020204030204" pitchFamily="49" charset="0"/>
+              </a:rPr>
+              <a:t>game.getNumCopiesSold</a:t>
+            </a:r>
+            <a:r>
+              <a:rPr lang="en-US" sz="1800" dirty="0">
+                <a:solidFill>
+                  <a:srgbClr val="FF0000"/>
+                </a:solidFill>
+                <a:latin typeface="Consolas" panose="020B0609020204030204" pitchFamily="49" charset="0"/>
+              </a:rPr>
+              <a:t>();</a:t>
+            </a:r>
+          </a:p>
+          <a:p>
+            <a:pPr marL="0" indent="0">
+              <a:buNone/>
+            </a:pPr>
+            <a:r>
+              <a:rPr lang="en-US" sz="1800" dirty="0">
+                <a:latin typeface="Consolas" panose="020B0609020204030204" pitchFamily="49" charset="0"/>
+              </a:rPr>
+              <a:t>	    </a:t>
+            </a:r>
+            <a:r>
+              <a:rPr lang="en-US" sz="1800" dirty="0">
+                <a:solidFill>
+                  <a:srgbClr val="FF0000"/>
+                </a:solidFill>
+                <a:latin typeface="Consolas" panose="020B0609020204030204" pitchFamily="49" charset="0"/>
+              </a:rPr>
+              <a:t>double </a:t>
+            </a:r>
+            <a:r>
+              <a:rPr lang="en-US" sz="1800" dirty="0" err="1">
+                <a:solidFill>
+                  <a:srgbClr val="FF0000"/>
+                </a:solidFill>
+                <a:latin typeface="Consolas" panose="020B0609020204030204" pitchFamily="49" charset="0"/>
+              </a:rPr>
+              <a:t>revenueFromBundles</a:t>
+            </a:r>
+            <a:r>
+              <a:rPr lang="en-US" sz="1800" dirty="0">
+                <a:solidFill>
+                  <a:srgbClr val="FF0000"/>
+                </a:solidFill>
+                <a:latin typeface="Consolas" panose="020B0609020204030204" pitchFamily="49" charset="0"/>
+              </a:rPr>
+              <a:t> = 0;</a:t>
+            </a:r>
+          </a:p>
+          <a:p>
+            <a:pPr marL="0" indent="0">
+              <a:buNone/>
+            </a:pPr>
+            <a:r>
+              <a:rPr lang="en-US" sz="1800" dirty="0">
+                <a:solidFill>
+                  <a:srgbClr val="FF0000"/>
+                </a:solidFill>
+                <a:latin typeface="Consolas" panose="020B0609020204030204" pitchFamily="49" charset="0"/>
+              </a:rPr>
+              <a:t>	    for (Bundle b: </a:t>
+            </a:r>
+            <a:r>
+              <a:rPr lang="en-US" sz="1800" dirty="0" err="1">
+                <a:solidFill>
+                  <a:srgbClr val="FF0000"/>
+                </a:solidFill>
+                <a:latin typeface="Consolas" panose="020B0609020204030204" pitchFamily="49" charset="0"/>
+              </a:rPr>
+              <a:t>game.getBundles</a:t>
+            </a:r>
+            <a:r>
+              <a:rPr lang="en-US" sz="1800" dirty="0">
+                <a:solidFill>
+                  <a:srgbClr val="FF0000"/>
+                </a:solidFill>
+                <a:latin typeface="Consolas" panose="020B0609020204030204" pitchFamily="49" charset="0"/>
+              </a:rPr>
+              <a:t>()) {</a:t>
+            </a:r>
+          </a:p>
+          <a:p>
+            <a:pPr marL="0" indent="0">
+              <a:buNone/>
+            </a:pPr>
+            <a:r>
+              <a:rPr lang="en-US" sz="1800" dirty="0">
+                <a:solidFill>
+                  <a:srgbClr val="FF0000"/>
+                </a:solidFill>
+                <a:latin typeface="Consolas" panose="020B0609020204030204" pitchFamily="49" charset="0"/>
+              </a:rPr>
+              <a:t>		 </a:t>
+            </a:r>
+            <a:r>
+              <a:rPr lang="en-US" sz="1800" dirty="0" err="1">
+                <a:solidFill>
+                  <a:srgbClr val="FF0000"/>
+                </a:solidFill>
+                <a:latin typeface="Consolas" panose="020B0609020204030204" pitchFamily="49" charset="0"/>
+              </a:rPr>
+              <a:t>revenueFromBundles</a:t>
+            </a:r>
+            <a:r>
+              <a:rPr lang="en-US" sz="1800" dirty="0">
+                <a:solidFill>
+                  <a:srgbClr val="FF0000"/>
+                </a:solidFill>
+                <a:latin typeface="Consolas" panose="020B0609020204030204" pitchFamily="49" charset="0"/>
+              </a:rPr>
+              <a:t> += </a:t>
+            </a:r>
+            <a:r>
+              <a:rPr lang="en-US" sz="1800" dirty="0" err="1">
+                <a:solidFill>
+                  <a:srgbClr val="FF0000"/>
+                </a:solidFill>
+                <a:latin typeface="Consolas" panose="020B0609020204030204" pitchFamily="49" charset="0"/>
+              </a:rPr>
+              <a:t>b.computeRevenuePerGame</a:t>
+            </a:r>
+            <a:r>
+              <a:rPr lang="en-US" sz="1800" dirty="0">
+                <a:solidFill>
+                  <a:srgbClr val="FF0000"/>
+                </a:solidFill>
+                <a:latin typeface="Consolas" panose="020B0609020204030204" pitchFamily="49" charset="0"/>
+              </a:rPr>
+              <a:t>();</a:t>
+            </a:r>
+          </a:p>
+          <a:p>
+            <a:pPr marL="0" indent="0">
+              <a:buNone/>
+            </a:pPr>
+            <a:r>
+              <a:rPr lang="en-US" sz="1800" dirty="0">
+                <a:solidFill>
+                  <a:srgbClr val="FF0000"/>
+                </a:solidFill>
+                <a:latin typeface="Consolas" panose="020B0609020204030204" pitchFamily="49" charset="0"/>
+              </a:rPr>
+              <a:t>	    }</a:t>
+            </a:r>
+          </a:p>
+          <a:p>
+            <a:pPr marL="0" indent="0">
+              <a:buNone/>
+            </a:pPr>
+            <a:r>
+              <a:rPr lang="en-US" sz="1800" dirty="0">
+                <a:solidFill>
+                  <a:srgbClr val="FF0000"/>
+                </a:solidFill>
+                <a:latin typeface="Consolas" panose="020B0609020204030204" pitchFamily="49" charset="0"/>
+              </a:rPr>
+              <a:t>	    double </a:t>
+            </a:r>
+            <a:r>
+              <a:rPr lang="en-US" sz="1800" dirty="0" err="1">
+                <a:solidFill>
+                  <a:srgbClr val="FF0000"/>
+                </a:solidFill>
+                <a:latin typeface="Consolas" panose="020B0609020204030204" pitchFamily="49" charset="0"/>
+              </a:rPr>
+              <a:t>revenueTotal</a:t>
+            </a:r>
+            <a:r>
+              <a:rPr lang="en-US" sz="1800" dirty="0">
+                <a:solidFill>
+                  <a:srgbClr val="FF0000"/>
+                </a:solidFill>
+                <a:latin typeface="Consolas" panose="020B0609020204030204" pitchFamily="49" charset="0"/>
+              </a:rPr>
+              <a:t> = </a:t>
+            </a:r>
+            <a:r>
+              <a:rPr lang="en-US" sz="1800" dirty="0" err="1">
+                <a:solidFill>
+                  <a:srgbClr val="FF0000"/>
+                </a:solidFill>
+                <a:latin typeface="Consolas" panose="020B0609020204030204" pitchFamily="49" charset="0"/>
+              </a:rPr>
+              <a:t>revenueIndividualSales</a:t>
+            </a:r>
+            <a:r>
+              <a:rPr lang="en-US" sz="1800" dirty="0">
+                <a:solidFill>
+                  <a:srgbClr val="FF0000"/>
+                </a:solidFill>
+                <a:latin typeface="Consolas" panose="020B0609020204030204" pitchFamily="49" charset="0"/>
+              </a:rPr>
+              <a:t> </a:t>
+            </a:r>
+            <a:br>
+              <a:rPr lang="en-US" sz="1800" dirty="0">
+                <a:solidFill>
+                  <a:srgbClr val="FF0000"/>
+                </a:solidFill>
+                <a:latin typeface="Consolas" panose="020B0609020204030204" pitchFamily="49" charset="0"/>
+              </a:rPr>
+            </a:br>
+            <a:r>
+              <a:rPr lang="en-US" sz="1800" dirty="0">
+                <a:solidFill>
+                  <a:srgbClr val="FF0000"/>
+                </a:solidFill>
+                <a:latin typeface="Consolas" panose="020B0609020204030204" pitchFamily="49" charset="0"/>
+              </a:rPr>
+              <a:t>					+ </a:t>
+            </a:r>
+            <a:r>
+              <a:rPr lang="en-US" sz="1800" dirty="0" err="1">
+                <a:solidFill>
+                  <a:srgbClr val="FF0000"/>
+                </a:solidFill>
+                <a:latin typeface="Consolas" panose="020B0609020204030204" pitchFamily="49" charset="0"/>
+              </a:rPr>
+              <a:t>revenueFromBundles</a:t>
+            </a:r>
+            <a:r>
+              <a:rPr lang="en-US" sz="1800" dirty="0">
+                <a:solidFill>
+                  <a:srgbClr val="FF0000"/>
+                </a:solidFill>
+                <a:latin typeface="Consolas" panose="020B0609020204030204" pitchFamily="49" charset="0"/>
+              </a:rPr>
+              <a:t>;</a:t>
+            </a:r>
+          </a:p>
+          <a:p>
+            <a:pPr marL="0" indent="0">
+              <a:buNone/>
+            </a:pPr>
+            <a:r>
+              <a:rPr lang="en-US" sz="1800" dirty="0">
+                <a:latin typeface="Consolas" panose="020B0609020204030204" pitchFamily="49" charset="0"/>
+              </a:rPr>
+              <a:t>	    // logic for updating </a:t>
+            </a:r>
+            <a:r>
+              <a:rPr lang="en-US" sz="1800" dirty="0" err="1">
+                <a:latin typeface="Consolas" panose="020B0609020204030204" pitchFamily="49" charset="0"/>
+              </a:rPr>
+              <a:t>maxRevenue</a:t>
+            </a:r>
+            <a:r>
+              <a:rPr lang="en-US" sz="1800" dirty="0">
+                <a:latin typeface="Consolas" panose="020B0609020204030204" pitchFamily="49" charset="0"/>
+              </a:rPr>
+              <a:t>, </a:t>
+            </a:r>
+            <a:r>
+              <a:rPr lang="en-US" sz="1800" dirty="0" err="1">
+                <a:latin typeface="Consolas" panose="020B0609020204030204" pitchFamily="49" charset="0"/>
+              </a:rPr>
+              <a:t>maxRevenueGameTitle</a:t>
+            </a:r>
+            <a:endParaRPr lang="en-US" sz="1800" dirty="0">
+              <a:latin typeface="Consolas" panose="020B0609020204030204" pitchFamily="49" charset="0"/>
+            </a:endParaRPr>
+          </a:p>
+          <a:p>
+            <a:pPr marL="0" indent="0">
+              <a:buNone/>
+            </a:pPr>
+            <a:r>
+              <a:rPr lang="en-US" sz="1800" dirty="0">
+                <a:latin typeface="Consolas" panose="020B0609020204030204" pitchFamily="49" charset="0"/>
+              </a:rPr>
+              <a:t>	}</a:t>
+            </a:r>
+          </a:p>
+          <a:p>
+            <a:pPr marL="0" indent="0">
+              <a:buNone/>
+            </a:pPr>
+            <a:r>
+              <a:rPr lang="en-US" sz="1800" dirty="0">
+                <a:latin typeface="Consolas" panose="020B0609020204030204" pitchFamily="49" charset="0"/>
+              </a:rPr>
+              <a:t>	return </a:t>
+            </a:r>
+            <a:r>
+              <a:rPr lang="en-US" sz="1800" dirty="0" err="1">
+                <a:latin typeface="Consolas" panose="020B0609020204030204" pitchFamily="49" charset="0"/>
+              </a:rPr>
+              <a:t>maxRevenueGameTitle</a:t>
+            </a:r>
+            <a:r>
+              <a:rPr lang="en-US" sz="1800" dirty="0">
+                <a:latin typeface="Consolas" panose="020B0609020204030204" pitchFamily="49" charset="0"/>
+              </a:rPr>
+              <a:t>;</a:t>
+            </a:r>
+          </a:p>
+          <a:p>
+            <a:pPr marL="0" indent="0">
+              <a:buNone/>
+            </a:pPr>
+            <a:r>
+              <a:rPr lang="en-US" sz="1800" dirty="0">
+                <a:latin typeface="Consolas" panose="020B0609020204030204" pitchFamily="49" charset="0"/>
+              </a:rPr>
+              <a:t>} … }</a:t>
+            </a:r>
+          </a:p>
+        </p:txBody>
+      </p:sp>
+      <p:sp>
+        <p:nvSpPr>
+          <p:cNvPr id="4" name="TextBox 3">
+            <a:extLst>
+              <a:ext uri="{FF2B5EF4-FFF2-40B4-BE49-F238E27FC236}">
+                <a16:creationId xmlns:a16="http://schemas.microsoft.com/office/drawing/2014/main" id="{D1787662-8906-8434-17CF-6B14119171B8}"/>
+              </a:ext>
+            </a:extLst>
+          </p:cNvPr>
+          <p:cNvSpPr txBox="1"/>
+          <p:nvPr/>
+        </p:nvSpPr>
+        <p:spPr>
+          <a:xfrm>
+            <a:off x="4343400" y="6400800"/>
+            <a:ext cx="4724400" cy="369332"/>
+          </a:xfrm>
+          <a:prstGeom prst="rect">
+            <a:avLst/>
+          </a:prstGeom>
+          <a:noFill/>
+          <a:ln>
+            <a:solidFill>
+              <a:srgbClr val="FF0000"/>
+            </a:solidFill>
+          </a:ln>
+        </p:spPr>
+        <p:txBody>
+          <a:bodyPr wrap="square" rtlCol="0">
+            <a:spAutoFit/>
+          </a:bodyPr>
+          <a:lstStyle/>
+          <a:p>
+            <a:r>
+              <a:rPr lang="en-US" dirty="0"/>
+              <a:t>Calculation happening in </a:t>
+            </a:r>
+            <a:r>
+              <a:rPr lang="en-US" dirty="0" err="1"/>
+              <a:t>SalesManager</a:t>
+            </a:r>
+            <a:r>
+              <a:rPr lang="en-US" dirty="0"/>
+              <a:t> class!</a:t>
+            </a:r>
+          </a:p>
+        </p:txBody>
+      </p:sp>
+    </p:spTree>
+    <p:extLst>
+      <p:ext uri="{BB962C8B-B14F-4D97-AF65-F5344CB8AC3E}">
+        <p14:creationId xmlns:p14="http://schemas.microsoft.com/office/powerpoint/2010/main" val="1560830329"/>
+      </p:ext>
+    </p:extLst>
+  </p:cSld>
+  <p:clrMapOvr>
+    <a:masterClrMapping/>
+  </p:clrMapOvr>
+</p:sld>
+</file>
+
+<file path=ppt/slides/slide16.xml><?xml version="1.0" encoding="utf-8"?>
+<p:sld xmlns:a="http://schemas.openxmlformats.org/drawingml/2006/main" xmlns:r="http://schemas.openxmlformats.org/officeDocument/2006/relationships" xmlns:p="http://schemas.openxmlformats.org/presentationml/2006/main">
+  <p:cSld>
+    <p:spTree>
+      <p:nvGrpSpPr>
+        <p:cNvPr id="1" name=""/>
+        <p:cNvGrpSpPr/>
+        <p:nvPr/>
+      </p:nvGrpSpPr>
+      <p:grpSpPr>
+        <a:xfrm>
+          <a:off x="0" y="0"/>
+          <a:ext cx="0" cy="0"/>
+          <a:chOff x="0" y="0"/>
+          <a:chExt cx="0" cy="0"/>
+        </a:xfrm>
+      </p:grpSpPr>
+      <p:sp>
+        <p:nvSpPr>
+          <p:cNvPr id="2" name="Title 1"/>
+          <p:cNvSpPr>
+            <a:spLocks noGrp="1"/>
+          </p:cNvSpPr>
+          <p:nvPr>
+            <p:ph type="title"/>
+          </p:nvPr>
+        </p:nvSpPr>
+        <p:spPr>
+          <a:xfrm>
+            <a:off x="457200" y="0"/>
+            <a:ext cx="8229600" cy="1143000"/>
+          </a:xfrm>
+        </p:spPr>
+        <p:txBody>
+          <a:bodyPr/>
+          <a:lstStyle/>
+          <a:p>
+            <a:r>
+              <a:rPr lang="en-US" dirty="0" err="1">
+                <a:latin typeface="Consolas" panose="020B0609020204030204" pitchFamily="49" charset="0"/>
+              </a:rPr>
+              <a:t>computeTotalRevenue</a:t>
+            </a:r>
+            <a:r>
+              <a:rPr lang="en-US" dirty="0">
+                <a:latin typeface="Consolas" panose="020B0609020204030204" pitchFamily="49" charset="0"/>
+              </a:rPr>
+              <a:t>()</a:t>
+            </a:r>
+          </a:p>
+        </p:txBody>
+      </p:sp>
+      <p:sp>
+        <p:nvSpPr>
+          <p:cNvPr id="3" name="Content Placeholder 2"/>
+          <p:cNvSpPr>
+            <a:spLocks noGrp="1"/>
+          </p:cNvSpPr>
+          <p:nvPr>
+            <p:ph idx="1"/>
+          </p:nvPr>
+        </p:nvSpPr>
+        <p:spPr>
+          <a:xfrm>
+            <a:off x="457200" y="914400"/>
+            <a:ext cx="8382000" cy="4114800"/>
+          </a:xfrm>
+        </p:spPr>
+        <p:txBody>
+          <a:bodyPr>
+            <a:noAutofit/>
+          </a:bodyPr>
+          <a:lstStyle/>
+          <a:p>
+            <a:pPr marL="0" indent="0">
+              <a:buNone/>
+            </a:pPr>
+            <a:r>
+              <a:rPr lang="en-US" sz="1800" dirty="0">
+                <a:latin typeface="Consolas" panose="020B0609020204030204" pitchFamily="49" charset="0"/>
+              </a:rPr>
+              <a:t>public class </a:t>
+            </a:r>
+            <a:r>
+              <a:rPr lang="en-US" sz="1800" dirty="0" err="1">
+                <a:latin typeface="Consolas" panose="020B0609020204030204" pitchFamily="49" charset="0"/>
+              </a:rPr>
+              <a:t>SalesManager</a:t>
+            </a:r>
+            <a:r>
+              <a:rPr lang="en-US" sz="1800" dirty="0">
+                <a:latin typeface="Consolas" panose="020B0609020204030204" pitchFamily="49" charset="0"/>
+              </a:rPr>
+              <a:t> {</a:t>
+            </a:r>
+          </a:p>
+          <a:p>
+            <a:pPr marL="0" indent="0">
+              <a:buNone/>
+            </a:pPr>
+            <a:r>
+              <a:rPr lang="en-US" sz="1800" dirty="0">
+                <a:latin typeface="Consolas" panose="020B0609020204030204" pitchFamily="49" charset="0"/>
+              </a:rPr>
+              <a:t>…</a:t>
+            </a:r>
+          </a:p>
+          <a:p>
+            <a:pPr marL="0" indent="0">
+              <a:buNone/>
+            </a:pPr>
+            <a:r>
+              <a:rPr lang="en-US" sz="1800" dirty="0">
+                <a:latin typeface="Consolas" panose="020B0609020204030204" pitchFamily="49" charset="0"/>
+              </a:rPr>
+              <a:t>private String </a:t>
+            </a:r>
+            <a:r>
+              <a:rPr lang="en-US" sz="1800" dirty="0" err="1">
+                <a:latin typeface="Consolas" panose="020B0609020204030204" pitchFamily="49" charset="0"/>
+              </a:rPr>
+              <a:t>handleGetHighestRevenueGame</a:t>
+            </a:r>
+            <a:r>
+              <a:rPr lang="en-US" sz="1800" dirty="0">
+                <a:latin typeface="Consolas" panose="020B0609020204030204" pitchFamily="49" charset="0"/>
+              </a:rPr>
+              <a:t>() {</a:t>
+            </a:r>
+          </a:p>
+          <a:p>
+            <a:pPr marL="0" indent="0">
+              <a:buNone/>
+            </a:pPr>
+            <a:r>
+              <a:rPr lang="en-US" sz="1800" dirty="0">
+                <a:latin typeface="Consolas" panose="020B0609020204030204" pitchFamily="49" charset="0"/>
+              </a:rPr>
+              <a:t>	double </a:t>
+            </a:r>
+            <a:r>
+              <a:rPr lang="en-US" sz="1800" dirty="0" err="1">
+                <a:latin typeface="Consolas" panose="020B0609020204030204" pitchFamily="49" charset="0"/>
+              </a:rPr>
+              <a:t>maxRevenue</a:t>
+            </a:r>
+            <a:r>
+              <a:rPr lang="en-US" sz="1800" dirty="0">
+                <a:latin typeface="Consolas" panose="020B0609020204030204" pitchFamily="49" charset="0"/>
+              </a:rPr>
+              <a:t> = </a:t>
+            </a:r>
+            <a:r>
+              <a:rPr lang="en-US" sz="1800" dirty="0" err="1">
+                <a:latin typeface="Consolas" panose="020B0609020204030204" pitchFamily="49" charset="0"/>
+              </a:rPr>
+              <a:t>Double.MIN_VALUE</a:t>
+            </a:r>
+            <a:r>
+              <a:rPr lang="en-US" sz="1800" dirty="0">
+                <a:latin typeface="Consolas" panose="020B0609020204030204" pitchFamily="49" charset="0"/>
+              </a:rPr>
+              <a:t>;</a:t>
+            </a:r>
+          </a:p>
+          <a:p>
+            <a:pPr marL="0" indent="0">
+              <a:buNone/>
+            </a:pPr>
+            <a:r>
+              <a:rPr lang="en-US" sz="1800" dirty="0">
+                <a:latin typeface="Consolas" panose="020B0609020204030204" pitchFamily="49" charset="0"/>
+              </a:rPr>
+              <a:t>	String </a:t>
+            </a:r>
+            <a:r>
+              <a:rPr lang="en-US" sz="1800" dirty="0" err="1">
+                <a:latin typeface="Consolas" panose="020B0609020204030204" pitchFamily="49" charset="0"/>
+              </a:rPr>
+              <a:t>maxRevenueGameTitle</a:t>
+            </a:r>
+            <a:r>
+              <a:rPr lang="en-US" sz="1800" dirty="0">
+                <a:latin typeface="Consolas" panose="020B0609020204030204" pitchFamily="49" charset="0"/>
+              </a:rPr>
+              <a:t> = "";</a:t>
+            </a:r>
+          </a:p>
+          <a:p>
+            <a:pPr marL="0" indent="0">
+              <a:buNone/>
+            </a:pPr>
+            <a:r>
+              <a:rPr lang="en-US" sz="1800" dirty="0">
+                <a:latin typeface="Consolas" panose="020B0609020204030204" pitchFamily="49" charset="0"/>
+              </a:rPr>
+              <a:t>	for (Game </a:t>
+            </a:r>
+            <a:r>
+              <a:rPr lang="en-US" sz="1800" dirty="0" err="1">
+                <a:latin typeface="Consolas" panose="020B0609020204030204" pitchFamily="49" charset="0"/>
+              </a:rPr>
+              <a:t>game</a:t>
+            </a:r>
+            <a:r>
+              <a:rPr lang="en-US" sz="1800" dirty="0">
+                <a:latin typeface="Consolas" panose="020B0609020204030204" pitchFamily="49" charset="0"/>
+              </a:rPr>
+              <a:t> : </a:t>
+            </a:r>
+            <a:r>
+              <a:rPr lang="en-US" sz="1800" dirty="0" err="1">
+                <a:latin typeface="Consolas" panose="020B0609020204030204" pitchFamily="49" charset="0"/>
+              </a:rPr>
+              <a:t>this.games</a:t>
+            </a:r>
+            <a:r>
+              <a:rPr lang="en-US" sz="1800" dirty="0">
+                <a:latin typeface="Consolas" panose="020B0609020204030204" pitchFamily="49" charset="0"/>
+              </a:rPr>
+              <a:t>) {</a:t>
+            </a:r>
+          </a:p>
+          <a:p>
+            <a:pPr marL="0" indent="0">
+              <a:buNone/>
+            </a:pPr>
+            <a:r>
+              <a:rPr lang="en-US" sz="1800" dirty="0">
+                <a:latin typeface="Consolas" panose="020B0609020204030204" pitchFamily="49" charset="0"/>
+              </a:rPr>
+              <a:t> 	    </a:t>
+            </a:r>
+            <a:r>
+              <a:rPr lang="en-US" sz="1800" dirty="0">
+                <a:solidFill>
+                  <a:srgbClr val="FF0000"/>
+                </a:solidFill>
+                <a:latin typeface="Consolas" panose="020B0609020204030204" pitchFamily="49" charset="0"/>
+              </a:rPr>
+              <a:t>double </a:t>
+            </a:r>
+            <a:r>
+              <a:rPr lang="en-US" sz="1800" dirty="0" err="1">
+                <a:solidFill>
+                  <a:srgbClr val="FF0000"/>
+                </a:solidFill>
+                <a:latin typeface="Consolas" panose="020B0609020204030204" pitchFamily="49" charset="0"/>
+              </a:rPr>
+              <a:t>revenueTotal</a:t>
+            </a:r>
+            <a:r>
+              <a:rPr lang="en-US" sz="1800" dirty="0">
+                <a:solidFill>
+                  <a:srgbClr val="FF0000"/>
+                </a:solidFill>
+                <a:latin typeface="Consolas" panose="020B0609020204030204" pitchFamily="49" charset="0"/>
+              </a:rPr>
+              <a:t> = </a:t>
+            </a:r>
+            <a:r>
+              <a:rPr lang="en-US" sz="1800" dirty="0" err="1">
+                <a:solidFill>
+                  <a:srgbClr val="FF0000"/>
+                </a:solidFill>
+                <a:latin typeface="Consolas" panose="020B0609020204030204" pitchFamily="49" charset="0"/>
+              </a:rPr>
+              <a:t>game.computeTotalRevenue</a:t>
+            </a:r>
+            <a:r>
+              <a:rPr lang="en-US" sz="1800" dirty="0">
+                <a:solidFill>
+                  <a:srgbClr val="FF0000"/>
+                </a:solidFill>
+                <a:latin typeface="Consolas" panose="020B0609020204030204" pitchFamily="49" charset="0"/>
+              </a:rPr>
+              <a:t>();</a:t>
+            </a:r>
+          </a:p>
+          <a:p>
+            <a:pPr marL="0" indent="0">
+              <a:buNone/>
+            </a:pPr>
+            <a:r>
+              <a:rPr lang="en-US" sz="1800" dirty="0">
+                <a:latin typeface="Consolas" panose="020B0609020204030204" pitchFamily="49" charset="0"/>
+              </a:rPr>
+              <a:t>	    // logic for updating </a:t>
+            </a:r>
+            <a:r>
+              <a:rPr lang="en-US" sz="1800" dirty="0" err="1">
+                <a:latin typeface="Consolas" panose="020B0609020204030204" pitchFamily="49" charset="0"/>
+              </a:rPr>
+              <a:t>maxRevenue</a:t>
+            </a:r>
+            <a:r>
+              <a:rPr lang="en-US" sz="1800" dirty="0">
+                <a:latin typeface="Consolas" panose="020B0609020204030204" pitchFamily="49" charset="0"/>
+              </a:rPr>
+              <a:t>, </a:t>
+            </a:r>
+            <a:r>
+              <a:rPr lang="en-US" sz="1800" dirty="0" err="1">
+                <a:latin typeface="Consolas" panose="020B0609020204030204" pitchFamily="49" charset="0"/>
+              </a:rPr>
+              <a:t>maxRevenueGameTitle</a:t>
+            </a:r>
+            <a:endParaRPr lang="en-US" sz="1800" dirty="0">
+              <a:latin typeface="Consolas" panose="020B0609020204030204" pitchFamily="49" charset="0"/>
+            </a:endParaRPr>
+          </a:p>
+          <a:p>
+            <a:pPr marL="0" indent="0">
+              <a:buNone/>
+            </a:pPr>
+            <a:r>
+              <a:rPr lang="en-US" sz="1800" dirty="0">
+                <a:latin typeface="Consolas" panose="020B0609020204030204" pitchFamily="49" charset="0"/>
+              </a:rPr>
+              <a:t>	}</a:t>
+            </a:r>
+          </a:p>
+          <a:p>
+            <a:pPr marL="0" indent="0">
+              <a:buNone/>
+            </a:pPr>
+            <a:r>
+              <a:rPr lang="en-US" sz="1800" dirty="0">
+                <a:latin typeface="Consolas" panose="020B0609020204030204" pitchFamily="49" charset="0"/>
+              </a:rPr>
+              <a:t>	return </a:t>
+            </a:r>
+            <a:r>
+              <a:rPr lang="en-US" sz="1800" dirty="0" err="1">
+                <a:latin typeface="Consolas" panose="020B0609020204030204" pitchFamily="49" charset="0"/>
+              </a:rPr>
+              <a:t>maxRevenueGameTitle</a:t>
+            </a:r>
+            <a:r>
+              <a:rPr lang="en-US" sz="1800" dirty="0">
+                <a:latin typeface="Consolas" panose="020B0609020204030204" pitchFamily="49" charset="0"/>
+              </a:rPr>
+              <a:t>;</a:t>
+            </a:r>
+          </a:p>
+          <a:p>
+            <a:pPr marL="0" indent="0">
+              <a:buNone/>
+            </a:pPr>
+            <a:r>
+              <a:rPr lang="en-US" sz="1800" dirty="0">
+                <a:latin typeface="Consolas" panose="020B0609020204030204" pitchFamily="49" charset="0"/>
+              </a:rPr>
+              <a:t>} … }</a:t>
+            </a:r>
+          </a:p>
+        </p:txBody>
+      </p:sp>
+      <p:sp>
+        <p:nvSpPr>
+          <p:cNvPr id="4" name="TextBox 3">
+            <a:extLst>
+              <a:ext uri="{FF2B5EF4-FFF2-40B4-BE49-F238E27FC236}">
+                <a16:creationId xmlns:a16="http://schemas.microsoft.com/office/drawing/2014/main" id="{D1787662-8906-8434-17CF-6B14119171B8}"/>
+              </a:ext>
+            </a:extLst>
+          </p:cNvPr>
+          <p:cNvSpPr txBox="1"/>
+          <p:nvPr/>
+        </p:nvSpPr>
+        <p:spPr>
+          <a:xfrm>
+            <a:off x="4343400" y="6400800"/>
+            <a:ext cx="4724400" cy="369332"/>
+          </a:xfrm>
+          <a:prstGeom prst="rect">
+            <a:avLst/>
+          </a:prstGeom>
+          <a:noFill/>
+          <a:ln>
+            <a:solidFill>
+              <a:srgbClr val="FF0000"/>
+            </a:solidFill>
+          </a:ln>
+        </p:spPr>
+        <p:txBody>
+          <a:bodyPr wrap="square" rtlCol="0">
+            <a:spAutoFit/>
+          </a:bodyPr>
+          <a:lstStyle/>
+          <a:p>
+            <a:r>
+              <a:rPr lang="en-US" dirty="0"/>
+              <a:t>Calculation happening in Game class!</a:t>
+            </a:r>
+          </a:p>
+        </p:txBody>
+      </p:sp>
+    </p:spTree>
+    <p:extLst>
+      <p:ext uri="{BB962C8B-B14F-4D97-AF65-F5344CB8AC3E}">
+        <p14:creationId xmlns:p14="http://schemas.microsoft.com/office/powerpoint/2010/main" val="70982834"/>
+      </p:ext>
+    </p:extLst>
+  </p:cSld>
+  <p:clrMapOvr>
+    <a:masterClrMapping/>
+  </p:clrMapOvr>
+</p:sld>
+</file>
+
+<file path=ppt/slides/slide17.xml><?xml version="1.0" encoding="utf-8"?>
+<p:sld xmlns:a="http://schemas.openxmlformats.org/drawingml/2006/main" xmlns:r="http://schemas.openxmlformats.org/officeDocument/2006/relationships" xmlns:p="http://schemas.openxmlformats.org/presentationml/2006/main">
+  <p:cSld>
+    <p:spTree>
+      <p:nvGrpSpPr>
+        <p:cNvPr id="1" name=""/>
+        <p:cNvGrpSpPr/>
+        <p:nvPr/>
+      </p:nvGrpSpPr>
+      <p:grpSpPr>
+        <a:xfrm>
+          <a:off x="0" y="0"/>
+          <a:ext cx="0" cy="0"/>
+          <a:chOff x="0" y="0"/>
+          <a:chExt cx="0" cy="0"/>
+        </a:xfrm>
+      </p:grpSpPr>
+      <p:sp>
+        <p:nvSpPr>
+          <p:cNvPr id="2" name="Title 1"/>
+          <p:cNvSpPr>
+            <a:spLocks noGrp="1"/>
+          </p:cNvSpPr>
+          <p:nvPr>
+            <p:ph type="title"/>
+          </p:nvPr>
+        </p:nvSpPr>
+        <p:spPr/>
+        <p:txBody>
+          <a:bodyPr/>
+          <a:lstStyle/>
+          <a:p>
+            <a:r>
+              <a:rPr lang="en-US" dirty="0"/>
+              <a:t>Why does this improve the design?</a:t>
+            </a:r>
+          </a:p>
+        </p:txBody>
+      </p:sp>
+      <p:sp>
+        <p:nvSpPr>
+          <p:cNvPr id="3" name="Content Placeholder 2"/>
+          <p:cNvSpPr>
+            <a:spLocks noGrp="1"/>
+          </p:cNvSpPr>
+          <p:nvPr>
+            <p:ph idx="1"/>
+          </p:nvPr>
+        </p:nvSpPr>
+        <p:spPr/>
+        <p:txBody>
+          <a:bodyPr>
+            <a:normAutofit/>
+          </a:bodyPr>
+          <a:lstStyle/>
+          <a:p>
+            <a:pPr marL="0" indent="0">
+              <a:buNone/>
+            </a:pPr>
+            <a:r>
               <a:rPr lang="en-US" dirty="0"/>
               <a:t>Reduces coupling between two classes:</a:t>
             </a:r>
@@ -8113,7 +9956,7 @@
           <a:p>
             <a:r>
               <a:rPr lang="en-US" dirty="0"/>
-              <a:t>It makes the Student object more featureful, and puts the code in an expected place</a:t>
+              <a:t>It makes the Game object more featureful, and puts the code in an expected place</a:t>
             </a:r>
           </a:p>
           <a:p>
@@ -8123,7 +9966,7 @@
             </a:r>
             <a:r>
               <a:rPr lang="en-US" dirty="0" err="1"/>
-              <a:t>TeamGradebook</a:t>
+              <a:t>SalesManager</a:t>
             </a:r>
             <a:r>
               <a:rPr lang="en-US" dirty="0"/>
@@ -8133,15 +9976,14 @@
           <a:p>
             <a:r>
               <a:rPr lang="en-US" dirty="0"/>
-              <a:t>Allows you to change how the grades are represented in </a:t>
-            </a:r>
-            <a:r>
-              <a:rPr lang="en-US" dirty="0" err="1"/>
-              <a:t>TeamGradebook</a:t>
-            </a:r>
-            <a:r>
+              <a:t>Allows you to change how the Game’s total revenue is calculated, should you wish to </a:t>
+            </a:r>
+            <a:br>
               <a:rPr lang="en-US" dirty="0"/>
-              <a:t>, should you wish to (e.g., drop lowest score)</a:t>
+            </a:br>
+            <a:r>
+              <a:rPr lang="en-US" dirty="0"/>
+              <a:t>(e.g., give more weight to individual sales)</a:t>
             </a:r>
           </a:p>
         </p:txBody>
@@ -8159,7 +10001,7 @@
 </p:sld>
 </file>
 
-<file path=ppt/slides/slide16.xml><?xml version="1.0" encoding="utf-8"?>
+<file path=ppt/slides/slide18.xml><?xml version="1.0" encoding="utf-8"?>
 <p:sld xmlns:a="http://schemas.openxmlformats.org/drawingml/2006/main" xmlns:r="http://schemas.openxmlformats.org/officeDocument/2006/relationships" xmlns:p="http://schemas.openxmlformats.org/presentationml/2006/main">
   <p:cSld>
     <p:spTree>
@@ -8562,7 +10404,7 @@
 </p:sld>
 </file>
 
-<file path=ppt/slides/slide17.xml><?xml version="1.0" encoding="utf-8"?>
+<file path=ppt/slides/slide19.xml><?xml version="1.0" encoding="utf-8"?>
 <p:sld xmlns:a="http://schemas.openxmlformats.org/drawingml/2006/main" xmlns:r="http://schemas.openxmlformats.org/officeDocument/2006/relationships" xmlns:p="http://schemas.openxmlformats.org/presentationml/2006/main">
   <p:cSld>
     <p:spTree>
@@ -8923,7 +10765,128 @@
 </p:sld>
 </file>
 
-<file path=ppt/slides/slide18.xml><?xml version="1.0" encoding="utf-8"?>
+<file path=ppt/slides/slide2.xml><?xml version="1.0" encoding="utf-8"?>
+<p:sld xmlns:a="http://schemas.openxmlformats.org/drawingml/2006/main" xmlns:r="http://schemas.openxmlformats.org/officeDocument/2006/relationships" xmlns:p="http://schemas.openxmlformats.org/presentationml/2006/main">
+  <p:cSld>
+    <p:spTree>
+      <p:nvGrpSpPr>
+        <p:cNvPr id="1" name=""/>
+        <p:cNvGrpSpPr/>
+        <p:nvPr/>
+      </p:nvGrpSpPr>
+      <p:grpSpPr>
+        <a:xfrm>
+          <a:off x="0" y="0"/>
+          <a:ext cx="0" cy="0"/>
+          <a:chOff x="0" y="0"/>
+          <a:chExt cx="0" cy="0"/>
+        </a:xfrm>
+      </p:grpSpPr>
+      <p:sp>
+        <p:nvSpPr>
+          <p:cNvPr id="2" name="Title 1"/>
+          <p:cNvSpPr>
+            <a:spLocks noGrp="1"/>
+          </p:cNvSpPr>
+          <p:nvPr>
+            <p:ph type="title"/>
+          </p:nvPr>
+        </p:nvSpPr>
+        <p:spPr/>
+        <p:txBody>
+          <a:bodyPr/>
+          <a:lstStyle/>
+          <a:p>
+            <a:r>
+              <a:rPr lang="en-US" dirty="0"/>
+              <a:t>Today’s topic – </a:t>
+            </a:r>
+            <a:r>
+              <a:rPr lang="en-US" b="1" i="1" dirty="0"/>
+              <a:t>Tell Don’t Ask</a:t>
+            </a:r>
+          </a:p>
+        </p:txBody>
+      </p:sp>
+      <p:sp>
+        <p:nvSpPr>
+          <p:cNvPr id="3" name="Content Placeholder 2"/>
+          <p:cNvSpPr>
+            <a:spLocks noGrp="1"/>
+          </p:cNvSpPr>
+          <p:nvPr>
+            <p:ph idx="1"/>
+          </p:nvPr>
+        </p:nvSpPr>
+        <p:spPr/>
+        <p:txBody>
+          <a:bodyPr/>
+          <a:lstStyle/>
+          <a:p>
+            <a:pPr fontAlgn="base"/>
+            <a:r>
+              <a:rPr lang="en-US" b="1" dirty="0"/>
+              <a:t>Minimize dependencies</a:t>
+            </a:r>
+            <a:r>
+              <a:rPr lang="en-US" dirty="0"/>
+              <a:t> between objects when it does not disrupt usability or extendibility</a:t>
+            </a:r>
+          </a:p>
+          <a:p>
+            <a:pPr lvl="1" fontAlgn="base"/>
+            <a:r>
+              <a:rPr lang="en-US" dirty="0"/>
+              <a:t>If you can see a simpler design that works, use it</a:t>
+            </a:r>
+          </a:p>
+          <a:p>
+            <a:pPr lvl="1" fontAlgn="base"/>
+            <a:r>
+              <a:rPr lang="en-US" dirty="0"/>
+              <a:t>But if you can’t see a simpler design than the one that you have, at least ensure that you:</a:t>
+            </a:r>
+          </a:p>
+          <a:p>
+            <a:pPr lvl="2" fontAlgn="base"/>
+            <a:r>
+              <a:rPr lang="en-US" sz="2800" dirty="0">
+                <a:solidFill>
+                  <a:schemeClr val="accent2"/>
+                </a:solidFill>
+              </a:rPr>
+              <a:t>Tell don't ask</a:t>
+            </a:r>
+          </a:p>
+          <a:p>
+            <a:pPr lvl="2" fontAlgn="base"/>
+            <a:r>
+              <a:rPr lang="en-US" sz="2800" dirty="0"/>
+              <a:t>Don't have message chains</a:t>
+            </a:r>
+          </a:p>
+          <a:p>
+            <a:pPr marL="0" indent="0">
+              <a:buNone/>
+            </a:pPr>
+            <a:endParaRPr lang="en-US" dirty="0"/>
+          </a:p>
+        </p:txBody>
+      </p:sp>
+    </p:spTree>
+    <p:extLst>
+      <p:ext uri="{BB962C8B-B14F-4D97-AF65-F5344CB8AC3E}">
+        <p14:creationId xmlns:p14="http://schemas.microsoft.com/office/powerpoint/2010/main" val="2691170345"/>
+      </p:ext>
+    </p:extLst>
+  </p:cSld>
+  <p:clrMapOvr>
+    <a:masterClrMapping/>
+  </p:clrMapOvr>
+</p:sld>
+</file>
+
+<file path=ppt/slides/slide20.xml><?xml version="1.0" encoding="utf-8"?>
 <p:sld xmlns:a="http://schemas.openxmlformats.org/drawingml/2006/main" xmlns:r="http://schemas.openxmlformats.org/officeDocument/2006/relationships" xmlns:p="http://schemas.openxmlformats.org/presentationml/2006/main">
   <p:cSld>
     <p:spTree>
@@ -9064,127 +11027,6 @@
 </p:sld>
 </file>
 
-<file path=ppt/slides/slide2.xml><?xml version="1.0" encoding="utf-8"?>
-<p:sld xmlns:a="http://schemas.openxmlformats.org/drawingml/2006/main" xmlns:r="http://schemas.openxmlformats.org/officeDocument/2006/relationships" xmlns:p="http://schemas.openxmlformats.org/presentationml/2006/main">
-  <p:cSld>
-    <p:spTree>
-      <p:nvGrpSpPr>
-        <p:cNvPr id="1" name=""/>
-        <p:cNvGrpSpPr/>
-        <p:nvPr/>
-      </p:nvGrpSpPr>
-      <p:grpSpPr>
-        <a:xfrm>
-          <a:off x="0" y="0"/>
-          <a:ext cx="0" cy="0"/>
-          <a:chOff x="0" y="0"/>
-          <a:chExt cx="0" cy="0"/>
-        </a:xfrm>
-      </p:grpSpPr>
-      <p:sp>
-        <p:nvSpPr>
-          <p:cNvPr id="2" name="Title 1"/>
-          <p:cNvSpPr>
-            <a:spLocks noGrp="1"/>
-          </p:cNvSpPr>
-          <p:nvPr>
-            <p:ph type="title"/>
-          </p:nvPr>
-        </p:nvSpPr>
-        <p:spPr/>
-        <p:txBody>
-          <a:bodyPr/>
-          <a:lstStyle/>
-          <a:p>
-            <a:r>
-              <a:rPr lang="en-US" dirty="0"/>
-              <a:t>Today’s topic – </a:t>
-            </a:r>
-            <a:r>
-              <a:rPr lang="en-US" b="1" i="1" dirty="0"/>
-              <a:t>Tell Don’t Ask</a:t>
-            </a:r>
-          </a:p>
-        </p:txBody>
-      </p:sp>
-      <p:sp>
-        <p:nvSpPr>
-          <p:cNvPr id="3" name="Content Placeholder 2"/>
-          <p:cNvSpPr>
-            <a:spLocks noGrp="1"/>
-          </p:cNvSpPr>
-          <p:nvPr>
-            <p:ph idx="1"/>
-          </p:nvPr>
-        </p:nvSpPr>
-        <p:spPr/>
-        <p:txBody>
-          <a:bodyPr/>
-          <a:lstStyle/>
-          <a:p>
-            <a:pPr fontAlgn="base"/>
-            <a:r>
-              <a:rPr lang="en-US" b="1" dirty="0"/>
-              <a:t>Minimize dependencies</a:t>
-            </a:r>
-            <a:r>
-              <a:rPr lang="en-US" dirty="0"/>
-              <a:t> between objects when it does not disrupt usability or extendibility</a:t>
-            </a:r>
-          </a:p>
-          <a:p>
-            <a:pPr lvl="1" fontAlgn="base"/>
-            <a:r>
-              <a:rPr lang="en-US" dirty="0"/>
-              <a:t>If you can see a simpler design that works, use it</a:t>
-            </a:r>
-          </a:p>
-          <a:p>
-            <a:pPr lvl="1" fontAlgn="base"/>
-            <a:r>
-              <a:rPr lang="en-US" dirty="0"/>
-              <a:t>But if you can’t see a simpler design than the one that you have, at least ensure that you:</a:t>
-            </a:r>
-          </a:p>
-          <a:p>
-            <a:pPr lvl="2" fontAlgn="base"/>
-            <a:r>
-              <a:rPr lang="en-US" sz="2800" dirty="0">
-                <a:solidFill>
-                  <a:schemeClr val="accent2"/>
-                </a:solidFill>
-              </a:rPr>
-              <a:t>Tell don't ask</a:t>
-            </a:r>
-          </a:p>
-          <a:p>
-            <a:pPr lvl="2" fontAlgn="base"/>
-            <a:r>
-              <a:rPr lang="en-US" sz="2800" dirty="0"/>
-              <a:t>Don't have message chains</a:t>
-            </a:r>
-          </a:p>
-          <a:p>
-            <a:pPr marL="0" indent="0">
-              <a:buNone/>
-            </a:pPr>
-            <a:endParaRPr lang="en-US" dirty="0"/>
-          </a:p>
-        </p:txBody>
-      </p:sp>
-    </p:spTree>
-    <p:extLst>
-      <p:ext uri="{BB962C8B-B14F-4D97-AF65-F5344CB8AC3E}">
-        <p14:creationId xmlns:p14="http://schemas.microsoft.com/office/powerpoint/2010/main" val="2691170345"/>
-      </p:ext>
-    </p:extLst>
-  </p:cSld>
-  <p:clrMapOvr>
-    <a:masterClrMapping/>
-  </p:clrMapOvr>
-</p:sld>
-</file>
-
 <file path=ppt/slides/slide3.xml><?xml version="1.0" encoding="utf-8"?>
 <p:sld xmlns:a="http://schemas.openxmlformats.org/drawingml/2006/main" xmlns:r="http://schemas.openxmlformats.org/officeDocument/2006/relationships" xmlns:p="http://schemas.openxmlformats.org/presentationml/2006/main">
   <p:cSld>
@@ -9350,7 +11192,7 @@
         <p:spPr>
           <a:xfrm>
             <a:off x="304800" y="1143000"/>
-            <a:ext cx="8534400" cy="2954655"/>
+            <a:ext cx="8534400" cy="2492990"/>
           </a:xfrm>
           <a:prstGeom prst="rect">
             <a:avLst/>
@@ -9363,7 +11205,7 @@
           <a:lstStyle/>
           <a:p>
             <a:r>
-              <a:rPr lang="en-US" sz="2400" dirty="0">
+              <a:rPr lang="en-US" sz="2000" dirty="0">
                 <a:solidFill>
                   <a:srgbClr val="000000"/>
                 </a:solidFill>
@@ -9377,7 +11219,7 @@
           </a:p>
           <a:p>
             <a:r>
-              <a:rPr lang="en-US" sz="2400" dirty="0">
+              <a:rPr lang="en-US" sz="2000" dirty="0">
                 <a:solidFill>
                   <a:srgbClr val="000000"/>
                 </a:solidFill>
@@ -9386,7 +11228,7 @@
               <a:t>Point2D </a:t>
             </a:r>
             <a:r>
-              <a:rPr lang="en-US" sz="2400" dirty="0">
+              <a:rPr lang="en-US" sz="2000" dirty="0">
                 <a:solidFill>
                   <a:srgbClr val="6A3E3E"/>
                 </a:solidFill>
@@ -9395,7 +11237,7 @@
               <a:t>center1</a:t>
             </a:r>
             <a:r>
-              <a:rPr lang="en-US" sz="2400" dirty="0">
+              <a:rPr lang="en-US" sz="2000" dirty="0">
                 <a:solidFill>
                   <a:srgbClr val="000000"/>
                 </a:solidFill>
@@ -9404,7 +11246,7 @@
               <a:t> = </a:t>
             </a:r>
             <a:r>
-              <a:rPr lang="en-US" sz="2400" dirty="0">
+              <a:rPr lang="en-US" sz="2000" dirty="0">
                 <a:solidFill>
                   <a:srgbClr val="6A3E3E"/>
                 </a:solidFill>
@@ -9413,7 +11255,7 @@
               <a:t>region1</a:t>
             </a:r>
             <a:r>
-              <a:rPr lang="en-US" sz="2400" dirty="0">
+              <a:rPr lang="en-US" sz="2000" dirty="0">
                 <a:solidFill>
                   <a:srgbClr val="000000"/>
                 </a:solidFill>
@@ -9424,7 +11266,7 @@
           </a:p>
           <a:p>
             <a:r>
-              <a:rPr lang="en-US" sz="2400" dirty="0">
+              <a:rPr lang="en-US" sz="2000" dirty="0">
                 <a:solidFill>
                   <a:srgbClr val="000000"/>
                 </a:solidFill>
@@ -9433,7 +11275,7 @@
               <a:t>Point2D </a:t>
             </a:r>
             <a:r>
-              <a:rPr lang="en-US" sz="2400" dirty="0">
+              <a:rPr lang="en-US" sz="2000" dirty="0">
                 <a:solidFill>
                   <a:srgbClr val="6A3E3E"/>
                 </a:solidFill>
@@ -9442,7 +11284,7 @@
               <a:t>center2</a:t>
             </a:r>
             <a:r>
-              <a:rPr lang="en-US" sz="2400" dirty="0">
+              <a:rPr lang="en-US" sz="2000" dirty="0">
                 <a:solidFill>
                   <a:srgbClr val="000000"/>
                 </a:solidFill>
@@ -9451,7 +11293,7 @@
               <a:t> = </a:t>
             </a:r>
             <a:r>
-              <a:rPr lang="en-US" sz="2400" dirty="0">
+              <a:rPr lang="en-US" sz="2000" dirty="0">
                 <a:solidFill>
                   <a:srgbClr val="6A3E3E"/>
                 </a:solidFill>
@@ -9460,7 +11302,7 @@
               <a:t>region2</a:t>
             </a:r>
             <a:r>
-              <a:rPr lang="en-US" sz="2400" dirty="0">
+              <a:rPr lang="en-US" sz="2000" dirty="0">
                 <a:solidFill>
                   <a:srgbClr val="000000"/>
                 </a:solidFill>
@@ -9471,7 +11313,7 @@
           </a:p>
           <a:p>
             <a:r>
-              <a:rPr lang="en-US" sz="2400" b="1" dirty="0">
+              <a:rPr lang="en-US" sz="2000" b="1" dirty="0">
                 <a:solidFill>
                   <a:srgbClr val="7F0055"/>
                 </a:solidFill>
@@ -9480,7 +11322,7 @@
               <a:t>double</a:t>
             </a:r>
             <a:r>
-              <a:rPr lang="en-US" sz="2400" b="1" dirty="0">
+              <a:rPr lang="en-US" sz="2000" b="1" dirty="0">
                 <a:solidFill>
                   <a:srgbClr val="000000"/>
                 </a:solidFill>
@@ -9489,7 +11331,7 @@
               <a:t> </a:t>
             </a:r>
             <a:r>
-              <a:rPr lang="en-US" sz="2400" b="1" dirty="0" err="1">
+              <a:rPr lang="en-US" sz="2000" b="1" dirty="0" err="1">
                 <a:solidFill>
                   <a:srgbClr val="6A3E3E"/>
                 </a:solidFill>
@@ -9498,7 +11340,7 @@
               <a:t>dist</a:t>
             </a:r>
             <a:r>
-              <a:rPr lang="en-US" sz="2400" b="1" dirty="0">
+              <a:rPr lang="en-US" sz="2000" b="1" dirty="0">
                 <a:solidFill>
                   <a:srgbClr val="000000"/>
                 </a:solidFill>
@@ -9507,7 +11349,7 @@
               <a:t> = </a:t>
             </a:r>
             <a:r>
-              <a:rPr lang="en-US" sz="2400" b="1" dirty="0">
+              <a:rPr lang="en-US" sz="2000" b="1" dirty="0">
                 <a:solidFill>
                   <a:srgbClr val="6A3E3E"/>
                 </a:solidFill>
@@ -9516,7 +11358,7 @@
               <a:t>center1</a:t>
             </a:r>
             <a:r>
-              <a:rPr lang="en-US" sz="2400" b="1" dirty="0">
+              <a:rPr lang="en-US" sz="2000" b="1" dirty="0">
                 <a:solidFill>
                   <a:srgbClr val="000000"/>
                 </a:solidFill>
@@ -9525,7 +11367,7 @@
               <a:t>.distance(</a:t>
             </a:r>
             <a:r>
-              <a:rPr lang="en-US" sz="2400" b="1" dirty="0">
+              <a:rPr lang="en-US" sz="2000" b="1" dirty="0">
                 <a:solidFill>
                   <a:srgbClr val="6A3E3E"/>
                 </a:solidFill>
@@ -9534,7 +11376,7 @@
               <a:t>center2</a:t>
             </a:r>
             <a:r>
-              <a:rPr lang="en-US" sz="2400" b="1" dirty="0">
+              <a:rPr lang="en-US" sz="2000" b="1" dirty="0">
                 <a:solidFill>
                   <a:srgbClr val="000000"/>
                 </a:solidFill>
@@ -9545,7 +11387,7 @@
           </a:p>
           <a:p>
             <a:r>
-              <a:rPr lang="en-US" sz="2400" b="1" dirty="0">
+              <a:rPr lang="en-US" sz="2000" b="1" dirty="0">
                 <a:solidFill>
                   <a:srgbClr val="7F0055"/>
                 </a:solidFill>
@@ -9554,7 +11396,7 @@
               <a:t>if</a:t>
             </a:r>
             <a:r>
-              <a:rPr lang="en-US" sz="2400" b="1" dirty="0">
+              <a:rPr lang="en-US" sz="2000" b="1" dirty="0">
                 <a:solidFill>
                   <a:srgbClr val="000000"/>
                 </a:solidFill>
@@ -9563,7 +11405,7 @@
               <a:t>(</a:t>
             </a:r>
             <a:r>
-              <a:rPr lang="en-US" sz="2400" b="1" dirty="0" err="1">
+              <a:rPr lang="en-US" sz="2000" b="1" dirty="0" err="1">
                 <a:solidFill>
                   <a:srgbClr val="6A3E3E"/>
                 </a:solidFill>
@@ -9572,16 +11414,16 @@
               <a:t>dist</a:t>
             </a:r>
             <a:r>
-              <a:rPr lang="en-US" sz="2400" b="1" dirty="0">
+              <a:rPr lang="en-US" sz="2000" b="1" dirty="0">
                 <a:solidFill>
                   <a:srgbClr val="000000"/>
                 </a:solidFill>
                 <a:latin typeface="Consolas" panose="020B0609020204030204" pitchFamily="49" charset="0"/>
               </a:rPr>
-              <a:t> &gt; </a:t>
-            </a:r>
-            <a:r>
-              <a:rPr lang="en-US" sz="2400" b="1" dirty="0">
+              <a:t> &lt; </a:t>
+            </a:r>
+            <a:r>
+              <a:rPr lang="en-US" sz="2000" b="1" dirty="0">
                 <a:solidFill>
                   <a:srgbClr val="6A3E3E"/>
                 </a:solidFill>
@@ -9590,36 +11432,54 @@
               <a:t>region1</a:t>
             </a:r>
             <a:r>
-              <a:rPr lang="en-US" sz="2400" b="1" dirty="0">
+              <a:rPr lang="en-US" sz="2000" b="1" dirty="0">
                 <a:solidFill>
                   <a:srgbClr val="000000"/>
                 </a:solidFill>
                 <a:latin typeface="Consolas" panose="020B0609020204030204" pitchFamily="49" charset="0"/>
               </a:rPr>
-              <a:t>.getRadius()) {</a:t>
-            </a:r>
-          </a:p>
-          <a:p>
-            <a:r>
-              <a:rPr lang="en-US" sz="2400" dirty="0">
+              <a:t>.getRadius() + </a:t>
+            </a:r>
+            <a:r>
+              <a:rPr lang="en-US" sz="2000" b="1" dirty="0">
                 <a:solidFill>
                   <a:srgbClr val="6A3E3E"/>
                 </a:solidFill>
                 <a:latin typeface="Consolas" panose="020B0609020204030204" pitchFamily="49" charset="0"/>
               </a:rPr>
-              <a:t>   region1</a:t>
-            </a:r>
-            <a:r>
-              <a:rPr lang="en-US" sz="2400" dirty="0">
+              <a:t>region2</a:t>
+            </a:r>
+            <a:r>
+              <a:rPr lang="en-US" sz="2000" b="1" dirty="0">
                 <a:solidFill>
                   <a:srgbClr val="000000"/>
                 </a:solidFill>
                 <a:latin typeface="Consolas" panose="020B0609020204030204" pitchFamily="49" charset="0"/>
               </a:rPr>
+              <a:t>.getRadius()) {</a:t>
+            </a:r>
+          </a:p>
+          <a:p>
+            <a:r>
+              <a:rPr lang="en-US" sz="2000" dirty="0">
+                <a:solidFill>
+                  <a:srgbClr val="6A3E3E"/>
+                </a:solidFill>
+                <a:latin typeface="Consolas" panose="020B0609020204030204" pitchFamily="49" charset="0"/>
+              </a:rPr>
+              <a:t>   region1</a:t>
+            </a:r>
+            <a:r>
+              <a:rPr lang="en-US" sz="2000" dirty="0">
+                <a:solidFill>
+                  <a:srgbClr val="000000"/>
+                </a:solidFill>
+                <a:latin typeface="Consolas" panose="020B0609020204030204" pitchFamily="49" charset="0"/>
+              </a:rPr>
               <a:t>.setIsOverlapping(</a:t>
             </a:r>
             <a:r>
-              <a:rPr lang="en-US" sz="2400" b="1" dirty="0">
+              <a:rPr lang="en-US" sz="2000" b="1" dirty="0">
                 <a:solidFill>
                   <a:srgbClr val="7F0055"/>
                 </a:solidFill>
@@ -9628,7 +11488,7 @@
               <a:t>true</a:t>
             </a:r>
             <a:r>
-              <a:rPr lang="en-US" sz="2400" b="1" dirty="0">
+              <a:rPr lang="en-US" sz="2000" b="1" dirty="0">
                 <a:solidFill>
                   <a:srgbClr val="000000"/>
                 </a:solidFill>
@@ -9639,7 +11499,7 @@
           </a:p>
           <a:p>
             <a:r>
-              <a:rPr lang="en-US" sz="2400" dirty="0">
+              <a:rPr lang="en-US" sz="2000" dirty="0">
                 <a:solidFill>
                   <a:srgbClr val="000000"/>
                 </a:solidFill>
@@ -9650,7 +11510,7 @@
           </a:p>
           <a:p>
             <a:r>
-              <a:rPr lang="en-US" dirty="0">
+              <a:rPr lang="en-US" sz="1600" dirty="0">
                 <a:solidFill>
                   <a:srgbClr val="000000"/>
                 </a:solidFill>
@@ -9661,7 +11521,7 @@
               </a:rPr>
               <a:t>// This code is determining if two regions intersect</a:t>
             </a:r>
-            <a:endParaRPr lang="en-US" dirty="0">
+            <a:endParaRPr lang="en-US" sz="1600" dirty="0">
               <a:highlight>
                 <a:srgbClr val="FFFF00"/>
               </a:highlight>
@@ -9677,7 +11537,7 @@
         </p:nvSpPr>
         <p:spPr>
           <a:xfrm>
-            <a:off x="381000" y="4038600"/>
+            <a:off x="457200" y="3962400"/>
             <a:ext cx="8305800" cy="2677656"/>
           </a:xfrm>
           <a:prstGeom prst="rect">
@@ -9725,13 +11585,60 @@
       </p:sp>
       <p:sp>
         <p:nvSpPr>
+          <p:cNvPr id="7" name="Rectangle: Rounded Corners 6">
+            <a:extLst>
+              <a:ext uri="{FF2B5EF4-FFF2-40B4-BE49-F238E27FC236}">
+                <a16:creationId xmlns:a16="http://schemas.microsoft.com/office/drawing/2014/main" id="{C8CAACC2-D937-4A50-B3B9-2DA4A17FA9DE}"/>
+              </a:ext>
+            </a:extLst>
+          </p:cNvPr>
+          <p:cNvSpPr/>
+          <p:nvPr/>
+        </p:nvSpPr>
+        <p:spPr>
+          <a:xfrm>
+            <a:off x="152400" y="1121157"/>
+            <a:ext cx="8610600" cy="2677656"/>
+          </a:xfrm>
+          <a:prstGeom prst="roundRect">
+            <a:avLst/>
+          </a:prstGeom>
+          <a:noFill/>
+        </p:spPr>
+        <p:style>
+          <a:lnRef idx="2">
+            <a:schemeClr val="accent1">
+              <a:shade val="50000"/>
+            </a:schemeClr>
+          </a:lnRef>
+          <a:fillRef idx="1">
+            <a:schemeClr val="accent1"/>
+          </a:fillRef>
+          <a:effectRef idx="0">
+            <a:schemeClr val="accent1"/>
+          </a:effectRef>
+          <a:fontRef idx="minor">
+            <a:schemeClr val="lt1"/>
+          </a:fontRef>
+        </p:style>
+        <p:txBody>
+          <a:bodyPr rtlCol="0" anchor="ctr"/>
+          <a:lstStyle/>
+          <a:p>
+            <a:pPr algn="ctr"/>
+            <a:endParaRPr lang="en-US"/>
+          </a:p>
+        </p:txBody>
+      </p:sp>
+      <p:sp>
+        <p:nvSpPr>
           <p:cNvPr id="8" name="Left Arrow 7"/>
           <p:cNvSpPr/>
           <p:nvPr/>
         </p:nvSpPr>
         <p:spPr>
           <a:xfrm>
-            <a:off x="7315200" y="1143000"/>
+            <a:off x="7772400" y="1078484"/>
             <a:ext cx="1371600" cy="2209800"/>
           </a:xfrm>
           <a:prstGeom prst="leftArrow">
@@ -9763,53 +11670,6 @@
               <a:rPr lang="en-US" dirty="0"/>
               <a:t>Many ASKS</a:t>
             </a:r>
-          </a:p>
-        </p:txBody>
-      </p:sp>
-      <p:sp>
-        <p:nvSpPr>
-          <p:cNvPr id="7" name="Rectangle: Rounded Corners 6">
-            <a:extLst>
-              <a:ext uri="{FF2B5EF4-FFF2-40B4-BE49-F238E27FC236}">
-                <a16:creationId xmlns:a16="http://schemas.microsoft.com/office/drawing/2014/main" id="{C8CAACC2-D937-4A50-B3B9-2DA4A17FA9DE}"/>
-              </a:ext>
-            </a:extLst>
-          </p:cNvPr>
-          <p:cNvSpPr/>
-          <p:nvPr/>
-        </p:nvSpPr>
-        <p:spPr>
-          <a:xfrm>
-            <a:off x="152400" y="1121156"/>
-            <a:ext cx="8610600" cy="2976499"/>
-          </a:xfrm>
-          <a:prstGeom prst="roundRect">
-            <a:avLst/>
-          </a:prstGeom>
-          <a:noFill/>
-        </p:spPr>
-        <p:style>
-          <a:lnRef idx="2">
-            <a:schemeClr val="accent1">
-              <a:shade val="50000"/>
-            </a:schemeClr>
-          </a:lnRef>
-          <a:fillRef idx="1">
-            <a:schemeClr val="accent1"/>
-          </a:fillRef>
-          <a:effectRef idx="0">
-            <a:schemeClr val="accent1"/>
-          </a:effectRef>
-          <a:fontRef idx="minor">
-            <a:schemeClr val="lt1"/>
-          </a:fontRef>
-        </p:style>
-        <p:txBody>
-          <a:bodyPr rtlCol="0" anchor="ctr"/>
-          <a:lstStyle/>
-          <a:p>
-            <a:pPr algn="ctr"/>
-            <a:endParaRPr lang="en-US"/>
           </a:p>
         </p:txBody>
       </p:sp>
@@ -10773,7 +12633,7 @@
           <a:p>
             <a:r>
               <a:rPr lang="en-US" dirty="0"/>
-              <a:t>Be wary getter methods</a:t>
+              <a:t>Be wary of getter methods</a:t>
             </a:r>
           </a:p>
           <a:p>
@@ -10822,7 +12682,13 @@
       </p:grpSpPr>
       <p:sp>
         <p:nvSpPr>
-          <p:cNvPr id="2" name="Title 1"/>
+          <p:cNvPr id="2" name="Title 1">
+            <a:extLst>
+              <a:ext uri="{FF2B5EF4-FFF2-40B4-BE49-F238E27FC236}">
+                <a16:creationId xmlns:a16="http://schemas.microsoft.com/office/drawing/2014/main" id="{9D2C71B3-EAC7-849E-C9CC-60FB16B606E4}"/>
+              </a:ext>
+            </a:extLst>
+          </p:cNvPr>
           <p:cNvSpPr>
             <a:spLocks noGrp="1"/>
           </p:cNvSpPr>
@@ -10832,111 +12698,56 @@
         </p:nvSpPr>
         <p:spPr/>
         <p:txBody>
-          <a:bodyPr>
-            <a:normAutofit/>
-          </a:bodyPr>
+          <a:bodyPr/>
           <a:lstStyle/>
           <a:p>
             <a:r>
               <a:rPr lang="en-US" dirty="0"/>
-              <a:t>A simple example of Tell Don’t Ask</a:t>
-            </a:r>
-          </a:p>
-        </p:txBody>
-      </p:sp>
-      <p:sp>
-        <p:nvSpPr>
-          <p:cNvPr id="3" name="Content Placeholder 2"/>
-          <p:cNvSpPr>
-            <a:spLocks noGrp="1"/>
-          </p:cNvSpPr>
-          <p:nvPr>
-            <p:ph idx="1"/>
-          </p:nvPr>
-        </p:nvSpPr>
-        <p:spPr/>
-        <p:txBody>
-          <a:bodyPr>
-            <a:normAutofit/>
-          </a:bodyPr>
-          <a:lstStyle/>
-          <a:p>
-            <a:pPr marL="0" indent="0">
-              <a:buNone/>
-            </a:pPr>
-            <a:r>
-              <a:rPr lang="en-US" dirty="0"/>
-              <a:t>In your </a:t>
-            </a:r>
-            <a:r>
-              <a:rPr lang="en-US" dirty="0" err="1"/>
-              <a:t>TeamGradebook</a:t>
-            </a:r>
-            <a:r>
-              <a:rPr lang="en-US" dirty="0"/>
-              <a:t> classes, you need to calculate a student’s average grade.  This could be accomplished by 2 different approaches:</a:t>
-            </a:r>
-          </a:p>
-          <a:p>
-            <a:pPr marL="514350" indent="-514350">
-              <a:buAutoNum type="arabicParenR"/>
-            </a:pPr>
-            <a:r>
-              <a:rPr lang="en-US" dirty="0"/>
-              <a:t>Adding a </a:t>
-            </a:r>
-            <a:r>
-              <a:rPr lang="en-US" i="1" dirty="0" err="1"/>
-              <a:t>getAverage</a:t>
-            </a:r>
-            <a:r>
-              <a:rPr lang="en-US" dirty="0"/>
-              <a:t>() method to the Student class which calculates the average</a:t>
-            </a:r>
-          </a:p>
-          <a:p>
-            <a:pPr marL="514350" indent="-514350">
-              <a:buAutoNum type="arabicParenR"/>
-            </a:pPr>
-            <a:r>
-              <a:rPr lang="en-US" dirty="0"/>
-              <a:t>Adding a </a:t>
-            </a:r>
-            <a:r>
-              <a:rPr lang="en-US" i="1" dirty="0" err="1"/>
-              <a:t>getGrades</a:t>
-            </a:r>
-            <a:r>
-              <a:rPr lang="en-US" dirty="0"/>
-              <a:t>() method to the student class, which the </a:t>
-            </a:r>
-            <a:r>
-              <a:rPr lang="en-US" dirty="0" err="1"/>
-              <a:t>TeamGradebook</a:t>
-            </a:r>
-            <a:r>
-              <a:rPr lang="en-US" dirty="0"/>
-              <a:t> class could call, and then use to compute the average</a:t>
-            </a:r>
-          </a:p>
-          <a:p>
-            <a:pPr marL="514350" indent="-514350">
-              <a:buAutoNum type="arabicParenR"/>
-            </a:pPr>
-            <a:endParaRPr lang="en-US" dirty="0"/>
-          </a:p>
-          <a:p>
-            <a:pPr marL="514350" indent="-514350">
-              <a:buAutoNum type="alphaLcParenR"/>
-            </a:pPr>
-            <a:endParaRPr lang="en-US" dirty="0"/>
-          </a:p>
-        </p:txBody>
-      </p:sp>
+              <a:t>Recall: DP2 Solution</a:t>
+            </a:r>
+          </a:p>
+        </p:txBody>
+      </p:sp>
+      <p:pic>
+        <p:nvPicPr>
+          <p:cNvPr id="4" name="Picture 3" descr="A diagram of a computer code&#10;&#10;Description automatically generated with medium confidence">
+            <a:extLst>
+              <a:ext uri="{FF2B5EF4-FFF2-40B4-BE49-F238E27FC236}">
+                <a16:creationId xmlns:a16="http://schemas.microsoft.com/office/drawing/2014/main" id="{965C6FCA-3F0F-73A5-424B-98E39A7E3B60}"/>
+              </a:ext>
+            </a:extLst>
+          </p:cNvPr>
+          <p:cNvPicPr>
+            <a:picLocks noChangeAspect="1"/>
+          </p:cNvPicPr>
+          <p:nvPr/>
+        </p:nvPicPr>
+        <p:blipFill>
+          <a:blip r:embed="rId3">
+            <a:extLst>
+              <a:ext uri="{28A0092B-C50C-407E-A947-70E740481C1C}">
+                <a14:useLocalDpi xmlns:a14="http://schemas.microsoft.com/office/drawing/2010/main" val="0"/>
+              </a:ext>
+            </a:extLst>
+          </a:blip>
+          <a:stretch>
+            <a:fillRect/>
+          </a:stretch>
+        </p:blipFill>
+        <p:spPr>
+          <a:xfrm>
+            <a:off x="104775" y="2514600"/>
+            <a:ext cx="8934450" cy="2076617"/>
+          </a:xfrm>
+          <a:prstGeom prst="rect">
+            <a:avLst/>
+          </a:prstGeom>
+        </p:spPr>
+      </p:pic>
     </p:spTree>
     <p:extLst>
       <p:ext uri="{BB962C8B-B14F-4D97-AF65-F5344CB8AC3E}">
-        <p14:creationId xmlns:p14="http://schemas.microsoft.com/office/powerpoint/2010/main" val="3063415246"/>
+        <p14:creationId xmlns:p14="http://schemas.microsoft.com/office/powerpoint/2010/main" val="968503782"/>
       </p:ext>
     </p:extLst>
   </p:cSld>
@@ -11000,7 +12811,7 @@
         <p:spPr/>
         <p:txBody>
           <a:bodyPr>
-            <a:normAutofit/>
+            <a:normAutofit fontScale="92500" lnSpcReduction="20000"/>
           </a:bodyPr>
           <a:lstStyle/>
           <a:p>
@@ -11009,7 +12820,15 @@
             </a:pPr>
             <a:r>
               <a:rPr lang="en-US" dirty="0"/>
-              <a:t>Approach #1:</a:t>
+              <a:t>In your </a:t>
+            </a:r>
+            <a:r>
+              <a:rPr lang="en-US" dirty="0" err="1"/>
+              <a:t>VaporSalesManager</a:t>
+            </a:r>
+            <a:r>
+              <a:rPr lang="en-US" dirty="0"/>
+              <a:t> classes, you need to calculate a game’s total revenue, including revenue from its bundle sales. This could be accomplished by 2 different approaches:</a:t>
             </a:r>
           </a:p>
           <a:p>
@@ -11022,45 +12841,57 @@
             </a:r>
             <a:r>
               <a:rPr lang="en-US" i="1" dirty="0" err="1"/>
-              <a:t>getAverage</a:t>
+              <a:t>computeTotalRevenue</a:t>
             </a:r>
             <a:r>
               <a:rPr lang="en-US" dirty="0"/>
-              <a:t>() method to the Student class which calculates the average</a:t>
-            </a:r>
-          </a:p>
-          <a:p>
-            <a:pPr marL="0" indent="0">
-              <a:buNone/>
+              <a:t>() method to the Game class which adds up the revenues</a:t>
+            </a:r>
+          </a:p>
+          <a:p>
+            <a:pPr marL="514350" indent="-514350">
+              <a:buAutoNum type="arabicParenR"/>
             </a:pPr>
             <a:r>
-              <a:rPr lang="en-US" dirty="0">
-                <a:highlight>
-                  <a:srgbClr val="FFFF00"/>
-                </a:highlight>
-              </a:rPr>
-              <a:t>This approach engineers Student class so that it “knows” more about what goes on with Students, and </a:t>
-            </a:r>
-            <a:r>
-              <a:rPr lang="en-US" dirty="0" err="1">
-                <a:highlight>
-                  <a:srgbClr val="FFFF00"/>
-                </a:highlight>
-              </a:rPr>
-              <a:t>TeamGradeBook</a:t>
-            </a:r>
-            <a:r>
-              <a:rPr lang="en-US" dirty="0">
-                <a:highlight>
-                  <a:srgbClr val="FFFF00"/>
-                </a:highlight>
-              </a:rPr>
-              <a:t> “knows” less</a:t>
-            </a:r>
-          </a:p>
-          <a:p>
-            <a:pPr marL="0" indent="0">
-              <a:buNone/>
+              <a:rPr lang="en-US" dirty="0"/>
+              <a:t>Adding a </a:t>
+            </a:r>
+            <a:r>
+              <a:rPr lang="en-US" i="1" dirty="0" err="1"/>
+              <a:t>getBundles</a:t>
+            </a:r>
+            <a:r>
+              <a:rPr lang="en-US" dirty="0"/>
+              <a:t>() method to the Game class, which the </a:t>
+            </a:r>
+            <a:r>
+              <a:rPr lang="en-US" dirty="0" err="1"/>
+              <a:t>SalesManager</a:t>
+            </a:r>
+            <a:r>
+              <a:rPr lang="en-US" dirty="0"/>
+              <a:t> class could call, and then use in </a:t>
+            </a:r>
+            <a:r>
+              <a:rPr lang="en-US" i="1" dirty="0" err="1"/>
+              <a:t>handleGetHighestRevenueGame</a:t>
+            </a:r>
+            <a:r>
+              <a:rPr lang="en-US" dirty="0"/>
+              <a:t>() and  </a:t>
+            </a:r>
+            <a:r>
+              <a:rPr lang="en-US" i="1" dirty="0" err="1"/>
+              <a:t>handlePrintGameSalesReport</a:t>
+            </a:r>
+            <a:r>
+              <a:rPr lang="en-US" dirty="0"/>
+              <a:t>()</a:t>
+            </a:r>
+          </a:p>
+          <a:p>
+            <a:pPr marL="514350" indent="-514350">
+              <a:buAutoNum type="arabicParenR"/>
             </a:pPr>
             <a:endParaRPr lang="en-US" dirty="0"/>
           </a:p>
@@ -11072,57 +12903,10 @@
           </a:p>
         </p:txBody>
       </p:sp>
-      <p:sp>
-        <p:nvSpPr>
-          <p:cNvPr id="4" name="Rectangle: Rounded Corners 3">
-            <a:extLst>
-              <a:ext uri="{FF2B5EF4-FFF2-40B4-BE49-F238E27FC236}">
-                <a16:creationId xmlns:a16="http://schemas.microsoft.com/office/drawing/2014/main" id="{9FDF7A2F-37E5-4A29-9E46-AFA3BEB7826C}"/>
-              </a:ext>
-            </a:extLst>
-          </p:cNvPr>
-          <p:cNvSpPr/>
-          <p:nvPr/>
-        </p:nvSpPr>
-        <p:spPr>
-          <a:xfrm>
-            <a:off x="304800" y="2133600"/>
-            <a:ext cx="8382000" cy="1066800"/>
-          </a:xfrm>
-          <a:prstGeom prst="roundRect">
-            <a:avLst/>
-          </a:prstGeom>
-          <a:noFill/>
-        </p:spPr>
-        <p:style>
-          <a:lnRef idx="2">
-            <a:schemeClr val="accent1">
-              <a:shade val="50000"/>
-            </a:schemeClr>
-          </a:lnRef>
-          <a:fillRef idx="1">
-            <a:schemeClr val="accent1"/>
-          </a:fillRef>
-          <a:effectRef idx="0">
-            <a:schemeClr val="accent1"/>
-          </a:effectRef>
-          <a:fontRef idx="minor">
-            <a:schemeClr val="lt1"/>
-          </a:fontRef>
-        </p:style>
-        <p:txBody>
-          <a:bodyPr rtlCol="0" anchor="ctr"/>
-          <a:lstStyle/>
-          <a:p>
-            <a:pPr algn="ctr"/>
-            <a:endParaRPr lang="en-US"/>
-          </a:p>
-        </p:txBody>
-      </p:sp>
     </p:spTree>
     <p:extLst>
       <p:ext uri="{BB962C8B-B14F-4D97-AF65-F5344CB8AC3E}">
-        <p14:creationId xmlns:p14="http://schemas.microsoft.com/office/powerpoint/2010/main" val="3847481478"/>
+        <p14:creationId xmlns:p14="http://schemas.microsoft.com/office/powerpoint/2010/main" val="3063415246"/>
       </p:ext>
     </p:extLst>
   </p:cSld>
@@ -11703,18 +13487,18 @@
 </file>
 
 <file path=customXml/item1.xml><?xml version="1.0" encoding="utf-8"?>
-<p:properties xmlns:p="http://schemas.microsoft.com/office/2006/metadata/properties" xmlns:xsi="http://www.w3.org/2001/XMLSchema-instance" xmlns:pc="http://schemas.microsoft.com/office/infopath/2007/PartnerControls">
-  <documentManagement/>
-</p:properties>
-</file>
-
-<file path=customXml/item2.xml><?xml version="1.0" encoding="utf-8"?>
 <?mso-contentType ?>
 <FormTemplates xmlns="http://schemas.microsoft.com/sharepoint/v3/contenttype/forms">
   <Display>DocumentLibraryForm</Display>
   <Edit>DocumentLibraryForm</Edit>
   <New>DocumentLibraryForm</New>
 </FormTemplates>
+</file>
+
+<file path=customXml/item2.xml><?xml version="1.0" encoding="utf-8"?>
+<p:properties xmlns:p="http://schemas.microsoft.com/office/2006/metadata/properties" xmlns:xsi="http://www.w3.org/2001/XMLSchema-instance" xmlns:pc="http://schemas.microsoft.com/office/infopath/2007/PartnerControls">
+  <documentManagement/>
+</p:properties>
 </file>
 
 <file path=customXml/item3.xml><?xml version="1.0" encoding="utf-8"?>
@@ -11888,18 +13672,18 @@
 </file>
 
 <file path=customXml/itemProps1.xml><?xml version="1.0" encoding="utf-8"?>
-<ds:datastoreItem xmlns:ds="http://schemas.openxmlformats.org/officeDocument/2006/customXml" ds:itemID="{06F1CD26-666D-4C8A-ADB0-C09DB6DA8803}">
+<ds:datastoreItem xmlns:ds="http://schemas.openxmlformats.org/officeDocument/2006/customXml" ds:itemID="{9AE2D890-DD52-42DE-B5B8-84F83EC3D48C}">
   <ds:schemaRefs>
-    <ds:schemaRef ds:uri="http://schemas.microsoft.com/office/2006/metadata/properties"/>
-    <ds:schemaRef ds:uri="http://schemas.microsoft.com/office/infopath/2007/PartnerControls"/>
+    <ds:schemaRef ds:uri="http://schemas.microsoft.com/sharepoint/v3/contenttype/forms"/>
   </ds:schemaRefs>
 </ds:datastoreItem>
 </file>
 
 <file path=customXml/itemProps2.xml><?xml version="1.0" encoding="utf-8"?>
-<ds:datastoreItem xmlns:ds="http://schemas.openxmlformats.org/officeDocument/2006/customXml" ds:itemID="{9AE2D890-DD52-42DE-B5B8-84F83EC3D48C}">
+<ds:datastoreItem xmlns:ds="http://schemas.openxmlformats.org/officeDocument/2006/customXml" ds:itemID="{06F1CD26-666D-4C8A-ADB0-C09DB6DA8803}">
   <ds:schemaRefs>
-    <ds:schemaRef ds:uri="http://schemas.microsoft.com/sharepoint/v3/contenttype/forms"/>
+    <ds:schemaRef ds:uri="http://schemas.microsoft.com/office/2006/metadata/properties"/>
+    <ds:schemaRef ds:uri="http://schemas.microsoft.com/office/infopath/2007/PartnerControls"/>
   </ds:schemaRefs>
 </ds:datastoreItem>
 </file>

--- a/ClassMaterials/CohesionAndCoupling/Slides/Part2-OOD-DP4-TellDoNotAsk.pptx
+++ b/ClassMaterials/CohesionAndCoupling/Slides/Part2-OOD-DP4-TellDoNotAsk.pptx
@@ -5,7 +5,7 @@
     <p:sldMasterId id="2147483648" r:id="rId4"/>
   </p:sldMasterIdLst>
   <p:notesMasterIdLst>
-    <p:notesMasterId r:id="rId25"/>
+    <p:notesMasterId r:id="rId23"/>
   </p:notesMasterIdLst>
   <p:sldIdLst>
     <p:sldId id="284" r:id="rId5"/>
@@ -15,19 +15,17 @@
     <p:sldId id="305" r:id="rId9"/>
     <p:sldId id="307" r:id="rId10"/>
     <p:sldId id="309" r:id="rId11"/>
-    <p:sldId id="383" r:id="rId12"/>
-    <p:sldId id="349" r:id="rId13"/>
-    <p:sldId id="384" r:id="rId14"/>
-    <p:sldId id="362" r:id="rId15"/>
-    <p:sldId id="363" r:id="rId16"/>
-    <p:sldId id="387" r:id="rId17"/>
-    <p:sldId id="351" r:id="rId18"/>
-    <p:sldId id="386" r:id="rId19"/>
-    <p:sldId id="385" r:id="rId20"/>
-    <p:sldId id="354" r:id="rId21"/>
-    <p:sldId id="381" r:id="rId22"/>
-    <p:sldId id="382" r:id="rId23"/>
-    <p:sldId id="333" r:id="rId24"/>
+    <p:sldId id="349" r:id="rId12"/>
+    <p:sldId id="362" r:id="rId13"/>
+    <p:sldId id="363" r:id="rId14"/>
+    <p:sldId id="350" r:id="rId15"/>
+    <p:sldId id="351" r:id="rId16"/>
+    <p:sldId id="352" r:id="rId17"/>
+    <p:sldId id="353" r:id="rId18"/>
+    <p:sldId id="354" r:id="rId19"/>
+    <p:sldId id="381" r:id="rId20"/>
+    <p:sldId id="382" r:id="rId21"/>
+    <p:sldId id="333" r:id="rId22"/>
   </p:sldIdLst>
   <p:sldSz cx="9144000" cy="6858000" type="screen4x3"/>
   <p:notesSz cx="6858000" cy="9144000"/>
@@ -232,790 +230,6 @@
 </pc:chgInfo>
 </file>
 
-<file path=ppt/ink/ink1.xml><?xml version="1.0" encoding="utf-8"?>
-<inkml:ink xmlns:inkml="http://www.w3.org/2003/InkML">
-  <inkml:definitions>
-    <inkml:context xml:id="ctx0">
-      <inkml:inkSource xml:id="inkSrc0">
-        <inkml:traceFormat>
-          <inkml:channel name="X" type="integer" min="-2.14748E9" max="2.14748E9" units="cm"/>
-          <inkml:channel name="Y" type="integer" min="-2.14748E9" max="2.14748E9" units="cm"/>
-          <inkml:channel name="F" type="integer" max="32767" units="dev"/>
-        </inkml:traceFormat>
-        <inkml:channelProperties>
-          <inkml:channelProperty channel="X" name="resolution" value="1000" units="1/cm"/>
-          <inkml:channelProperty channel="Y" name="resolution" value="1000" units="1/cm"/>
-          <inkml:channelProperty channel="F" name="resolution" value="0" units="1/dev"/>
-        </inkml:channelProperties>
-      </inkml:inkSource>
-      <inkml:timestamp xml:id="ts0" timeString="2023-09-29T18:36:53.376"/>
-    </inkml:context>
-    <inkml:brush xml:id="br0">
-      <inkml:brushProperty name="width" value="0.035" units="cm"/>
-      <inkml:brushProperty name="height" value="0.035" units="cm"/>
-      <inkml:brushProperty name="color" value="#E71224"/>
-    </inkml:brush>
-  </inkml:definitions>
-  <inkml:trace contextRef="#ctx0" brushRef="#br0">0 1 24575,'0'5'0,"17"15"0,29 14 0,30 8 0,13 8 0,-3-5 0,-4-4 0,-10-3 0,-13-8 0,-15-4 0,-15-6-8191</inkml:trace>
-</inkml:ink>
-</file>
-
-<file path=ppt/ink/ink10.xml><?xml version="1.0" encoding="utf-8"?>
-<inkml:ink xmlns:inkml="http://www.w3.org/2003/InkML">
-  <inkml:definitions>
-    <inkml:context xml:id="ctx0">
-      <inkml:inkSource xml:id="inkSrc0">
-        <inkml:traceFormat>
-          <inkml:channel name="X" type="integer" min="-2.14748E9" max="2.14748E9" units="cm"/>
-          <inkml:channel name="Y" type="integer" min="-2.14748E9" max="2.14748E9" units="cm"/>
-          <inkml:channel name="F" type="integer" max="32767" units="dev"/>
-        </inkml:traceFormat>
-        <inkml:channelProperties>
-          <inkml:channelProperty channel="X" name="resolution" value="1000" units="1/cm"/>
-          <inkml:channelProperty channel="Y" name="resolution" value="1000" units="1/cm"/>
-          <inkml:channelProperty channel="F" name="resolution" value="0" units="1/dev"/>
-        </inkml:channelProperties>
-      </inkml:inkSource>
-      <inkml:timestamp xml:id="ts0" timeString="2023-09-29T18:36:57.706"/>
-    </inkml:context>
-    <inkml:brush xml:id="br0">
-      <inkml:brushProperty name="width" value="0.035" units="cm"/>
-      <inkml:brushProperty name="height" value="0.035" units="cm"/>
-      <inkml:brushProperty name="color" value="#E71224"/>
-    </inkml:brush>
-  </inkml:definitions>
-  <inkml:trace contextRef="#ctx0" brushRef="#br0">0 619 24575,'0'-6'0,"0"-7"0,12-20 0,26-26 0,18-27 0,18-9 0,1-1 0,0 4 0,-13 13 0,-17 19-8191</inkml:trace>
-</inkml:ink>
-</file>
-
-<file path=ppt/ink/ink11.xml><?xml version="1.0" encoding="utf-8"?>
-<inkml:ink xmlns:inkml="http://www.w3.org/2003/InkML">
-  <inkml:definitions>
-    <inkml:context xml:id="ctx0">
-      <inkml:inkSource xml:id="inkSrc0">
-        <inkml:traceFormat>
-          <inkml:channel name="X" type="integer" min="-2.14748E9" max="2.14748E9" units="cm"/>
-          <inkml:channel name="Y" type="integer" min="-2.14748E9" max="2.14748E9" units="cm"/>
-          <inkml:channel name="F" type="integer" max="32767" units="dev"/>
-        </inkml:traceFormat>
-        <inkml:channelProperties>
-          <inkml:channelProperty channel="X" name="resolution" value="1000" units="1/cm"/>
-          <inkml:channelProperty channel="Y" name="resolution" value="1000" units="1/cm"/>
-          <inkml:channelProperty channel="F" name="resolution" value="0" units="1/dev"/>
-        </inkml:channelProperties>
-      </inkml:inkSource>
-      <inkml:timestamp xml:id="ts0" timeString="2023-09-29T18:36:58.595"/>
-    </inkml:context>
-    <inkml:brush xml:id="br0">
-      <inkml:brushProperty name="width" value="0.035" units="cm"/>
-      <inkml:brushProperty name="height" value="0.035" units="cm"/>
-      <inkml:brushProperty name="color" value="#E71224"/>
-    </inkml:brush>
-  </inkml:definitions>
-  <inkml:trace contextRef="#ctx0" brushRef="#br0">611 0 24575,'-12'0'0,"-15"6"0,-14 7 0,-7 8 0,-5-1 0,5 3 0,5 3 0,5-2 0,2-1 0,-3-3 0,-2 0 0,1-3 0,7 1 0,4-2 0,0-4 0,0-4 0,4-4-8191</inkml:trace>
-</inkml:ink>
-</file>
-
-<file path=ppt/ink/ink12.xml><?xml version="1.0" encoding="utf-8"?>
-<inkml:ink xmlns:inkml="http://www.w3.org/2003/InkML">
-  <inkml:definitions>
-    <inkml:context xml:id="ctx0">
-      <inkml:inkSource xml:id="inkSrc0">
-        <inkml:traceFormat>
-          <inkml:channel name="X" type="integer" min="-2.14748E9" max="2.14748E9" units="cm"/>
-          <inkml:channel name="Y" type="integer" min="-2.14748E9" max="2.14748E9" units="cm"/>
-          <inkml:channel name="F" type="integer" max="32767" units="dev"/>
-        </inkml:traceFormat>
-        <inkml:channelProperties>
-          <inkml:channelProperty channel="X" name="resolution" value="1000" units="1/cm"/>
-          <inkml:channelProperty channel="Y" name="resolution" value="1000" units="1/cm"/>
-          <inkml:channelProperty channel="F" name="resolution" value="0" units="1/dev"/>
-        </inkml:channelProperties>
-      </inkml:inkSource>
-      <inkml:timestamp xml:id="ts0" timeString="2023-09-29T18:36:59.517"/>
-    </inkml:context>
-    <inkml:brush xml:id="br0">
-      <inkml:brushProperty name="width" value="0.035" units="cm"/>
-      <inkml:brushProperty name="height" value="0.035" units="cm"/>
-      <inkml:brushProperty name="color" value="#E71224"/>
-    </inkml:brush>
-  </inkml:definitions>
-  <inkml:trace contextRef="#ctx0" brushRef="#br0">1 1 24575,'0'6'0,"0"13"0,0 9 0,0 6 0,0 2 0,5 2 0,3-1 0,-1 0 0,-1-1 0,-2-1 0,-2-1 0,0 1 0,-2-7-8191</inkml:trace>
-</inkml:ink>
-</file>
-
-<file path=ppt/ink/ink13.xml><?xml version="1.0" encoding="utf-8"?>
-<inkml:ink xmlns:inkml="http://www.w3.org/2003/InkML">
-  <inkml:definitions>
-    <inkml:context xml:id="ctx0">
-      <inkml:inkSource xml:id="inkSrc0">
-        <inkml:traceFormat>
-          <inkml:channel name="X" type="integer" min="-2.14748E9" max="2.14748E9" units="cm"/>
-          <inkml:channel name="Y" type="integer" min="-2.14748E9" max="2.14748E9" units="cm"/>
-          <inkml:channel name="F" type="integer" max="32767" units="dev"/>
-        </inkml:traceFormat>
-        <inkml:channelProperties>
-          <inkml:channelProperty channel="X" name="resolution" value="1000" units="1/cm"/>
-          <inkml:channelProperty channel="Y" name="resolution" value="1000" units="1/cm"/>
-          <inkml:channelProperty channel="F" name="resolution" value="0" units="1/dev"/>
-        </inkml:channelProperties>
-      </inkml:inkSource>
-      <inkml:timestamp xml:id="ts0" timeString="2023-09-29T18:37:04.615"/>
-    </inkml:context>
-    <inkml:brush xml:id="br0">
-      <inkml:brushProperty name="width" value="0.035" units="cm"/>
-      <inkml:brushProperty name="height" value="0.035" units="cm"/>
-      <inkml:brushProperty name="color" value="#E71224"/>
-    </inkml:brush>
-  </inkml:definitions>
-  <inkml:trace contextRef="#ctx0" brushRef="#br0">1 0 24575,'0'0'0</inkml:trace>
-</inkml:ink>
-</file>
-
-<file path=ppt/ink/ink14.xml><?xml version="1.0" encoding="utf-8"?>
-<inkml:ink xmlns:inkml="http://www.w3.org/2003/InkML">
-  <inkml:definitions>
-    <inkml:context xml:id="ctx0">
-      <inkml:inkSource xml:id="inkSrc0">
-        <inkml:traceFormat>
-          <inkml:channel name="X" type="integer" min="-2.14748E9" max="2.14748E9" units="cm"/>
-          <inkml:channel name="Y" type="integer" min="-2.14748E9" max="2.14748E9" units="cm"/>
-          <inkml:channel name="F" type="integer" max="32767" units="dev"/>
-        </inkml:traceFormat>
-        <inkml:channelProperties>
-          <inkml:channelProperty channel="X" name="resolution" value="1000" units="1/cm"/>
-          <inkml:channelProperty channel="Y" name="resolution" value="1000" units="1/cm"/>
-          <inkml:channelProperty channel="F" name="resolution" value="0" units="1/dev"/>
-        </inkml:channelProperties>
-      </inkml:inkSource>
-      <inkml:timestamp xml:id="ts0" timeString="2023-09-29T18:37:09.740"/>
-    </inkml:context>
-    <inkml:brush xml:id="br0">
-      <inkml:brushProperty name="width" value="0.035" units="cm"/>
-      <inkml:brushProperty name="height" value="0.035" units="cm"/>
-      <inkml:brushProperty name="color" value="#E71224"/>
-    </inkml:brush>
-  </inkml:definitions>
-  <inkml:trace contextRef="#ctx0" brushRef="#br0">0 0 24575,'1626'0'0,"-1562"3"0,68 12 0,56 3 0,969-16 0,-554-5 0,43 3-1365,-604 0-5461</inkml:trace>
-</inkml:ink>
-</file>
-
-<file path=ppt/ink/ink15.xml><?xml version="1.0" encoding="utf-8"?>
-<inkml:ink xmlns:inkml="http://www.w3.org/2003/InkML">
-  <inkml:definitions>
-    <inkml:context xml:id="ctx0">
-      <inkml:inkSource xml:id="inkSrc0">
-        <inkml:traceFormat>
-          <inkml:channel name="X" type="integer" min="-2.14748E9" max="2.14748E9" units="cm"/>
-          <inkml:channel name="Y" type="integer" min="-2.14748E9" max="2.14748E9" units="cm"/>
-          <inkml:channel name="F" type="integer" max="32767" units="dev"/>
-        </inkml:traceFormat>
-        <inkml:channelProperties>
-          <inkml:channelProperty channel="X" name="resolution" value="1000" units="1/cm"/>
-          <inkml:channelProperty channel="Y" name="resolution" value="1000" units="1/cm"/>
-          <inkml:channelProperty channel="F" name="resolution" value="0" units="1/dev"/>
-        </inkml:channelProperties>
-      </inkml:inkSource>
-      <inkml:timestamp xml:id="ts0" timeString="2023-09-29T18:36:53.376"/>
-    </inkml:context>
-    <inkml:brush xml:id="br0">
-      <inkml:brushProperty name="width" value="0.035" units="cm"/>
-      <inkml:brushProperty name="height" value="0.035" units="cm"/>
-      <inkml:brushProperty name="color" value="#E71224"/>
-    </inkml:brush>
-  </inkml:definitions>
-  <inkml:trace contextRef="#ctx0" brushRef="#br0">0 1 24575,'0'5'0,"17"15"0,29 14 0,30 8 0,13 8 0,-3-5 0,-4-4 0,-10-3 0,-13-8 0,-15-4 0,-15-6-8191</inkml:trace>
-</inkml:ink>
-</file>
-
-<file path=ppt/ink/ink16.xml><?xml version="1.0" encoding="utf-8"?>
-<inkml:ink xmlns:inkml="http://www.w3.org/2003/InkML">
-  <inkml:definitions>
-    <inkml:context xml:id="ctx0">
-      <inkml:inkSource xml:id="inkSrc0">
-        <inkml:traceFormat>
-          <inkml:channel name="X" type="integer" min="-2.14748E9" max="2.14748E9" units="cm"/>
-          <inkml:channel name="Y" type="integer" min="-2.14748E9" max="2.14748E9" units="cm"/>
-          <inkml:channel name="F" type="integer" max="32767" units="dev"/>
-        </inkml:traceFormat>
-        <inkml:channelProperties>
-          <inkml:channelProperty channel="X" name="resolution" value="1000" units="1/cm"/>
-          <inkml:channelProperty channel="Y" name="resolution" value="1000" units="1/cm"/>
-          <inkml:channelProperty channel="F" name="resolution" value="0" units="1/dev"/>
-        </inkml:channelProperties>
-      </inkml:inkSource>
-      <inkml:timestamp xml:id="ts0" timeString="2023-09-29T18:36:53.817"/>
-    </inkml:context>
-    <inkml:brush xml:id="br0">
-      <inkml:brushProperty name="width" value="0.035" units="cm"/>
-      <inkml:brushProperty name="height" value="0.035" units="cm"/>
-      <inkml:brushProperty name="color" value="#E71224"/>
-    </inkml:brush>
-  </inkml:definitions>
-  <inkml:trace contextRef="#ctx0" brushRef="#br0">1 1 24575,'6'0'0,"7"0"0,31 6 0,25 7 0,12 2 0,4-2 0,-7 3 0,-11-2 0,-5-2 0,-13-5-8191</inkml:trace>
-</inkml:ink>
-</file>
-
-<file path=ppt/ink/ink17.xml><?xml version="1.0" encoding="utf-8"?>
-<inkml:ink xmlns:inkml="http://www.w3.org/2003/InkML">
-  <inkml:definitions>
-    <inkml:context xml:id="ctx0">
-      <inkml:inkSource xml:id="inkSrc0">
-        <inkml:traceFormat>
-          <inkml:channel name="X" type="integer" min="-2.14748E9" max="2.14748E9" units="cm"/>
-          <inkml:channel name="Y" type="integer" min="-2.14748E9" max="2.14748E9" units="cm"/>
-          <inkml:channel name="F" type="integer" max="32767" units="dev"/>
-        </inkml:traceFormat>
-        <inkml:channelProperties>
-          <inkml:channelProperty channel="X" name="resolution" value="1000" units="1/cm"/>
-          <inkml:channelProperty channel="Y" name="resolution" value="1000" units="1/cm"/>
-          <inkml:channelProperty channel="F" name="resolution" value="0" units="1/dev"/>
-        </inkml:channelProperties>
-      </inkml:inkSource>
-      <inkml:timestamp xml:id="ts0" timeString="2023-09-29T18:36:54.326"/>
-    </inkml:context>
-    <inkml:brush xml:id="br0">
-      <inkml:brushProperty name="width" value="0.035" units="cm"/>
-      <inkml:brushProperty name="height" value="0.035" units="cm"/>
-      <inkml:brushProperty name="color" value="#E71224"/>
-    </inkml:brush>
-  </inkml:definitions>
-  <inkml:trace contextRef="#ctx0" brushRef="#br0">1 1 24575,'28'0'0,"28"6"0,21 1 0,20 6 0,11 1 0,5 3 0,0 0 0,-2 1 0,-14-1 0,-17 2 0,-23-3-8191</inkml:trace>
-</inkml:ink>
-</file>
-
-<file path=ppt/ink/ink18.xml><?xml version="1.0" encoding="utf-8"?>
-<inkml:ink xmlns:inkml="http://www.w3.org/2003/InkML">
-  <inkml:definitions>
-    <inkml:context xml:id="ctx0">
-      <inkml:inkSource xml:id="inkSrc0">
-        <inkml:traceFormat>
-          <inkml:channel name="X" type="integer" min="-2.14748E9" max="2.14748E9" units="cm"/>
-          <inkml:channel name="Y" type="integer" min="-2.14748E9" max="2.14748E9" units="cm"/>
-          <inkml:channel name="F" type="integer" max="32767" units="dev"/>
-        </inkml:traceFormat>
-        <inkml:channelProperties>
-          <inkml:channelProperty channel="X" name="resolution" value="1000" units="1/cm"/>
-          <inkml:channelProperty channel="Y" name="resolution" value="1000" units="1/cm"/>
-          <inkml:channelProperty channel="F" name="resolution" value="0" units="1/dev"/>
-        </inkml:channelProperties>
-      </inkml:inkSource>
-      <inkml:timestamp xml:id="ts0" timeString="2023-09-29T18:36:54.752"/>
-    </inkml:context>
-    <inkml:brush xml:id="br0">
-      <inkml:brushProperty name="width" value="0.035" units="cm"/>
-      <inkml:brushProperty name="height" value="0.035" units="cm"/>
-      <inkml:brushProperty name="color" value="#E71224"/>
-    </inkml:brush>
-  </inkml:definitions>
-  <inkml:trace contextRef="#ctx0" brushRef="#br0">1 1 24575,'5'0'0,"9"0"0,12 0 0,20 0 0,14 0 0,7 6 0,-1 1 0,-1 0 0,-5-1 0,-14-2-8191</inkml:trace>
-</inkml:ink>
-</file>
-
-<file path=ppt/ink/ink19.xml><?xml version="1.0" encoding="utf-8"?>
-<inkml:ink xmlns:inkml="http://www.w3.org/2003/InkML">
-  <inkml:definitions>
-    <inkml:context xml:id="ctx0">
-      <inkml:inkSource xml:id="inkSrc0">
-        <inkml:traceFormat>
-          <inkml:channel name="X" type="integer" min="-2.14748E9" max="2.14748E9" units="cm"/>
-          <inkml:channel name="Y" type="integer" min="-2.14748E9" max="2.14748E9" units="cm"/>
-          <inkml:channel name="F" type="integer" max="32767" units="dev"/>
-        </inkml:traceFormat>
-        <inkml:channelProperties>
-          <inkml:channelProperty channel="X" name="resolution" value="1000" units="1/cm"/>
-          <inkml:channelProperty channel="Y" name="resolution" value="1000" units="1/cm"/>
-          <inkml:channelProperty channel="F" name="resolution" value="0" units="1/dev"/>
-        </inkml:channelProperties>
-      </inkml:inkSource>
-      <inkml:timestamp xml:id="ts0" timeString="2023-09-29T18:36:55.178"/>
-    </inkml:context>
-    <inkml:brush xml:id="br0">
-      <inkml:brushProperty name="width" value="0.035" units="cm"/>
-      <inkml:brushProperty name="height" value="0.035" units="cm"/>
-      <inkml:brushProperty name="color" value="#E71224"/>
-    </inkml:brush>
-  </inkml:definitions>
-  <inkml:trace contextRef="#ctx0" brushRef="#br0">0 1 24575,'12'0'0,"15"0"0,14 0 0,18 0 0,22 0 0,20 0 0,16 0 0,11 0 0,1 6 0,-10 2 0,-13-1 0,-20-1 0,-23-2-8191</inkml:trace>
-</inkml:ink>
-</file>
-
-<file path=ppt/ink/ink2.xml><?xml version="1.0" encoding="utf-8"?>
-<inkml:ink xmlns:inkml="http://www.w3.org/2003/InkML">
-  <inkml:definitions>
-    <inkml:context xml:id="ctx0">
-      <inkml:inkSource xml:id="inkSrc0">
-        <inkml:traceFormat>
-          <inkml:channel name="X" type="integer" min="-2.14748E9" max="2.14748E9" units="cm"/>
-          <inkml:channel name="Y" type="integer" min="-2.14748E9" max="2.14748E9" units="cm"/>
-          <inkml:channel name="F" type="integer" max="32767" units="dev"/>
-        </inkml:traceFormat>
-        <inkml:channelProperties>
-          <inkml:channelProperty channel="X" name="resolution" value="1000" units="1/cm"/>
-          <inkml:channelProperty channel="Y" name="resolution" value="1000" units="1/cm"/>
-          <inkml:channelProperty channel="F" name="resolution" value="0" units="1/dev"/>
-        </inkml:channelProperties>
-      </inkml:inkSource>
-      <inkml:timestamp xml:id="ts0" timeString="2023-09-29T18:36:53.817"/>
-    </inkml:context>
-    <inkml:brush xml:id="br0">
-      <inkml:brushProperty name="width" value="0.035" units="cm"/>
-      <inkml:brushProperty name="height" value="0.035" units="cm"/>
-      <inkml:brushProperty name="color" value="#E71224"/>
-    </inkml:brush>
-  </inkml:definitions>
-  <inkml:trace contextRef="#ctx0" brushRef="#br0">1 1 24575,'6'0'0,"7"0"0,31 6 0,25 7 0,12 2 0,4-2 0,-7 3 0,-11-2 0,-5-2 0,-13-5-8191</inkml:trace>
-</inkml:ink>
-</file>
-
-<file path=ppt/ink/ink20.xml><?xml version="1.0" encoding="utf-8"?>
-<inkml:ink xmlns:inkml="http://www.w3.org/2003/InkML">
-  <inkml:definitions>
-    <inkml:context xml:id="ctx0">
-      <inkml:inkSource xml:id="inkSrc0">
-        <inkml:traceFormat>
-          <inkml:channel name="X" type="integer" min="-2.14748E9" max="2.14748E9" units="cm"/>
-          <inkml:channel name="Y" type="integer" min="-2.14748E9" max="2.14748E9" units="cm"/>
-          <inkml:channel name="F" type="integer" max="32767" units="dev"/>
-        </inkml:traceFormat>
-        <inkml:channelProperties>
-          <inkml:channelProperty channel="X" name="resolution" value="1000" units="1/cm"/>
-          <inkml:channelProperty channel="Y" name="resolution" value="1000" units="1/cm"/>
-          <inkml:channelProperty channel="F" name="resolution" value="0" units="1/dev"/>
-        </inkml:channelProperties>
-      </inkml:inkSource>
-      <inkml:timestamp xml:id="ts0" timeString="2023-09-29T18:36:55.606"/>
-    </inkml:context>
-    <inkml:brush xml:id="br0">
-      <inkml:brushProperty name="width" value="0.035" units="cm"/>
-      <inkml:brushProperty name="height" value="0.035" units="cm"/>
-      <inkml:brushProperty name="color" value="#E71224"/>
-    </inkml:brush>
-  </inkml:definitions>
-  <inkml:trace contextRef="#ctx0" brushRef="#br0">1 75 24575,'17'0'0,"18"0"0,8 0 0,37-12 0,29-9 0,29-1 0,-8 3-8191</inkml:trace>
-</inkml:ink>
-</file>
-
-<file path=ppt/ink/ink21.xml><?xml version="1.0" encoding="utf-8"?>
-<inkml:ink xmlns:inkml="http://www.w3.org/2003/InkML">
-  <inkml:definitions>
-    <inkml:context xml:id="ctx0">
-      <inkml:inkSource xml:id="inkSrc0">
-        <inkml:traceFormat>
-          <inkml:channel name="X" type="integer" min="-2.14748E9" max="2.14748E9" units="cm"/>
-          <inkml:channel name="Y" type="integer" min="-2.14748E9" max="2.14748E9" units="cm"/>
-          <inkml:channel name="F" type="integer" max="32767" units="dev"/>
-        </inkml:traceFormat>
-        <inkml:channelProperties>
-          <inkml:channelProperty channel="X" name="resolution" value="1000" units="1/cm"/>
-          <inkml:channelProperty channel="Y" name="resolution" value="1000" units="1/cm"/>
-          <inkml:channelProperty channel="F" name="resolution" value="0" units="1/dev"/>
-        </inkml:channelProperties>
-      </inkml:inkSource>
-      <inkml:timestamp xml:id="ts0" timeString="2023-09-29T18:36:55.938"/>
-    </inkml:context>
-    <inkml:brush xml:id="br0">
-      <inkml:brushProperty name="width" value="0.035" units="cm"/>
-      <inkml:brushProperty name="height" value="0.035" units="cm"/>
-      <inkml:brushProperty name="color" value="#E71224"/>
-    </inkml:brush>
-  </inkml:definitions>
-  <inkml:trace contextRef="#ctx0" brushRef="#br0">0 162 24575,'6'0'0,"13"0"0,15-5 0,19-9 0,12-1 0,12-4 0,10-4 0,8-5 0,11-2 0,-13 3-8191</inkml:trace>
-</inkml:ink>
-</file>
-
-<file path=ppt/ink/ink22.xml><?xml version="1.0" encoding="utf-8"?>
-<inkml:ink xmlns:inkml="http://www.w3.org/2003/InkML">
-  <inkml:definitions>
-    <inkml:context xml:id="ctx0">
-      <inkml:inkSource xml:id="inkSrc0">
-        <inkml:traceFormat>
-          <inkml:channel name="X" type="integer" min="-2.14748E9" max="2.14748E9" units="cm"/>
-          <inkml:channel name="Y" type="integer" min="-2.14748E9" max="2.14748E9" units="cm"/>
-          <inkml:channel name="F" type="integer" max="32767" units="dev"/>
-        </inkml:traceFormat>
-        <inkml:channelProperties>
-          <inkml:channelProperty channel="X" name="resolution" value="1000" units="1/cm"/>
-          <inkml:channelProperty channel="Y" name="resolution" value="1000" units="1/cm"/>
-          <inkml:channelProperty channel="F" name="resolution" value="0" units="1/dev"/>
-        </inkml:channelProperties>
-      </inkml:inkSource>
-      <inkml:timestamp xml:id="ts0" timeString="2023-09-29T18:36:56.303"/>
-    </inkml:context>
-    <inkml:brush xml:id="br0">
-      <inkml:brushProperty name="width" value="0.035" units="cm"/>
-      <inkml:brushProperty name="height" value="0.035" units="cm"/>
-      <inkml:brushProperty name="color" value="#E71224"/>
-    </inkml:brush>
-  </inkml:definitions>
-  <inkml:trace contextRef="#ctx0" brushRef="#br0">0 198 24575,'12'-18'0,"32"-33"0,15-15 0,-3 4-8191</inkml:trace>
-</inkml:ink>
-</file>
-
-<file path=ppt/ink/ink23.xml><?xml version="1.0" encoding="utf-8"?>
-<inkml:ink xmlns:inkml="http://www.w3.org/2003/InkML">
-  <inkml:definitions>
-    <inkml:context xml:id="ctx0">
-      <inkml:inkSource xml:id="inkSrc0">
-        <inkml:traceFormat>
-          <inkml:channel name="X" type="integer" min="-2.14748E9" max="2.14748E9" units="cm"/>
-          <inkml:channel name="Y" type="integer" min="-2.14748E9" max="2.14748E9" units="cm"/>
-          <inkml:channel name="F" type="integer" max="32767" units="dev"/>
-        </inkml:traceFormat>
-        <inkml:channelProperties>
-          <inkml:channelProperty channel="X" name="resolution" value="1000" units="1/cm"/>
-          <inkml:channelProperty channel="Y" name="resolution" value="1000" units="1/cm"/>
-          <inkml:channelProperty channel="F" name="resolution" value="0" units="1/dev"/>
-        </inkml:channelProperties>
-      </inkml:inkSource>
-      <inkml:timestamp xml:id="ts0" timeString="2023-09-29T18:36:57.078"/>
-    </inkml:context>
-    <inkml:brush xml:id="br0">
-      <inkml:brushProperty name="width" value="0.035" units="cm"/>
-      <inkml:brushProperty name="height" value="0.035" units="cm"/>
-      <inkml:brushProperty name="color" value="#E71224"/>
-    </inkml:brush>
-  </inkml:definitions>
-  <inkml:trace contextRef="#ctx0" brushRef="#br0">0 95 24575,'6'0'0,"7"0"0,8 0 0,0-6 0,8-2 0,4-5 0,4-7 0,0-5 0,-6 2-8191</inkml:trace>
-</inkml:ink>
-</file>
-
-<file path=ppt/ink/ink24.xml><?xml version="1.0" encoding="utf-8"?>
-<inkml:ink xmlns:inkml="http://www.w3.org/2003/InkML">
-  <inkml:definitions>
-    <inkml:context xml:id="ctx0">
-      <inkml:inkSource xml:id="inkSrc0">
-        <inkml:traceFormat>
-          <inkml:channel name="X" type="integer" min="-2.14748E9" max="2.14748E9" units="cm"/>
-          <inkml:channel name="Y" type="integer" min="-2.14748E9" max="2.14748E9" units="cm"/>
-          <inkml:channel name="F" type="integer" max="32767" units="dev"/>
-        </inkml:traceFormat>
-        <inkml:channelProperties>
-          <inkml:channelProperty channel="X" name="resolution" value="1000" units="1/cm"/>
-          <inkml:channelProperty channel="Y" name="resolution" value="1000" units="1/cm"/>
-          <inkml:channelProperty channel="F" name="resolution" value="0" units="1/dev"/>
-        </inkml:channelProperties>
-      </inkml:inkSource>
-      <inkml:timestamp xml:id="ts0" timeString="2023-09-29T18:36:57.706"/>
-    </inkml:context>
-    <inkml:brush xml:id="br0">
-      <inkml:brushProperty name="width" value="0.035" units="cm"/>
-      <inkml:brushProperty name="height" value="0.035" units="cm"/>
-      <inkml:brushProperty name="color" value="#E71224"/>
-    </inkml:brush>
-  </inkml:definitions>
-  <inkml:trace contextRef="#ctx0" brushRef="#br0">0 619 24575,'0'-6'0,"0"-7"0,12-20 0,26-26 0,18-27 0,18-9 0,1-1 0,0 4 0,-13 13 0,-17 19-8191</inkml:trace>
-</inkml:ink>
-</file>
-
-<file path=ppt/ink/ink25.xml><?xml version="1.0" encoding="utf-8"?>
-<inkml:ink xmlns:inkml="http://www.w3.org/2003/InkML">
-  <inkml:definitions>
-    <inkml:context xml:id="ctx0">
-      <inkml:inkSource xml:id="inkSrc0">
-        <inkml:traceFormat>
-          <inkml:channel name="X" type="integer" min="-2.14748E9" max="2.14748E9" units="cm"/>
-          <inkml:channel name="Y" type="integer" min="-2.14748E9" max="2.14748E9" units="cm"/>
-          <inkml:channel name="F" type="integer" max="32767" units="dev"/>
-        </inkml:traceFormat>
-        <inkml:channelProperties>
-          <inkml:channelProperty channel="X" name="resolution" value="1000" units="1/cm"/>
-          <inkml:channelProperty channel="Y" name="resolution" value="1000" units="1/cm"/>
-          <inkml:channelProperty channel="F" name="resolution" value="0" units="1/dev"/>
-        </inkml:channelProperties>
-      </inkml:inkSource>
-      <inkml:timestamp xml:id="ts0" timeString="2023-09-29T18:36:58.595"/>
-    </inkml:context>
-    <inkml:brush xml:id="br0">
-      <inkml:brushProperty name="width" value="0.035" units="cm"/>
-      <inkml:brushProperty name="height" value="0.035" units="cm"/>
-      <inkml:brushProperty name="color" value="#E71224"/>
-    </inkml:brush>
-  </inkml:definitions>
-  <inkml:trace contextRef="#ctx0" brushRef="#br0">611 0 24575,'-12'0'0,"-15"6"0,-14 7 0,-7 8 0,-5-1 0,5 3 0,5 3 0,5-2 0,2-1 0,-3-3 0,-2 0 0,1-3 0,7 1 0,4-2 0,0-4 0,0-4 0,4-4-8191</inkml:trace>
-</inkml:ink>
-</file>
-
-<file path=ppt/ink/ink26.xml><?xml version="1.0" encoding="utf-8"?>
-<inkml:ink xmlns:inkml="http://www.w3.org/2003/InkML">
-  <inkml:definitions>
-    <inkml:context xml:id="ctx0">
-      <inkml:inkSource xml:id="inkSrc0">
-        <inkml:traceFormat>
-          <inkml:channel name="X" type="integer" min="-2.14748E9" max="2.14748E9" units="cm"/>
-          <inkml:channel name="Y" type="integer" min="-2.14748E9" max="2.14748E9" units="cm"/>
-          <inkml:channel name="F" type="integer" max="32767" units="dev"/>
-        </inkml:traceFormat>
-        <inkml:channelProperties>
-          <inkml:channelProperty channel="X" name="resolution" value="1000" units="1/cm"/>
-          <inkml:channelProperty channel="Y" name="resolution" value="1000" units="1/cm"/>
-          <inkml:channelProperty channel="F" name="resolution" value="0" units="1/dev"/>
-        </inkml:channelProperties>
-      </inkml:inkSource>
-      <inkml:timestamp xml:id="ts0" timeString="2023-09-29T18:36:59.517"/>
-    </inkml:context>
-    <inkml:brush xml:id="br0">
-      <inkml:brushProperty name="width" value="0.035" units="cm"/>
-      <inkml:brushProperty name="height" value="0.035" units="cm"/>
-      <inkml:brushProperty name="color" value="#E71224"/>
-    </inkml:brush>
-  </inkml:definitions>
-  <inkml:trace contextRef="#ctx0" brushRef="#br0">1 1 24575,'0'6'0,"0"13"0,0 9 0,0 6 0,0 2 0,5 2 0,3-1 0,-1 0 0,-1-1 0,-2-1 0,-2-1 0,0 1 0,-2-7-8191</inkml:trace>
-</inkml:ink>
-</file>
-
-<file path=ppt/ink/ink27.xml><?xml version="1.0" encoding="utf-8"?>
-<inkml:ink xmlns:inkml="http://www.w3.org/2003/InkML">
-  <inkml:definitions>
-    <inkml:context xml:id="ctx0">
-      <inkml:inkSource xml:id="inkSrc0">
-        <inkml:traceFormat>
-          <inkml:channel name="X" type="integer" min="-2.14748E9" max="2.14748E9" units="cm"/>
-          <inkml:channel name="Y" type="integer" min="-2.14748E9" max="2.14748E9" units="cm"/>
-          <inkml:channel name="F" type="integer" max="32767" units="dev"/>
-        </inkml:traceFormat>
-        <inkml:channelProperties>
-          <inkml:channelProperty channel="X" name="resolution" value="1000" units="1/cm"/>
-          <inkml:channelProperty channel="Y" name="resolution" value="1000" units="1/cm"/>
-          <inkml:channelProperty channel="F" name="resolution" value="0" units="1/dev"/>
-        </inkml:channelProperties>
-      </inkml:inkSource>
-      <inkml:timestamp xml:id="ts0" timeString="2023-09-29T18:37:04.615"/>
-    </inkml:context>
-    <inkml:brush xml:id="br0">
-      <inkml:brushProperty name="width" value="0.035" units="cm"/>
-      <inkml:brushProperty name="height" value="0.035" units="cm"/>
-      <inkml:brushProperty name="color" value="#E71224"/>
-    </inkml:brush>
-  </inkml:definitions>
-  <inkml:trace contextRef="#ctx0" brushRef="#br0">1 0 24575,'0'0'0</inkml:trace>
-</inkml:ink>
-</file>
-
-<file path=ppt/ink/ink28.xml><?xml version="1.0" encoding="utf-8"?>
-<inkml:ink xmlns:inkml="http://www.w3.org/2003/InkML">
-  <inkml:definitions>
-    <inkml:context xml:id="ctx0">
-      <inkml:inkSource xml:id="inkSrc0">
-        <inkml:traceFormat>
-          <inkml:channel name="X" type="integer" min="-2.14748E9" max="2.14748E9" units="cm"/>
-          <inkml:channel name="Y" type="integer" min="-2.14748E9" max="2.14748E9" units="cm"/>
-          <inkml:channel name="F" type="integer" max="32767" units="dev"/>
-        </inkml:traceFormat>
-        <inkml:channelProperties>
-          <inkml:channelProperty channel="X" name="resolution" value="1000" units="1/cm"/>
-          <inkml:channelProperty channel="Y" name="resolution" value="1000" units="1/cm"/>
-          <inkml:channelProperty channel="F" name="resolution" value="0" units="1/dev"/>
-        </inkml:channelProperties>
-      </inkml:inkSource>
-      <inkml:timestamp xml:id="ts0" timeString="2023-09-29T18:37:09.740"/>
-    </inkml:context>
-    <inkml:brush xml:id="br0">
-      <inkml:brushProperty name="width" value="0.035" units="cm"/>
-      <inkml:brushProperty name="height" value="0.035" units="cm"/>
-      <inkml:brushProperty name="color" value="#E71224"/>
-    </inkml:brush>
-  </inkml:definitions>
-  <inkml:trace contextRef="#ctx0" brushRef="#br0">0 0 24575,'1626'0'0,"-1562"3"0,68 12 0,56 3 0,969-16 0,-554-5 0,43 3-1365,-604 0-5461</inkml:trace>
-</inkml:ink>
-</file>
-
-<file path=ppt/ink/ink3.xml><?xml version="1.0" encoding="utf-8"?>
-<inkml:ink xmlns:inkml="http://www.w3.org/2003/InkML">
-  <inkml:definitions>
-    <inkml:context xml:id="ctx0">
-      <inkml:inkSource xml:id="inkSrc0">
-        <inkml:traceFormat>
-          <inkml:channel name="X" type="integer" min="-2.14748E9" max="2.14748E9" units="cm"/>
-          <inkml:channel name="Y" type="integer" min="-2.14748E9" max="2.14748E9" units="cm"/>
-          <inkml:channel name="F" type="integer" max="32767" units="dev"/>
-        </inkml:traceFormat>
-        <inkml:channelProperties>
-          <inkml:channelProperty channel="X" name="resolution" value="1000" units="1/cm"/>
-          <inkml:channelProperty channel="Y" name="resolution" value="1000" units="1/cm"/>
-          <inkml:channelProperty channel="F" name="resolution" value="0" units="1/dev"/>
-        </inkml:channelProperties>
-      </inkml:inkSource>
-      <inkml:timestamp xml:id="ts0" timeString="2023-09-29T18:36:54.326"/>
-    </inkml:context>
-    <inkml:brush xml:id="br0">
-      <inkml:brushProperty name="width" value="0.035" units="cm"/>
-      <inkml:brushProperty name="height" value="0.035" units="cm"/>
-      <inkml:brushProperty name="color" value="#E71224"/>
-    </inkml:brush>
-  </inkml:definitions>
-  <inkml:trace contextRef="#ctx0" brushRef="#br0">1 1 24575,'28'0'0,"28"6"0,21 1 0,20 6 0,11 1 0,5 3 0,0 0 0,-2 1 0,-14-1 0,-17 2 0,-23-3-8191</inkml:trace>
-</inkml:ink>
-</file>
-
-<file path=ppt/ink/ink4.xml><?xml version="1.0" encoding="utf-8"?>
-<inkml:ink xmlns:inkml="http://www.w3.org/2003/InkML">
-  <inkml:definitions>
-    <inkml:context xml:id="ctx0">
-      <inkml:inkSource xml:id="inkSrc0">
-        <inkml:traceFormat>
-          <inkml:channel name="X" type="integer" min="-2.14748E9" max="2.14748E9" units="cm"/>
-          <inkml:channel name="Y" type="integer" min="-2.14748E9" max="2.14748E9" units="cm"/>
-          <inkml:channel name="F" type="integer" max="32767" units="dev"/>
-        </inkml:traceFormat>
-        <inkml:channelProperties>
-          <inkml:channelProperty channel="X" name="resolution" value="1000" units="1/cm"/>
-          <inkml:channelProperty channel="Y" name="resolution" value="1000" units="1/cm"/>
-          <inkml:channelProperty channel="F" name="resolution" value="0" units="1/dev"/>
-        </inkml:channelProperties>
-      </inkml:inkSource>
-      <inkml:timestamp xml:id="ts0" timeString="2023-09-29T18:36:54.752"/>
-    </inkml:context>
-    <inkml:brush xml:id="br0">
-      <inkml:brushProperty name="width" value="0.035" units="cm"/>
-      <inkml:brushProperty name="height" value="0.035" units="cm"/>
-      <inkml:brushProperty name="color" value="#E71224"/>
-    </inkml:brush>
-  </inkml:definitions>
-  <inkml:trace contextRef="#ctx0" brushRef="#br0">1 1 24575,'5'0'0,"9"0"0,12 0 0,20 0 0,14 0 0,7 6 0,-1 1 0,-1 0 0,-5-1 0,-14-2-8191</inkml:trace>
-</inkml:ink>
-</file>
-
-<file path=ppt/ink/ink5.xml><?xml version="1.0" encoding="utf-8"?>
-<inkml:ink xmlns:inkml="http://www.w3.org/2003/InkML">
-  <inkml:definitions>
-    <inkml:context xml:id="ctx0">
-      <inkml:inkSource xml:id="inkSrc0">
-        <inkml:traceFormat>
-          <inkml:channel name="X" type="integer" min="-2.14748E9" max="2.14748E9" units="cm"/>
-          <inkml:channel name="Y" type="integer" min="-2.14748E9" max="2.14748E9" units="cm"/>
-          <inkml:channel name="F" type="integer" max="32767" units="dev"/>
-        </inkml:traceFormat>
-        <inkml:channelProperties>
-          <inkml:channelProperty channel="X" name="resolution" value="1000" units="1/cm"/>
-          <inkml:channelProperty channel="Y" name="resolution" value="1000" units="1/cm"/>
-          <inkml:channelProperty channel="F" name="resolution" value="0" units="1/dev"/>
-        </inkml:channelProperties>
-      </inkml:inkSource>
-      <inkml:timestamp xml:id="ts0" timeString="2023-09-29T18:36:55.178"/>
-    </inkml:context>
-    <inkml:brush xml:id="br0">
-      <inkml:brushProperty name="width" value="0.035" units="cm"/>
-      <inkml:brushProperty name="height" value="0.035" units="cm"/>
-      <inkml:brushProperty name="color" value="#E71224"/>
-    </inkml:brush>
-  </inkml:definitions>
-  <inkml:trace contextRef="#ctx0" brushRef="#br0">0 1 24575,'12'0'0,"15"0"0,14 0 0,18 0 0,22 0 0,20 0 0,16 0 0,11 0 0,1 6 0,-10 2 0,-13-1 0,-20-1 0,-23-2-8191</inkml:trace>
-</inkml:ink>
-</file>
-
-<file path=ppt/ink/ink6.xml><?xml version="1.0" encoding="utf-8"?>
-<inkml:ink xmlns:inkml="http://www.w3.org/2003/InkML">
-  <inkml:definitions>
-    <inkml:context xml:id="ctx0">
-      <inkml:inkSource xml:id="inkSrc0">
-        <inkml:traceFormat>
-          <inkml:channel name="X" type="integer" min="-2.14748E9" max="2.14748E9" units="cm"/>
-          <inkml:channel name="Y" type="integer" min="-2.14748E9" max="2.14748E9" units="cm"/>
-          <inkml:channel name="F" type="integer" max="32767" units="dev"/>
-        </inkml:traceFormat>
-        <inkml:channelProperties>
-          <inkml:channelProperty channel="X" name="resolution" value="1000" units="1/cm"/>
-          <inkml:channelProperty channel="Y" name="resolution" value="1000" units="1/cm"/>
-          <inkml:channelProperty channel="F" name="resolution" value="0" units="1/dev"/>
-        </inkml:channelProperties>
-      </inkml:inkSource>
-      <inkml:timestamp xml:id="ts0" timeString="2023-09-29T18:36:55.606"/>
-    </inkml:context>
-    <inkml:brush xml:id="br0">
-      <inkml:brushProperty name="width" value="0.035" units="cm"/>
-      <inkml:brushProperty name="height" value="0.035" units="cm"/>
-      <inkml:brushProperty name="color" value="#E71224"/>
-    </inkml:brush>
-  </inkml:definitions>
-  <inkml:trace contextRef="#ctx0" brushRef="#br0">1 75 24575,'17'0'0,"18"0"0,8 0 0,37-12 0,29-9 0,29-1 0,-8 3-8191</inkml:trace>
-</inkml:ink>
-</file>
-
-<file path=ppt/ink/ink7.xml><?xml version="1.0" encoding="utf-8"?>
-<inkml:ink xmlns:inkml="http://www.w3.org/2003/InkML">
-  <inkml:definitions>
-    <inkml:context xml:id="ctx0">
-      <inkml:inkSource xml:id="inkSrc0">
-        <inkml:traceFormat>
-          <inkml:channel name="X" type="integer" min="-2.14748E9" max="2.14748E9" units="cm"/>
-          <inkml:channel name="Y" type="integer" min="-2.14748E9" max="2.14748E9" units="cm"/>
-          <inkml:channel name="F" type="integer" max="32767" units="dev"/>
-        </inkml:traceFormat>
-        <inkml:channelProperties>
-          <inkml:channelProperty channel="X" name="resolution" value="1000" units="1/cm"/>
-          <inkml:channelProperty channel="Y" name="resolution" value="1000" units="1/cm"/>
-          <inkml:channelProperty channel="F" name="resolution" value="0" units="1/dev"/>
-        </inkml:channelProperties>
-      </inkml:inkSource>
-      <inkml:timestamp xml:id="ts0" timeString="2023-09-29T18:36:55.938"/>
-    </inkml:context>
-    <inkml:brush xml:id="br0">
-      <inkml:brushProperty name="width" value="0.035" units="cm"/>
-      <inkml:brushProperty name="height" value="0.035" units="cm"/>
-      <inkml:brushProperty name="color" value="#E71224"/>
-    </inkml:brush>
-  </inkml:definitions>
-  <inkml:trace contextRef="#ctx0" brushRef="#br0">0 162 24575,'6'0'0,"13"0"0,15-5 0,19-9 0,12-1 0,12-4 0,10-4 0,8-5 0,11-2 0,-13 3-8191</inkml:trace>
-</inkml:ink>
-</file>
-
-<file path=ppt/ink/ink8.xml><?xml version="1.0" encoding="utf-8"?>
-<inkml:ink xmlns:inkml="http://www.w3.org/2003/InkML">
-  <inkml:definitions>
-    <inkml:context xml:id="ctx0">
-      <inkml:inkSource xml:id="inkSrc0">
-        <inkml:traceFormat>
-          <inkml:channel name="X" type="integer" min="-2.14748E9" max="2.14748E9" units="cm"/>
-          <inkml:channel name="Y" type="integer" min="-2.14748E9" max="2.14748E9" units="cm"/>
-          <inkml:channel name="F" type="integer" max="32767" units="dev"/>
-        </inkml:traceFormat>
-        <inkml:channelProperties>
-          <inkml:channelProperty channel="X" name="resolution" value="1000" units="1/cm"/>
-          <inkml:channelProperty channel="Y" name="resolution" value="1000" units="1/cm"/>
-          <inkml:channelProperty channel="F" name="resolution" value="0" units="1/dev"/>
-        </inkml:channelProperties>
-      </inkml:inkSource>
-      <inkml:timestamp xml:id="ts0" timeString="2023-09-29T18:36:56.303"/>
-    </inkml:context>
-    <inkml:brush xml:id="br0">
-      <inkml:brushProperty name="width" value="0.035" units="cm"/>
-      <inkml:brushProperty name="height" value="0.035" units="cm"/>
-      <inkml:brushProperty name="color" value="#E71224"/>
-    </inkml:brush>
-  </inkml:definitions>
-  <inkml:trace contextRef="#ctx0" brushRef="#br0">0 198 24575,'12'-18'0,"32"-33"0,15-15 0,-3 4-8191</inkml:trace>
-</inkml:ink>
-</file>
-
-<file path=ppt/ink/ink9.xml><?xml version="1.0" encoding="utf-8"?>
-<inkml:ink xmlns:inkml="http://www.w3.org/2003/InkML">
-  <inkml:definitions>
-    <inkml:context xml:id="ctx0">
-      <inkml:inkSource xml:id="inkSrc0">
-        <inkml:traceFormat>
-          <inkml:channel name="X" type="integer" min="-2.14748E9" max="2.14748E9" units="cm"/>
-          <inkml:channel name="Y" type="integer" min="-2.14748E9" max="2.14748E9" units="cm"/>
-          <inkml:channel name="F" type="integer" max="32767" units="dev"/>
-        </inkml:traceFormat>
-        <inkml:channelProperties>
-          <inkml:channelProperty channel="X" name="resolution" value="1000" units="1/cm"/>
-          <inkml:channelProperty channel="Y" name="resolution" value="1000" units="1/cm"/>
-          <inkml:channelProperty channel="F" name="resolution" value="0" units="1/dev"/>
-        </inkml:channelProperties>
-      </inkml:inkSource>
-      <inkml:timestamp xml:id="ts0" timeString="2023-09-29T18:36:57.078"/>
-    </inkml:context>
-    <inkml:brush xml:id="br0">
-      <inkml:brushProperty name="width" value="0.035" units="cm"/>
-      <inkml:brushProperty name="height" value="0.035" units="cm"/>
-      <inkml:brushProperty name="color" value="#E71224"/>
-    </inkml:brush>
-  </inkml:definitions>
-  <inkml:trace contextRef="#ctx0" brushRef="#br0">0 95 24575,'6'0'0,"7"0"0,8 0 0,0-6 0,8-2 0,4-5 0,4-7 0,0-5 0,-6 2-8191</inkml:trace>
-</inkml:ink>
-</file>
-
 <file path=ppt/notesMasters/notesMaster1.xml><?xml version="1.0" encoding="utf-8"?>
 <p:notesMaster xmlns:a="http://schemas.openxmlformats.org/drawingml/2006/main" xmlns:r="http://schemas.openxmlformats.org/officeDocument/2006/relationships" xmlns:p="http://schemas.openxmlformats.org/presentationml/2006/main">
   <p:cSld>
@@ -1098,7 +312,7 @@
           <a:p>
             <a:fld id="{11374350-B736-4AC1-A1E7-19777DF1B0E1}" type="datetimeFigureOut">
               <a:rPr lang="en-US" smtClean="0"/>
-              <a:t>10/2/2023</a:t>
+              <a:t>8/11/2023</a:t>
             </a:fld>
             <a:endParaRPr lang="en-US"/>
           </a:p>
@@ -1518,81 +732,14 @@
           <a:bodyPr/>
           <a:lstStyle/>
           <a:p>
-            <a:pPr marL="0" indent="0">
-              <a:buNone/>
-            </a:pPr>
             <a:r>
               <a:rPr lang="en-US" dirty="0"/>
-              <a:t>In your </a:t>
-            </a:r>
-            <a:r>
-              <a:rPr lang="en-US" dirty="0" err="1"/>
-              <a:t>VaporSalesManager</a:t>
-            </a:r>
-            <a:r>
-              <a:rPr lang="en-US" dirty="0"/>
-              <a:t> classes, you need to calculate a game’s total revenue, including revenue from its bundle sales. This could be accomplished by 2 different approaches:</a:t>
-            </a:r>
-          </a:p>
-          <a:p>
-            <a:pPr marL="514350" indent="-514350">
-              <a:buAutoNum type="arabicParenR"/>
-            </a:pPr>
-            <a:r>
-              <a:rPr lang="en-US" dirty="0"/>
-              <a:t>Adding a </a:t>
-            </a:r>
-            <a:r>
-              <a:rPr lang="en-US" i="1" dirty="0" err="1"/>
-              <a:t>computeTotalRevenue</a:t>
-            </a:r>
-            <a:r>
-              <a:rPr lang="en-US" dirty="0"/>
-              <a:t>() method to the Game class which adds up the revenues</a:t>
-            </a:r>
-          </a:p>
-          <a:p>
-            <a:pPr marL="514350" indent="-514350">
-              <a:buAutoNum type="arabicParenR"/>
-            </a:pPr>
-            <a:r>
-              <a:rPr lang="en-US" dirty="0"/>
-              <a:t>Adding a </a:t>
-            </a:r>
-            <a:r>
-              <a:rPr lang="en-US" i="1" dirty="0" err="1"/>
-              <a:t>getBundles</a:t>
-            </a:r>
-            <a:r>
-              <a:rPr lang="en-US" dirty="0"/>
-              <a:t>() method to the Game class, which the </a:t>
-            </a:r>
-            <a:r>
-              <a:rPr lang="en-US" dirty="0" err="1"/>
-              <a:t>SalesManager</a:t>
-            </a:r>
-            <a:r>
-              <a:rPr lang="en-US" dirty="0"/>
-              <a:t> class could call, and then use in </a:t>
-            </a:r>
-            <a:r>
-              <a:rPr lang="en-US" i="1" dirty="0" err="1"/>
-              <a:t>handleGetHighestRevenueGame</a:t>
-            </a:r>
-            <a:r>
-              <a:rPr lang="en-US" dirty="0"/>
-              <a:t>() and  </a:t>
-            </a:r>
-            <a:r>
-              <a:rPr lang="en-US" i="1" dirty="0" err="1"/>
-              <a:t>handlePrintGameSalesReport</a:t>
-            </a:r>
-            <a:r>
-              <a:rPr lang="en-US" dirty="0"/>
-              <a:t>()</a:t>
-            </a:r>
-          </a:p>
-          <a:p>
+              <a:t>Red code shows the average being</a:t>
+            </a:r>
+            <a:r>
+              <a:rPr lang="en-US" baseline="0" dirty="0"/>
+              <a:t> calculated</a:t>
+            </a:r>
             <a:endParaRPr lang="en-US" dirty="0"/>
           </a:p>
         </p:txBody>
@@ -1604,7 +751,7 @@
             <a:spLocks noGrp="1"/>
           </p:cNvSpPr>
           <p:nvPr>
-            <p:ph type="sldNum" sz="quarter" idx="5"/>
+            <p:ph type="sldNum" sz="quarter" idx="10"/>
           </p:nvPr>
         </p:nvSpPr>
         <p:spPr/>
@@ -1623,7 +770,7 @@
     </p:spTree>
     <p:extLst>
       <p:ext uri="{BB962C8B-B14F-4D97-AF65-F5344CB8AC3E}">
-        <p14:creationId xmlns:p14="http://schemas.microsoft.com/office/powerpoint/2010/main" val="759663520"/>
+        <p14:creationId xmlns:p14="http://schemas.microsoft.com/office/powerpoint/2010/main" val="1879782064"/>
       </p:ext>
     </p:extLst>
   </p:cSld>
@@ -1677,10 +824,35 @@
           <a:bodyPr/>
           <a:lstStyle/>
           <a:p>
+            <a:pPr marL="0" marR="0" lvl="0" indent="0" algn="l" defTabSz="914400" rtl="0" eaLnBrk="1" fontAlgn="auto" latinLnBrk="0" hangingPunct="1">
+              <a:lnSpc>
+                <a:spcPct val="100000"/>
+              </a:lnSpc>
+              <a:spcBef>
+                <a:spcPts val="0"/>
+              </a:spcBef>
+              <a:spcAft>
+                <a:spcPts val="0"/>
+              </a:spcAft>
+              <a:buClrTx/>
+              <a:buSzTx/>
+              <a:buFontTx/>
+              <a:buNone/>
+              <a:tabLst/>
+              <a:defRPr/>
+            </a:pPr>
             <a:r>
               <a:rPr lang="en-US" dirty="0"/>
-              <a:t>TIME CHECK: get to slide 18 by 32-minute mark</a:t>
-            </a:r>
+              <a:t>Red code shows the average being</a:t>
+            </a:r>
+            <a:r>
+              <a:rPr lang="en-US" baseline="0" dirty="0"/>
+              <a:t> requested of the Student class</a:t>
+            </a:r>
+            <a:endParaRPr lang="en-US" dirty="0"/>
+          </a:p>
+          <a:p>
+            <a:endParaRPr lang="en-US" dirty="0"/>
           </a:p>
         </p:txBody>
       </p:sp>
@@ -1710,7 +882,7 @@
     </p:spTree>
     <p:extLst>
       <p:ext uri="{BB962C8B-B14F-4D97-AF65-F5344CB8AC3E}">
-        <p14:creationId xmlns:p14="http://schemas.microsoft.com/office/powerpoint/2010/main" val="3737874852"/>
+        <p14:creationId xmlns:p14="http://schemas.microsoft.com/office/powerpoint/2010/main" val="957597012"/>
       </p:ext>
     </p:extLst>
   </p:cSld>
@@ -1764,13 +936,49 @@
           <a:bodyPr/>
           <a:lstStyle/>
           <a:p>
+            <a:pPr marL="0" indent="0">
+              <a:buNone/>
+            </a:pPr>
             <a:r>
               <a:rPr lang="en-US" dirty="0"/>
-              <a:t>Red code shows the revenue being</a:t>
+              <a:t>QUIZ QUESTION 1 and 2</a:t>
+            </a:r>
+          </a:p>
+          <a:p>
+            <a:pPr marL="0" indent="0">
+              <a:buNone/>
+            </a:pPr>
+            <a:endParaRPr lang="en-US" dirty="0"/>
+          </a:p>
+          <a:p>
+            <a:pPr marL="0" indent="0">
+              <a:buNone/>
+            </a:pPr>
+            <a:r>
+              <a:rPr lang="en-US" dirty="0"/>
+              <a:t>What is wrong with the following design? </a:t>
+            </a:r>
+          </a:p>
+          <a:p>
+            <a:pPr marL="0" indent="0">
+              <a:buNone/>
+            </a:pPr>
+            <a:r>
+              <a:rPr lang="en-US" dirty="0"/>
+              <a:t>Design your own improved UML diagram.</a:t>
+            </a:r>
+          </a:p>
+          <a:p>
+            <a:endParaRPr lang="en-US" dirty="0"/>
+          </a:p>
+          <a:p>
+            <a:r>
+              <a:rPr lang="en-US" dirty="0"/>
+              <a:t>How could we actually</a:t>
             </a:r>
             <a:r>
               <a:rPr lang="en-US" baseline="0" dirty="0"/>
-              <a:t> calculated</a:t>
+              <a:t> write code for this?</a:t>
             </a:r>
             <a:endParaRPr lang="en-US" dirty="0"/>
           </a:p>
@@ -1793,7 +1001,7 @@
           <a:p>
             <a:fld id="{AC522A93-4968-4B29-BB16-64A778254383}" type="slidenum">
               <a:rPr lang="en-US" smtClean="0"/>
-              <a:t>15</a:t>
+              <a:t>16</a:t>
             </a:fld>
             <a:endParaRPr lang="en-US"/>
           </a:p>
@@ -1802,7 +1010,7 @@
     </p:spTree>
     <p:extLst>
       <p:ext uri="{BB962C8B-B14F-4D97-AF65-F5344CB8AC3E}">
-        <p14:creationId xmlns:p14="http://schemas.microsoft.com/office/powerpoint/2010/main" val="2153970192"/>
+        <p14:creationId xmlns:p14="http://schemas.microsoft.com/office/powerpoint/2010/main" val="3871575604"/>
       </p:ext>
     </p:extLst>
   </p:cSld>
@@ -1856,14 +1064,28 @@
           <a:bodyPr/>
           <a:lstStyle/>
           <a:p>
-            <a:r>
-              <a:rPr lang="en-US" dirty="0"/>
-              <a:t>Red code shows the revenue being</a:t>
-            </a:r>
-            <a:r>
-              <a:rPr lang="en-US" baseline="0" dirty="0"/>
-              <a:t> calculated</a:t>
-            </a:r>
+            <a:pPr rtl="0"/>
+            <a:r>
+              <a:rPr lang="en-US" dirty="0">
+                <a:sym typeface="Wingdings" panose="05000000000000000000" pitchFamily="2" charset="2"/>
+              </a:rPr>
+              <a:t>What</a:t>
+            </a:r>
+            <a:r>
+              <a:rPr lang="en-US" baseline="0" dirty="0">
+                <a:sym typeface="Wingdings" panose="05000000000000000000" pitchFamily="2" charset="2"/>
+              </a:rPr>
+              <a:t> happens when we go to update the salary?</a:t>
+            </a:r>
+          </a:p>
+          <a:p>
+            <a:pPr rtl="0"/>
+            <a:endParaRPr lang="en-US" baseline="0" dirty="0">
+              <a:sym typeface="Wingdings" panose="05000000000000000000" pitchFamily="2" charset="2"/>
+            </a:endParaRPr>
+          </a:p>
+          <a:p>
+            <a:pPr rtl="0"/>
             <a:endParaRPr lang="en-US" dirty="0"/>
           </a:p>
         </p:txBody>
@@ -1885,7 +1107,7 @@
           <a:p>
             <a:fld id="{AC522A93-4968-4B29-BB16-64A778254383}" type="slidenum">
               <a:rPr lang="en-US" smtClean="0"/>
-              <a:t>16</a:t>
+              <a:t>17</a:t>
             </a:fld>
             <a:endParaRPr lang="en-US"/>
           </a:p>
@@ -1894,7 +1116,7 @@
     </p:spTree>
     <p:extLst>
       <p:ext uri="{BB962C8B-B14F-4D97-AF65-F5344CB8AC3E}">
-        <p14:creationId xmlns:p14="http://schemas.microsoft.com/office/powerpoint/2010/main" val="3611219643"/>
+        <p14:creationId xmlns:p14="http://schemas.microsoft.com/office/powerpoint/2010/main" val="2832137497"/>
       </p:ext>
     </p:extLst>
   </p:cSld>
@@ -1948,146 +1170,42 @@
           <a:bodyPr/>
           <a:lstStyle/>
           <a:p>
-            <a:pPr marL="0" indent="0">
-              <a:buNone/>
-            </a:pPr>
+            <a:pPr rtl="0"/>
             <a:r>
               <a:rPr lang="en-US" dirty="0"/>
-              <a:t>QUIZ QUESTION 1 and 2</a:t>
-            </a:r>
-          </a:p>
-          <a:p>
-            <a:pPr marL="0" indent="0">
-              <a:buNone/>
-            </a:pPr>
+              <a:t>QUIZ QUESTION 3</a:t>
+            </a:r>
+          </a:p>
+          <a:p>
+            <a:pPr rtl="0"/>
             <a:endParaRPr lang="en-US" dirty="0"/>
           </a:p>
           <a:p>
-            <a:pPr marL="0" indent="0">
-              <a:buNone/>
-            </a:pPr>
+            <a:pPr rtl="0"/>
             <a:r>
               <a:rPr lang="en-US" dirty="0"/>
-              <a:t>What is wrong with the following design? </a:t>
-            </a:r>
-          </a:p>
-          <a:p>
-            <a:pPr marL="0" indent="0">
-              <a:buNone/>
-            </a:pPr>
-            <a:r>
-              <a:rPr lang="en-US" dirty="0"/>
-              <a:t>Design your own improved UML diagram.</a:t>
-            </a:r>
-          </a:p>
-          <a:p>
-            <a:endParaRPr lang="en-US" dirty="0"/>
-          </a:p>
-          <a:p>
-            <a:r>
-              <a:rPr lang="en-US" dirty="0"/>
-              <a:t>How could we actually</a:t>
+              <a:t>Notice the removed dependency</a:t>
             </a:r>
             <a:r>
               <a:rPr lang="en-US" baseline="0" dirty="0"/>
-              <a:t> write code for this?</a:t>
-            </a:r>
-            <a:endParaRPr lang="en-US" dirty="0"/>
-          </a:p>
-        </p:txBody>
-      </p:sp>
-      <p:sp>
-        <p:nvSpPr>
-          <p:cNvPr id="4" name="Slide Number Placeholder 3"/>
-          <p:cNvSpPr>
-            <a:spLocks noGrp="1"/>
-          </p:cNvSpPr>
-          <p:nvPr>
-            <p:ph type="sldNum" sz="quarter" idx="10"/>
-          </p:nvPr>
-        </p:nvSpPr>
-        <p:spPr/>
-        <p:txBody>
-          <a:bodyPr/>
-          <a:lstStyle/>
-          <a:p>
-            <a:fld id="{AC522A93-4968-4B29-BB16-64A778254383}" type="slidenum">
-              <a:rPr lang="en-US" smtClean="0"/>
-              <a:t>18</a:t>
-            </a:fld>
-            <a:endParaRPr lang="en-US"/>
-          </a:p>
-        </p:txBody>
-      </p:sp>
-    </p:spTree>
-    <p:extLst>
-      <p:ext uri="{BB962C8B-B14F-4D97-AF65-F5344CB8AC3E}">
-        <p14:creationId xmlns:p14="http://schemas.microsoft.com/office/powerpoint/2010/main" val="3871575604"/>
-      </p:ext>
-    </p:extLst>
-  </p:cSld>
-  <p:clrMapOvr>
-    <a:masterClrMapping/>
-  </p:clrMapOvr>
-</p:notes>
-</file>
-
-<file path=ppt/notesSlides/notesSlide15.xml><?xml version="1.0" encoding="utf-8"?>
-<p:notes xmlns:a="http://schemas.openxmlformats.org/drawingml/2006/main" xmlns:r="http://schemas.openxmlformats.org/officeDocument/2006/relationships" xmlns:p="http://schemas.openxmlformats.org/presentationml/2006/main">
-  <p:cSld>
-    <p:spTree>
-      <p:nvGrpSpPr>
-        <p:cNvPr id="1" name=""/>
-        <p:cNvGrpSpPr/>
-        <p:nvPr/>
-      </p:nvGrpSpPr>
-      <p:grpSpPr>
-        <a:xfrm>
-          <a:off x="0" y="0"/>
-          <a:ext cx="0" cy="0"/>
-          <a:chOff x="0" y="0"/>
-          <a:chExt cx="0" cy="0"/>
-        </a:xfrm>
-      </p:grpSpPr>
-      <p:sp>
-        <p:nvSpPr>
-          <p:cNvPr id="2" name="Slide Image Placeholder 1"/>
-          <p:cNvSpPr>
-            <a:spLocks noGrp="1" noRot="1" noChangeAspect="1"/>
-          </p:cNvSpPr>
-          <p:nvPr>
-            <p:ph type="sldImg"/>
-          </p:nvPr>
-        </p:nvSpPr>
-        <p:spPr/>
-      </p:sp>
-      <p:sp>
-        <p:nvSpPr>
-          <p:cNvPr id="3" name="Notes Placeholder 2"/>
-          <p:cNvSpPr>
-            <a:spLocks noGrp="1"/>
-          </p:cNvSpPr>
-          <p:nvPr>
-            <p:ph type="body" idx="1"/>
-          </p:nvPr>
-        </p:nvSpPr>
-        <p:spPr/>
-        <p:txBody>
-          <a:bodyPr/>
-          <a:lstStyle/>
+              <a:t> (no line from Employee to Manager) this is possible since we don’t need to look up the manager to update its salary. We might want this for other reasons, but It is not strictly necessary here.</a:t>
+            </a:r>
+          </a:p>
           <a:p>
             <a:pPr rtl="0"/>
-            <a:r>
-              <a:rPr lang="en-US" dirty="0">
-                <a:sym typeface="Wingdings" panose="05000000000000000000" pitchFamily="2" charset="2"/>
-              </a:rPr>
-              <a:t>What</a:t>
+            <a:endParaRPr lang="en-US" baseline="0" dirty="0"/>
+          </a:p>
+          <a:p>
+            <a:pPr rtl="0"/>
+            <a:r>
+              <a:rPr lang="en-US" baseline="0" dirty="0"/>
+              <a:t>Lazy evaluation </a:t>
             </a:r>
             <a:r>
               <a:rPr lang="en-US" baseline="0" dirty="0">
                 <a:sym typeface="Wingdings" panose="05000000000000000000" pitchFamily="2" charset="2"/>
               </a:rPr>
-              <a:t> happens when we go to update the salary?</a:t>
+              <a:t> pros and cons</a:t>
             </a:r>
           </a:p>
           <a:p>
@@ -2098,7 +1216,196 @@
           </a:p>
           <a:p>
             <a:pPr rtl="0"/>
+            <a:r>
+              <a:rPr lang="en-US" dirty="0"/>
+              <a:t>@startuml</a:t>
+            </a:r>
+          </a:p>
+          <a:p>
+            <a:pPr rtl="0"/>
+            <a:r>
+              <a:rPr lang="en-US" dirty="0" err="1"/>
+              <a:t>skinparam</a:t>
+            </a:r>
+            <a:r>
+              <a:rPr lang="en-US" dirty="0"/>
+              <a:t> style </a:t>
+            </a:r>
+            <a:r>
+              <a:rPr lang="en-US" dirty="0" err="1"/>
+              <a:t>strictuml</a:t>
+            </a:r>
             <a:endParaRPr lang="en-US" dirty="0"/>
+          </a:p>
+          <a:p>
+            <a:pPr rtl="0"/>
+            <a:endParaRPr lang="en-US" dirty="0"/>
+          </a:p>
+          <a:p>
+            <a:pPr rtl="0"/>
+            <a:r>
+              <a:rPr lang="en-US" dirty="0"/>
+              <a:t>class Main {</a:t>
+            </a:r>
+          </a:p>
+          <a:p>
+            <a:pPr rtl="0"/>
+            <a:r>
+              <a:rPr lang="en-US" dirty="0" err="1"/>
+              <a:t>handleUpdateEmployeeSalary</a:t>
+            </a:r>
+            <a:r>
+              <a:rPr lang="en-US" dirty="0"/>
+              <a:t>(name, salary)</a:t>
+            </a:r>
+          </a:p>
+          <a:p>
+            <a:pPr rtl="0"/>
+            <a:r>
+              <a:rPr lang="en-US" dirty="0" err="1"/>
+              <a:t>handleGetSalary</a:t>
+            </a:r>
+            <a:r>
+              <a:rPr lang="en-US" dirty="0"/>
+              <a:t>(name): double</a:t>
+            </a:r>
+          </a:p>
+          <a:p>
+            <a:pPr rtl="0"/>
+            <a:r>
+              <a:rPr lang="en-US" dirty="0"/>
+              <a:t>}</a:t>
+            </a:r>
+          </a:p>
+          <a:p>
+            <a:pPr rtl="0"/>
+            <a:endParaRPr lang="en-US" dirty="0"/>
+          </a:p>
+          <a:p>
+            <a:pPr rtl="0"/>
+            <a:r>
+              <a:rPr lang="en-US" dirty="0"/>
+              <a:t>class Manager {</a:t>
+            </a:r>
+          </a:p>
+          <a:p>
+            <a:pPr rtl="0"/>
+            <a:r>
+              <a:rPr lang="en-US" dirty="0"/>
+              <a:t>  name: String</a:t>
+            </a:r>
+          </a:p>
+          <a:p>
+            <a:pPr rtl="0"/>
+            <a:r>
+              <a:rPr lang="en-US" dirty="0"/>
+              <a:t>  </a:t>
+            </a:r>
+            <a:r>
+              <a:rPr lang="en-US" dirty="0" err="1"/>
+              <a:t>calculateSalary</a:t>
+            </a:r>
+            <a:r>
+              <a:rPr lang="en-US" dirty="0"/>
+              <a:t>(): double</a:t>
+            </a:r>
+          </a:p>
+          <a:p>
+            <a:pPr rtl="0"/>
+            <a:r>
+              <a:rPr lang="en-US" dirty="0"/>
+              <a:t>}</a:t>
+            </a:r>
+          </a:p>
+          <a:p>
+            <a:pPr rtl="0"/>
+            <a:endParaRPr lang="en-US" dirty="0"/>
+          </a:p>
+          <a:p>
+            <a:pPr rtl="0"/>
+            <a:r>
+              <a:rPr lang="en-US" dirty="0"/>
+              <a:t>class Employee {</a:t>
+            </a:r>
+          </a:p>
+          <a:p>
+            <a:pPr rtl="0"/>
+            <a:r>
+              <a:rPr lang="en-US" dirty="0"/>
+              <a:t>  name: String</a:t>
+            </a:r>
+          </a:p>
+          <a:p>
+            <a:pPr rtl="0"/>
+            <a:r>
+              <a:rPr lang="en-US" dirty="0"/>
+              <a:t>  salary: double</a:t>
+            </a:r>
+          </a:p>
+          <a:p>
+            <a:pPr rtl="0"/>
+            <a:r>
+              <a:rPr lang="en-US" dirty="0"/>
+              <a:t>  </a:t>
+            </a:r>
+            <a:r>
+              <a:rPr lang="en-US" dirty="0" err="1"/>
+              <a:t>setSalary</a:t>
+            </a:r>
+            <a:r>
+              <a:rPr lang="en-US" dirty="0"/>
+              <a:t>(salary: double)</a:t>
+            </a:r>
+          </a:p>
+          <a:p>
+            <a:pPr rtl="0"/>
+            <a:r>
+              <a:rPr lang="en-US" dirty="0"/>
+              <a:t>  </a:t>
+            </a:r>
+            <a:r>
+              <a:rPr lang="en-US" dirty="0" err="1"/>
+              <a:t>getSalary</a:t>
+            </a:r>
+            <a:r>
+              <a:rPr lang="en-US" dirty="0"/>
+              <a:t>(): double</a:t>
+            </a:r>
+          </a:p>
+          <a:p>
+            <a:pPr rtl="0"/>
+            <a:r>
+              <a:rPr lang="en-US" dirty="0"/>
+              <a:t>}</a:t>
+            </a:r>
+          </a:p>
+          <a:p>
+            <a:pPr rtl="0"/>
+            <a:r>
+              <a:rPr lang="en-US" dirty="0"/>
+              <a:t>Main -right-&gt; "*" Employee</a:t>
+            </a:r>
+          </a:p>
+          <a:p>
+            <a:pPr rtl="0"/>
+            <a:r>
+              <a:rPr lang="en-US" dirty="0"/>
+              <a:t>Manager -left-&gt; "*" Employee</a:t>
+            </a:r>
+          </a:p>
+          <a:p>
+            <a:pPr rtl="0"/>
+            <a:r>
+              <a:rPr lang="en-US" dirty="0"/>
+              <a:t>Main -right-&gt; "*" Manager</a:t>
+            </a:r>
+          </a:p>
+          <a:p>
+            <a:pPr rtl="0"/>
+            <a:r>
+              <a:rPr lang="en-US" dirty="0"/>
+              <a:t>@enduml</a:t>
+            </a:r>
           </a:p>
         </p:txBody>
       </p:sp>
@@ -2119,326 +1426,7 @@
           <a:p>
             <a:fld id="{AC522A93-4968-4B29-BB16-64A778254383}" type="slidenum">
               <a:rPr lang="en-US" smtClean="0"/>
-              <a:t>19</a:t>
-            </a:fld>
-            <a:endParaRPr lang="en-US"/>
-          </a:p>
-        </p:txBody>
-      </p:sp>
-    </p:spTree>
-    <p:extLst>
-      <p:ext uri="{BB962C8B-B14F-4D97-AF65-F5344CB8AC3E}">
-        <p14:creationId xmlns:p14="http://schemas.microsoft.com/office/powerpoint/2010/main" val="2832137497"/>
-      </p:ext>
-    </p:extLst>
-  </p:cSld>
-  <p:clrMapOvr>
-    <a:masterClrMapping/>
-  </p:clrMapOvr>
-</p:notes>
-</file>
-
-<file path=ppt/notesSlides/notesSlide16.xml><?xml version="1.0" encoding="utf-8"?>
-<p:notes xmlns:a="http://schemas.openxmlformats.org/drawingml/2006/main" xmlns:r="http://schemas.openxmlformats.org/officeDocument/2006/relationships" xmlns:p="http://schemas.openxmlformats.org/presentationml/2006/main">
-  <p:cSld>
-    <p:spTree>
-      <p:nvGrpSpPr>
-        <p:cNvPr id="1" name=""/>
-        <p:cNvGrpSpPr/>
-        <p:nvPr/>
-      </p:nvGrpSpPr>
-      <p:grpSpPr>
-        <a:xfrm>
-          <a:off x="0" y="0"/>
-          <a:ext cx="0" cy="0"/>
-          <a:chOff x="0" y="0"/>
-          <a:chExt cx="0" cy="0"/>
-        </a:xfrm>
-      </p:grpSpPr>
-      <p:sp>
-        <p:nvSpPr>
-          <p:cNvPr id="2" name="Slide Image Placeholder 1"/>
-          <p:cNvSpPr>
-            <a:spLocks noGrp="1" noRot="1" noChangeAspect="1"/>
-          </p:cNvSpPr>
-          <p:nvPr>
-            <p:ph type="sldImg"/>
-          </p:nvPr>
-        </p:nvSpPr>
-        <p:spPr/>
-      </p:sp>
-      <p:sp>
-        <p:nvSpPr>
-          <p:cNvPr id="3" name="Notes Placeholder 2"/>
-          <p:cNvSpPr>
-            <a:spLocks noGrp="1"/>
-          </p:cNvSpPr>
-          <p:nvPr>
-            <p:ph type="body" idx="1"/>
-          </p:nvPr>
-        </p:nvSpPr>
-        <p:spPr/>
-        <p:txBody>
-          <a:bodyPr/>
-          <a:lstStyle/>
-          <a:p>
-            <a:pPr rtl="0"/>
-            <a:r>
-              <a:rPr lang="en-US" dirty="0"/>
-              <a:t>QUIZ QUESTION 3</a:t>
-            </a:r>
-          </a:p>
-          <a:p>
-            <a:pPr rtl="0"/>
-            <a:endParaRPr lang="en-US" dirty="0"/>
-          </a:p>
-          <a:p>
-            <a:pPr rtl="0"/>
-            <a:r>
-              <a:rPr lang="en-US" dirty="0"/>
-              <a:t>Notice the removed dependency</a:t>
-            </a:r>
-            <a:r>
-              <a:rPr lang="en-US" baseline="0" dirty="0"/>
-              <a:t> (no line from Employee to Manager) this is possible since we don’t need to look up the manager to update its salary. We might want this for other reasons, but It is not strictly necessary here.</a:t>
-            </a:r>
-          </a:p>
-          <a:p>
-            <a:pPr rtl="0"/>
-            <a:endParaRPr lang="en-US" baseline="0" dirty="0"/>
-          </a:p>
-          <a:p>
-            <a:pPr rtl="0"/>
-            <a:r>
-              <a:rPr lang="en-US" baseline="0" dirty="0"/>
-              <a:t>Lazy evaluation </a:t>
-            </a:r>
-            <a:r>
-              <a:rPr lang="en-US" baseline="0" dirty="0">
-                <a:sym typeface="Wingdings" panose="05000000000000000000" pitchFamily="2" charset="2"/>
-              </a:rPr>
-              <a:t> pros and cons</a:t>
-            </a:r>
-          </a:p>
-          <a:p>
-            <a:pPr rtl="0"/>
-            <a:endParaRPr lang="en-US" baseline="0" dirty="0">
-              <a:sym typeface="Wingdings" panose="05000000000000000000" pitchFamily="2" charset="2"/>
-            </a:endParaRPr>
-          </a:p>
-          <a:p>
-            <a:pPr rtl="0"/>
-            <a:r>
-              <a:rPr lang="en-US" dirty="0"/>
-              <a:t>@startuml</a:t>
-            </a:r>
-          </a:p>
-          <a:p>
-            <a:pPr rtl="0"/>
-            <a:r>
-              <a:rPr lang="en-US" dirty="0" err="1"/>
-              <a:t>skinparam</a:t>
-            </a:r>
-            <a:r>
-              <a:rPr lang="en-US" dirty="0"/>
-              <a:t> style </a:t>
-            </a:r>
-            <a:r>
-              <a:rPr lang="en-US" dirty="0" err="1"/>
-              <a:t>strictuml</a:t>
-            </a:r>
-            <a:endParaRPr lang="en-US" dirty="0"/>
-          </a:p>
-          <a:p>
-            <a:pPr rtl="0"/>
-            <a:endParaRPr lang="en-US" dirty="0"/>
-          </a:p>
-          <a:p>
-            <a:pPr rtl="0"/>
-            <a:r>
-              <a:rPr lang="en-US" dirty="0"/>
-              <a:t>class Main {</a:t>
-            </a:r>
-          </a:p>
-          <a:p>
-            <a:pPr rtl="0"/>
-            <a:r>
-              <a:rPr lang="en-US" dirty="0" err="1"/>
-              <a:t>handleUpdateEmployeeSalary</a:t>
-            </a:r>
-            <a:r>
-              <a:rPr lang="en-US" dirty="0"/>
-              <a:t>(name, salary)</a:t>
-            </a:r>
-          </a:p>
-          <a:p>
-            <a:pPr rtl="0"/>
-            <a:r>
-              <a:rPr lang="en-US" dirty="0" err="1"/>
-              <a:t>handleGetSalary</a:t>
-            </a:r>
-            <a:r>
-              <a:rPr lang="en-US" dirty="0"/>
-              <a:t>(name): double</a:t>
-            </a:r>
-          </a:p>
-          <a:p>
-            <a:pPr rtl="0"/>
-            <a:r>
-              <a:rPr lang="en-US" dirty="0"/>
-              <a:t>}</a:t>
-            </a:r>
-          </a:p>
-          <a:p>
-            <a:pPr rtl="0"/>
-            <a:endParaRPr lang="en-US" dirty="0"/>
-          </a:p>
-          <a:p>
-            <a:pPr rtl="0"/>
-            <a:r>
-              <a:rPr lang="en-US" dirty="0"/>
-              <a:t>class Manager {</a:t>
-            </a:r>
-          </a:p>
-          <a:p>
-            <a:pPr rtl="0"/>
-            <a:r>
-              <a:rPr lang="en-US" dirty="0"/>
-              <a:t>  name: String</a:t>
-            </a:r>
-          </a:p>
-          <a:p>
-            <a:pPr rtl="0"/>
-            <a:r>
-              <a:rPr lang="en-US" dirty="0"/>
-              <a:t>  </a:t>
-            </a:r>
-            <a:r>
-              <a:rPr lang="en-US" dirty="0" err="1"/>
-              <a:t>calculateSalary</a:t>
-            </a:r>
-            <a:r>
-              <a:rPr lang="en-US" dirty="0"/>
-              <a:t>(): double</a:t>
-            </a:r>
-          </a:p>
-          <a:p>
-            <a:pPr rtl="0"/>
-            <a:r>
-              <a:rPr lang="en-US" dirty="0"/>
-              <a:t>}</a:t>
-            </a:r>
-          </a:p>
-          <a:p>
-            <a:pPr rtl="0"/>
-            <a:endParaRPr lang="en-US" dirty="0"/>
-          </a:p>
-          <a:p>
-            <a:pPr rtl="0"/>
-            <a:r>
-              <a:rPr lang="en-US" dirty="0"/>
-              <a:t>class Employee {</a:t>
-            </a:r>
-          </a:p>
-          <a:p>
-            <a:pPr rtl="0"/>
-            <a:r>
-              <a:rPr lang="en-US" dirty="0"/>
-              <a:t>  name: String</a:t>
-            </a:r>
-          </a:p>
-          <a:p>
-            <a:pPr rtl="0"/>
-            <a:r>
-              <a:rPr lang="en-US" dirty="0"/>
-              <a:t>  salary: double</a:t>
-            </a:r>
-          </a:p>
-          <a:p>
-            <a:pPr rtl="0"/>
-            <a:r>
-              <a:rPr lang="en-US" dirty="0"/>
-              <a:t>  </a:t>
-            </a:r>
-            <a:r>
-              <a:rPr lang="en-US" dirty="0" err="1"/>
-              <a:t>setSalary</a:t>
-            </a:r>
-            <a:r>
-              <a:rPr lang="en-US" dirty="0"/>
-              <a:t>(salary: double)</a:t>
-            </a:r>
-          </a:p>
-          <a:p>
-            <a:pPr rtl="0"/>
-            <a:r>
-              <a:rPr lang="en-US" dirty="0"/>
-              <a:t>  </a:t>
-            </a:r>
-            <a:r>
-              <a:rPr lang="en-US" dirty="0" err="1"/>
-              <a:t>getSalary</a:t>
-            </a:r>
-            <a:r>
-              <a:rPr lang="en-US" dirty="0"/>
-              <a:t>(): double</a:t>
-            </a:r>
-          </a:p>
-          <a:p>
-            <a:pPr rtl="0"/>
-            <a:r>
-              <a:rPr lang="en-US" dirty="0"/>
-              <a:t>}</a:t>
-            </a:r>
-          </a:p>
-          <a:p>
-            <a:pPr rtl="0"/>
-            <a:r>
-              <a:rPr lang="en-US" dirty="0"/>
-              <a:t>Main -right-&gt; "*" Employee</a:t>
-            </a:r>
-          </a:p>
-          <a:p>
-            <a:pPr rtl="0"/>
-            <a:r>
-              <a:rPr lang="en-US" dirty="0"/>
-              <a:t>Manager -left-&gt; "*" Employee</a:t>
-            </a:r>
-          </a:p>
-          <a:p>
-            <a:pPr rtl="0"/>
-            <a:r>
-              <a:rPr lang="en-US" dirty="0"/>
-              <a:t>Main -right-&gt; "*" Manager</a:t>
-            </a:r>
-          </a:p>
-          <a:p>
-            <a:pPr rtl="0"/>
-            <a:r>
-              <a:rPr lang="en-US" dirty="0"/>
-              <a:t>@enduml</a:t>
-            </a:r>
-          </a:p>
-        </p:txBody>
-      </p:sp>
-      <p:sp>
-        <p:nvSpPr>
-          <p:cNvPr id="4" name="Slide Number Placeholder 3"/>
-          <p:cNvSpPr>
-            <a:spLocks noGrp="1"/>
-          </p:cNvSpPr>
-          <p:nvPr>
-            <p:ph type="sldNum" sz="quarter" idx="10"/>
-          </p:nvPr>
-        </p:nvSpPr>
-        <p:spPr/>
-        <p:txBody>
-          <a:bodyPr/>
-          <a:lstStyle/>
-          <a:p>
-            <a:fld id="{AC522A93-4968-4B29-BB16-64A778254383}" type="slidenum">
-              <a:rPr lang="en-US" smtClean="0"/>
-              <a:t>20</a:t>
+              <a:t>18</a:t>
             </a:fld>
             <a:endParaRPr lang="en-US"/>
           </a:p>
@@ -2784,81 +1772,14 @@
           <a:bodyPr/>
           <a:lstStyle/>
           <a:p>
-            <a:pPr marL="0" indent="0">
-              <a:buNone/>
-            </a:pPr>
             <a:r>
               <a:rPr lang="en-US" dirty="0"/>
-              <a:t>In your </a:t>
-            </a:r>
-            <a:r>
-              <a:rPr lang="en-US" dirty="0" err="1"/>
-              <a:t>VaporSalesManager</a:t>
-            </a:r>
-            <a:r>
-              <a:rPr lang="en-US" dirty="0"/>
-              <a:t> classes, you need to calculate a game’s total revenue, including revenue from its bundle sales. This could be accomplished by 2 different approaches:</a:t>
-            </a:r>
-          </a:p>
-          <a:p>
-            <a:pPr marL="514350" indent="-514350">
-              <a:buAutoNum type="arabicParenR"/>
-            </a:pPr>
-            <a:r>
-              <a:rPr lang="en-US" dirty="0"/>
-              <a:t>Adding a </a:t>
-            </a:r>
-            <a:r>
-              <a:rPr lang="en-US" i="1" dirty="0" err="1"/>
-              <a:t>computeTotalRevenue</a:t>
-            </a:r>
-            <a:r>
-              <a:rPr lang="en-US" dirty="0"/>
-              <a:t>() method to the Game class which adds up the revenues</a:t>
-            </a:r>
-          </a:p>
-          <a:p>
-            <a:pPr marL="514350" indent="-514350">
-              <a:buAutoNum type="arabicParenR"/>
-            </a:pPr>
-            <a:r>
-              <a:rPr lang="en-US" dirty="0"/>
-              <a:t>Adding a </a:t>
-            </a:r>
-            <a:r>
-              <a:rPr lang="en-US" i="1" dirty="0" err="1"/>
-              <a:t>getBundles</a:t>
-            </a:r>
-            <a:r>
-              <a:rPr lang="en-US" dirty="0"/>
-              <a:t>() method to the Game class, which the </a:t>
-            </a:r>
-            <a:r>
-              <a:rPr lang="en-US" dirty="0" err="1"/>
-              <a:t>SalesManager</a:t>
-            </a:r>
-            <a:r>
-              <a:rPr lang="en-US" dirty="0"/>
-              <a:t> class could call, and then use in </a:t>
-            </a:r>
-            <a:r>
-              <a:rPr lang="en-US" i="1" dirty="0" err="1"/>
-              <a:t>handleGetHighestRevenueGame</a:t>
-            </a:r>
-            <a:r>
-              <a:rPr lang="en-US" dirty="0"/>
-              <a:t>() and  </a:t>
-            </a:r>
-            <a:r>
-              <a:rPr lang="en-US" i="1" dirty="0" err="1"/>
-              <a:t>handlePrintGameSalesReport</a:t>
-            </a:r>
-            <a:r>
-              <a:rPr lang="en-US" dirty="0"/>
-              <a:t>()</a:t>
-            </a:r>
-          </a:p>
-          <a:p>
+              <a:t>May make sense to put this on Friday instead, if time could introduce here, but provides nice example of tell</a:t>
+            </a:r>
+            <a:r>
+              <a:rPr lang="en-US" baseline="0" dirty="0"/>
+              <a:t> don’t ask</a:t>
+            </a:r>
             <a:endParaRPr lang="en-US" dirty="0"/>
           </a:p>
         </p:txBody>
@@ -2870,7 +1791,7 @@
             <a:spLocks noGrp="1"/>
           </p:cNvSpPr>
           <p:nvPr>
-            <p:ph type="sldNum" sz="quarter" idx="5"/>
+            <p:ph type="sldNum" sz="quarter" idx="10"/>
           </p:nvPr>
         </p:nvSpPr>
         <p:spPr/>
@@ -2889,7 +1810,7 @@
     </p:spTree>
     <p:extLst>
       <p:ext uri="{BB962C8B-B14F-4D97-AF65-F5344CB8AC3E}">
-        <p14:creationId xmlns:p14="http://schemas.microsoft.com/office/powerpoint/2010/main" val="3386797911"/>
+        <p14:creationId xmlns:p14="http://schemas.microsoft.com/office/powerpoint/2010/main" val="3416132268"/>
       </p:ext>
     </p:extLst>
   </p:cSld>
@@ -2943,6 +1864,14 @@
           <a:bodyPr/>
           <a:lstStyle/>
           <a:p>
+            <a:r>
+              <a:rPr lang="en-US" dirty="0"/>
+              <a:t>May make sense to put this on Friday instead, if time could introduce here, but provides nice example of tell</a:t>
+            </a:r>
+            <a:r>
+              <a:rPr lang="en-US" baseline="0" dirty="0"/>
+              <a:t> don’t ask</a:t>
+            </a:r>
             <a:endParaRPr lang="en-US" dirty="0"/>
           </a:p>
         </p:txBody>
@@ -2973,7 +1902,7 @@
     </p:spTree>
     <p:extLst>
       <p:ext uri="{BB962C8B-B14F-4D97-AF65-F5344CB8AC3E}">
-        <p14:creationId xmlns:p14="http://schemas.microsoft.com/office/powerpoint/2010/main" val="3416132268"/>
+        <p14:creationId xmlns:p14="http://schemas.microsoft.com/office/powerpoint/2010/main" val="2163677615"/>
       </p:ext>
     </p:extLst>
   </p:cSld>
@@ -3027,81 +1956,14 @@
           <a:bodyPr/>
           <a:lstStyle/>
           <a:p>
-            <a:pPr marL="0" indent="0">
-              <a:buNone/>
-            </a:pPr>
             <a:r>
               <a:rPr lang="en-US" dirty="0"/>
-              <a:t>In your </a:t>
-            </a:r>
-            <a:r>
-              <a:rPr lang="en-US" dirty="0" err="1"/>
-              <a:t>VaporSalesManager</a:t>
-            </a:r>
-            <a:r>
-              <a:rPr lang="en-US" dirty="0"/>
-              <a:t> classes, you need to calculate a game’s total revenue, including revenue from its bundle sales. This could be accomplished by 2 different approaches:</a:t>
-            </a:r>
-          </a:p>
-          <a:p>
-            <a:pPr marL="514350" indent="-514350">
-              <a:buAutoNum type="arabicParenR"/>
-            </a:pPr>
-            <a:r>
-              <a:rPr lang="en-US" dirty="0"/>
-              <a:t>Adding a </a:t>
-            </a:r>
-            <a:r>
-              <a:rPr lang="en-US" i="1" dirty="0" err="1"/>
-              <a:t>computeTotalRevenue</a:t>
-            </a:r>
-            <a:r>
-              <a:rPr lang="en-US" dirty="0"/>
-              <a:t>() method to the Game class which adds up the revenues</a:t>
-            </a:r>
-          </a:p>
-          <a:p>
-            <a:pPr marL="514350" indent="-514350">
-              <a:buAutoNum type="arabicParenR"/>
-            </a:pPr>
-            <a:r>
-              <a:rPr lang="en-US" dirty="0"/>
-              <a:t>Adding a </a:t>
-            </a:r>
-            <a:r>
-              <a:rPr lang="en-US" i="1" dirty="0" err="1"/>
-              <a:t>getBundles</a:t>
-            </a:r>
-            <a:r>
-              <a:rPr lang="en-US" dirty="0"/>
-              <a:t>() method to the Game class, which the </a:t>
-            </a:r>
-            <a:r>
-              <a:rPr lang="en-US" dirty="0" err="1"/>
-              <a:t>SalesManager</a:t>
-            </a:r>
-            <a:r>
-              <a:rPr lang="en-US" dirty="0"/>
-              <a:t> class could call, and then use in </a:t>
-            </a:r>
-            <a:r>
-              <a:rPr lang="en-US" i="1" dirty="0" err="1"/>
-              <a:t>handleGetHighestRevenueGame</a:t>
-            </a:r>
-            <a:r>
-              <a:rPr lang="en-US" dirty="0"/>
-              <a:t>() and  </a:t>
-            </a:r>
-            <a:r>
-              <a:rPr lang="en-US" i="1" dirty="0" err="1"/>
-              <a:t>handlePrintGameSalesReport</a:t>
-            </a:r>
-            <a:r>
-              <a:rPr lang="en-US" dirty="0"/>
-              <a:t>()</a:t>
-            </a:r>
-          </a:p>
-          <a:p>
+              <a:t>May make sense to put this on Friday instead, if time could introduce here, but provides nice example of tell</a:t>
+            </a:r>
+            <a:r>
+              <a:rPr lang="en-US" baseline="0" dirty="0"/>
+              <a:t> don’t ask</a:t>
+            </a:r>
             <a:endParaRPr lang="en-US" dirty="0"/>
           </a:p>
         </p:txBody>
@@ -3113,7 +1975,7 @@
             <a:spLocks noGrp="1"/>
           </p:cNvSpPr>
           <p:nvPr>
-            <p:ph type="sldNum" sz="quarter" idx="5"/>
+            <p:ph type="sldNum" sz="quarter" idx="10"/>
           </p:nvPr>
         </p:nvSpPr>
         <p:spPr/>
@@ -3132,7 +1994,7 @@
     </p:spTree>
     <p:extLst>
       <p:ext uri="{BB962C8B-B14F-4D97-AF65-F5344CB8AC3E}">
-        <p14:creationId xmlns:p14="http://schemas.microsoft.com/office/powerpoint/2010/main" val="2611663818"/>
+        <p14:creationId xmlns:p14="http://schemas.microsoft.com/office/powerpoint/2010/main" val="2222865674"/>
       </p:ext>
     </p:extLst>
   </p:cSld>
@@ -3186,14 +2048,1544 @@
           <a:bodyPr/>
           <a:lstStyle/>
           <a:p>
-            <a:r>
+            <a:pPr rtl="0"/>
+            <a:r>
+              <a:rPr lang="en-US" sz="1200" b="0" i="0" u="none" strike="noStrike" kern="1200" dirty="0">
+                <a:solidFill>
+                  <a:schemeClr val="tx1"/>
+                </a:solidFill>
+                <a:effectLst/>
+                <a:latin typeface="+mn-lt"/>
+                <a:ea typeface="+mn-ea"/>
+                <a:cs typeface="+mn-cs"/>
+              </a:rPr>
+              <a:t>@</a:t>
+            </a:r>
+            <a:r>
+              <a:rPr lang="en-US" sz="1200" b="0" i="0" u="none" strike="noStrike" kern="1200" dirty="0" err="1">
+                <a:solidFill>
+                  <a:schemeClr val="tx1"/>
+                </a:solidFill>
+                <a:effectLst/>
+                <a:latin typeface="+mn-lt"/>
+                <a:ea typeface="+mn-ea"/>
+                <a:cs typeface="+mn-cs"/>
+              </a:rPr>
+              <a:t>startuml</a:t>
+            </a:r>
+            <a:endParaRPr lang="en-US" b="0" dirty="0">
+              <a:effectLst/>
+            </a:endParaRPr>
+          </a:p>
+          <a:p>
+            <a:pPr rtl="0"/>
+            <a:r>
+              <a:rPr lang="en-US" sz="1200" b="0" i="0" u="none" strike="noStrike" kern="1200" dirty="0" err="1">
+                <a:solidFill>
+                  <a:schemeClr val="tx1"/>
+                </a:solidFill>
+                <a:effectLst/>
+                <a:latin typeface="+mn-lt"/>
+                <a:ea typeface="+mn-ea"/>
+                <a:cs typeface="+mn-cs"/>
+              </a:rPr>
+              <a:t>skinparam</a:t>
+            </a:r>
+            <a:r>
+              <a:rPr lang="en-US" sz="1200" b="0" i="0" u="none" strike="noStrike" kern="1200" dirty="0">
+                <a:solidFill>
+                  <a:schemeClr val="tx1"/>
+                </a:solidFill>
+                <a:effectLst/>
+                <a:latin typeface="+mn-lt"/>
+                <a:ea typeface="+mn-ea"/>
+                <a:cs typeface="+mn-cs"/>
+              </a:rPr>
+              <a:t> style </a:t>
+            </a:r>
+            <a:r>
+              <a:rPr lang="en-US" sz="1200" b="0" i="0" u="none" strike="noStrike" kern="1200" dirty="0" err="1">
+                <a:solidFill>
+                  <a:schemeClr val="tx1"/>
+                </a:solidFill>
+                <a:effectLst/>
+                <a:latin typeface="+mn-lt"/>
+                <a:ea typeface="+mn-ea"/>
+                <a:cs typeface="+mn-cs"/>
+              </a:rPr>
+              <a:t>strictuml</a:t>
+            </a:r>
+            <a:endParaRPr lang="en-US" b="0" dirty="0">
+              <a:effectLst/>
+            </a:endParaRPr>
+          </a:p>
+          <a:p>
+            <a:pPr rtl="0"/>
+            <a:br>
+              <a:rPr lang="en-US" b="0" dirty="0">
+                <a:effectLst/>
+              </a:rPr>
+            </a:br>
+            <a:r>
+              <a:rPr lang="en-US" sz="1200" b="0" i="0" u="none" strike="noStrike" kern="1200" dirty="0">
+                <a:solidFill>
+                  <a:schemeClr val="tx1"/>
+                </a:solidFill>
+                <a:effectLst/>
+                <a:latin typeface="+mn-lt"/>
+                <a:ea typeface="+mn-ea"/>
+                <a:cs typeface="+mn-cs"/>
+              </a:rPr>
+              <a:t>class </a:t>
+            </a:r>
+            <a:r>
+              <a:rPr lang="en-US" sz="1200" b="0" i="0" u="none" strike="noStrike" kern="1200" dirty="0" err="1">
+                <a:solidFill>
+                  <a:schemeClr val="tx1"/>
+                </a:solidFill>
+                <a:effectLst/>
+                <a:latin typeface="+mn-lt"/>
+                <a:ea typeface="+mn-ea"/>
+                <a:cs typeface="+mn-cs"/>
+              </a:rPr>
+              <a:t>TeamGradebookMain</a:t>
+            </a:r>
+            <a:r>
+              <a:rPr lang="en-US" sz="1200" b="0" i="0" u="none" strike="noStrike" kern="1200" dirty="0">
+                <a:solidFill>
+                  <a:schemeClr val="tx1"/>
+                </a:solidFill>
+                <a:effectLst/>
+                <a:latin typeface="+mn-lt"/>
+                <a:ea typeface="+mn-ea"/>
+                <a:cs typeface="+mn-cs"/>
+              </a:rPr>
+              <a:t>{</a:t>
+            </a:r>
+            <a:endParaRPr lang="en-US" b="0" dirty="0">
+              <a:effectLst/>
+            </a:endParaRPr>
+          </a:p>
+          <a:p>
+            <a:pPr rtl="0"/>
+            <a:r>
+              <a:rPr lang="en-US" sz="1200" b="0" i="0" u="none" strike="noStrike" kern="1200" dirty="0" err="1">
+                <a:solidFill>
+                  <a:schemeClr val="tx1"/>
+                </a:solidFill>
+                <a:effectLst/>
+                <a:latin typeface="+mn-lt"/>
+                <a:ea typeface="+mn-ea"/>
+                <a:cs typeface="+mn-cs"/>
+              </a:rPr>
+              <a:t>handleAddStudent</a:t>
+            </a:r>
+            <a:r>
+              <a:rPr lang="en-US" sz="1200" b="0" i="0" u="none" strike="noStrike" kern="1200" dirty="0">
+                <a:solidFill>
+                  <a:schemeClr val="tx1"/>
+                </a:solidFill>
+                <a:effectLst/>
+                <a:latin typeface="+mn-lt"/>
+                <a:ea typeface="+mn-ea"/>
+                <a:cs typeface="+mn-cs"/>
+              </a:rPr>
+              <a:t>(String </a:t>
+            </a:r>
+            <a:r>
+              <a:rPr lang="en-US" sz="1200" b="0" i="0" u="none" strike="noStrike" kern="1200" dirty="0" err="1">
+                <a:solidFill>
+                  <a:schemeClr val="tx1"/>
+                </a:solidFill>
+                <a:effectLst/>
+                <a:latin typeface="+mn-lt"/>
+                <a:ea typeface="+mn-ea"/>
+                <a:cs typeface="+mn-cs"/>
+              </a:rPr>
+              <a:t>studentName</a:t>
+            </a:r>
+            <a:r>
+              <a:rPr lang="en-US" sz="1200" b="0" i="0" u="none" strike="noStrike" kern="1200" dirty="0">
+                <a:solidFill>
+                  <a:schemeClr val="tx1"/>
+                </a:solidFill>
+                <a:effectLst/>
+                <a:latin typeface="+mn-lt"/>
+                <a:ea typeface="+mn-ea"/>
+                <a:cs typeface="+mn-cs"/>
+              </a:rPr>
+              <a:t>)</a:t>
+            </a:r>
+            <a:endParaRPr lang="en-US" b="0" dirty="0">
+              <a:effectLst/>
+            </a:endParaRPr>
+          </a:p>
+          <a:p>
+            <a:pPr rtl="0"/>
+            <a:r>
+              <a:rPr lang="en-US" sz="1200" b="0" i="0" u="none" strike="noStrike" kern="1200" dirty="0" err="1">
+                <a:solidFill>
+                  <a:schemeClr val="tx1"/>
+                </a:solidFill>
+                <a:effectLst/>
+                <a:latin typeface="+mn-lt"/>
+                <a:ea typeface="+mn-ea"/>
+                <a:cs typeface="+mn-cs"/>
+              </a:rPr>
+              <a:t>handleAddTeam</a:t>
+            </a:r>
+            <a:r>
+              <a:rPr lang="en-US" sz="1200" b="0" i="0" u="none" strike="noStrike" kern="1200" dirty="0">
+                <a:solidFill>
+                  <a:schemeClr val="tx1"/>
+                </a:solidFill>
+                <a:effectLst/>
+                <a:latin typeface="+mn-lt"/>
+                <a:ea typeface="+mn-ea"/>
+                <a:cs typeface="+mn-cs"/>
+              </a:rPr>
+              <a:t>(String </a:t>
+            </a:r>
+            <a:r>
+              <a:rPr lang="en-US" sz="1200" b="0" i="0" u="none" strike="noStrike" kern="1200" dirty="0" err="1">
+                <a:solidFill>
+                  <a:schemeClr val="tx1"/>
+                </a:solidFill>
+                <a:effectLst/>
+                <a:latin typeface="+mn-lt"/>
+                <a:ea typeface="+mn-ea"/>
+                <a:cs typeface="+mn-cs"/>
+              </a:rPr>
+              <a:t>teamName</a:t>
+            </a:r>
+            <a:r>
+              <a:rPr lang="en-US" sz="1200" b="0" i="0" u="none" strike="noStrike" kern="1200" dirty="0">
+                <a:solidFill>
+                  <a:schemeClr val="tx1"/>
+                </a:solidFill>
+                <a:effectLst/>
+                <a:latin typeface="+mn-lt"/>
+                <a:ea typeface="+mn-ea"/>
+                <a:cs typeface="+mn-cs"/>
+              </a:rPr>
+              <a:t>, </a:t>
+            </a:r>
+            <a:r>
+              <a:rPr lang="en-US" sz="1200" b="0" i="0" u="none" strike="noStrike" kern="1200" dirty="0" err="1">
+                <a:solidFill>
+                  <a:schemeClr val="tx1"/>
+                </a:solidFill>
+                <a:effectLst/>
+                <a:latin typeface="+mn-lt"/>
+                <a:ea typeface="+mn-ea"/>
+                <a:cs typeface="+mn-cs"/>
+              </a:rPr>
+              <a:t>ArrayList</a:t>
+            </a:r>
+            <a:r>
+              <a:rPr lang="en-US" sz="1200" b="0" i="0" u="none" strike="noStrike" kern="1200" dirty="0">
+                <a:solidFill>
+                  <a:schemeClr val="tx1"/>
+                </a:solidFill>
+                <a:effectLst/>
+                <a:latin typeface="+mn-lt"/>
+                <a:ea typeface="+mn-ea"/>
+                <a:cs typeface="+mn-cs"/>
+              </a:rPr>
+              <a:t>&lt;String&gt; </a:t>
+            </a:r>
+            <a:r>
+              <a:rPr lang="en-US" sz="1200" b="0" i="0" u="none" strike="noStrike" kern="1200" dirty="0" err="1">
+                <a:solidFill>
+                  <a:schemeClr val="tx1"/>
+                </a:solidFill>
+                <a:effectLst/>
+                <a:latin typeface="+mn-lt"/>
+                <a:ea typeface="+mn-ea"/>
+                <a:cs typeface="+mn-cs"/>
+              </a:rPr>
+              <a:t>memberNames</a:t>
+            </a:r>
+            <a:r>
+              <a:rPr lang="en-US" sz="1200" b="0" i="0" u="none" strike="noStrike" kern="1200" dirty="0">
+                <a:solidFill>
+                  <a:schemeClr val="tx1"/>
+                </a:solidFill>
+                <a:effectLst/>
+                <a:latin typeface="+mn-lt"/>
+                <a:ea typeface="+mn-ea"/>
+                <a:cs typeface="+mn-cs"/>
+              </a:rPr>
+              <a:t>)</a:t>
+            </a:r>
+            <a:endParaRPr lang="en-US" b="0" dirty="0">
+              <a:effectLst/>
+            </a:endParaRPr>
+          </a:p>
+          <a:p>
+            <a:pPr rtl="0"/>
+            <a:r>
+              <a:rPr lang="en-US" sz="1200" b="0" i="0" u="none" strike="noStrike" kern="1200" dirty="0" err="1">
+                <a:solidFill>
+                  <a:schemeClr val="tx1"/>
+                </a:solidFill>
+                <a:effectLst/>
+                <a:latin typeface="+mn-lt"/>
+                <a:ea typeface="+mn-ea"/>
+                <a:cs typeface="+mn-cs"/>
+              </a:rPr>
+              <a:t>handleAddGrade</a:t>
+            </a:r>
+            <a:r>
+              <a:rPr lang="en-US" sz="1200" b="0" i="0" u="none" strike="noStrike" kern="1200" dirty="0">
+                <a:solidFill>
+                  <a:schemeClr val="tx1"/>
+                </a:solidFill>
+                <a:effectLst/>
+                <a:latin typeface="+mn-lt"/>
+                <a:ea typeface="+mn-ea"/>
+                <a:cs typeface="+mn-cs"/>
+              </a:rPr>
+              <a:t>(String </a:t>
+            </a:r>
+            <a:r>
+              <a:rPr lang="en-US" sz="1200" b="0" i="0" u="none" strike="noStrike" kern="1200" dirty="0" err="1">
+                <a:solidFill>
+                  <a:schemeClr val="tx1"/>
+                </a:solidFill>
+                <a:effectLst/>
+                <a:latin typeface="+mn-lt"/>
+                <a:ea typeface="+mn-ea"/>
+                <a:cs typeface="+mn-cs"/>
+              </a:rPr>
+              <a:t>teamName</a:t>
+            </a:r>
+            <a:r>
+              <a:rPr lang="en-US" sz="1200" b="0" i="0" u="none" strike="noStrike" kern="1200" dirty="0">
+                <a:solidFill>
+                  <a:schemeClr val="tx1"/>
+                </a:solidFill>
+                <a:effectLst/>
+                <a:latin typeface="+mn-lt"/>
+                <a:ea typeface="+mn-ea"/>
+                <a:cs typeface="+mn-cs"/>
+              </a:rPr>
+              <a:t>, double grade)</a:t>
+            </a:r>
+            <a:endParaRPr lang="en-US" b="0" dirty="0">
+              <a:effectLst/>
+            </a:endParaRPr>
+          </a:p>
+          <a:p>
+            <a:pPr rtl="0"/>
+            <a:r>
+              <a:rPr lang="en-US" sz="1200" b="0" i="0" u="none" strike="noStrike" kern="1200" dirty="0" err="1">
+                <a:solidFill>
+                  <a:schemeClr val="tx1"/>
+                </a:solidFill>
+                <a:effectLst/>
+                <a:latin typeface="+mn-lt"/>
+                <a:ea typeface="+mn-ea"/>
+                <a:cs typeface="+mn-cs"/>
+              </a:rPr>
+              <a:t>handleGetAverage</a:t>
+            </a:r>
+            <a:r>
+              <a:rPr lang="en-US" sz="1200" b="0" i="0" u="none" strike="noStrike" kern="1200" dirty="0">
+                <a:solidFill>
+                  <a:schemeClr val="tx1"/>
+                </a:solidFill>
+                <a:effectLst/>
+                <a:latin typeface="+mn-lt"/>
+                <a:ea typeface="+mn-ea"/>
+                <a:cs typeface="+mn-cs"/>
+              </a:rPr>
+              <a:t>(String </a:t>
+            </a:r>
+            <a:r>
+              <a:rPr lang="en-US" sz="1200" b="0" i="0" u="none" strike="noStrike" kern="1200" dirty="0" err="1">
+                <a:solidFill>
+                  <a:schemeClr val="tx1"/>
+                </a:solidFill>
+                <a:effectLst/>
+                <a:latin typeface="+mn-lt"/>
+                <a:ea typeface="+mn-ea"/>
+                <a:cs typeface="+mn-cs"/>
+              </a:rPr>
+              <a:t>studentName</a:t>
+            </a:r>
+            <a:r>
+              <a:rPr lang="en-US" sz="1200" b="0" i="0" u="none" strike="noStrike" kern="1200" dirty="0">
+                <a:solidFill>
+                  <a:schemeClr val="tx1"/>
+                </a:solidFill>
+                <a:effectLst/>
+                <a:latin typeface="+mn-lt"/>
+                <a:ea typeface="+mn-ea"/>
+                <a:cs typeface="+mn-cs"/>
+              </a:rPr>
+              <a:t>): double</a:t>
+            </a:r>
+            <a:endParaRPr lang="en-US" b="0" dirty="0">
+              <a:effectLst/>
+            </a:endParaRPr>
+          </a:p>
+          <a:p>
+            <a:pPr rtl="0"/>
+            <a:r>
+              <a:rPr lang="en-US" sz="1200" b="0" i="0" u="none" strike="noStrike" kern="1200" dirty="0">
+                <a:solidFill>
+                  <a:schemeClr val="tx1"/>
+                </a:solidFill>
+                <a:effectLst/>
+                <a:latin typeface="+mn-lt"/>
+                <a:ea typeface="+mn-ea"/>
+                <a:cs typeface="+mn-cs"/>
+              </a:rPr>
+              <a:t>}</a:t>
+            </a:r>
+            <a:endParaRPr lang="en-US" b="0" dirty="0">
+              <a:effectLst/>
+            </a:endParaRPr>
+          </a:p>
+          <a:p>
+            <a:pPr rtl="0"/>
+            <a:r>
+              <a:rPr lang="en-US" sz="1200" b="0" i="0" u="none" strike="noStrike" kern="1200" dirty="0">
+                <a:solidFill>
+                  <a:schemeClr val="tx1"/>
+                </a:solidFill>
+                <a:effectLst/>
+                <a:latin typeface="+mn-lt"/>
+                <a:ea typeface="+mn-ea"/>
+                <a:cs typeface="+mn-cs"/>
+              </a:rPr>
+              <a:t>class Student{</a:t>
+            </a:r>
+            <a:endParaRPr lang="en-US" b="0" dirty="0">
+              <a:effectLst/>
+            </a:endParaRPr>
+          </a:p>
+          <a:p>
+            <a:pPr rtl="0"/>
+            <a:r>
+              <a:rPr lang="en-US" sz="1200" b="0" i="0" u="none" strike="noStrike" kern="1200" dirty="0">
+                <a:solidFill>
+                  <a:schemeClr val="tx1"/>
+                </a:solidFill>
+                <a:effectLst/>
+                <a:latin typeface="+mn-lt"/>
+                <a:ea typeface="+mn-ea"/>
+                <a:cs typeface="+mn-cs"/>
+              </a:rPr>
+              <a:t>  String name</a:t>
+            </a:r>
+            <a:endParaRPr lang="en-US" b="0" dirty="0">
+              <a:effectLst/>
+            </a:endParaRPr>
+          </a:p>
+          <a:p>
+            <a:pPr rtl="0"/>
+            <a:r>
+              <a:rPr lang="en-US" sz="1200" b="0" i="0" u="none" strike="noStrike" kern="1200" dirty="0">
+                <a:solidFill>
+                  <a:schemeClr val="tx1"/>
+                </a:solidFill>
+                <a:effectLst/>
+                <a:latin typeface="+mn-lt"/>
+                <a:ea typeface="+mn-ea"/>
+                <a:cs typeface="+mn-cs"/>
+              </a:rPr>
+              <a:t>  </a:t>
+            </a:r>
+            <a:r>
+              <a:rPr lang="en-US" sz="1200" b="0" i="0" u="none" strike="noStrike" kern="1200" dirty="0" err="1">
+                <a:solidFill>
+                  <a:schemeClr val="tx1"/>
+                </a:solidFill>
+                <a:effectLst/>
+                <a:latin typeface="+mn-lt"/>
+                <a:ea typeface="+mn-ea"/>
+                <a:cs typeface="+mn-cs"/>
+              </a:rPr>
+              <a:t>ArrayList</a:t>
+            </a:r>
+            <a:r>
+              <a:rPr lang="en-US" sz="1200" b="0" i="0" u="none" strike="noStrike" kern="1200" dirty="0">
+                <a:solidFill>
+                  <a:schemeClr val="tx1"/>
+                </a:solidFill>
+                <a:effectLst/>
+                <a:latin typeface="+mn-lt"/>
+                <a:ea typeface="+mn-ea"/>
+                <a:cs typeface="+mn-cs"/>
+              </a:rPr>
+              <a:t>&lt;Double&gt; grades</a:t>
+            </a:r>
+            <a:endParaRPr lang="en-US" b="0" dirty="0">
+              <a:effectLst/>
+            </a:endParaRPr>
+          </a:p>
+          <a:p>
+            <a:pPr rtl="0"/>
+            <a:r>
+              <a:rPr lang="en-US" sz="1200" b="0" i="0" u="none" strike="noStrike" kern="1200" dirty="0">
+                <a:solidFill>
+                  <a:schemeClr val="tx1"/>
+                </a:solidFill>
+                <a:effectLst/>
+                <a:latin typeface="+mn-lt"/>
+                <a:ea typeface="+mn-ea"/>
+                <a:cs typeface="+mn-cs"/>
+              </a:rPr>
+              <a:t>  </a:t>
+            </a:r>
+            <a:r>
+              <a:rPr lang="en-US" sz="1200" b="0" i="0" u="none" strike="noStrike" kern="1200" dirty="0" err="1">
+                <a:solidFill>
+                  <a:schemeClr val="tx1"/>
+                </a:solidFill>
+                <a:effectLst/>
+                <a:latin typeface="+mn-lt"/>
+                <a:ea typeface="+mn-ea"/>
+                <a:cs typeface="+mn-cs"/>
+              </a:rPr>
+              <a:t>getAverage</a:t>
+            </a:r>
+            <a:r>
+              <a:rPr lang="en-US" sz="1200" b="0" i="0" u="none" strike="noStrike" kern="1200" dirty="0">
+                <a:solidFill>
+                  <a:schemeClr val="tx1"/>
+                </a:solidFill>
+                <a:effectLst/>
+                <a:latin typeface="+mn-lt"/>
+                <a:ea typeface="+mn-ea"/>
+                <a:cs typeface="+mn-cs"/>
+              </a:rPr>
+              <a:t>() : double</a:t>
+            </a:r>
+            <a:endParaRPr lang="en-US" b="0" dirty="0">
+              <a:effectLst/>
+            </a:endParaRPr>
+          </a:p>
+          <a:p>
+            <a:pPr rtl="0"/>
+            <a:r>
+              <a:rPr lang="en-US" sz="1200" b="0" i="0" u="none" strike="noStrike" kern="1200" dirty="0">
+                <a:solidFill>
+                  <a:schemeClr val="tx1"/>
+                </a:solidFill>
+                <a:effectLst/>
+                <a:latin typeface="+mn-lt"/>
+                <a:ea typeface="+mn-ea"/>
+                <a:cs typeface="+mn-cs"/>
+              </a:rPr>
+              <a:t>}</a:t>
+            </a:r>
+            <a:endParaRPr lang="en-US" b="0" dirty="0">
+              <a:effectLst/>
+            </a:endParaRPr>
+          </a:p>
+          <a:p>
+            <a:pPr rtl="0"/>
+            <a:br>
+              <a:rPr lang="en-US" b="0" dirty="0">
+                <a:effectLst/>
+              </a:rPr>
+            </a:br>
+            <a:r>
+              <a:rPr lang="en-US" sz="1200" b="0" i="0" u="none" strike="noStrike" kern="1200" dirty="0">
+                <a:solidFill>
+                  <a:schemeClr val="tx1"/>
+                </a:solidFill>
+                <a:effectLst/>
+                <a:latin typeface="+mn-lt"/>
+                <a:ea typeface="+mn-ea"/>
+                <a:cs typeface="+mn-cs"/>
+              </a:rPr>
+              <a:t>class Team{</a:t>
+            </a:r>
+            <a:endParaRPr lang="en-US" b="0" dirty="0">
+              <a:effectLst/>
+            </a:endParaRPr>
+          </a:p>
+          <a:p>
+            <a:pPr rtl="0"/>
+            <a:r>
+              <a:rPr lang="en-US" sz="1200" b="0" i="0" u="none" strike="noStrike" kern="1200" dirty="0">
+                <a:solidFill>
+                  <a:schemeClr val="tx1"/>
+                </a:solidFill>
+                <a:effectLst/>
+                <a:latin typeface="+mn-lt"/>
+                <a:ea typeface="+mn-ea"/>
+                <a:cs typeface="+mn-cs"/>
+              </a:rPr>
+              <a:t>  String name</a:t>
+            </a:r>
+            <a:endParaRPr lang="en-US" b="0" dirty="0">
+              <a:effectLst/>
+            </a:endParaRPr>
+          </a:p>
+          <a:p>
+            <a:pPr rtl="0"/>
+            <a:r>
+              <a:rPr lang="en-US" sz="1200" b="0" i="0" u="none" strike="noStrike" kern="1200" dirty="0">
+                <a:solidFill>
+                  <a:schemeClr val="tx1"/>
+                </a:solidFill>
+                <a:effectLst/>
+                <a:latin typeface="+mn-lt"/>
+                <a:ea typeface="+mn-ea"/>
+                <a:cs typeface="+mn-cs"/>
+              </a:rPr>
+              <a:t>  </a:t>
+            </a:r>
+            <a:r>
+              <a:rPr lang="en-US" sz="1200" b="0" i="0" u="none" strike="noStrike" kern="1200" dirty="0" err="1">
+                <a:solidFill>
+                  <a:schemeClr val="tx1"/>
+                </a:solidFill>
+                <a:effectLst/>
+                <a:latin typeface="+mn-lt"/>
+                <a:ea typeface="+mn-ea"/>
+                <a:cs typeface="+mn-cs"/>
+              </a:rPr>
+              <a:t>ArrayList</a:t>
+            </a:r>
+            <a:r>
+              <a:rPr lang="en-US" sz="1200" b="0" i="0" u="none" strike="noStrike" kern="1200" dirty="0">
+                <a:solidFill>
+                  <a:schemeClr val="tx1"/>
+                </a:solidFill>
+                <a:effectLst/>
+                <a:latin typeface="+mn-lt"/>
+                <a:ea typeface="+mn-ea"/>
+                <a:cs typeface="+mn-cs"/>
+              </a:rPr>
+              <a:t>&lt;Double&gt; grades</a:t>
+            </a:r>
+            <a:endParaRPr lang="en-US" b="0" dirty="0">
+              <a:effectLst/>
+            </a:endParaRPr>
+          </a:p>
+          <a:p>
+            <a:pPr rtl="0"/>
+            <a:r>
+              <a:rPr lang="en-US" sz="1200" b="0" i="0" u="none" strike="noStrike" kern="1200" dirty="0">
+                <a:solidFill>
+                  <a:schemeClr val="tx1"/>
+                </a:solidFill>
+                <a:effectLst/>
+                <a:latin typeface="+mn-lt"/>
+                <a:ea typeface="+mn-ea"/>
+                <a:cs typeface="+mn-cs"/>
+              </a:rPr>
+              <a:t>}</a:t>
+            </a:r>
+            <a:endParaRPr lang="en-US" b="0" dirty="0">
+              <a:effectLst/>
+            </a:endParaRPr>
+          </a:p>
+          <a:p>
+            <a:pPr rtl="0"/>
+            <a:r>
+              <a:rPr lang="en-US" sz="1200" b="0" i="0" u="none" strike="noStrike" kern="1200" dirty="0" err="1">
+                <a:solidFill>
+                  <a:schemeClr val="tx1"/>
+                </a:solidFill>
+                <a:effectLst/>
+                <a:latin typeface="+mn-lt"/>
+                <a:ea typeface="+mn-ea"/>
+                <a:cs typeface="+mn-cs"/>
+              </a:rPr>
+              <a:t>TeamGradebookMain</a:t>
+            </a:r>
+            <a:r>
+              <a:rPr lang="en-US" sz="1200" b="0" i="0" u="none" strike="noStrike" kern="1200" dirty="0">
+                <a:solidFill>
+                  <a:schemeClr val="tx1"/>
+                </a:solidFill>
+                <a:effectLst/>
+                <a:latin typeface="+mn-lt"/>
+                <a:ea typeface="+mn-ea"/>
+                <a:cs typeface="+mn-cs"/>
+              </a:rPr>
+              <a:t> -&gt; "*" Student</a:t>
+            </a:r>
+            <a:endParaRPr lang="en-US" b="0" dirty="0">
+              <a:effectLst/>
+            </a:endParaRPr>
+          </a:p>
+          <a:p>
+            <a:pPr rtl="0"/>
+            <a:r>
+              <a:rPr lang="en-US" sz="1200" b="0" i="0" u="none" strike="noStrike" kern="1200" dirty="0" err="1">
+                <a:solidFill>
+                  <a:schemeClr val="tx1"/>
+                </a:solidFill>
+                <a:effectLst/>
+                <a:latin typeface="+mn-lt"/>
+                <a:ea typeface="+mn-ea"/>
+                <a:cs typeface="+mn-cs"/>
+              </a:rPr>
+              <a:t>TeamGradebookMain</a:t>
+            </a:r>
+            <a:r>
+              <a:rPr lang="en-US" sz="1200" b="0" i="0" u="none" strike="noStrike" kern="1200" dirty="0">
+                <a:solidFill>
+                  <a:schemeClr val="tx1"/>
+                </a:solidFill>
+                <a:effectLst/>
+                <a:latin typeface="+mn-lt"/>
+                <a:ea typeface="+mn-ea"/>
+                <a:cs typeface="+mn-cs"/>
+              </a:rPr>
+              <a:t> -&gt; "*" Team</a:t>
+            </a:r>
+            <a:endParaRPr lang="en-US" b="0" dirty="0">
+              <a:effectLst/>
+            </a:endParaRPr>
+          </a:p>
+          <a:p>
+            <a:pPr rtl="0"/>
+            <a:r>
+              <a:rPr lang="en-US" sz="1200" b="0" i="0" u="none" strike="noStrike" kern="1200" dirty="0">
+                <a:solidFill>
+                  <a:schemeClr val="tx1"/>
+                </a:solidFill>
+                <a:effectLst/>
+                <a:latin typeface="+mn-lt"/>
+                <a:ea typeface="+mn-ea"/>
+                <a:cs typeface="+mn-cs"/>
+              </a:rPr>
+              <a:t>Team -&gt; "*" Student</a:t>
+            </a:r>
+            <a:endParaRPr lang="en-US" b="0" dirty="0">
+              <a:effectLst/>
+            </a:endParaRPr>
+          </a:p>
+          <a:p>
+            <a:pPr rtl="0"/>
+            <a:r>
+              <a:rPr lang="en-US" sz="1200" b="0" i="0" u="none" strike="noStrike" kern="1200" dirty="0">
+                <a:solidFill>
+                  <a:schemeClr val="tx1"/>
+                </a:solidFill>
+                <a:effectLst/>
+                <a:latin typeface="+mn-lt"/>
+                <a:ea typeface="+mn-ea"/>
+                <a:cs typeface="+mn-cs"/>
+              </a:rPr>
+              <a:t>@</a:t>
+            </a:r>
+            <a:r>
+              <a:rPr lang="en-US" sz="1200" b="0" i="0" u="none" strike="noStrike" kern="1200" dirty="0" err="1">
+                <a:solidFill>
+                  <a:schemeClr val="tx1"/>
+                </a:solidFill>
+                <a:effectLst/>
+                <a:latin typeface="+mn-lt"/>
+                <a:ea typeface="+mn-ea"/>
+                <a:cs typeface="+mn-cs"/>
+              </a:rPr>
+              <a:t>enduml</a:t>
+            </a:r>
+            <a:endParaRPr lang="en-US" b="0" dirty="0">
+              <a:effectLst/>
+            </a:endParaRPr>
+          </a:p>
+          <a:p>
+            <a:br>
               <a:rPr lang="en-US" dirty="0"/>
-              <a:t>May make sense to put this on Friday instead, if time could introduce here, but provides nice example of tell</a:t>
-            </a:r>
-            <a:r>
-              <a:rPr lang="en-US" baseline="0" dirty="0"/>
-              <a:t> don’t ask</a:t>
-            </a:r>
+            </a:br>
+            <a:endParaRPr lang="en-US" dirty="0"/>
+          </a:p>
+          <a:p>
+            <a:endParaRPr lang="en-US" dirty="0"/>
+          </a:p>
+          <a:p>
+            <a:endParaRPr lang="en-US" dirty="0"/>
+          </a:p>
+          <a:p>
+            <a:pPr rtl="0"/>
+            <a:r>
+              <a:rPr lang="en-US" sz="1200" b="0" i="0" u="none" strike="noStrike" kern="1200" dirty="0">
+                <a:solidFill>
+                  <a:schemeClr val="tx1"/>
+                </a:solidFill>
+                <a:effectLst/>
+                <a:latin typeface="+mn-lt"/>
+                <a:ea typeface="+mn-ea"/>
+                <a:cs typeface="+mn-cs"/>
+              </a:rPr>
+              <a:t>@</a:t>
+            </a:r>
+            <a:r>
+              <a:rPr lang="en-US" sz="1200" b="0" i="0" u="none" strike="noStrike" kern="1200" dirty="0" err="1">
+                <a:solidFill>
+                  <a:schemeClr val="tx1"/>
+                </a:solidFill>
+                <a:effectLst/>
+                <a:latin typeface="+mn-lt"/>
+                <a:ea typeface="+mn-ea"/>
+                <a:cs typeface="+mn-cs"/>
+              </a:rPr>
+              <a:t>startuml</a:t>
+            </a:r>
+            <a:endParaRPr lang="en-US" b="0" dirty="0">
+              <a:effectLst/>
+            </a:endParaRPr>
+          </a:p>
+          <a:p>
+            <a:pPr rtl="0"/>
+            <a:r>
+              <a:rPr lang="en-US" sz="1200" b="0" i="0" u="none" strike="noStrike" kern="1200" dirty="0" err="1">
+                <a:solidFill>
+                  <a:schemeClr val="tx1"/>
+                </a:solidFill>
+                <a:effectLst/>
+                <a:latin typeface="+mn-lt"/>
+                <a:ea typeface="+mn-ea"/>
+                <a:cs typeface="+mn-cs"/>
+              </a:rPr>
+              <a:t>skinparam</a:t>
+            </a:r>
+            <a:r>
+              <a:rPr lang="en-US" sz="1200" b="0" i="0" u="none" strike="noStrike" kern="1200" dirty="0">
+                <a:solidFill>
+                  <a:schemeClr val="tx1"/>
+                </a:solidFill>
+                <a:effectLst/>
+                <a:latin typeface="+mn-lt"/>
+                <a:ea typeface="+mn-ea"/>
+                <a:cs typeface="+mn-cs"/>
+              </a:rPr>
+              <a:t> style </a:t>
+            </a:r>
+            <a:r>
+              <a:rPr lang="en-US" sz="1200" b="0" i="0" u="none" strike="noStrike" kern="1200" dirty="0" err="1">
+                <a:solidFill>
+                  <a:schemeClr val="tx1"/>
+                </a:solidFill>
+                <a:effectLst/>
+                <a:latin typeface="+mn-lt"/>
+                <a:ea typeface="+mn-ea"/>
+                <a:cs typeface="+mn-cs"/>
+              </a:rPr>
+              <a:t>strictuml</a:t>
+            </a:r>
+            <a:endParaRPr lang="en-US" b="0" dirty="0">
+              <a:effectLst/>
+            </a:endParaRPr>
+          </a:p>
+          <a:p>
+            <a:pPr rtl="0"/>
+            <a:br>
+              <a:rPr lang="en-US" b="0" dirty="0">
+                <a:effectLst/>
+              </a:rPr>
+            </a:br>
+            <a:r>
+              <a:rPr lang="en-US" sz="1200" b="0" i="0" u="none" strike="noStrike" kern="1200" dirty="0">
+                <a:solidFill>
+                  <a:schemeClr val="tx1"/>
+                </a:solidFill>
+                <a:effectLst/>
+                <a:latin typeface="+mn-lt"/>
+                <a:ea typeface="+mn-ea"/>
+                <a:cs typeface="+mn-cs"/>
+              </a:rPr>
+              <a:t>class </a:t>
+            </a:r>
+            <a:r>
+              <a:rPr lang="en-US" sz="1200" b="0" i="0" u="none" strike="noStrike" kern="1200" dirty="0" err="1">
+                <a:solidFill>
+                  <a:schemeClr val="tx1"/>
+                </a:solidFill>
+                <a:effectLst/>
+                <a:latin typeface="+mn-lt"/>
+                <a:ea typeface="+mn-ea"/>
+                <a:cs typeface="+mn-cs"/>
+              </a:rPr>
+              <a:t>TeamGradebookMain</a:t>
+            </a:r>
+            <a:r>
+              <a:rPr lang="en-US" sz="1200" b="0" i="0" u="none" strike="noStrike" kern="1200" dirty="0">
+                <a:solidFill>
+                  <a:schemeClr val="tx1"/>
+                </a:solidFill>
+                <a:effectLst/>
+                <a:latin typeface="+mn-lt"/>
+                <a:ea typeface="+mn-ea"/>
+                <a:cs typeface="+mn-cs"/>
+              </a:rPr>
+              <a:t>{</a:t>
+            </a:r>
+            <a:endParaRPr lang="en-US" b="0" dirty="0">
+              <a:effectLst/>
+            </a:endParaRPr>
+          </a:p>
+          <a:p>
+            <a:pPr rtl="0"/>
+            <a:r>
+              <a:rPr lang="en-US" sz="1200" b="0" i="0" u="none" strike="noStrike" kern="1200" dirty="0" err="1">
+                <a:solidFill>
+                  <a:schemeClr val="tx1"/>
+                </a:solidFill>
+                <a:effectLst/>
+                <a:latin typeface="+mn-lt"/>
+                <a:ea typeface="+mn-ea"/>
+                <a:cs typeface="+mn-cs"/>
+              </a:rPr>
+              <a:t>handleAddStudent</a:t>
+            </a:r>
+            <a:r>
+              <a:rPr lang="en-US" sz="1200" b="0" i="0" u="none" strike="noStrike" kern="1200" dirty="0">
+                <a:solidFill>
+                  <a:schemeClr val="tx1"/>
+                </a:solidFill>
+                <a:effectLst/>
+                <a:latin typeface="+mn-lt"/>
+                <a:ea typeface="+mn-ea"/>
+                <a:cs typeface="+mn-cs"/>
+              </a:rPr>
+              <a:t>(String </a:t>
+            </a:r>
+            <a:r>
+              <a:rPr lang="en-US" sz="1200" b="0" i="0" u="none" strike="noStrike" kern="1200" dirty="0" err="1">
+                <a:solidFill>
+                  <a:schemeClr val="tx1"/>
+                </a:solidFill>
+                <a:effectLst/>
+                <a:latin typeface="+mn-lt"/>
+                <a:ea typeface="+mn-ea"/>
+                <a:cs typeface="+mn-cs"/>
+              </a:rPr>
+              <a:t>studentName</a:t>
+            </a:r>
+            <a:r>
+              <a:rPr lang="en-US" sz="1200" b="0" i="0" u="none" strike="noStrike" kern="1200" dirty="0">
+                <a:solidFill>
+                  <a:schemeClr val="tx1"/>
+                </a:solidFill>
+                <a:effectLst/>
+                <a:latin typeface="+mn-lt"/>
+                <a:ea typeface="+mn-ea"/>
+                <a:cs typeface="+mn-cs"/>
+              </a:rPr>
+              <a:t>)</a:t>
+            </a:r>
+            <a:endParaRPr lang="en-US" b="0" dirty="0">
+              <a:effectLst/>
+            </a:endParaRPr>
+          </a:p>
+          <a:p>
+            <a:pPr rtl="0"/>
+            <a:r>
+              <a:rPr lang="en-US" sz="1200" b="0" i="0" u="none" strike="noStrike" kern="1200" dirty="0" err="1">
+                <a:solidFill>
+                  <a:schemeClr val="tx1"/>
+                </a:solidFill>
+                <a:effectLst/>
+                <a:latin typeface="+mn-lt"/>
+                <a:ea typeface="+mn-ea"/>
+                <a:cs typeface="+mn-cs"/>
+              </a:rPr>
+              <a:t>handleAddTeam</a:t>
+            </a:r>
+            <a:r>
+              <a:rPr lang="en-US" sz="1200" b="0" i="0" u="none" strike="noStrike" kern="1200" dirty="0">
+                <a:solidFill>
+                  <a:schemeClr val="tx1"/>
+                </a:solidFill>
+                <a:effectLst/>
+                <a:latin typeface="+mn-lt"/>
+                <a:ea typeface="+mn-ea"/>
+                <a:cs typeface="+mn-cs"/>
+              </a:rPr>
+              <a:t>(String </a:t>
+            </a:r>
+            <a:r>
+              <a:rPr lang="en-US" sz="1200" b="0" i="0" u="none" strike="noStrike" kern="1200" dirty="0" err="1">
+                <a:solidFill>
+                  <a:schemeClr val="tx1"/>
+                </a:solidFill>
+                <a:effectLst/>
+                <a:latin typeface="+mn-lt"/>
+                <a:ea typeface="+mn-ea"/>
+                <a:cs typeface="+mn-cs"/>
+              </a:rPr>
+              <a:t>teamName</a:t>
+            </a:r>
+            <a:r>
+              <a:rPr lang="en-US" sz="1200" b="0" i="0" u="none" strike="noStrike" kern="1200" dirty="0">
+                <a:solidFill>
+                  <a:schemeClr val="tx1"/>
+                </a:solidFill>
+                <a:effectLst/>
+                <a:latin typeface="+mn-lt"/>
+                <a:ea typeface="+mn-ea"/>
+                <a:cs typeface="+mn-cs"/>
+              </a:rPr>
+              <a:t>, </a:t>
+            </a:r>
+            <a:r>
+              <a:rPr lang="en-US" sz="1200" b="0" i="0" u="none" strike="noStrike" kern="1200" dirty="0" err="1">
+                <a:solidFill>
+                  <a:schemeClr val="tx1"/>
+                </a:solidFill>
+                <a:effectLst/>
+                <a:latin typeface="+mn-lt"/>
+                <a:ea typeface="+mn-ea"/>
+                <a:cs typeface="+mn-cs"/>
+              </a:rPr>
+              <a:t>ArrayList</a:t>
+            </a:r>
+            <a:r>
+              <a:rPr lang="en-US" sz="1200" b="0" i="0" u="none" strike="noStrike" kern="1200" dirty="0">
+                <a:solidFill>
+                  <a:schemeClr val="tx1"/>
+                </a:solidFill>
+                <a:effectLst/>
+                <a:latin typeface="+mn-lt"/>
+                <a:ea typeface="+mn-ea"/>
+                <a:cs typeface="+mn-cs"/>
+              </a:rPr>
+              <a:t>&lt;String&gt; </a:t>
+            </a:r>
+            <a:r>
+              <a:rPr lang="en-US" sz="1200" b="0" i="0" u="none" strike="noStrike" kern="1200" dirty="0" err="1">
+                <a:solidFill>
+                  <a:schemeClr val="tx1"/>
+                </a:solidFill>
+                <a:effectLst/>
+                <a:latin typeface="+mn-lt"/>
+                <a:ea typeface="+mn-ea"/>
+                <a:cs typeface="+mn-cs"/>
+              </a:rPr>
+              <a:t>memberNames</a:t>
+            </a:r>
+            <a:r>
+              <a:rPr lang="en-US" sz="1200" b="0" i="0" u="none" strike="noStrike" kern="1200" dirty="0">
+                <a:solidFill>
+                  <a:schemeClr val="tx1"/>
+                </a:solidFill>
+                <a:effectLst/>
+                <a:latin typeface="+mn-lt"/>
+                <a:ea typeface="+mn-ea"/>
+                <a:cs typeface="+mn-cs"/>
+              </a:rPr>
+              <a:t>)</a:t>
+            </a:r>
+            <a:endParaRPr lang="en-US" b="0" dirty="0">
+              <a:effectLst/>
+            </a:endParaRPr>
+          </a:p>
+          <a:p>
+            <a:pPr rtl="0"/>
+            <a:r>
+              <a:rPr lang="en-US" sz="1200" b="0" i="0" u="none" strike="noStrike" kern="1200" dirty="0" err="1">
+                <a:solidFill>
+                  <a:schemeClr val="tx1"/>
+                </a:solidFill>
+                <a:effectLst/>
+                <a:latin typeface="+mn-lt"/>
+                <a:ea typeface="+mn-ea"/>
+                <a:cs typeface="+mn-cs"/>
+              </a:rPr>
+              <a:t>handleAddGrade</a:t>
+            </a:r>
+            <a:r>
+              <a:rPr lang="en-US" sz="1200" b="0" i="0" u="none" strike="noStrike" kern="1200" dirty="0">
+                <a:solidFill>
+                  <a:schemeClr val="tx1"/>
+                </a:solidFill>
+                <a:effectLst/>
+                <a:latin typeface="+mn-lt"/>
+                <a:ea typeface="+mn-ea"/>
+                <a:cs typeface="+mn-cs"/>
+              </a:rPr>
+              <a:t>(String </a:t>
+            </a:r>
+            <a:r>
+              <a:rPr lang="en-US" sz="1200" b="0" i="0" u="none" strike="noStrike" kern="1200" dirty="0" err="1">
+                <a:solidFill>
+                  <a:schemeClr val="tx1"/>
+                </a:solidFill>
+                <a:effectLst/>
+                <a:latin typeface="+mn-lt"/>
+                <a:ea typeface="+mn-ea"/>
+                <a:cs typeface="+mn-cs"/>
+              </a:rPr>
+              <a:t>teamName</a:t>
+            </a:r>
+            <a:r>
+              <a:rPr lang="en-US" sz="1200" b="0" i="0" u="none" strike="noStrike" kern="1200" dirty="0">
+                <a:solidFill>
+                  <a:schemeClr val="tx1"/>
+                </a:solidFill>
+                <a:effectLst/>
+                <a:latin typeface="+mn-lt"/>
+                <a:ea typeface="+mn-ea"/>
+                <a:cs typeface="+mn-cs"/>
+              </a:rPr>
+              <a:t>, double grade)</a:t>
+            </a:r>
+            <a:endParaRPr lang="en-US" b="0" dirty="0">
+              <a:effectLst/>
+            </a:endParaRPr>
+          </a:p>
+          <a:p>
+            <a:pPr rtl="0"/>
+            <a:r>
+              <a:rPr lang="en-US" sz="1200" b="0" i="0" u="none" strike="noStrike" kern="1200" dirty="0" err="1">
+                <a:solidFill>
+                  <a:schemeClr val="tx1"/>
+                </a:solidFill>
+                <a:effectLst/>
+                <a:latin typeface="+mn-lt"/>
+                <a:ea typeface="+mn-ea"/>
+                <a:cs typeface="+mn-cs"/>
+              </a:rPr>
+              <a:t>handleGetAverage</a:t>
+            </a:r>
+            <a:r>
+              <a:rPr lang="en-US" sz="1200" b="0" i="0" u="none" strike="noStrike" kern="1200" dirty="0">
+                <a:solidFill>
+                  <a:schemeClr val="tx1"/>
+                </a:solidFill>
+                <a:effectLst/>
+                <a:latin typeface="+mn-lt"/>
+                <a:ea typeface="+mn-ea"/>
+                <a:cs typeface="+mn-cs"/>
+              </a:rPr>
+              <a:t>(String </a:t>
+            </a:r>
+            <a:r>
+              <a:rPr lang="en-US" sz="1200" b="0" i="0" u="none" strike="noStrike" kern="1200" dirty="0" err="1">
+                <a:solidFill>
+                  <a:schemeClr val="tx1"/>
+                </a:solidFill>
+                <a:effectLst/>
+                <a:latin typeface="+mn-lt"/>
+                <a:ea typeface="+mn-ea"/>
+                <a:cs typeface="+mn-cs"/>
+              </a:rPr>
+              <a:t>studentName</a:t>
+            </a:r>
+            <a:r>
+              <a:rPr lang="en-US" sz="1200" b="0" i="0" u="none" strike="noStrike" kern="1200" dirty="0">
+                <a:solidFill>
+                  <a:schemeClr val="tx1"/>
+                </a:solidFill>
+                <a:effectLst/>
+                <a:latin typeface="+mn-lt"/>
+                <a:ea typeface="+mn-ea"/>
+                <a:cs typeface="+mn-cs"/>
+              </a:rPr>
+              <a:t>): double</a:t>
+            </a:r>
+            <a:endParaRPr lang="en-US" b="0" dirty="0">
+              <a:effectLst/>
+            </a:endParaRPr>
+          </a:p>
+          <a:p>
+            <a:pPr rtl="0"/>
+            <a:r>
+              <a:rPr lang="en-US" sz="1200" b="0" i="0" u="none" strike="noStrike" kern="1200" dirty="0">
+                <a:solidFill>
+                  <a:schemeClr val="tx1"/>
+                </a:solidFill>
+                <a:effectLst/>
+                <a:latin typeface="+mn-lt"/>
+                <a:ea typeface="+mn-ea"/>
+                <a:cs typeface="+mn-cs"/>
+              </a:rPr>
+              <a:t>}</a:t>
+            </a:r>
+            <a:endParaRPr lang="en-US" b="0" dirty="0">
+              <a:effectLst/>
+            </a:endParaRPr>
+          </a:p>
+          <a:p>
+            <a:pPr rtl="0"/>
+            <a:r>
+              <a:rPr lang="en-US" sz="1200" b="0" i="0" u="none" strike="noStrike" kern="1200" dirty="0">
+                <a:solidFill>
+                  <a:schemeClr val="tx1"/>
+                </a:solidFill>
+                <a:effectLst/>
+                <a:latin typeface="+mn-lt"/>
+                <a:ea typeface="+mn-ea"/>
+                <a:cs typeface="+mn-cs"/>
+              </a:rPr>
+              <a:t>class Student{</a:t>
+            </a:r>
+            <a:endParaRPr lang="en-US" b="0" dirty="0">
+              <a:effectLst/>
+            </a:endParaRPr>
+          </a:p>
+          <a:p>
+            <a:pPr rtl="0"/>
+            <a:r>
+              <a:rPr lang="en-US" sz="1200" b="0" i="0" u="none" strike="noStrike" kern="1200" dirty="0">
+                <a:solidFill>
+                  <a:schemeClr val="tx1"/>
+                </a:solidFill>
+                <a:effectLst/>
+                <a:latin typeface="+mn-lt"/>
+                <a:ea typeface="+mn-ea"/>
+                <a:cs typeface="+mn-cs"/>
+              </a:rPr>
+              <a:t>  String name</a:t>
+            </a:r>
+            <a:endParaRPr lang="en-US" b="0" dirty="0">
+              <a:effectLst/>
+            </a:endParaRPr>
+          </a:p>
+          <a:p>
+            <a:pPr rtl="0"/>
+            <a:r>
+              <a:rPr lang="en-US" sz="1200" b="0" i="0" u="none" strike="noStrike" kern="1200" dirty="0">
+                <a:solidFill>
+                  <a:schemeClr val="tx1"/>
+                </a:solidFill>
+                <a:effectLst/>
+                <a:latin typeface="+mn-lt"/>
+                <a:ea typeface="+mn-ea"/>
+                <a:cs typeface="+mn-cs"/>
+              </a:rPr>
+              <a:t>  </a:t>
+            </a:r>
+            <a:r>
+              <a:rPr lang="en-US" sz="1200" b="0" i="0" u="none" strike="noStrike" kern="1200" dirty="0" err="1">
+                <a:solidFill>
+                  <a:schemeClr val="tx1"/>
+                </a:solidFill>
+                <a:effectLst/>
+                <a:latin typeface="+mn-lt"/>
+                <a:ea typeface="+mn-ea"/>
+                <a:cs typeface="+mn-cs"/>
+              </a:rPr>
+              <a:t>ArrayList</a:t>
+            </a:r>
+            <a:r>
+              <a:rPr lang="en-US" sz="1200" b="0" i="0" u="none" strike="noStrike" kern="1200" dirty="0">
+                <a:solidFill>
+                  <a:schemeClr val="tx1"/>
+                </a:solidFill>
+                <a:effectLst/>
+                <a:latin typeface="+mn-lt"/>
+                <a:ea typeface="+mn-ea"/>
+                <a:cs typeface="+mn-cs"/>
+              </a:rPr>
+              <a:t>&lt;Double&gt; grades</a:t>
+            </a:r>
+            <a:endParaRPr lang="en-US" b="0" dirty="0">
+              <a:effectLst/>
+            </a:endParaRPr>
+          </a:p>
+          <a:p>
+            <a:pPr rtl="0"/>
+            <a:r>
+              <a:rPr lang="en-US" sz="1200" b="0" i="0" u="none" strike="noStrike" kern="1200" dirty="0">
+                <a:solidFill>
+                  <a:schemeClr val="tx1"/>
+                </a:solidFill>
+                <a:effectLst/>
+                <a:latin typeface="+mn-lt"/>
+                <a:ea typeface="+mn-ea"/>
+                <a:cs typeface="+mn-cs"/>
+              </a:rPr>
+              <a:t>  </a:t>
+            </a:r>
+            <a:r>
+              <a:rPr lang="en-US" sz="1200" b="0" i="0" u="none" strike="noStrike" kern="1200" dirty="0" err="1">
+                <a:solidFill>
+                  <a:schemeClr val="tx1"/>
+                </a:solidFill>
+                <a:effectLst/>
+                <a:latin typeface="+mn-lt"/>
+                <a:ea typeface="+mn-ea"/>
+                <a:cs typeface="+mn-cs"/>
+              </a:rPr>
+              <a:t>getGrades</a:t>
+            </a:r>
+            <a:r>
+              <a:rPr lang="en-US" sz="1200" b="0" i="0" u="none" strike="noStrike" kern="1200" dirty="0">
+                <a:solidFill>
+                  <a:schemeClr val="tx1"/>
+                </a:solidFill>
+                <a:effectLst/>
+                <a:latin typeface="+mn-lt"/>
+                <a:ea typeface="+mn-ea"/>
+                <a:cs typeface="+mn-cs"/>
+              </a:rPr>
+              <a:t>() : </a:t>
+            </a:r>
+            <a:r>
+              <a:rPr lang="en-US" sz="1200" b="0" i="0" u="none" strike="noStrike" kern="1200" dirty="0" err="1">
+                <a:solidFill>
+                  <a:schemeClr val="tx1"/>
+                </a:solidFill>
+                <a:effectLst/>
+                <a:latin typeface="+mn-lt"/>
+                <a:ea typeface="+mn-ea"/>
+                <a:cs typeface="+mn-cs"/>
+              </a:rPr>
+              <a:t>ArrayList</a:t>
+            </a:r>
+            <a:r>
+              <a:rPr lang="en-US" sz="1200" b="0" i="0" u="none" strike="noStrike" kern="1200" dirty="0">
+                <a:solidFill>
+                  <a:schemeClr val="tx1"/>
+                </a:solidFill>
+                <a:effectLst/>
+                <a:latin typeface="+mn-lt"/>
+                <a:ea typeface="+mn-ea"/>
+                <a:cs typeface="+mn-cs"/>
+              </a:rPr>
+              <a:t>&lt;Double&gt;</a:t>
+            </a:r>
+            <a:endParaRPr lang="en-US" b="0" dirty="0">
+              <a:effectLst/>
+            </a:endParaRPr>
+          </a:p>
+          <a:p>
+            <a:pPr rtl="0"/>
+            <a:r>
+              <a:rPr lang="en-US" sz="1200" b="0" i="0" u="none" strike="noStrike" kern="1200" dirty="0">
+                <a:solidFill>
+                  <a:schemeClr val="tx1"/>
+                </a:solidFill>
+                <a:effectLst/>
+                <a:latin typeface="+mn-lt"/>
+                <a:ea typeface="+mn-ea"/>
+                <a:cs typeface="+mn-cs"/>
+              </a:rPr>
+              <a:t>}</a:t>
+            </a:r>
+            <a:endParaRPr lang="en-US" b="0" dirty="0">
+              <a:effectLst/>
+            </a:endParaRPr>
+          </a:p>
+          <a:p>
+            <a:pPr rtl="0"/>
+            <a:br>
+              <a:rPr lang="en-US" b="0" dirty="0">
+                <a:effectLst/>
+              </a:rPr>
+            </a:br>
+            <a:r>
+              <a:rPr lang="en-US" sz="1200" b="0" i="0" u="none" strike="noStrike" kern="1200" dirty="0">
+                <a:solidFill>
+                  <a:schemeClr val="tx1"/>
+                </a:solidFill>
+                <a:effectLst/>
+                <a:latin typeface="+mn-lt"/>
+                <a:ea typeface="+mn-ea"/>
+                <a:cs typeface="+mn-cs"/>
+              </a:rPr>
+              <a:t>class Team{</a:t>
+            </a:r>
+            <a:endParaRPr lang="en-US" b="0" dirty="0">
+              <a:effectLst/>
+            </a:endParaRPr>
+          </a:p>
+          <a:p>
+            <a:pPr rtl="0"/>
+            <a:r>
+              <a:rPr lang="en-US" sz="1200" b="0" i="0" u="none" strike="noStrike" kern="1200" dirty="0">
+                <a:solidFill>
+                  <a:schemeClr val="tx1"/>
+                </a:solidFill>
+                <a:effectLst/>
+                <a:latin typeface="+mn-lt"/>
+                <a:ea typeface="+mn-ea"/>
+                <a:cs typeface="+mn-cs"/>
+              </a:rPr>
+              <a:t>  String name</a:t>
+            </a:r>
+            <a:endParaRPr lang="en-US" b="0" dirty="0">
+              <a:effectLst/>
+            </a:endParaRPr>
+          </a:p>
+          <a:p>
+            <a:pPr rtl="0"/>
+            <a:r>
+              <a:rPr lang="en-US" sz="1200" b="0" i="0" u="none" strike="noStrike" kern="1200" dirty="0">
+                <a:solidFill>
+                  <a:schemeClr val="tx1"/>
+                </a:solidFill>
+                <a:effectLst/>
+                <a:latin typeface="+mn-lt"/>
+                <a:ea typeface="+mn-ea"/>
+                <a:cs typeface="+mn-cs"/>
+              </a:rPr>
+              <a:t>  </a:t>
+            </a:r>
+            <a:r>
+              <a:rPr lang="en-US" sz="1200" b="0" i="0" u="none" strike="noStrike" kern="1200" dirty="0" err="1">
+                <a:solidFill>
+                  <a:schemeClr val="tx1"/>
+                </a:solidFill>
+                <a:effectLst/>
+                <a:latin typeface="+mn-lt"/>
+                <a:ea typeface="+mn-ea"/>
+                <a:cs typeface="+mn-cs"/>
+              </a:rPr>
+              <a:t>ArrayList</a:t>
+            </a:r>
+            <a:r>
+              <a:rPr lang="en-US" sz="1200" b="0" i="0" u="none" strike="noStrike" kern="1200" dirty="0">
+                <a:solidFill>
+                  <a:schemeClr val="tx1"/>
+                </a:solidFill>
+                <a:effectLst/>
+                <a:latin typeface="+mn-lt"/>
+                <a:ea typeface="+mn-ea"/>
+                <a:cs typeface="+mn-cs"/>
+              </a:rPr>
+              <a:t>&lt;Double&gt; grades</a:t>
+            </a:r>
+            <a:endParaRPr lang="en-US" b="0" dirty="0">
+              <a:effectLst/>
+            </a:endParaRPr>
+          </a:p>
+          <a:p>
+            <a:pPr rtl="0"/>
+            <a:r>
+              <a:rPr lang="en-US" sz="1200" b="0" i="0" u="none" strike="noStrike" kern="1200" dirty="0">
+                <a:solidFill>
+                  <a:schemeClr val="tx1"/>
+                </a:solidFill>
+                <a:effectLst/>
+                <a:latin typeface="+mn-lt"/>
+                <a:ea typeface="+mn-ea"/>
+                <a:cs typeface="+mn-cs"/>
+              </a:rPr>
+              <a:t>}</a:t>
+            </a:r>
+            <a:endParaRPr lang="en-US" b="0" dirty="0">
+              <a:effectLst/>
+            </a:endParaRPr>
+          </a:p>
+          <a:p>
+            <a:pPr rtl="0"/>
+            <a:r>
+              <a:rPr lang="en-US" sz="1200" b="0" i="0" u="none" strike="noStrike" kern="1200" dirty="0" err="1">
+                <a:solidFill>
+                  <a:schemeClr val="tx1"/>
+                </a:solidFill>
+                <a:effectLst/>
+                <a:latin typeface="+mn-lt"/>
+                <a:ea typeface="+mn-ea"/>
+                <a:cs typeface="+mn-cs"/>
+              </a:rPr>
+              <a:t>TeamGradebookMain</a:t>
+            </a:r>
+            <a:r>
+              <a:rPr lang="en-US" sz="1200" b="0" i="0" u="none" strike="noStrike" kern="1200" dirty="0">
+                <a:solidFill>
+                  <a:schemeClr val="tx1"/>
+                </a:solidFill>
+                <a:effectLst/>
+                <a:latin typeface="+mn-lt"/>
+                <a:ea typeface="+mn-ea"/>
+                <a:cs typeface="+mn-cs"/>
+              </a:rPr>
+              <a:t> -&gt; "*" Student</a:t>
+            </a:r>
+            <a:endParaRPr lang="en-US" b="0" dirty="0">
+              <a:effectLst/>
+            </a:endParaRPr>
+          </a:p>
+          <a:p>
+            <a:pPr rtl="0"/>
+            <a:r>
+              <a:rPr lang="en-US" sz="1200" b="0" i="0" u="none" strike="noStrike" kern="1200" dirty="0" err="1">
+                <a:solidFill>
+                  <a:schemeClr val="tx1"/>
+                </a:solidFill>
+                <a:effectLst/>
+                <a:latin typeface="+mn-lt"/>
+                <a:ea typeface="+mn-ea"/>
+                <a:cs typeface="+mn-cs"/>
+              </a:rPr>
+              <a:t>TeamGradebookMain</a:t>
+            </a:r>
+            <a:r>
+              <a:rPr lang="en-US" sz="1200" b="0" i="0" u="none" strike="noStrike" kern="1200" dirty="0">
+                <a:solidFill>
+                  <a:schemeClr val="tx1"/>
+                </a:solidFill>
+                <a:effectLst/>
+                <a:latin typeface="+mn-lt"/>
+                <a:ea typeface="+mn-ea"/>
+                <a:cs typeface="+mn-cs"/>
+              </a:rPr>
+              <a:t> -&gt; "*" Team</a:t>
+            </a:r>
+            <a:endParaRPr lang="en-US" b="0" dirty="0">
+              <a:effectLst/>
+            </a:endParaRPr>
+          </a:p>
+          <a:p>
+            <a:pPr rtl="0"/>
+            <a:r>
+              <a:rPr lang="en-US" sz="1200" b="0" i="0" u="none" strike="noStrike" kern="1200" dirty="0">
+                <a:solidFill>
+                  <a:schemeClr val="tx1"/>
+                </a:solidFill>
+                <a:effectLst/>
+                <a:latin typeface="+mn-lt"/>
+                <a:ea typeface="+mn-ea"/>
+                <a:cs typeface="+mn-cs"/>
+              </a:rPr>
+              <a:t>Team -&gt; "*" Student</a:t>
+            </a:r>
+            <a:endParaRPr lang="en-US" b="0" dirty="0">
+              <a:effectLst/>
+            </a:endParaRPr>
+          </a:p>
+          <a:p>
+            <a:pPr rtl="0"/>
+            <a:r>
+              <a:rPr lang="en-US" sz="1200" b="0" i="0" u="none" strike="noStrike" kern="1200" dirty="0">
+                <a:solidFill>
+                  <a:schemeClr val="tx1"/>
+                </a:solidFill>
+                <a:effectLst/>
+                <a:latin typeface="+mn-lt"/>
+                <a:ea typeface="+mn-ea"/>
+                <a:cs typeface="+mn-cs"/>
+              </a:rPr>
+              <a:t>@</a:t>
+            </a:r>
+            <a:r>
+              <a:rPr lang="en-US" sz="1200" b="0" i="0" u="none" strike="noStrike" kern="1200" dirty="0" err="1">
+                <a:solidFill>
+                  <a:schemeClr val="tx1"/>
+                </a:solidFill>
+                <a:effectLst/>
+                <a:latin typeface="+mn-lt"/>
+                <a:ea typeface="+mn-ea"/>
+                <a:cs typeface="+mn-cs"/>
+              </a:rPr>
+              <a:t>enduml</a:t>
+            </a:r>
+            <a:endParaRPr lang="en-US" b="0" dirty="0">
+              <a:effectLst/>
+            </a:endParaRPr>
+          </a:p>
+          <a:p>
+            <a:br>
+              <a:rPr lang="en-US" dirty="0"/>
+            </a:br>
+            <a:endParaRPr lang="en-US" dirty="0"/>
+          </a:p>
+          <a:p>
             <a:endParaRPr lang="en-US" dirty="0"/>
           </a:p>
         </p:txBody>
@@ -3224,7 +3616,7 @@
     </p:spTree>
     <p:extLst>
       <p:ext uri="{BB962C8B-B14F-4D97-AF65-F5344CB8AC3E}">
-        <p14:creationId xmlns:p14="http://schemas.microsoft.com/office/powerpoint/2010/main" val="2163677615"/>
+        <p14:creationId xmlns:p14="http://schemas.microsoft.com/office/powerpoint/2010/main" val="1789438253"/>
       </p:ext>
     </p:extLst>
   </p:cSld>
@@ -3278,14 +3670,6 @@
           <a:bodyPr/>
           <a:lstStyle/>
           <a:p>
-            <a:r>
-              <a:rPr lang="en-US" dirty="0"/>
-              <a:t>May make sense to put this on Friday instead, if time could introduce here, but provides nice example of tell</a:t>
-            </a:r>
-            <a:r>
-              <a:rPr lang="en-US" baseline="0" dirty="0"/>
-              <a:t> don’t ask</a:t>
-            </a:r>
             <a:endParaRPr lang="en-US" dirty="0"/>
           </a:p>
         </p:txBody>
@@ -3316,7 +3700,7 @@
     </p:spTree>
     <p:extLst>
       <p:ext uri="{BB962C8B-B14F-4D97-AF65-F5344CB8AC3E}">
-        <p14:creationId xmlns:p14="http://schemas.microsoft.com/office/powerpoint/2010/main" val="2222865674"/>
+        <p14:creationId xmlns:p14="http://schemas.microsoft.com/office/powerpoint/2010/main" val="3737874852"/>
       </p:ext>
     </p:extLst>
   </p:cSld>
@@ -3505,7 +3889,7 @@
           <a:p>
             <a:fld id="{50A519B0-864F-436F-AD10-563B5AD2C023}" type="datetimeFigureOut">
               <a:rPr lang="en-US" smtClean="0"/>
-              <a:t>10/2/2023</a:t>
+              <a:t>8/11/2023</a:t>
             </a:fld>
             <a:endParaRPr lang="en-US"/>
           </a:p>
@@ -3673,7 +4057,7 @@
           <a:p>
             <a:fld id="{50A519B0-864F-436F-AD10-563B5AD2C023}" type="datetimeFigureOut">
               <a:rPr lang="en-US" smtClean="0"/>
-              <a:t>10/2/2023</a:t>
+              <a:t>8/11/2023</a:t>
             </a:fld>
             <a:endParaRPr lang="en-US"/>
           </a:p>
@@ -3851,7 +4235,7 @@
           <a:p>
             <a:fld id="{50A519B0-864F-436F-AD10-563B5AD2C023}" type="datetimeFigureOut">
               <a:rPr lang="en-US" smtClean="0"/>
-              <a:t>10/2/2023</a:t>
+              <a:t>8/11/2023</a:t>
             </a:fld>
             <a:endParaRPr lang="en-US"/>
           </a:p>
@@ -4019,7 +4403,7 @@
           <a:p>
             <a:fld id="{50A519B0-864F-436F-AD10-563B5AD2C023}" type="datetimeFigureOut">
               <a:rPr lang="en-US" smtClean="0"/>
-              <a:t>10/2/2023</a:t>
+              <a:t>8/11/2023</a:t>
             </a:fld>
             <a:endParaRPr lang="en-US"/>
           </a:p>
@@ -4264,7 +4648,7 @@
           <a:p>
             <a:fld id="{50A519B0-864F-436F-AD10-563B5AD2C023}" type="datetimeFigureOut">
               <a:rPr lang="en-US" smtClean="0"/>
-              <a:t>10/2/2023</a:t>
+              <a:t>8/11/2023</a:t>
             </a:fld>
             <a:endParaRPr lang="en-US"/>
           </a:p>
@@ -4549,7 +4933,7 @@
           <a:p>
             <a:fld id="{50A519B0-864F-436F-AD10-563B5AD2C023}" type="datetimeFigureOut">
               <a:rPr lang="en-US" smtClean="0"/>
-              <a:t>10/2/2023</a:t>
+              <a:t>8/11/2023</a:t>
             </a:fld>
             <a:endParaRPr lang="en-US"/>
           </a:p>
@@ -4968,7 +5352,7 @@
           <a:p>
             <a:fld id="{50A519B0-864F-436F-AD10-563B5AD2C023}" type="datetimeFigureOut">
               <a:rPr lang="en-US" smtClean="0"/>
-              <a:t>10/2/2023</a:t>
+              <a:t>8/11/2023</a:t>
             </a:fld>
             <a:endParaRPr lang="en-US"/>
           </a:p>
@@ -5085,7 +5469,7 @@
           <a:p>
             <a:fld id="{50A519B0-864F-436F-AD10-563B5AD2C023}" type="datetimeFigureOut">
               <a:rPr lang="en-US" smtClean="0"/>
-              <a:t>10/2/2023</a:t>
+              <a:t>8/11/2023</a:t>
             </a:fld>
             <a:endParaRPr lang="en-US"/>
           </a:p>
@@ -5180,7 +5564,7 @@
           <a:p>
             <a:fld id="{50A519B0-864F-436F-AD10-563B5AD2C023}" type="datetimeFigureOut">
               <a:rPr lang="en-US" smtClean="0"/>
-              <a:t>10/2/2023</a:t>
+              <a:t>8/11/2023</a:t>
             </a:fld>
             <a:endParaRPr lang="en-US"/>
           </a:p>
@@ -5455,7 +5839,7 @@
           <a:p>
             <a:fld id="{50A519B0-864F-436F-AD10-563B5AD2C023}" type="datetimeFigureOut">
               <a:rPr lang="en-US" smtClean="0"/>
-              <a:t>10/2/2023</a:t>
+              <a:t>8/11/2023</a:t>
             </a:fld>
             <a:endParaRPr lang="en-US"/>
           </a:p>
@@ -5707,7 +6091,7 @@
           <a:p>
             <a:fld id="{50A519B0-864F-436F-AD10-563B5AD2C023}" type="datetimeFigureOut">
               <a:rPr lang="en-US" smtClean="0"/>
-              <a:t>10/2/2023</a:t>
+              <a:t>8/11/2023</a:t>
             </a:fld>
             <a:endParaRPr lang="en-US"/>
           </a:p>
@@ -5918,7 +6302,7 @@
           <a:p>
             <a:fld id="{50A519B0-864F-436F-AD10-563B5AD2C023}" type="datetimeFigureOut">
               <a:rPr lang="en-US" smtClean="0"/>
-              <a:t>10/2/2023</a:t>
+              <a:t>8/11/2023</a:t>
             </a:fld>
             <a:endParaRPr lang="en-US"/>
           </a:p>
@@ -6426,938 +6810,189 @@
       </p:grpSpPr>
       <p:sp>
         <p:nvSpPr>
-          <p:cNvPr id="2" name="Title 1">
+          <p:cNvPr id="2" name="Title 1"/>
+          <p:cNvSpPr>
+            <a:spLocks noGrp="1"/>
+          </p:cNvSpPr>
+          <p:nvPr>
+            <p:ph type="title"/>
+          </p:nvPr>
+        </p:nvSpPr>
+        <p:spPr/>
+        <p:txBody>
+          <a:bodyPr>
+            <a:normAutofit/>
+          </a:bodyPr>
+          <a:lstStyle/>
+          <a:p>
+            <a:r>
+              <a:rPr lang="en-US" dirty="0"/>
+              <a:t>A simple example of Tell Don’t Ask</a:t>
+            </a:r>
+          </a:p>
+        </p:txBody>
+      </p:sp>
+      <p:sp>
+        <p:nvSpPr>
+          <p:cNvPr id="3" name="Content Placeholder 2"/>
+          <p:cNvSpPr>
+            <a:spLocks noGrp="1"/>
+          </p:cNvSpPr>
+          <p:nvPr>
+            <p:ph idx="1"/>
+          </p:nvPr>
+        </p:nvSpPr>
+        <p:spPr/>
+        <p:txBody>
+          <a:bodyPr>
+            <a:normAutofit/>
+          </a:bodyPr>
+          <a:lstStyle/>
+          <a:p>
+            <a:pPr marL="0" indent="0">
+              <a:buNone/>
+            </a:pPr>
+            <a:r>
+              <a:rPr lang="en-US" dirty="0"/>
+              <a:t>Approach #2:</a:t>
+            </a:r>
+          </a:p>
+          <a:p>
+            <a:pPr marL="0" indent="0">
+              <a:buNone/>
+            </a:pPr>
+            <a:r>
+              <a:rPr lang="en-US" dirty="0">
+                <a:highlight>
+                  <a:srgbClr val="FFFF00"/>
+                </a:highlight>
+              </a:rPr>
+              <a:t>Second approach increases coupling between </a:t>
+            </a:r>
+            <a:r>
+              <a:rPr lang="en-US" dirty="0" err="1">
+                <a:highlight>
+                  <a:srgbClr val="FFFF00"/>
+                </a:highlight>
+              </a:rPr>
+              <a:t>TeamGradeBook</a:t>
+            </a:r>
+            <a:r>
+              <a:rPr lang="en-US" dirty="0">
+                <a:highlight>
+                  <a:srgbClr val="FFFF00"/>
+                </a:highlight>
+              </a:rPr>
+              <a:t> and Student class, i.e., </a:t>
+            </a:r>
+            <a:r>
+              <a:rPr lang="en-US" dirty="0" err="1">
+                <a:highlight>
+                  <a:srgbClr val="FFFF00"/>
+                </a:highlight>
+              </a:rPr>
+              <a:t>TeamGradBook</a:t>
+            </a:r>
+            <a:r>
+              <a:rPr lang="en-US" dirty="0">
+                <a:highlight>
+                  <a:srgbClr val="FFFF00"/>
+                </a:highlight>
+              </a:rPr>
+              <a:t> “knows” more about Student</a:t>
+            </a:r>
+          </a:p>
+          <a:p>
+            <a:pPr marL="514350" indent="-514350">
+              <a:buFont typeface="+mj-lt"/>
+              <a:buAutoNum type="arabicParenR" startAt="2"/>
+            </a:pPr>
+            <a:r>
+              <a:rPr lang="en-US" dirty="0"/>
+              <a:t>Adding a </a:t>
+            </a:r>
+            <a:r>
+              <a:rPr lang="en-US" i="1" dirty="0" err="1"/>
+              <a:t>getGrades</a:t>
+            </a:r>
+            <a:r>
+              <a:rPr lang="en-US" dirty="0"/>
+              <a:t>() method to the student class, which the </a:t>
+            </a:r>
+            <a:r>
+              <a:rPr lang="en-US" dirty="0" err="1"/>
+              <a:t>TeamGradebook</a:t>
+            </a:r>
+            <a:r>
+              <a:rPr lang="en-US" dirty="0"/>
+              <a:t> class could call, and then use to compute the average</a:t>
+            </a:r>
+          </a:p>
+          <a:p>
+            <a:pPr marL="514350" indent="-514350">
+              <a:buAutoNum type="arabicParenR" startAt="2"/>
+            </a:pPr>
+            <a:endParaRPr lang="en-US" dirty="0"/>
+          </a:p>
+          <a:p>
+            <a:pPr marL="514350" indent="-514350">
+              <a:buAutoNum type="alphaLcParenR"/>
+            </a:pPr>
+            <a:endParaRPr lang="en-US" dirty="0"/>
+          </a:p>
+        </p:txBody>
+      </p:sp>
+      <p:sp>
+        <p:nvSpPr>
+          <p:cNvPr id="4" name="Rectangle: Rounded Corners 3">
             <a:extLst>
               <a:ext uri="{FF2B5EF4-FFF2-40B4-BE49-F238E27FC236}">
-                <a16:creationId xmlns:a16="http://schemas.microsoft.com/office/drawing/2014/main" id="{9D2C71B3-EAC7-849E-C9CC-60FB16B606E4}"/>
+                <a16:creationId xmlns:a16="http://schemas.microsoft.com/office/drawing/2014/main" id="{C11917E3-2C1E-41F1-B8F2-F6C83BB56E3C}"/>
               </a:ext>
             </a:extLst>
           </p:cNvPr>
-          <p:cNvSpPr>
-            <a:spLocks noGrp="1"/>
-          </p:cNvSpPr>
-          <p:nvPr>
-            <p:ph type="title"/>
-          </p:nvPr>
+          <p:cNvSpPr/>
+          <p:nvPr/>
         </p:nvSpPr>
         <p:spPr>
           <a:xfrm>
-            <a:off x="457200" y="0"/>
-            <a:ext cx="8229600" cy="1143000"/>
+            <a:off x="381000" y="3733800"/>
+            <a:ext cx="8382000" cy="1600200"/>
           </a:xfrm>
-        </p:spPr>
-        <p:txBody>
-          <a:bodyPr/>
-          <a:lstStyle/>
-          <a:p>
-            <a:r>
-              <a:rPr lang="en-US" dirty="0"/>
-              <a:t>Tell (better design)</a:t>
-            </a:r>
-          </a:p>
-        </p:txBody>
-      </p:sp>
-      <p:pic>
-        <p:nvPicPr>
-          <p:cNvPr id="4" name="Picture 3" descr="A diagram of a computer code&#10;&#10;Description automatically generated with medium confidence">
-            <a:extLst>
-              <a:ext uri="{FF2B5EF4-FFF2-40B4-BE49-F238E27FC236}">
-                <a16:creationId xmlns:a16="http://schemas.microsoft.com/office/drawing/2014/main" id="{965C6FCA-3F0F-73A5-424B-98E39A7E3B60}"/>
-              </a:ext>
-            </a:extLst>
-          </p:cNvPr>
-          <p:cNvPicPr>
-            <a:picLocks noChangeAspect="1"/>
-          </p:cNvPicPr>
-          <p:nvPr/>
-        </p:nvPicPr>
-        <p:blipFill>
-          <a:blip r:embed="rId3">
-            <a:extLst>
-              <a:ext uri="{28A0092B-C50C-407E-A947-70E740481C1C}">
-                <a14:useLocalDpi xmlns:a14="http://schemas.microsoft.com/office/drawing/2010/main" val="0"/>
-              </a:ext>
-            </a:extLst>
-          </a:blip>
-          <a:stretch>
-            <a:fillRect/>
-          </a:stretch>
-        </p:blipFill>
-        <p:spPr>
-          <a:xfrm>
-            <a:off x="104775" y="895183"/>
-            <a:ext cx="8934450" cy="2076617"/>
-          </a:xfrm>
-          <a:prstGeom prst="rect">
-            <a:avLst/>
-          </a:prstGeom>
-        </p:spPr>
-      </p:pic>
-      <p:sp>
-        <p:nvSpPr>
-          <p:cNvPr id="3" name="Title 1">
-            <a:extLst>
-              <a:ext uri="{FF2B5EF4-FFF2-40B4-BE49-F238E27FC236}">
-                <a16:creationId xmlns:a16="http://schemas.microsoft.com/office/drawing/2014/main" id="{9518D671-F7B9-299A-10DA-825EDD49B8B5}"/>
-              </a:ext>
-            </a:extLst>
-          </p:cNvPr>
-          <p:cNvSpPr txBox="1">
-            <a:spLocks/>
-          </p:cNvSpPr>
-          <p:nvPr/>
-        </p:nvSpPr>
-        <p:spPr>
-          <a:xfrm>
-            <a:off x="457200" y="2815424"/>
-            <a:ext cx="8229600" cy="1143000"/>
-          </a:xfrm>
-          <a:prstGeom prst="rect">
-            <a:avLst/>
-          </a:prstGeom>
-        </p:spPr>
-        <p:txBody>
-          <a:bodyPr vert="horz" lIns="91440" tIns="45720" rIns="91440" bIns="45720" rtlCol="0" anchor="ctr">
-            <a:normAutofit/>
-          </a:bodyPr>
-          <a:lstStyle>
-            <a:lvl1pPr algn="ctr" defTabSz="914400" rtl="0" eaLnBrk="1" latinLnBrk="0" hangingPunct="1">
-              <a:spcBef>
-                <a:spcPct val="0"/>
-              </a:spcBef>
-              <a:buNone/>
-              <a:defRPr sz="4400" kern="1200">
-                <a:solidFill>
-                  <a:schemeClr val="tx1"/>
-                </a:solidFill>
-                <a:latin typeface="+mj-lt"/>
-                <a:ea typeface="+mj-ea"/>
-                <a:cs typeface="+mj-cs"/>
-              </a:defRPr>
-            </a:lvl1pPr>
-          </a:lstStyle>
-          <a:p>
-            <a:r>
-              <a:rPr lang="en-US" dirty="0"/>
-              <a:t>Ask (worse design)</a:t>
-            </a:r>
-          </a:p>
-        </p:txBody>
-      </p:sp>
-      <p:pic>
-        <p:nvPicPr>
-          <p:cNvPr id="5" name="Picture 4" descr="A diagram of a computer code&#10;&#10;Description automatically generated with medium confidence">
-            <a:extLst>
-              <a:ext uri="{FF2B5EF4-FFF2-40B4-BE49-F238E27FC236}">
-                <a16:creationId xmlns:a16="http://schemas.microsoft.com/office/drawing/2014/main" id="{D8C84864-0C24-BF92-62CE-AF23368E8388}"/>
-              </a:ext>
-            </a:extLst>
-          </p:cNvPr>
-          <p:cNvPicPr>
-            <a:picLocks noChangeAspect="1"/>
-          </p:cNvPicPr>
-          <p:nvPr/>
-        </p:nvPicPr>
-        <p:blipFill>
-          <a:blip r:embed="rId3">
-            <a:extLst>
-              <a:ext uri="{28A0092B-C50C-407E-A947-70E740481C1C}">
-                <a14:useLocalDpi xmlns:a14="http://schemas.microsoft.com/office/drawing/2010/main" val="0"/>
-              </a:ext>
-            </a:extLst>
-          </a:blip>
-          <a:stretch>
-            <a:fillRect/>
-          </a:stretch>
-        </p:blipFill>
-        <p:spPr>
-          <a:xfrm>
-            <a:off x="104775" y="3958424"/>
-            <a:ext cx="8934450" cy="2076617"/>
-          </a:xfrm>
-          <a:prstGeom prst="rect">
-            <a:avLst/>
-          </a:prstGeom>
-        </p:spPr>
-      </p:pic>
-      <mc:AlternateContent xmlns:mc="http://schemas.openxmlformats.org/markup-compatibility/2006" xmlns:p14="http://schemas.microsoft.com/office/powerpoint/2010/main">
-        <mc:Choice Requires="p14">
-          <p:contentPart p14:bwMode="auto" r:id="rId4">
-            <p14:nvContentPartPr>
-              <p14:cNvPr id="6" name="Ink 5">
-                <a:extLst>
-                  <a:ext uri="{FF2B5EF4-FFF2-40B4-BE49-F238E27FC236}">
-                    <a16:creationId xmlns:a16="http://schemas.microsoft.com/office/drawing/2014/main" id="{7A889256-13B5-CBCA-96AB-2D5E143D4515}"/>
-                  </a:ext>
-                </a:extLst>
-              </p14:cNvPr>
-              <p14:cNvContentPartPr/>
-              <p14:nvPr/>
-            </p14:nvContentPartPr>
-            <p14:xfrm>
-              <a:off x="2499312" y="6022488"/>
-              <a:ext cx="216360" cy="127080"/>
-            </p14:xfrm>
-          </p:contentPart>
-        </mc:Choice>
-        <mc:Fallback xmlns="">
-          <p:pic>
-            <p:nvPicPr>
-              <p:cNvPr id="6" name="Ink 5">
-                <a:extLst>
-                  <a:ext uri="{FF2B5EF4-FFF2-40B4-BE49-F238E27FC236}">
-                    <a16:creationId xmlns:a16="http://schemas.microsoft.com/office/drawing/2014/main" id="{7A889256-13B5-CBCA-96AB-2D5E143D4515}"/>
-                  </a:ext>
-                </a:extLst>
-              </p:cNvPr>
-              <p:cNvPicPr/>
-              <p:nvPr/>
-            </p:nvPicPr>
-            <p:blipFill>
-              <a:blip r:embed="rId5"/>
-              <a:stretch>
-                <a:fillRect/>
-              </a:stretch>
-            </p:blipFill>
-            <p:spPr>
-              <a:xfrm>
-                <a:off x="2493192" y="6016368"/>
-                <a:ext cx="228600" cy="139320"/>
-              </a:xfrm>
-              <a:prstGeom prst="rect">
-                <a:avLst/>
-              </a:prstGeom>
-            </p:spPr>
-          </p:pic>
-        </mc:Fallback>
-      </mc:AlternateContent>
-      <mc:AlternateContent xmlns:mc="http://schemas.openxmlformats.org/markup-compatibility/2006" xmlns:p14="http://schemas.microsoft.com/office/powerpoint/2010/main">
-        <mc:Choice Requires="p14">
-          <p:contentPart p14:bwMode="auto" r:id="rId6">
-            <p14:nvContentPartPr>
-              <p14:cNvPr id="7" name="Ink 6">
-                <a:extLst>
-                  <a:ext uri="{FF2B5EF4-FFF2-40B4-BE49-F238E27FC236}">
-                    <a16:creationId xmlns:a16="http://schemas.microsoft.com/office/drawing/2014/main" id="{44E14977-4158-D198-4885-A172464F748D}"/>
-                  </a:ext>
-                </a:extLst>
-              </p14:cNvPr>
-              <p14:cNvContentPartPr/>
-              <p14:nvPr/>
-            </p14:nvContentPartPr>
-            <p14:xfrm>
-              <a:off x="3059832" y="6327408"/>
-              <a:ext cx="199800" cy="34920"/>
-            </p14:xfrm>
-          </p:contentPart>
-        </mc:Choice>
-        <mc:Fallback xmlns="">
-          <p:pic>
-            <p:nvPicPr>
-              <p:cNvPr id="7" name="Ink 6">
-                <a:extLst>
-                  <a:ext uri="{FF2B5EF4-FFF2-40B4-BE49-F238E27FC236}">
-                    <a16:creationId xmlns:a16="http://schemas.microsoft.com/office/drawing/2014/main" id="{44E14977-4158-D198-4885-A172464F748D}"/>
-                  </a:ext>
-                </a:extLst>
-              </p:cNvPr>
-              <p:cNvPicPr/>
-              <p:nvPr/>
-            </p:nvPicPr>
-            <p:blipFill>
-              <a:blip r:embed="rId7"/>
-              <a:stretch>
-                <a:fillRect/>
-              </a:stretch>
-            </p:blipFill>
-            <p:spPr>
-              <a:xfrm>
-                <a:off x="3053712" y="6321288"/>
-                <a:ext cx="212040" cy="47160"/>
-              </a:xfrm>
-              <a:prstGeom prst="rect">
-                <a:avLst/>
-              </a:prstGeom>
-            </p:spPr>
-          </p:pic>
-        </mc:Fallback>
-      </mc:AlternateContent>
-      <mc:AlternateContent xmlns:mc="http://schemas.openxmlformats.org/markup-compatibility/2006" xmlns:p14="http://schemas.microsoft.com/office/powerpoint/2010/main">
-        <mc:Choice Requires="p14">
-          <p:contentPart p14:bwMode="auto" r:id="rId8">
-            <p14:nvContentPartPr>
-              <p14:cNvPr id="8" name="Ink 7">
-                <a:extLst>
-                  <a:ext uri="{FF2B5EF4-FFF2-40B4-BE49-F238E27FC236}">
-                    <a16:creationId xmlns:a16="http://schemas.microsoft.com/office/drawing/2014/main" id="{44AF32D2-30D1-2E03-49C7-6F30640915BF}"/>
-                  </a:ext>
-                </a:extLst>
-              </p14:cNvPr>
-              <p14:cNvContentPartPr/>
-              <p14:nvPr/>
-            </p14:nvContentPartPr>
-            <p14:xfrm>
-              <a:off x="3767232" y="6473568"/>
-              <a:ext cx="337680" cy="52200"/>
-            </p14:xfrm>
-          </p:contentPart>
-        </mc:Choice>
-        <mc:Fallback xmlns="">
-          <p:pic>
-            <p:nvPicPr>
-              <p:cNvPr id="8" name="Ink 7">
-                <a:extLst>
-                  <a:ext uri="{FF2B5EF4-FFF2-40B4-BE49-F238E27FC236}">
-                    <a16:creationId xmlns:a16="http://schemas.microsoft.com/office/drawing/2014/main" id="{44AF32D2-30D1-2E03-49C7-6F30640915BF}"/>
-                  </a:ext>
-                </a:extLst>
-              </p:cNvPr>
-              <p:cNvPicPr/>
-              <p:nvPr/>
-            </p:nvPicPr>
-            <p:blipFill>
-              <a:blip r:embed="rId9"/>
-              <a:stretch>
-                <a:fillRect/>
-              </a:stretch>
-            </p:blipFill>
-            <p:spPr>
-              <a:xfrm>
-                <a:off x="3761112" y="6467448"/>
-                <a:ext cx="349920" cy="64440"/>
-              </a:xfrm>
-              <a:prstGeom prst="rect">
-                <a:avLst/>
-              </a:prstGeom>
-            </p:spPr>
-          </p:pic>
-        </mc:Fallback>
-      </mc:AlternateContent>
-      <mc:AlternateContent xmlns:mc="http://schemas.openxmlformats.org/markup-compatibility/2006" xmlns:p14="http://schemas.microsoft.com/office/powerpoint/2010/main">
-        <mc:Choice Requires="p14">
-          <p:contentPart p14:bwMode="auto" r:id="rId10">
-            <p14:nvContentPartPr>
-              <p14:cNvPr id="9" name="Ink 8">
-                <a:extLst>
-                  <a:ext uri="{FF2B5EF4-FFF2-40B4-BE49-F238E27FC236}">
-                    <a16:creationId xmlns:a16="http://schemas.microsoft.com/office/drawing/2014/main" id="{85F8835D-D489-DB36-5554-1AA96B5E6916}"/>
-                  </a:ext>
-                </a:extLst>
-              </p14:cNvPr>
-              <p14:cNvContentPartPr/>
-              <p14:nvPr/>
-            </p14:nvContentPartPr>
-            <p14:xfrm>
-              <a:off x="4425312" y="6595608"/>
-              <a:ext cx="164520" cy="11160"/>
-            </p14:xfrm>
-          </p:contentPart>
-        </mc:Choice>
-        <mc:Fallback xmlns="">
-          <p:pic>
-            <p:nvPicPr>
-              <p:cNvPr id="9" name="Ink 8">
-                <a:extLst>
-                  <a:ext uri="{FF2B5EF4-FFF2-40B4-BE49-F238E27FC236}">
-                    <a16:creationId xmlns:a16="http://schemas.microsoft.com/office/drawing/2014/main" id="{85F8835D-D489-DB36-5554-1AA96B5E6916}"/>
-                  </a:ext>
-                </a:extLst>
-              </p:cNvPr>
-              <p:cNvPicPr/>
-              <p:nvPr/>
-            </p:nvPicPr>
-            <p:blipFill>
-              <a:blip r:embed="rId11"/>
-              <a:stretch>
-                <a:fillRect/>
-              </a:stretch>
-            </p:blipFill>
-            <p:spPr>
-              <a:xfrm>
-                <a:off x="4419192" y="6589488"/>
-                <a:ext cx="176760" cy="23400"/>
-              </a:xfrm>
-              <a:prstGeom prst="rect">
-                <a:avLst/>
-              </a:prstGeom>
-            </p:spPr>
-          </p:pic>
-        </mc:Fallback>
-      </mc:AlternateContent>
-      <mc:AlternateContent xmlns:mc="http://schemas.openxmlformats.org/markup-compatibility/2006" xmlns:p14="http://schemas.microsoft.com/office/powerpoint/2010/main">
-        <mc:Choice Requires="p14">
-          <p:contentPart p14:bwMode="auto" r:id="rId12">
-            <p14:nvContentPartPr>
-              <p14:cNvPr id="10" name="Ink 9">
-                <a:extLst>
-                  <a:ext uri="{FF2B5EF4-FFF2-40B4-BE49-F238E27FC236}">
-                    <a16:creationId xmlns:a16="http://schemas.microsoft.com/office/drawing/2014/main" id="{AD0526D7-AEB7-87C7-09BA-E0E6A143EF49}"/>
-                  </a:ext>
-                </a:extLst>
-              </p14:cNvPr>
-              <p14:cNvContentPartPr/>
-              <p14:nvPr/>
-            </p14:nvContentPartPr>
-            <p14:xfrm>
-              <a:off x="4925352" y="6656448"/>
-              <a:ext cx="384840" cy="11520"/>
-            </p14:xfrm>
-          </p:contentPart>
-        </mc:Choice>
-        <mc:Fallback xmlns="">
-          <p:pic>
-            <p:nvPicPr>
-              <p:cNvPr id="10" name="Ink 9">
-                <a:extLst>
-                  <a:ext uri="{FF2B5EF4-FFF2-40B4-BE49-F238E27FC236}">
-                    <a16:creationId xmlns:a16="http://schemas.microsoft.com/office/drawing/2014/main" id="{AD0526D7-AEB7-87C7-09BA-E0E6A143EF49}"/>
-                  </a:ext>
-                </a:extLst>
-              </p:cNvPr>
-              <p:cNvPicPr/>
-              <p:nvPr/>
-            </p:nvPicPr>
-            <p:blipFill>
-              <a:blip r:embed="rId13"/>
-              <a:stretch>
-                <a:fillRect/>
-              </a:stretch>
-            </p:blipFill>
-            <p:spPr>
-              <a:xfrm>
-                <a:off x="4919232" y="6650328"/>
-                <a:ext cx="397080" cy="23760"/>
-              </a:xfrm>
-              <a:prstGeom prst="rect">
-                <a:avLst/>
-              </a:prstGeom>
-            </p:spPr>
-          </p:pic>
-        </mc:Fallback>
-      </mc:AlternateContent>
-      <mc:AlternateContent xmlns:mc="http://schemas.openxmlformats.org/markup-compatibility/2006" xmlns:p14="http://schemas.microsoft.com/office/powerpoint/2010/main">
-        <mc:Choice Requires="p14">
-          <p:contentPart p14:bwMode="auto" r:id="rId14">
-            <p14:nvContentPartPr>
-              <p14:cNvPr id="11" name="Ink 10">
-                <a:extLst>
-                  <a:ext uri="{FF2B5EF4-FFF2-40B4-BE49-F238E27FC236}">
-                    <a16:creationId xmlns:a16="http://schemas.microsoft.com/office/drawing/2014/main" id="{9138F49E-CA1C-137B-3662-4AC6667FDEE6}"/>
-                  </a:ext>
-                </a:extLst>
-              </p14:cNvPr>
-              <p14:cNvContentPartPr/>
-              <p14:nvPr/>
-            </p14:nvContentPartPr>
-            <p14:xfrm>
-              <a:off x="5778552" y="6678768"/>
-              <a:ext cx="199080" cy="27000"/>
-            </p14:xfrm>
-          </p:contentPart>
-        </mc:Choice>
-        <mc:Fallback xmlns="">
-          <p:pic>
-            <p:nvPicPr>
-              <p:cNvPr id="11" name="Ink 10">
-                <a:extLst>
-                  <a:ext uri="{FF2B5EF4-FFF2-40B4-BE49-F238E27FC236}">
-                    <a16:creationId xmlns:a16="http://schemas.microsoft.com/office/drawing/2014/main" id="{9138F49E-CA1C-137B-3662-4AC6667FDEE6}"/>
-                  </a:ext>
-                </a:extLst>
-              </p:cNvPr>
-              <p:cNvPicPr/>
-              <p:nvPr/>
-            </p:nvPicPr>
-            <p:blipFill>
-              <a:blip r:embed="rId15"/>
-              <a:stretch>
-                <a:fillRect/>
-              </a:stretch>
-            </p:blipFill>
-            <p:spPr>
-              <a:xfrm>
-                <a:off x="5772432" y="6672648"/>
-                <a:ext cx="211320" cy="39240"/>
-              </a:xfrm>
-              <a:prstGeom prst="rect">
-                <a:avLst/>
-              </a:prstGeom>
-            </p:spPr>
-          </p:pic>
-        </mc:Fallback>
-      </mc:AlternateContent>
-      <mc:AlternateContent xmlns:mc="http://schemas.openxmlformats.org/markup-compatibility/2006" xmlns:p14="http://schemas.microsoft.com/office/powerpoint/2010/main">
-        <mc:Choice Requires="p14">
-          <p:contentPart p14:bwMode="auto" r:id="rId16">
-            <p14:nvContentPartPr>
-              <p14:cNvPr id="12" name="Ink 11">
-                <a:extLst>
-                  <a:ext uri="{FF2B5EF4-FFF2-40B4-BE49-F238E27FC236}">
-                    <a16:creationId xmlns:a16="http://schemas.microsoft.com/office/drawing/2014/main" id="{56987A22-B702-356E-F540-FE45962621C4}"/>
-                  </a:ext>
-                </a:extLst>
-              </p14:cNvPr>
-              <p14:cNvContentPartPr/>
-              <p14:nvPr/>
-            </p14:nvContentPartPr>
-            <p14:xfrm>
-              <a:off x="6583872" y="6488688"/>
-              <a:ext cx="228960" cy="58680"/>
-            </p14:xfrm>
-          </p:contentPart>
-        </mc:Choice>
-        <mc:Fallback xmlns="">
-          <p:pic>
-            <p:nvPicPr>
-              <p:cNvPr id="12" name="Ink 11">
-                <a:extLst>
-                  <a:ext uri="{FF2B5EF4-FFF2-40B4-BE49-F238E27FC236}">
-                    <a16:creationId xmlns:a16="http://schemas.microsoft.com/office/drawing/2014/main" id="{56987A22-B702-356E-F540-FE45962621C4}"/>
-                  </a:ext>
-                </a:extLst>
-              </p:cNvPr>
-              <p:cNvPicPr/>
-              <p:nvPr/>
-            </p:nvPicPr>
-            <p:blipFill>
-              <a:blip r:embed="rId17"/>
-              <a:stretch>
-                <a:fillRect/>
-              </a:stretch>
-            </p:blipFill>
-            <p:spPr>
-              <a:xfrm>
-                <a:off x="6577752" y="6482568"/>
-                <a:ext cx="241200" cy="70920"/>
-              </a:xfrm>
-              <a:prstGeom prst="rect">
-                <a:avLst/>
-              </a:prstGeom>
-            </p:spPr>
-          </p:pic>
-        </mc:Fallback>
-      </mc:AlternateContent>
-      <mc:AlternateContent xmlns:mc="http://schemas.openxmlformats.org/markup-compatibility/2006" xmlns:p14="http://schemas.microsoft.com/office/powerpoint/2010/main">
-        <mc:Choice Requires="p14">
-          <p:contentPart p14:bwMode="auto" r:id="rId18">
-            <p14:nvContentPartPr>
-              <p14:cNvPr id="13" name="Ink 12">
-                <a:extLst>
-                  <a:ext uri="{FF2B5EF4-FFF2-40B4-BE49-F238E27FC236}">
-                    <a16:creationId xmlns:a16="http://schemas.microsoft.com/office/drawing/2014/main" id="{FA6E65DF-871E-731B-C1CA-21791D50B224}"/>
-                  </a:ext>
-                </a:extLst>
-              </p14:cNvPr>
-              <p14:cNvContentPartPr/>
-              <p14:nvPr/>
-            </p14:nvContentPartPr>
-            <p14:xfrm>
-              <a:off x="7375872" y="6158928"/>
-              <a:ext cx="61920" cy="71280"/>
-            </p14:xfrm>
-          </p:contentPart>
-        </mc:Choice>
-        <mc:Fallback xmlns="">
-          <p:pic>
-            <p:nvPicPr>
-              <p:cNvPr id="13" name="Ink 12">
-                <a:extLst>
-                  <a:ext uri="{FF2B5EF4-FFF2-40B4-BE49-F238E27FC236}">
-                    <a16:creationId xmlns:a16="http://schemas.microsoft.com/office/drawing/2014/main" id="{FA6E65DF-871E-731B-C1CA-21791D50B224}"/>
-                  </a:ext>
-                </a:extLst>
-              </p:cNvPr>
-              <p:cNvPicPr/>
-              <p:nvPr/>
-            </p:nvPicPr>
-            <p:blipFill>
-              <a:blip r:embed="rId19"/>
-              <a:stretch>
-                <a:fillRect/>
-              </a:stretch>
-            </p:blipFill>
-            <p:spPr>
-              <a:xfrm>
-                <a:off x="7369752" y="6152808"/>
-                <a:ext cx="74160" cy="83520"/>
-              </a:xfrm>
-              <a:prstGeom prst="rect">
-                <a:avLst/>
-              </a:prstGeom>
-            </p:spPr>
-          </p:pic>
-        </mc:Fallback>
-      </mc:AlternateContent>
-      <mc:AlternateContent xmlns:mc="http://schemas.openxmlformats.org/markup-compatibility/2006" xmlns:p14="http://schemas.microsoft.com/office/powerpoint/2010/main">
-        <mc:Choice Requires="p14">
-          <p:contentPart p14:bwMode="auto" r:id="rId20">
-            <p14:nvContentPartPr>
-              <p14:cNvPr id="14" name="Ink 13">
-                <a:extLst>
-                  <a:ext uri="{FF2B5EF4-FFF2-40B4-BE49-F238E27FC236}">
-                    <a16:creationId xmlns:a16="http://schemas.microsoft.com/office/drawing/2014/main" id="{1652C279-373D-2C74-1E1B-1C278DC999FB}"/>
-                  </a:ext>
-                </a:extLst>
-              </p14:cNvPr>
-              <p14:cNvContentPartPr/>
-              <p14:nvPr/>
-            </p14:nvContentPartPr>
-            <p14:xfrm>
-              <a:off x="7071312" y="6342528"/>
-              <a:ext cx="82440" cy="34560"/>
-            </p14:xfrm>
-          </p:contentPart>
-        </mc:Choice>
-        <mc:Fallback xmlns="">
-          <p:pic>
-            <p:nvPicPr>
-              <p:cNvPr id="14" name="Ink 13">
-                <a:extLst>
-                  <a:ext uri="{FF2B5EF4-FFF2-40B4-BE49-F238E27FC236}">
-                    <a16:creationId xmlns:a16="http://schemas.microsoft.com/office/drawing/2014/main" id="{1652C279-373D-2C74-1E1B-1C278DC999FB}"/>
-                  </a:ext>
-                </a:extLst>
-              </p:cNvPr>
-              <p:cNvPicPr/>
-              <p:nvPr/>
-            </p:nvPicPr>
-            <p:blipFill>
-              <a:blip r:embed="rId21"/>
-              <a:stretch>
-                <a:fillRect/>
-              </a:stretch>
-            </p:blipFill>
-            <p:spPr>
-              <a:xfrm>
-                <a:off x="7065192" y="6336408"/>
-                <a:ext cx="94680" cy="46800"/>
-              </a:xfrm>
-              <a:prstGeom prst="rect">
-                <a:avLst/>
-              </a:prstGeom>
-            </p:spPr>
-          </p:pic>
-        </mc:Fallback>
-      </mc:AlternateContent>
-      <p:grpSp>
-        <p:nvGrpSpPr>
-          <p:cNvPr id="18" name="Group 17">
-            <a:extLst>
-              <a:ext uri="{FF2B5EF4-FFF2-40B4-BE49-F238E27FC236}">
-                <a16:creationId xmlns:a16="http://schemas.microsoft.com/office/drawing/2014/main" id="{52C8A897-B57A-EE81-DBBB-0C1D1E66BCD5}"/>
-              </a:ext>
-            </a:extLst>
-          </p:cNvPr>
-          <p:cNvGrpSpPr/>
-          <p:nvPr/>
-        </p:nvGrpSpPr>
-        <p:grpSpPr>
-          <a:xfrm>
-            <a:off x="7522032" y="5791368"/>
-            <a:ext cx="257040" cy="268560"/>
-            <a:chOff x="7522032" y="5791368"/>
-            <a:chExt cx="257040" cy="268560"/>
-          </a:xfrm>
-        </p:grpSpPr>
-        <mc:AlternateContent xmlns:mc="http://schemas.openxmlformats.org/markup-compatibility/2006" xmlns:p14="http://schemas.microsoft.com/office/powerpoint/2010/main">
-          <mc:Choice Requires="p14">
-            <p:contentPart p14:bwMode="auto" r:id="rId22">
-              <p14:nvContentPartPr>
-                <p14:cNvPr id="15" name="Ink 14">
-                  <a:extLst>
-                    <a:ext uri="{FF2B5EF4-FFF2-40B4-BE49-F238E27FC236}">
-                      <a16:creationId xmlns:a16="http://schemas.microsoft.com/office/drawing/2014/main" id="{C39DD605-38CE-000E-0FF1-FC888D5CEC72}"/>
-                    </a:ext>
-                  </a:extLst>
-                </p14:cNvPr>
-                <p14:cNvContentPartPr/>
-                <p14:nvPr/>
-              </p14:nvContentPartPr>
-              <p14:xfrm>
-                <a:off x="7571352" y="5836728"/>
-                <a:ext cx="157320" cy="223200"/>
-              </p14:xfrm>
-            </p:contentPart>
-          </mc:Choice>
-          <mc:Fallback xmlns="">
-            <p:pic>
-              <p:nvPicPr>
-                <p:cNvPr id="15" name="Ink 14">
-                  <a:extLst>
-                    <a:ext uri="{FF2B5EF4-FFF2-40B4-BE49-F238E27FC236}">
-                      <a16:creationId xmlns:a16="http://schemas.microsoft.com/office/drawing/2014/main" id="{C39DD605-38CE-000E-0FF1-FC888D5CEC72}"/>
-                    </a:ext>
-                  </a:extLst>
-                </p:cNvPr>
-                <p:cNvPicPr/>
-                <p:nvPr/>
-              </p:nvPicPr>
-              <p:blipFill>
-                <a:blip r:embed="rId23"/>
-                <a:stretch>
-                  <a:fillRect/>
-                </a:stretch>
-              </p:blipFill>
-              <p:spPr>
-                <a:xfrm>
-                  <a:off x="7565232" y="5830608"/>
-                  <a:ext cx="169560" cy="235440"/>
-                </a:xfrm>
-                <a:prstGeom prst="rect">
-                  <a:avLst/>
-                </a:prstGeom>
-              </p:spPr>
-            </p:pic>
-          </mc:Fallback>
-        </mc:AlternateContent>
-        <mc:AlternateContent xmlns:mc="http://schemas.openxmlformats.org/markup-compatibility/2006" xmlns:p14="http://schemas.microsoft.com/office/powerpoint/2010/main">
-          <mc:Choice Requires="p14">
-            <p:contentPart p14:bwMode="auto" r:id="rId24">
-              <p14:nvContentPartPr>
-                <p14:cNvPr id="16" name="Ink 15">
-                  <a:extLst>
-                    <a:ext uri="{FF2B5EF4-FFF2-40B4-BE49-F238E27FC236}">
-                      <a16:creationId xmlns:a16="http://schemas.microsoft.com/office/drawing/2014/main" id="{0028271C-9287-3E24-B351-52D9BBE470C5}"/>
-                    </a:ext>
-                  </a:extLst>
-                </p14:cNvPr>
-                <p14:cNvContentPartPr/>
-                <p14:nvPr/>
-              </p14:nvContentPartPr>
-              <p14:xfrm>
-                <a:off x="7522032" y="5791368"/>
-                <a:ext cx="219960" cy="97920"/>
-              </p14:xfrm>
-            </p:contentPart>
-          </mc:Choice>
-          <mc:Fallback xmlns="">
-            <p:pic>
-              <p:nvPicPr>
-                <p:cNvPr id="16" name="Ink 15">
-                  <a:extLst>
-                    <a:ext uri="{FF2B5EF4-FFF2-40B4-BE49-F238E27FC236}">
-                      <a16:creationId xmlns:a16="http://schemas.microsoft.com/office/drawing/2014/main" id="{0028271C-9287-3E24-B351-52D9BBE470C5}"/>
-                    </a:ext>
-                  </a:extLst>
-                </p:cNvPr>
-                <p:cNvPicPr/>
-                <p:nvPr/>
-              </p:nvPicPr>
-              <p:blipFill>
-                <a:blip r:embed="rId25"/>
-                <a:stretch>
-                  <a:fillRect/>
-                </a:stretch>
-              </p:blipFill>
-              <p:spPr>
-                <a:xfrm>
-                  <a:off x="7515912" y="5785248"/>
-                  <a:ext cx="232200" cy="110160"/>
-                </a:xfrm>
-                <a:prstGeom prst="rect">
-                  <a:avLst/>
-                </a:prstGeom>
-              </p:spPr>
-            </p:pic>
-          </mc:Fallback>
-        </mc:AlternateContent>
-        <mc:AlternateContent xmlns:mc="http://schemas.openxmlformats.org/markup-compatibility/2006" xmlns:p14="http://schemas.microsoft.com/office/powerpoint/2010/main">
-          <mc:Choice Requires="p14">
-            <p:contentPart p14:bwMode="auto" r:id="rId26">
-              <p14:nvContentPartPr>
-                <p14:cNvPr id="17" name="Ink 16">
-                  <a:extLst>
-                    <a:ext uri="{FF2B5EF4-FFF2-40B4-BE49-F238E27FC236}">
-                      <a16:creationId xmlns:a16="http://schemas.microsoft.com/office/drawing/2014/main" id="{85EC7925-7C8C-1960-0A20-631351494ABC}"/>
-                    </a:ext>
-                  </a:extLst>
-                </p14:cNvPr>
-                <p14:cNvContentPartPr/>
-                <p14:nvPr/>
-              </p14:nvContentPartPr>
-              <p14:xfrm>
-                <a:off x="7766112" y="5815488"/>
-                <a:ext cx="12960" cy="145440"/>
-              </p14:xfrm>
-            </p:contentPart>
-          </mc:Choice>
-          <mc:Fallback xmlns="">
-            <p:pic>
-              <p:nvPicPr>
-                <p:cNvPr id="17" name="Ink 16">
-                  <a:extLst>
-                    <a:ext uri="{FF2B5EF4-FFF2-40B4-BE49-F238E27FC236}">
-                      <a16:creationId xmlns:a16="http://schemas.microsoft.com/office/drawing/2014/main" id="{85EC7925-7C8C-1960-0A20-631351494ABC}"/>
-                    </a:ext>
-                  </a:extLst>
-                </p:cNvPr>
-                <p:cNvPicPr/>
-                <p:nvPr/>
-              </p:nvPicPr>
-              <p:blipFill>
-                <a:blip r:embed="rId27"/>
-                <a:stretch>
-                  <a:fillRect/>
-                </a:stretch>
-              </p:blipFill>
-              <p:spPr>
-                <a:xfrm>
-                  <a:off x="7759992" y="5809368"/>
-                  <a:ext cx="25200" cy="157680"/>
-                </a:xfrm>
-                <a:prstGeom prst="rect">
-                  <a:avLst/>
-                </a:prstGeom>
-              </p:spPr>
-            </p:pic>
-          </mc:Fallback>
-        </mc:AlternateContent>
-      </p:grpSp>
-      <mc:AlternateContent xmlns:mc="http://schemas.openxmlformats.org/markup-compatibility/2006" xmlns:p14="http://schemas.microsoft.com/office/powerpoint/2010/main">
-        <mc:Choice Requires="p14">
-          <p:contentPart p14:bwMode="auto" r:id="rId28">
-            <p14:nvContentPartPr>
-              <p14:cNvPr id="19" name="Ink 18">
-                <a:extLst>
-                  <a:ext uri="{FF2B5EF4-FFF2-40B4-BE49-F238E27FC236}">
-                    <a16:creationId xmlns:a16="http://schemas.microsoft.com/office/drawing/2014/main" id="{99BF301A-8F6F-F59F-A677-73E14F91EDE3}"/>
-                  </a:ext>
-                </a:extLst>
-              </p14:cNvPr>
-              <p14:cNvContentPartPr/>
-              <p14:nvPr/>
-            </p14:nvContentPartPr>
-            <p14:xfrm>
-              <a:off x="4900872" y="5559528"/>
-              <a:ext cx="360" cy="360"/>
-            </p14:xfrm>
-          </p:contentPart>
-        </mc:Choice>
-        <mc:Fallback xmlns="">
-          <p:pic>
-            <p:nvPicPr>
-              <p:cNvPr id="19" name="Ink 18">
-                <a:extLst>
-                  <a:ext uri="{FF2B5EF4-FFF2-40B4-BE49-F238E27FC236}">
-                    <a16:creationId xmlns:a16="http://schemas.microsoft.com/office/drawing/2014/main" id="{99BF301A-8F6F-F59F-A677-73E14F91EDE3}"/>
-                  </a:ext>
-                </a:extLst>
-              </p:cNvPr>
-              <p:cNvPicPr/>
-              <p:nvPr/>
-            </p:nvPicPr>
-            <p:blipFill>
-              <a:blip r:embed="rId29"/>
-              <a:stretch>
-                <a:fillRect/>
-              </a:stretch>
-            </p:blipFill>
-            <p:spPr>
-              <a:xfrm>
-                <a:off x="4894752" y="5553408"/>
-                <a:ext cx="12600" cy="12600"/>
-              </a:xfrm>
-              <a:prstGeom prst="rect">
-                <a:avLst/>
-              </a:prstGeom>
-            </p:spPr>
-          </p:pic>
-        </mc:Fallback>
-      </mc:AlternateContent>
-      <mc:AlternateContent xmlns:mc="http://schemas.openxmlformats.org/markup-compatibility/2006" xmlns:p14="http://schemas.microsoft.com/office/powerpoint/2010/main">
-        <mc:Choice Requires="p14">
-          <p:contentPart p14:bwMode="auto" r:id="rId30">
-            <p14:nvContentPartPr>
-              <p14:cNvPr id="20" name="Ink 19">
-                <a:extLst>
-                  <a:ext uri="{FF2B5EF4-FFF2-40B4-BE49-F238E27FC236}">
-                    <a16:creationId xmlns:a16="http://schemas.microsoft.com/office/drawing/2014/main" id="{11C71C60-AADE-35A9-69F6-F615B915049B}"/>
-                  </a:ext>
-                </a:extLst>
-              </p14:cNvPr>
-              <p14:cNvContentPartPr/>
-              <p14:nvPr/>
-            </p14:nvContentPartPr>
-            <p14:xfrm>
-              <a:off x="4913472" y="5571408"/>
-              <a:ext cx="1605240" cy="13680"/>
-            </p14:xfrm>
-          </p:contentPart>
-        </mc:Choice>
-        <mc:Fallback xmlns="">
-          <p:pic>
-            <p:nvPicPr>
-              <p:cNvPr id="20" name="Ink 19">
-                <a:extLst>
-                  <a:ext uri="{FF2B5EF4-FFF2-40B4-BE49-F238E27FC236}">
-                    <a16:creationId xmlns:a16="http://schemas.microsoft.com/office/drawing/2014/main" id="{11C71C60-AADE-35A9-69F6-F615B915049B}"/>
-                  </a:ext>
-                </a:extLst>
-              </p:cNvPr>
-              <p:cNvPicPr/>
-              <p:nvPr/>
-            </p:nvPicPr>
-            <p:blipFill>
-              <a:blip r:embed="rId31"/>
-              <a:stretch>
-                <a:fillRect/>
-              </a:stretch>
-            </p:blipFill>
-            <p:spPr>
-              <a:xfrm>
-                <a:off x="4907352" y="5565288"/>
-                <a:ext cx="1617480" cy="25920"/>
-              </a:xfrm>
-              <a:prstGeom prst="rect">
-                <a:avLst/>
-              </a:prstGeom>
-            </p:spPr>
-          </p:pic>
-        </mc:Fallback>
-      </mc:AlternateContent>
-      <p:sp>
-        <p:nvSpPr>
-          <p:cNvPr id="22" name="TextBox 21">
-            <a:extLst>
-              <a:ext uri="{FF2B5EF4-FFF2-40B4-BE49-F238E27FC236}">
-                <a16:creationId xmlns:a16="http://schemas.microsoft.com/office/drawing/2014/main" id="{3552FF96-B71F-44DD-9AE8-0BEDF09FE6F3}"/>
-              </a:ext>
-            </a:extLst>
-          </p:cNvPr>
-          <p:cNvSpPr txBox="1"/>
-          <p:nvPr/>
-        </p:nvSpPr>
-        <p:spPr>
-          <a:xfrm>
-            <a:off x="4863432" y="5887308"/>
-            <a:ext cx="1911960" cy="369332"/>
-          </a:xfrm>
-          <a:prstGeom prst="rect">
+          <a:prstGeom prst="roundRect">
             <a:avLst/>
           </a:prstGeom>
           <a:noFill/>
         </p:spPr>
-        <p:txBody>
-          <a:bodyPr wrap="square" rtlCol="0">
-            <a:spAutoFit/>
-          </a:bodyPr>
-          <a:lstStyle/>
-          <a:p>
-            <a:r>
-              <a:rPr lang="en-US" dirty="0" err="1"/>
-              <a:t>getBundles</a:t>
-            </a:r>
-            <a:r>
-              <a:rPr lang="en-US" dirty="0"/>
-              <a:t>()</a:t>
-            </a:r>
+        <p:style>
+          <a:lnRef idx="2">
+            <a:schemeClr val="accent1">
+              <a:shade val="50000"/>
+            </a:schemeClr>
+          </a:lnRef>
+          <a:fillRef idx="1">
+            <a:schemeClr val="accent1"/>
+          </a:fillRef>
+          <a:effectRef idx="0">
+            <a:schemeClr val="accent1"/>
+          </a:effectRef>
+          <a:fontRef idx="minor">
+            <a:schemeClr val="lt1"/>
+          </a:fontRef>
+        </p:style>
+        <p:txBody>
+          <a:bodyPr rtlCol="0" anchor="ctr"/>
+          <a:lstStyle/>
+          <a:p>
+            <a:pPr algn="ctr"/>
+            <a:endParaRPr lang="en-US"/>
           </a:p>
         </p:txBody>
       </p:sp>
     </p:spTree>
     <p:extLst>
       <p:ext uri="{BB962C8B-B14F-4D97-AF65-F5344CB8AC3E}">
-        <p14:creationId xmlns:p14="http://schemas.microsoft.com/office/powerpoint/2010/main" val="1462003855"/>
+        <p14:creationId xmlns:p14="http://schemas.microsoft.com/office/powerpoint/2010/main" val="4159493247"/>
       </p:ext>
     </p:extLst>
   </p:cSld>
@@ -7396,154 +7031,106 @@
         </p:nvSpPr>
         <p:spPr/>
         <p:txBody>
-          <a:bodyPr>
-            <a:normAutofit/>
-          </a:bodyPr>
+          <a:bodyPr/>
           <a:lstStyle/>
           <a:p>
             <a:r>
               <a:rPr lang="en-US" dirty="0"/>
-              <a:t>A simple example of Tell Don’t Ask</a:t>
-            </a:r>
-          </a:p>
-        </p:txBody>
-      </p:sp>
-      <p:sp>
-        <p:nvSpPr>
-          <p:cNvPr id="3" name="Content Placeholder 2"/>
-          <p:cNvSpPr>
-            <a:spLocks noGrp="1"/>
-          </p:cNvSpPr>
-          <p:nvPr>
-            <p:ph idx="1"/>
-          </p:nvPr>
-        </p:nvSpPr>
-        <p:spPr/>
-        <p:txBody>
-          <a:bodyPr>
-            <a:normAutofit/>
-          </a:bodyPr>
-          <a:lstStyle/>
-          <a:p>
-            <a:pPr marL="0" indent="0">
-              <a:buNone/>
-            </a:pPr>
-            <a:r>
-              <a:rPr lang="en-US" dirty="0"/>
-              <a:t>Approach #1:</a:t>
-            </a:r>
-          </a:p>
-          <a:p>
-            <a:pPr marL="514350" indent="-514350">
-              <a:buAutoNum type="arabicParenR"/>
-            </a:pPr>
-            <a:r>
-              <a:rPr lang="en-US" dirty="0"/>
-              <a:t>Adding a </a:t>
-            </a:r>
-            <a:r>
-              <a:rPr lang="en-US" i="1" dirty="0" err="1"/>
-              <a:t>computeTotalRevenue</a:t>
-            </a:r>
-            <a:r>
-              <a:rPr lang="en-US" dirty="0"/>
-              <a:t>() method to the Game class</a:t>
-            </a:r>
-          </a:p>
-          <a:p>
-            <a:pPr marL="0" indent="0">
-              <a:buNone/>
-            </a:pPr>
-            <a:r>
-              <a:rPr lang="en-US" dirty="0">
-                <a:highlight>
-                  <a:srgbClr val="FFFF00"/>
-                </a:highlight>
-              </a:rPr>
-              <a:t>This approach engineers the Game class so that it “knows” more about what goes on with Games, and </a:t>
-            </a:r>
-            <a:r>
-              <a:rPr lang="en-US" dirty="0" err="1">
-                <a:highlight>
-                  <a:srgbClr val="FFFF00"/>
-                </a:highlight>
-              </a:rPr>
-              <a:t>SalesManager</a:t>
-            </a:r>
-            <a:r>
-              <a:rPr lang="en-US" dirty="0">
-                <a:highlight>
-                  <a:srgbClr val="FFFF00"/>
-                </a:highlight>
-              </a:rPr>
-              <a:t> “knows” less</a:t>
-            </a:r>
-          </a:p>
-          <a:p>
-            <a:pPr marL="0" indent="0">
-              <a:buNone/>
-            </a:pPr>
-            <a:endParaRPr lang="en-US" dirty="0"/>
-          </a:p>
-          <a:p>
-            <a:pPr marL="514350" indent="-514350">
-              <a:buAutoNum type="alphaLcParenR"/>
-            </a:pPr>
-            <a:endParaRPr lang="en-US" dirty="0"/>
-          </a:p>
-        </p:txBody>
-      </p:sp>
-      <p:sp>
-        <p:nvSpPr>
-          <p:cNvPr id="4" name="Rectangle: Rounded Corners 3">
+              <a:t>Diagrams look similar!</a:t>
+            </a:r>
+          </a:p>
+        </p:txBody>
+      </p:sp>
+      <p:pic>
+        <p:nvPicPr>
+          <p:cNvPr id="2050" name="Picture 2" descr="https://lh5.googleusercontent.com/M-yAO8Nwo3ZydBpkJck9V7pa5X6TqiuVcMEjbTqwpQXonqoPk3BiEmOU-GC2vet0vSsNCSaznQdFnS_NISNMH-pte1MzAeEHzemaYu-i_sGli246QvEvdL7d2Qs5995Hg0Ur09mz">
+            <a:hlinkClick r:id="rId3"/>
+          </p:cNvPr>
+          <p:cNvPicPr>
+            <a:picLocks noChangeAspect="1" noChangeArrowheads="1"/>
+          </p:cNvPicPr>
+          <p:nvPr/>
+        </p:nvPicPr>
+        <p:blipFill>
+          <a:blip r:embed="rId4">
             <a:extLst>
-              <a:ext uri="{FF2B5EF4-FFF2-40B4-BE49-F238E27FC236}">
-                <a16:creationId xmlns:a16="http://schemas.microsoft.com/office/drawing/2014/main" id="{9FDF7A2F-37E5-4A29-9E46-AFA3BEB7826C}"/>
+              <a:ext uri="{28A0092B-C50C-407E-A947-70E740481C1C}">
+                <a14:useLocalDpi xmlns:a14="http://schemas.microsoft.com/office/drawing/2010/main" val="0"/>
               </a:ext>
             </a:extLst>
-          </p:cNvPr>
-          <p:cNvSpPr/>
-          <p:nvPr/>
-        </p:nvSpPr>
-        <p:spPr>
+          </a:blip>
+          <a:srcRect/>
+          <a:stretch>
+            <a:fillRect/>
+          </a:stretch>
+        </p:blipFill>
+        <p:spPr bwMode="auto">
           <a:xfrm>
-            <a:off x="304800" y="2133600"/>
-            <a:ext cx="8382000" cy="1066800"/>
+            <a:off x="640224" y="1676400"/>
+            <a:ext cx="8114294" cy="1495424"/>
           </a:xfrm>
-          <a:prstGeom prst="roundRect">
+          <a:prstGeom prst="rect">
             <a:avLst/>
           </a:prstGeom>
           <a:noFill/>
+          <a:extLst>
+            <a:ext uri="{909E8E84-426E-40DD-AFC4-6F175D3DCCD1}">
+              <a14:hiddenFill xmlns:a14="http://schemas.microsoft.com/office/drawing/2010/main">
+                <a:solidFill>
+                  <a:srgbClr val="FFFFFF"/>
+                </a:solidFill>
+              </a14:hiddenFill>
+            </a:ext>
+          </a:extLst>
         </p:spPr>
-        <p:style>
-          <a:lnRef idx="2">
-            <a:schemeClr val="accent1">
-              <a:shade val="50000"/>
-            </a:schemeClr>
-          </a:lnRef>
-          <a:fillRef idx="1">
-            <a:schemeClr val="accent1"/>
-          </a:fillRef>
-          <a:effectRef idx="0">
-            <a:schemeClr val="accent1"/>
-          </a:effectRef>
-          <a:fontRef idx="minor">
-            <a:schemeClr val="lt1"/>
-          </a:fontRef>
-        </p:style>
-        <p:txBody>
-          <a:bodyPr rtlCol="0" anchor="ctr"/>
-          <a:lstStyle/>
-          <a:p>
-            <a:pPr algn="ctr"/>
-            <a:endParaRPr lang="en-US"/>
-          </a:p>
-        </p:txBody>
-      </p:sp>
+      </p:pic>
+      <p:pic>
+        <p:nvPicPr>
+          <p:cNvPr id="2052" name="Picture 4" descr="https://lh3.googleusercontent.com/l-b0n-_zLngWSZV5ZwzmmWa4k9FJo9rpK02HTVWHarJx485Oh2Lhmhjy9X8-mt-g481TZcUojynkOB57COlGnnpfaSMZstovSseHUEeEFGWuYeysXh8eO5Mfy19JbVOAbRdpv0OL">
+            <a:hlinkClick r:id="rId5"/>
+          </p:cNvPr>
+          <p:cNvPicPr>
+            <a:picLocks noChangeAspect="1" noChangeArrowheads="1"/>
+          </p:cNvPicPr>
+          <p:nvPr/>
+        </p:nvPicPr>
+        <p:blipFill>
+          <a:blip r:embed="rId6">
+            <a:extLst>
+              <a:ext uri="{28A0092B-C50C-407E-A947-70E740481C1C}">
+                <a14:useLocalDpi xmlns:a14="http://schemas.microsoft.com/office/drawing/2010/main" val="0"/>
+              </a:ext>
+            </a:extLst>
+          </a:blip>
+          <a:srcRect/>
+          <a:stretch>
+            <a:fillRect/>
+          </a:stretch>
+        </p:blipFill>
+        <p:spPr bwMode="auto">
+          <a:xfrm>
+            <a:off x="645540" y="3962400"/>
+            <a:ext cx="8144918" cy="1409700"/>
+          </a:xfrm>
+          <a:prstGeom prst="rect">
+            <a:avLst/>
+          </a:prstGeom>
+          <a:noFill/>
+          <a:extLst>
+            <a:ext uri="{909E8E84-426E-40DD-AFC4-6F175D3DCCD1}">
+              <a14:hiddenFill xmlns:a14="http://schemas.microsoft.com/office/drawing/2010/main">
+                <a:solidFill>
+                  <a:srgbClr val="FFFFFF"/>
+                </a:solidFill>
+              </a14:hiddenFill>
+            </a:ext>
+          </a:extLst>
+        </p:spPr>
+      </p:pic>
     </p:spTree>
     <p:extLst>
       <p:ext uri="{BB962C8B-B14F-4D97-AF65-F5344CB8AC3E}">
-        <p14:creationId xmlns:p14="http://schemas.microsoft.com/office/powerpoint/2010/main" val="3847481478"/>
+        <p14:creationId xmlns:p14="http://schemas.microsoft.com/office/powerpoint/2010/main" val="1707336356"/>
       </p:ext>
     </p:extLst>
   </p:cSld>
@@ -7582,179 +7169,49 @@
         </p:nvSpPr>
         <p:spPr/>
         <p:txBody>
-          <a:bodyPr>
-            <a:normAutofit/>
-          </a:bodyPr>
+          <a:bodyPr/>
           <a:lstStyle/>
           <a:p>
             <a:r>
               <a:rPr lang="en-US" dirty="0"/>
-              <a:t>A simple example of Tell Don’t Ask</a:t>
-            </a:r>
-          </a:p>
-        </p:txBody>
-      </p:sp>
-      <p:sp>
-        <p:nvSpPr>
-          <p:cNvPr id="3" name="Content Placeholder 2"/>
-          <p:cNvSpPr>
-            <a:spLocks noGrp="1"/>
-          </p:cNvSpPr>
-          <p:nvPr>
-            <p:ph idx="1"/>
-          </p:nvPr>
-        </p:nvSpPr>
-        <p:spPr/>
-        <p:txBody>
-          <a:bodyPr>
-            <a:normAutofit/>
-          </a:bodyPr>
-          <a:lstStyle/>
-          <a:p>
-            <a:pPr marL="0" indent="0">
-              <a:buNone/>
-            </a:pPr>
-            <a:r>
-              <a:rPr lang="en-US" dirty="0"/>
-              <a:t>Approach #2:</a:t>
-            </a:r>
-          </a:p>
-          <a:p>
-            <a:pPr marL="0" indent="0">
-              <a:buNone/>
-            </a:pPr>
-            <a:r>
-              <a:rPr lang="en-US" dirty="0">
-                <a:highlight>
-                  <a:srgbClr val="FFFF00"/>
-                </a:highlight>
-              </a:rPr>
-              <a:t>Second approach increases coupling between </a:t>
-            </a:r>
-            <a:r>
-              <a:rPr lang="en-US" dirty="0" err="1">
-                <a:highlight>
-                  <a:srgbClr val="FFFF00"/>
-                </a:highlight>
-              </a:rPr>
-              <a:t>SalesManager</a:t>
-            </a:r>
-            <a:r>
-              <a:rPr lang="en-US" dirty="0">
-                <a:highlight>
-                  <a:srgbClr val="FFFF00"/>
-                </a:highlight>
-              </a:rPr>
-              <a:t> and Game class, i.e., </a:t>
-            </a:r>
-            <a:r>
-              <a:rPr lang="en-US" dirty="0" err="1">
-                <a:highlight>
-                  <a:srgbClr val="FFFF00"/>
-                </a:highlight>
-              </a:rPr>
-              <a:t>SalesManager</a:t>
-            </a:r>
-            <a:r>
-              <a:rPr lang="en-US" dirty="0">
-                <a:highlight>
-                  <a:srgbClr val="FFFF00"/>
-                </a:highlight>
-              </a:rPr>
-              <a:t> “knows” more about Game</a:t>
-            </a:r>
-          </a:p>
-          <a:p>
-            <a:pPr marL="514350" indent="-514350">
-              <a:buFont typeface="+mj-lt"/>
-              <a:buAutoNum type="arabicParenR" startAt="2"/>
-            </a:pPr>
-            <a:r>
-              <a:rPr lang="en-US" dirty="0"/>
-              <a:t>Adding a </a:t>
-            </a:r>
-            <a:r>
-              <a:rPr lang="en-US" i="1" dirty="0" err="1"/>
-              <a:t>getBundles</a:t>
-            </a:r>
-            <a:r>
-              <a:rPr lang="en-US" dirty="0"/>
-              <a:t>() method to the Game class, which the </a:t>
-            </a:r>
-            <a:r>
-              <a:rPr lang="en-US" dirty="0" err="1"/>
-              <a:t>SalesManager</a:t>
-            </a:r>
-            <a:r>
-              <a:rPr lang="en-US" dirty="0"/>
-              <a:t> class could call, and then loop over the game’s bundles</a:t>
-            </a:r>
-          </a:p>
-          <a:p>
-            <a:pPr marL="514350" indent="-514350">
-              <a:buAutoNum type="arabicParenR" startAt="2"/>
-            </a:pPr>
-            <a:endParaRPr lang="en-US" dirty="0"/>
-          </a:p>
-          <a:p>
-            <a:pPr marL="514350" indent="-514350">
-              <a:buAutoNum type="alphaLcParenR"/>
-            </a:pPr>
-            <a:endParaRPr lang="en-US" dirty="0"/>
-          </a:p>
-        </p:txBody>
-      </p:sp>
-      <p:sp>
-        <p:nvSpPr>
-          <p:cNvPr id="4" name="Rectangle: Rounded Corners 3">
-            <a:extLst>
-              <a:ext uri="{FF2B5EF4-FFF2-40B4-BE49-F238E27FC236}">
-                <a16:creationId xmlns:a16="http://schemas.microsoft.com/office/drawing/2014/main" id="{C11917E3-2C1E-41F1-B8F2-F6C83BB56E3C}"/>
-              </a:ext>
-            </a:extLst>
-          </p:cNvPr>
-          <p:cNvSpPr/>
+              <a:t>Diagrams look similar!</a:t>
+            </a:r>
+          </a:p>
+        </p:txBody>
+      </p:sp>
+      <p:sp>
+        <p:nvSpPr>
+          <p:cNvPr id="3" name="TextBox 2"/>
+          <p:cNvSpPr txBox="1"/>
           <p:nvPr/>
         </p:nvSpPr>
         <p:spPr>
           <a:xfrm>
-            <a:off x="381000" y="3733800"/>
-            <a:ext cx="8382000" cy="1600200"/>
+            <a:off x="990600" y="1828800"/>
+            <a:ext cx="7239000" cy="2554545"/>
           </a:xfrm>
-          <a:prstGeom prst="roundRect">
+          <a:prstGeom prst="rect">
             <a:avLst/>
           </a:prstGeom>
           <a:noFill/>
         </p:spPr>
-        <p:style>
-          <a:lnRef idx="2">
-            <a:schemeClr val="accent1">
-              <a:shade val="50000"/>
-            </a:schemeClr>
-          </a:lnRef>
-          <a:fillRef idx="1">
-            <a:schemeClr val="accent1"/>
-          </a:fillRef>
-          <a:effectRef idx="0">
-            <a:schemeClr val="accent1"/>
-          </a:effectRef>
-          <a:fontRef idx="minor">
-            <a:schemeClr val="lt1"/>
-          </a:fontRef>
-        </p:style>
-        <p:txBody>
-          <a:bodyPr rtlCol="0" anchor="ctr"/>
-          <a:lstStyle/>
-          <a:p>
-            <a:pPr algn="ctr"/>
-            <a:endParaRPr lang="en-US"/>
+        <p:txBody>
+          <a:bodyPr wrap="square" rtlCol="0">
+            <a:spAutoFit/>
+          </a:bodyPr>
+          <a:lstStyle/>
+          <a:p>
+            <a:r>
+              <a:rPr lang="en-US" sz="4000" dirty="0"/>
+              <a:t>How would the actual code compare when performing the stated task “calculate a student’s average grade”?</a:t>
+            </a:r>
           </a:p>
         </p:txBody>
       </p:sp>
     </p:spTree>
     <p:extLst>
       <p:ext uri="{BB962C8B-B14F-4D97-AF65-F5344CB8AC3E}">
-        <p14:creationId xmlns:p14="http://schemas.microsoft.com/office/powerpoint/2010/main" val="4159493247"/>
+        <p14:creationId xmlns:p14="http://schemas.microsoft.com/office/powerpoint/2010/main" val="1796087521"/>
       </p:ext>
     </p:extLst>
   </p:cSld>
@@ -7783,916 +7240,421 @@
       </p:grpSpPr>
       <p:sp>
         <p:nvSpPr>
-          <p:cNvPr id="2" name="Title 1">
-            <a:extLst>
-              <a:ext uri="{FF2B5EF4-FFF2-40B4-BE49-F238E27FC236}">
-                <a16:creationId xmlns:a16="http://schemas.microsoft.com/office/drawing/2014/main" id="{9D2C71B3-EAC7-849E-C9CC-60FB16B606E4}"/>
-              </a:ext>
-            </a:extLst>
-          </p:cNvPr>
+          <p:cNvPr id="2" name="Title 1"/>
           <p:cNvSpPr>
             <a:spLocks noGrp="1"/>
           </p:cNvSpPr>
           <p:nvPr>
             <p:ph type="title"/>
+          </p:nvPr>
+        </p:nvSpPr>
+        <p:spPr/>
+        <p:txBody>
+          <a:bodyPr/>
+          <a:lstStyle/>
+          <a:p>
+            <a:r>
+              <a:rPr lang="en-US" dirty="0" err="1">
+                <a:latin typeface="Consolas" panose="020B0609020204030204" pitchFamily="49" charset="0"/>
+              </a:rPr>
+              <a:t>getGrades</a:t>
+            </a:r>
+            <a:r>
+              <a:rPr lang="en-US" dirty="0">
+                <a:latin typeface="Consolas" panose="020B0609020204030204" pitchFamily="49" charset="0"/>
+              </a:rPr>
+              <a:t>()</a:t>
+            </a:r>
+          </a:p>
+        </p:txBody>
+      </p:sp>
+      <p:sp>
+        <p:nvSpPr>
+          <p:cNvPr id="3" name="Content Placeholder 2"/>
+          <p:cNvSpPr>
+            <a:spLocks noGrp="1"/>
+          </p:cNvSpPr>
+          <p:nvPr>
+            <p:ph idx="1"/>
           </p:nvPr>
         </p:nvSpPr>
         <p:spPr>
           <a:xfrm>
-            <a:off x="457200" y="0"/>
-            <a:ext cx="8229600" cy="1143000"/>
+            <a:off x="457200" y="1600201"/>
+            <a:ext cx="8382000" cy="4114800"/>
           </a:xfrm>
         </p:spPr>
         <p:txBody>
-          <a:bodyPr/>
-          <a:lstStyle/>
-          <a:p>
-            <a:r>
-              <a:rPr lang="en-US" dirty="0"/>
-              <a:t>Tell (better design)</a:t>
-            </a:r>
-          </a:p>
-        </p:txBody>
-      </p:sp>
-      <p:pic>
-        <p:nvPicPr>
-          <p:cNvPr id="4" name="Picture 3" descr="A diagram of a computer code&#10;&#10;Description automatically generated with medium confidence">
-            <a:extLst>
-              <a:ext uri="{FF2B5EF4-FFF2-40B4-BE49-F238E27FC236}">
-                <a16:creationId xmlns:a16="http://schemas.microsoft.com/office/drawing/2014/main" id="{965C6FCA-3F0F-73A5-424B-98E39A7E3B60}"/>
-              </a:ext>
-            </a:extLst>
-          </p:cNvPr>
-          <p:cNvPicPr>
-            <a:picLocks noChangeAspect="1"/>
-          </p:cNvPicPr>
+          <a:bodyPr>
+            <a:noAutofit/>
+          </a:bodyPr>
+          <a:lstStyle/>
+          <a:p>
+            <a:pPr marL="0" indent="0">
+              <a:buNone/>
+            </a:pPr>
+            <a:r>
+              <a:rPr lang="en-US" sz="1800" dirty="0">
+                <a:latin typeface="Consolas" panose="020B0609020204030204" pitchFamily="49" charset="0"/>
+              </a:rPr>
+              <a:t>public class </a:t>
+            </a:r>
+            <a:r>
+              <a:rPr lang="en-US" sz="1800" dirty="0" err="1">
+                <a:latin typeface="Consolas" panose="020B0609020204030204" pitchFamily="49" charset="0"/>
+              </a:rPr>
+              <a:t>TeamGradebook</a:t>
+            </a:r>
+            <a:r>
+              <a:rPr lang="en-US" sz="1800" dirty="0">
+                <a:latin typeface="Consolas" panose="020B0609020204030204" pitchFamily="49" charset="0"/>
+              </a:rPr>
+              <a:t> {</a:t>
+            </a:r>
+          </a:p>
+          <a:p>
+            <a:pPr marL="0" indent="0">
+              <a:buNone/>
+            </a:pPr>
+            <a:r>
+              <a:rPr lang="en-US" sz="1800" dirty="0">
+                <a:latin typeface="Consolas" panose="020B0609020204030204" pitchFamily="49" charset="0"/>
+              </a:rPr>
+              <a:t>…</a:t>
+            </a:r>
+          </a:p>
+          <a:p>
+            <a:pPr marL="0" indent="0">
+              <a:buNone/>
+            </a:pPr>
+            <a:r>
+              <a:rPr lang="en-US" sz="1800" dirty="0">
+                <a:latin typeface="Consolas" panose="020B0609020204030204" pitchFamily="49" charset="0"/>
+              </a:rPr>
+              <a:t>private String </a:t>
+            </a:r>
+            <a:r>
+              <a:rPr lang="en-US" sz="1800" dirty="0" err="1">
+                <a:latin typeface="Consolas" panose="020B0609020204030204" pitchFamily="49" charset="0"/>
+              </a:rPr>
+              <a:t>handleGetAverage</a:t>
+            </a:r>
+            <a:r>
+              <a:rPr lang="en-US" sz="1800" dirty="0">
+                <a:latin typeface="Consolas" panose="020B0609020204030204" pitchFamily="49" charset="0"/>
+              </a:rPr>
+              <a:t>(String </a:t>
+            </a:r>
+            <a:r>
+              <a:rPr lang="en-US" sz="1800" dirty="0" err="1">
+                <a:latin typeface="Consolas" panose="020B0609020204030204" pitchFamily="49" charset="0"/>
+              </a:rPr>
+              <a:t>studentName</a:t>
+            </a:r>
+            <a:r>
+              <a:rPr lang="en-US" sz="1800" dirty="0">
+                <a:latin typeface="Consolas" panose="020B0609020204030204" pitchFamily="49" charset="0"/>
+              </a:rPr>
+              <a:t>) {</a:t>
+            </a:r>
+          </a:p>
+          <a:p>
+            <a:pPr marL="0" indent="0">
+              <a:buNone/>
+            </a:pPr>
+            <a:r>
+              <a:rPr lang="en-US" sz="1800" dirty="0">
+                <a:latin typeface="Consolas" panose="020B0609020204030204" pitchFamily="49" charset="0"/>
+              </a:rPr>
+              <a:t>	Student </a:t>
+            </a:r>
+            <a:r>
+              <a:rPr lang="en-US" sz="1800" dirty="0" err="1">
+                <a:latin typeface="Consolas" panose="020B0609020204030204" pitchFamily="49" charset="0"/>
+              </a:rPr>
+              <a:t>student</a:t>
+            </a:r>
+            <a:r>
+              <a:rPr lang="en-US" sz="1800" dirty="0">
+                <a:latin typeface="Consolas" panose="020B0609020204030204" pitchFamily="49" charset="0"/>
+              </a:rPr>
+              <a:t> = </a:t>
+            </a:r>
+            <a:r>
+              <a:rPr lang="en-US" sz="1800" dirty="0" err="1">
+                <a:latin typeface="Consolas" panose="020B0609020204030204" pitchFamily="49" charset="0"/>
+              </a:rPr>
+              <a:t>getStudentByName</a:t>
+            </a:r>
+            <a:r>
+              <a:rPr lang="en-US" sz="1800" dirty="0">
+                <a:latin typeface="Consolas" panose="020B0609020204030204" pitchFamily="49" charset="0"/>
+              </a:rPr>
+              <a:t>(</a:t>
+            </a:r>
+            <a:r>
+              <a:rPr lang="en-US" sz="1800" dirty="0" err="1">
+                <a:latin typeface="Consolas" panose="020B0609020204030204" pitchFamily="49" charset="0"/>
+              </a:rPr>
+              <a:t>studentName</a:t>
+            </a:r>
+            <a:r>
+              <a:rPr lang="en-US" sz="1800" dirty="0">
+                <a:latin typeface="Consolas" panose="020B0609020204030204" pitchFamily="49" charset="0"/>
+              </a:rPr>
+              <a:t>);</a:t>
+            </a:r>
+          </a:p>
+          <a:p>
+            <a:pPr marL="0" indent="0">
+              <a:buNone/>
+            </a:pPr>
+            <a:r>
+              <a:rPr lang="en-US" sz="1800" dirty="0">
+                <a:latin typeface="Consolas" panose="020B0609020204030204" pitchFamily="49" charset="0"/>
+              </a:rPr>
+              <a:t>	if (student == null) {</a:t>
+            </a:r>
+          </a:p>
+          <a:p>
+            <a:pPr marL="0" indent="0">
+              <a:buNone/>
+            </a:pPr>
+            <a:r>
+              <a:rPr lang="en-US" sz="1800" dirty="0">
+                <a:latin typeface="Consolas" panose="020B0609020204030204" pitchFamily="49" charset="0"/>
+              </a:rPr>
+              <a:t>		return "student " + student + " not found";</a:t>
+            </a:r>
+          </a:p>
+          <a:p>
+            <a:pPr marL="0" indent="0">
+              <a:buNone/>
+            </a:pPr>
+            <a:r>
+              <a:rPr lang="en-US" sz="1800" dirty="0">
+                <a:latin typeface="Consolas" panose="020B0609020204030204" pitchFamily="49" charset="0"/>
+              </a:rPr>
+              <a:t>	} // end if</a:t>
+            </a:r>
+          </a:p>
+          <a:p>
+            <a:pPr marL="0" indent="0">
+              <a:buNone/>
+            </a:pPr>
+            <a:r>
+              <a:rPr lang="en-US" sz="1800" dirty="0">
+                <a:latin typeface="Consolas" panose="020B0609020204030204" pitchFamily="49" charset="0"/>
+              </a:rPr>
+              <a:t>	</a:t>
+            </a:r>
+            <a:r>
+              <a:rPr lang="en-US" sz="1800" dirty="0">
+                <a:solidFill>
+                  <a:srgbClr val="FF0000"/>
+                </a:solidFill>
+                <a:latin typeface="Consolas" panose="020B0609020204030204" pitchFamily="49" charset="0"/>
+              </a:rPr>
+              <a:t>double total = 0;</a:t>
+            </a:r>
+          </a:p>
+          <a:p>
+            <a:pPr marL="0" indent="0">
+              <a:buNone/>
+            </a:pPr>
+            <a:r>
+              <a:rPr lang="en-US" sz="1800" dirty="0">
+                <a:solidFill>
+                  <a:srgbClr val="FF0000"/>
+                </a:solidFill>
+                <a:latin typeface="Consolas" panose="020B0609020204030204" pitchFamily="49" charset="0"/>
+              </a:rPr>
+              <a:t>	for (double d: </a:t>
+            </a:r>
+            <a:r>
+              <a:rPr lang="en-US" sz="1800" dirty="0" err="1">
+                <a:solidFill>
+                  <a:srgbClr val="FF0000"/>
+                </a:solidFill>
+                <a:latin typeface="Consolas" panose="020B0609020204030204" pitchFamily="49" charset="0"/>
+              </a:rPr>
+              <a:t>student.getGrades</a:t>
+            </a:r>
+            <a:r>
+              <a:rPr lang="en-US" sz="1800" dirty="0">
+                <a:solidFill>
+                  <a:srgbClr val="FF0000"/>
+                </a:solidFill>
+                <a:latin typeface="Consolas" panose="020B0609020204030204" pitchFamily="49" charset="0"/>
+              </a:rPr>
+              <a:t>() ) {</a:t>
+            </a:r>
+          </a:p>
+          <a:p>
+            <a:pPr marL="0" indent="0">
+              <a:buNone/>
+            </a:pPr>
+            <a:r>
+              <a:rPr lang="en-US" sz="1800" dirty="0">
+                <a:solidFill>
+                  <a:srgbClr val="FF0000"/>
+                </a:solidFill>
+                <a:latin typeface="Consolas" panose="020B0609020204030204" pitchFamily="49" charset="0"/>
+              </a:rPr>
+              <a:t>		total += d;</a:t>
+            </a:r>
+          </a:p>
+          <a:p>
+            <a:pPr marL="0" indent="0">
+              <a:buNone/>
+            </a:pPr>
+            <a:r>
+              <a:rPr lang="en-US" sz="1800" dirty="0">
+                <a:solidFill>
+                  <a:srgbClr val="FF0000"/>
+                </a:solidFill>
+                <a:latin typeface="Consolas" panose="020B0609020204030204" pitchFamily="49" charset="0"/>
+              </a:rPr>
+              <a:t>	}</a:t>
+            </a:r>
+          </a:p>
+          <a:p>
+            <a:pPr marL="0" indent="0">
+              <a:buNone/>
+            </a:pPr>
+            <a:r>
+              <a:rPr lang="en-US" sz="1800" dirty="0">
+                <a:solidFill>
+                  <a:srgbClr val="FF0000"/>
+                </a:solidFill>
+                <a:latin typeface="Consolas" panose="020B0609020204030204" pitchFamily="49" charset="0"/>
+              </a:rPr>
+              <a:t>	double average = total / </a:t>
+            </a:r>
+            <a:r>
+              <a:rPr lang="en-US" sz="1800" dirty="0" err="1">
+                <a:solidFill>
+                  <a:srgbClr val="FF0000"/>
+                </a:solidFill>
+                <a:latin typeface="Consolas" panose="020B0609020204030204" pitchFamily="49" charset="0"/>
+              </a:rPr>
+              <a:t>student.getGrades</a:t>
+            </a:r>
+            <a:r>
+              <a:rPr lang="en-US" sz="1800" dirty="0">
+                <a:solidFill>
+                  <a:srgbClr val="FF0000"/>
+                </a:solidFill>
+                <a:latin typeface="Consolas" panose="020B0609020204030204" pitchFamily="49" charset="0"/>
+              </a:rPr>
+              <a:t>().size();</a:t>
+            </a:r>
+          </a:p>
+          <a:p>
+            <a:pPr marL="0" indent="0">
+              <a:buNone/>
+            </a:pPr>
+            <a:r>
+              <a:rPr lang="en-US" sz="1800" dirty="0">
+                <a:latin typeface="Consolas" panose="020B0609020204030204" pitchFamily="49" charset="0"/>
+              </a:rPr>
+              <a:t>	return </a:t>
+            </a:r>
+            <a:r>
+              <a:rPr lang="en-US" sz="1800" dirty="0" err="1">
+                <a:latin typeface="Consolas" panose="020B0609020204030204" pitchFamily="49" charset="0"/>
+              </a:rPr>
+              <a:t>Long.toString</a:t>
+            </a:r>
+            <a:r>
+              <a:rPr lang="en-US" sz="1800" dirty="0">
+                <a:latin typeface="Consolas" panose="020B0609020204030204" pitchFamily="49" charset="0"/>
+              </a:rPr>
+              <a:t>(</a:t>
+            </a:r>
+            <a:r>
+              <a:rPr lang="en-US" sz="1800" dirty="0" err="1">
+                <a:latin typeface="Consolas" panose="020B0609020204030204" pitchFamily="49" charset="0"/>
+              </a:rPr>
+              <a:t>Math.round</a:t>
+            </a:r>
+            <a:r>
+              <a:rPr lang="en-US" sz="1800" dirty="0">
+                <a:latin typeface="Consolas" panose="020B0609020204030204" pitchFamily="49" charset="0"/>
+              </a:rPr>
+              <a:t>(</a:t>
+            </a:r>
+            <a:r>
+              <a:rPr lang="en-US" sz="1800" dirty="0">
+                <a:solidFill>
+                  <a:srgbClr val="FF0000"/>
+                </a:solidFill>
+                <a:latin typeface="Consolas" panose="020B0609020204030204" pitchFamily="49" charset="0"/>
+              </a:rPr>
+              <a:t>average</a:t>
+            </a:r>
+            <a:r>
+              <a:rPr lang="en-US" sz="1800" dirty="0">
+                <a:latin typeface="Consolas" panose="020B0609020204030204" pitchFamily="49" charset="0"/>
+              </a:rPr>
+              <a:t>));</a:t>
+            </a:r>
+          </a:p>
+          <a:p>
+            <a:pPr marL="0" indent="0">
+              <a:buNone/>
+            </a:pPr>
+            <a:r>
+              <a:rPr lang="en-US" sz="1800" dirty="0">
+                <a:latin typeface="Consolas" panose="020B0609020204030204" pitchFamily="49" charset="0"/>
+              </a:rPr>
+              <a:t>}</a:t>
+            </a:r>
+          </a:p>
+          <a:p>
+            <a:pPr marL="0" indent="0">
+              <a:buNone/>
+            </a:pPr>
+            <a:r>
+              <a:rPr lang="en-US" sz="1800" dirty="0">
+                <a:latin typeface="Consolas" panose="020B0609020204030204" pitchFamily="49" charset="0"/>
+              </a:rPr>
+              <a:t>…</a:t>
+            </a:r>
+          </a:p>
+          <a:p>
+            <a:pPr marL="0" indent="0">
+              <a:buNone/>
+            </a:pPr>
+            <a:r>
+              <a:rPr lang="en-US" sz="1800" dirty="0">
+                <a:latin typeface="Consolas" panose="020B0609020204030204" pitchFamily="49" charset="0"/>
+              </a:rPr>
+              <a:t>}</a:t>
+            </a:r>
+          </a:p>
+        </p:txBody>
+      </p:sp>
+      <p:sp>
+        <p:nvSpPr>
+          <p:cNvPr id="4" name="TextBox 3"/>
+          <p:cNvSpPr txBox="1"/>
           <p:nvPr/>
-        </p:nvPicPr>
-        <p:blipFill>
-          <a:blip r:embed="rId3">
-            <a:extLst>
-              <a:ext uri="{28A0092B-C50C-407E-A947-70E740481C1C}">
-                <a14:useLocalDpi xmlns:a14="http://schemas.microsoft.com/office/drawing/2010/main" val="0"/>
-              </a:ext>
-            </a:extLst>
-          </a:blip>
-          <a:stretch>
-            <a:fillRect/>
-          </a:stretch>
-        </p:blipFill>
+        </p:nvSpPr>
         <p:spPr>
           <a:xfrm>
-            <a:off x="104775" y="895183"/>
-            <a:ext cx="8934450" cy="2076617"/>
-          </a:xfrm>
-          <a:prstGeom prst="rect">
-            <a:avLst/>
-          </a:prstGeom>
-        </p:spPr>
-      </p:pic>
-      <p:sp>
-        <p:nvSpPr>
-          <p:cNvPr id="3" name="Title 1">
-            <a:extLst>
-              <a:ext uri="{FF2B5EF4-FFF2-40B4-BE49-F238E27FC236}">
-                <a16:creationId xmlns:a16="http://schemas.microsoft.com/office/drawing/2014/main" id="{9518D671-F7B9-299A-10DA-825EDD49B8B5}"/>
-              </a:ext>
-            </a:extLst>
-          </p:cNvPr>
-          <p:cNvSpPr txBox="1">
-            <a:spLocks/>
-          </p:cNvSpPr>
-          <p:nvPr/>
-        </p:nvSpPr>
-        <p:spPr>
-          <a:xfrm>
-            <a:off x="457200" y="2815424"/>
-            <a:ext cx="8229600" cy="1143000"/>
-          </a:xfrm>
-          <a:prstGeom prst="rect">
-            <a:avLst/>
-          </a:prstGeom>
-        </p:spPr>
-        <p:txBody>
-          <a:bodyPr vert="horz" lIns="91440" tIns="45720" rIns="91440" bIns="45720" rtlCol="0" anchor="ctr">
-            <a:normAutofit/>
-          </a:bodyPr>
-          <a:lstStyle>
-            <a:lvl1pPr algn="ctr" defTabSz="914400" rtl="0" eaLnBrk="1" latinLnBrk="0" hangingPunct="1">
-              <a:spcBef>
-                <a:spcPct val="0"/>
-              </a:spcBef>
-              <a:buNone/>
-              <a:defRPr sz="4400" kern="1200">
-                <a:solidFill>
-                  <a:schemeClr val="tx1"/>
-                </a:solidFill>
-                <a:latin typeface="+mj-lt"/>
-                <a:ea typeface="+mj-ea"/>
-                <a:cs typeface="+mj-cs"/>
-              </a:defRPr>
-            </a:lvl1pPr>
-          </a:lstStyle>
-          <a:p>
-            <a:r>
-              <a:rPr lang="en-US" dirty="0"/>
-              <a:t>Ask (worse design)</a:t>
-            </a:r>
-          </a:p>
-        </p:txBody>
-      </p:sp>
-      <p:pic>
-        <p:nvPicPr>
-          <p:cNvPr id="5" name="Picture 4" descr="A diagram of a computer code&#10;&#10;Description automatically generated with medium confidence">
-            <a:extLst>
-              <a:ext uri="{FF2B5EF4-FFF2-40B4-BE49-F238E27FC236}">
-                <a16:creationId xmlns:a16="http://schemas.microsoft.com/office/drawing/2014/main" id="{D8C84864-0C24-BF92-62CE-AF23368E8388}"/>
-              </a:ext>
-            </a:extLst>
-          </p:cNvPr>
-          <p:cNvPicPr>
-            <a:picLocks noChangeAspect="1"/>
-          </p:cNvPicPr>
-          <p:nvPr/>
-        </p:nvPicPr>
-        <p:blipFill>
-          <a:blip r:embed="rId3">
-            <a:extLst>
-              <a:ext uri="{28A0092B-C50C-407E-A947-70E740481C1C}">
-                <a14:useLocalDpi xmlns:a14="http://schemas.microsoft.com/office/drawing/2010/main" val="0"/>
-              </a:ext>
-            </a:extLst>
-          </a:blip>
-          <a:stretch>
-            <a:fillRect/>
-          </a:stretch>
-        </p:blipFill>
-        <p:spPr>
-          <a:xfrm>
-            <a:off x="104775" y="3958424"/>
-            <a:ext cx="8934450" cy="2076617"/>
-          </a:xfrm>
-          <a:prstGeom prst="rect">
-            <a:avLst/>
-          </a:prstGeom>
-        </p:spPr>
-      </p:pic>
-      <mc:AlternateContent xmlns:mc="http://schemas.openxmlformats.org/markup-compatibility/2006" xmlns:p14="http://schemas.microsoft.com/office/powerpoint/2010/main">
-        <mc:Choice Requires="p14">
-          <p:contentPart p14:bwMode="auto" r:id="rId4">
-            <p14:nvContentPartPr>
-              <p14:cNvPr id="6" name="Ink 5">
-                <a:extLst>
-                  <a:ext uri="{FF2B5EF4-FFF2-40B4-BE49-F238E27FC236}">
-                    <a16:creationId xmlns:a16="http://schemas.microsoft.com/office/drawing/2014/main" id="{7A889256-13B5-CBCA-96AB-2D5E143D4515}"/>
-                  </a:ext>
-                </a:extLst>
-              </p14:cNvPr>
-              <p14:cNvContentPartPr/>
-              <p14:nvPr/>
-            </p14:nvContentPartPr>
-            <p14:xfrm>
-              <a:off x="2499312" y="6022488"/>
-              <a:ext cx="216360" cy="127080"/>
-            </p14:xfrm>
-          </p:contentPart>
-        </mc:Choice>
-        <mc:Fallback xmlns="">
-          <p:pic>
-            <p:nvPicPr>
-              <p:cNvPr id="6" name="Ink 5">
-                <a:extLst>
-                  <a:ext uri="{FF2B5EF4-FFF2-40B4-BE49-F238E27FC236}">
-                    <a16:creationId xmlns:a16="http://schemas.microsoft.com/office/drawing/2014/main" id="{7A889256-13B5-CBCA-96AB-2D5E143D4515}"/>
-                  </a:ext>
-                </a:extLst>
-              </p:cNvPr>
-              <p:cNvPicPr/>
-              <p:nvPr/>
-            </p:nvPicPr>
-            <p:blipFill>
-              <a:blip r:embed="rId5"/>
-              <a:stretch>
-                <a:fillRect/>
-              </a:stretch>
-            </p:blipFill>
-            <p:spPr>
-              <a:xfrm>
-                <a:off x="2493192" y="6016368"/>
-                <a:ext cx="228600" cy="139320"/>
-              </a:xfrm>
-              <a:prstGeom prst="rect">
-                <a:avLst/>
-              </a:prstGeom>
-            </p:spPr>
-          </p:pic>
-        </mc:Fallback>
-      </mc:AlternateContent>
-      <mc:AlternateContent xmlns:mc="http://schemas.openxmlformats.org/markup-compatibility/2006" xmlns:p14="http://schemas.microsoft.com/office/powerpoint/2010/main">
-        <mc:Choice Requires="p14">
-          <p:contentPart p14:bwMode="auto" r:id="rId6">
-            <p14:nvContentPartPr>
-              <p14:cNvPr id="7" name="Ink 6">
-                <a:extLst>
-                  <a:ext uri="{FF2B5EF4-FFF2-40B4-BE49-F238E27FC236}">
-                    <a16:creationId xmlns:a16="http://schemas.microsoft.com/office/drawing/2014/main" id="{44E14977-4158-D198-4885-A172464F748D}"/>
-                  </a:ext>
-                </a:extLst>
-              </p14:cNvPr>
-              <p14:cNvContentPartPr/>
-              <p14:nvPr/>
-            </p14:nvContentPartPr>
-            <p14:xfrm>
-              <a:off x="3059832" y="6327408"/>
-              <a:ext cx="199800" cy="34920"/>
-            </p14:xfrm>
-          </p:contentPart>
-        </mc:Choice>
-        <mc:Fallback xmlns="">
-          <p:pic>
-            <p:nvPicPr>
-              <p:cNvPr id="7" name="Ink 6">
-                <a:extLst>
-                  <a:ext uri="{FF2B5EF4-FFF2-40B4-BE49-F238E27FC236}">
-                    <a16:creationId xmlns:a16="http://schemas.microsoft.com/office/drawing/2014/main" id="{44E14977-4158-D198-4885-A172464F748D}"/>
-                  </a:ext>
-                </a:extLst>
-              </p:cNvPr>
-              <p:cNvPicPr/>
-              <p:nvPr/>
-            </p:nvPicPr>
-            <p:blipFill>
-              <a:blip r:embed="rId7"/>
-              <a:stretch>
-                <a:fillRect/>
-              </a:stretch>
-            </p:blipFill>
-            <p:spPr>
-              <a:xfrm>
-                <a:off x="3053712" y="6321288"/>
-                <a:ext cx="212040" cy="47160"/>
-              </a:xfrm>
-              <a:prstGeom prst="rect">
-                <a:avLst/>
-              </a:prstGeom>
-            </p:spPr>
-          </p:pic>
-        </mc:Fallback>
-      </mc:AlternateContent>
-      <mc:AlternateContent xmlns:mc="http://schemas.openxmlformats.org/markup-compatibility/2006" xmlns:p14="http://schemas.microsoft.com/office/powerpoint/2010/main">
-        <mc:Choice Requires="p14">
-          <p:contentPart p14:bwMode="auto" r:id="rId8">
-            <p14:nvContentPartPr>
-              <p14:cNvPr id="8" name="Ink 7">
-                <a:extLst>
-                  <a:ext uri="{FF2B5EF4-FFF2-40B4-BE49-F238E27FC236}">
-                    <a16:creationId xmlns:a16="http://schemas.microsoft.com/office/drawing/2014/main" id="{44AF32D2-30D1-2E03-49C7-6F30640915BF}"/>
-                  </a:ext>
-                </a:extLst>
-              </p14:cNvPr>
-              <p14:cNvContentPartPr/>
-              <p14:nvPr/>
-            </p14:nvContentPartPr>
-            <p14:xfrm>
-              <a:off x="3767232" y="6473568"/>
-              <a:ext cx="337680" cy="52200"/>
-            </p14:xfrm>
-          </p:contentPart>
-        </mc:Choice>
-        <mc:Fallback xmlns="">
-          <p:pic>
-            <p:nvPicPr>
-              <p:cNvPr id="8" name="Ink 7">
-                <a:extLst>
-                  <a:ext uri="{FF2B5EF4-FFF2-40B4-BE49-F238E27FC236}">
-                    <a16:creationId xmlns:a16="http://schemas.microsoft.com/office/drawing/2014/main" id="{44AF32D2-30D1-2E03-49C7-6F30640915BF}"/>
-                  </a:ext>
-                </a:extLst>
-              </p:cNvPr>
-              <p:cNvPicPr/>
-              <p:nvPr/>
-            </p:nvPicPr>
-            <p:blipFill>
-              <a:blip r:embed="rId9"/>
-              <a:stretch>
-                <a:fillRect/>
-              </a:stretch>
-            </p:blipFill>
-            <p:spPr>
-              <a:xfrm>
-                <a:off x="3761112" y="6467448"/>
-                <a:ext cx="349920" cy="64440"/>
-              </a:xfrm>
-              <a:prstGeom prst="rect">
-                <a:avLst/>
-              </a:prstGeom>
-            </p:spPr>
-          </p:pic>
-        </mc:Fallback>
-      </mc:AlternateContent>
-      <mc:AlternateContent xmlns:mc="http://schemas.openxmlformats.org/markup-compatibility/2006" xmlns:p14="http://schemas.microsoft.com/office/powerpoint/2010/main">
-        <mc:Choice Requires="p14">
-          <p:contentPart p14:bwMode="auto" r:id="rId10">
-            <p14:nvContentPartPr>
-              <p14:cNvPr id="9" name="Ink 8">
-                <a:extLst>
-                  <a:ext uri="{FF2B5EF4-FFF2-40B4-BE49-F238E27FC236}">
-                    <a16:creationId xmlns:a16="http://schemas.microsoft.com/office/drawing/2014/main" id="{85F8835D-D489-DB36-5554-1AA96B5E6916}"/>
-                  </a:ext>
-                </a:extLst>
-              </p14:cNvPr>
-              <p14:cNvContentPartPr/>
-              <p14:nvPr/>
-            </p14:nvContentPartPr>
-            <p14:xfrm>
-              <a:off x="4425312" y="6595608"/>
-              <a:ext cx="164520" cy="11160"/>
-            </p14:xfrm>
-          </p:contentPart>
-        </mc:Choice>
-        <mc:Fallback xmlns="">
-          <p:pic>
-            <p:nvPicPr>
-              <p:cNvPr id="9" name="Ink 8">
-                <a:extLst>
-                  <a:ext uri="{FF2B5EF4-FFF2-40B4-BE49-F238E27FC236}">
-                    <a16:creationId xmlns:a16="http://schemas.microsoft.com/office/drawing/2014/main" id="{85F8835D-D489-DB36-5554-1AA96B5E6916}"/>
-                  </a:ext>
-                </a:extLst>
-              </p:cNvPr>
-              <p:cNvPicPr/>
-              <p:nvPr/>
-            </p:nvPicPr>
-            <p:blipFill>
-              <a:blip r:embed="rId11"/>
-              <a:stretch>
-                <a:fillRect/>
-              </a:stretch>
-            </p:blipFill>
-            <p:spPr>
-              <a:xfrm>
-                <a:off x="4419192" y="6589488"/>
-                <a:ext cx="176760" cy="23400"/>
-              </a:xfrm>
-              <a:prstGeom prst="rect">
-                <a:avLst/>
-              </a:prstGeom>
-            </p:spPr>
-          </p:pic>
-        </mc:Fallback>
-      </mc:AlternateContent>
-      <mc:AlternateContent xmlns:mc="http://schemas.openxmlformats.org/markup-compatibility/2006" xmlns:p14="http://schemas.microsoft.com/office/powerpoint/2010/main">
-        <mc:Choice Requires="p14">
-          <p:contentPart p14:bwMode="auto" r:id="rId12">
-            <p14:nvContentPartPr>
-              <p14:cNvPr id="10" name="Ink 9">
-                <a:extLst>
-                  <a:ext uri="{FF2B5EF4-FFF2-40B4-BE49-F238E27FC236}">
-                    <a16:creationId xmlns:a16="http://schemas.microsoft.com/office/drawing/2014/main" id="{AD0526D7-AEB7-87C7-09BA-E0E6A143EF49}"/>
-                  </a:ext>
-                </a:extLst>
-              </p14:cNvPr>
-              <p14:cNvContentPartPr/>
-              <p14:nvPr/>
-            </p14:nvContentPartPr>
-            <p14:xfrm>
-              <a:off x="4925352" y="6656448"/>
-              <a:ext cx="384840" cy="11520"/>
-            </p14:xfrm>
-          </p:contentPart>
-        </mc:Choice>
-        <mc:Fallback xmlns="">
-          <p:pic>
-            <p:nvPicPr>
-              <p:cNvPr id="10" name="Ink 9">
-                <a:extLst>
-                  <a:ext uri="{FF2B5EF4-FFF2-40B4-BE49-F238E27FC236}">
-                    <a16:creationId xmlns:a16="http://schemas.microsoft.com/office/drawing/2014/main" id="{AD0526D7-AEB7-87C7-09BA-E0E6A143EF49}"/>
-                  </a:ext>
-                </a:extLst>
-              </p:cNvPr>
-              <p:cNvPicPr/>
-              <p:nvPr/>
-            </p:nvPicPr>
-            <p:blipFill>
-              <a:blip r:embed="rId13"/>
-              <a:stretch>
-                <a:fillRect/>
-              </a:stretch>
-            </p:blipFill>
-            <p:spPr>
-              <a:xfrm>
-                <a:off x="4919232" y="6650328"/>
-                <a:ext cx="397080" cy="23760"/>
-              </a:xfrm>
-              <a:prstGeom prst="rect">
-                <a:avLst/>
-              </a:prstGeom>
-            </p:spPr>
-          </p:pic>
-        </mc:Fallback>
-      </mc:AlternateContent>
-      <mc:AlternateContent xmlns:mc="http://schemas.openxmlformats.org/markup-compatibility/2006" xmlns:p14="http://schemas.microsoft.com/office/powerpoint/2010/main">
-        <mc:Choice Requires="p14">
-          <p:contentPart p14:bwMode="auto" r:id="rId14">
-            <p14:nvContentPartPr>
-              <p14:cNvPr id="11" name="Ink 10">
-                <a:extLst>
-                  <a:ext uri="{FF2B5EF4-FFF2-40B4-BE49-F238E27FC236}">
-                    <a16:creationId xmlns:a16="http://schemas.microsoft.com/office/drawing/2014/main" id="{9138F49E-CA1C-137B-3662-4AC6667FDEE6}"/>
-                  </a:ext>
-                </a:extLst>
-              </p14:cNvPr>
-              <p14:cNvContentPartPr/>
-              <p14:nvPr/>
-            </p14:nvContentPartPr>
-            <p14:xfrm>
-              <a:off x="5778552" y="6678768"/>
-              <a:ext cx="199080" cy="27000"/>
-            </p14:xfrm>
-          </p:contentPart>
-        </mc:Choice>
-        <mc:Fallback xmlns="">
-          <p:pic>
-            <p:nvPicPr>
-              <p:cNvPr id="11" name="Ink 10">
-                <a:extLst>
-                  <a:ext uri="{FF2B5EF4-FFF2-40B4-BE49-F238E27FC236}">
-                    <a16:creationId xmlns:a16="http://schemas.microsoft.com/office/drawing/2014/main" id="{9138F49E-CA1C-137B-3662-4AC6667FDEE6}"/>
-                  </a:ext>
-                </a:extLst>
-              </p:cNvPr>
-              <p:cNvPicPr/>
-              <p:nvPr/>
-            </p:nvPicPr>
-            <p:blipFill>
-              <a:blip r:embed="rId15"/>
-              <a:stretch>
-                <a:fillRect/>
-              </a:stretch>
-            </p:blipFill>
-            <p:spPr>
-              <a:xfrm>
-                <a:off x="5772432" y="6672648"/>
-                <a:ext cx="211320" cy="39240"/>
-              </a:xfrm>
-              <a:prstGeom prst="rect">
-                <a:avLst/>
-              </a:prstGeom>
-            </p:spPr>
-          </p:pic>
-        </mc:Fallback>
-      </mc:AlternateContent>
-      <mc:AlternateContent xmlns:mc="http://schemas.openxmlformats.org/markup-compatibility/2006" xmlns:p14="http://schemas.microsoft.com/office/powerpoint/2010/main">
-        <mc:Choice Requires="p14">
-          <p:contentPart p14:bwMode="auto" r:id="rId16">
-            <p14:nvContentPartPr>
-              <p14:cNvPr id="12" name="Ink 11">
-                <a:extLst>
-                  <a:ext uri="{FF2B5EF4-FFF2-40B4-BE49-F238E27FC236}">
-                    <a16:creationId xmlns:a16="http://schemas.microsoft.com/office/drawing/2014/main" id="{56987A22-B702-356E-F540-FE45962621C4}"/>
-                  </a:ext>
-                </a:extLst>
-              </p14:cNvPr>
-              <p14:cNvContentPartPr/>
-              <p14:nvPr/>
-            </p14:nvContentPartPr>
-            <p14:xfrm>
-              <a:off x="6583872" y="6488688"/>
-              <a:ext cx="228960" cy="58680"/>
-            </p14:xfrm>
-          </p:contentPart>
-        </mc:Choice>
-        <mc:Fallback xmlns="">
-          <p:pic>
-            <p:nvPicPr>
-              <p:cNvPr id="12" name="Ink 11">
-                <a:extLst>
-                  <a:ext uri="{FF2B5EF4-FFF2-40B4-BE49-F238E27FC236}">
-                    <a16:creationId xmlns:a16="http://schemas.microsoft.com/office/drawing/2014/main" id="{56987A22-B702-356E-F540-FE45962621C4}"/>
-                  </a:ext>
-                </a:extLst>
-              </p:cNvPr>
-              <p:cNvPicPr/>
-              <p:nvPr/>
-            </p:nvPicPr>
-            <p:blipFill>
-              <a:blip r:embed="rId17"/>
-              <a:stretch>
-                <a:fillRect/>
-              </a:stretch>
-            </p:blipFill>
-            <p:spPr>
-              <a:xfrm>
-                <a:off x="6577752" y="6482568"/>
-                <a:ext cx="241200" cy="70920"/>
-              </a:xfrm>
-              <a:prstGeom prst="rect">
-                <a:avLst/>
-              </a:prstGeom>
-            </p:spPr>
-          </p:pic>
-        </mc:Fallback>
-      </mc:AlternateContent>
-      <mc:AlternateContent xmlns:mc="http://schemas.openxmlformats.org/markup-compatibility/2006" xmlns:p14="http://schemas.microsoft.com/office/powerpoint/2010/main">
-        <mc:Choice Requires="p14">
-          <p:contentPart p14:bwMode="auto" r:id="rId18">
-            <p14:nvContentPartPr>
-              <p14:cNvPr id="13" name="Ink 12">
-                <a:extLst>
-                  <a:ext uri="{FF2B5EF4-FFF2-40B4-BE49-F238E27FC236}">
-                    <a16:creationId xmlns:a16="http://schemas.microsoft.com/office/drawing/2014/main" id="{FA6E65DF-871E-731B-C1CA-21791D50B224}"/>
-                  </a:ext>
-                </a:extLst>
-              </p14:cNvPr>
-              <p14:cNvContentPartPr/>
-              <p14:nvPr/>
-            </p14:nvContentPartPr>
-            <p14:xfrm>
-              <a:off x="7375872" y="6158928"/>
-              <a:ext cx="61920" cy="71280"/>
-            </p14:xfrm>
-          </p:contentPart>
-        </mc:Choice>
-        <mc:Fallback xmlns="">
-          <p:pic>
-            <p:nvPicPr>
-              <p:cNvPr id="13" name="Ink 12">
-                <a:extLst>
-                  <a:ext uri="{FF2B5EF4-FFF2-40B4-BE49-F238E27FC236}">
-                    <a16:creationId xmlns:a16="http://schemas.microsoft.com/office/drawing/2014/main" id="{FA6E65DF-871E-731B-C1CA-21791D50B224}"/>
-                  </a:ext>
-                </a:extLst>
-              </p:cNvPr>
-              <p:cNvPicPr/>
-              <p:nvPr/>
-            </p:nvPicPr>
-            <p:blipFill>
-              <a:blip r:embed="rId19"/>
-              <a:stretch>
-                <a:fillRect/>
-              </a:stretch>
-            </p:blipFill>
-            <p:spPr>
-              <a:xfrm>
-                <a:off x="7369752" y="6152808"/>
-                <a:ext cx="74160" cy="83520"/>
-              </a:xfrm>
-              <a:prstGeom prst="rect">
-                <a:avLst/>
-              </a:prstGeom>
-            </p:spPr>
-          </p:pic>
-        </mc:Fallback>
-      </mc:AlternateContent>
-      <mc:AlternateContent xmlns:mc="http://schemas.openxmlformats.org/markup-compatibility/2006" xmlns:p14="http://schemas.microsoft.com/office/powerpoint/2010/main">
-        <mc:Choice Requires="p14">
-          <p:contentPart p14:bwMode="auto" r:id="rId20">
-            <p14:nvContentPartPr>
-              <p14:cNvPr id="14" name="Ink 13">
-                <a:extLst>
-                  <a:ext uri="{FF2B5EF4-FFF2-40B4-BE49-F238E27FC236}">
-                    <a16:creationId xmlns:a16="http://schemas.microsoft.com/office/drawing/2014/main" id="{1652C279-373D-2C74-1E1B-1C278DC999FB}"/>
-                  </a:ext>
-                </a:extLst>
-              </p14:cNvPr>
-              <p14:cNvContentPartPr/>
-              <p14:nvPr/>
-            </p14:nvContentPartPr>
-            <p14:xfrm>
-              <a:off x="7071312" y="6342528"/>
-              <a:ext cx="82440" cy="34560"/>
-            </p14:xfrm>
-          </p:contentPart>
-        </mc:Choice>
-        <mc:Fallback xmlns="">
-          <p:pic>
-            <p:nvPicPr>
-              <p:cNvPr id="14" name="Ink 13">
-                <a:extLst>
-                  <a:ext uri="{FF2B5EF4-FFF2-40B4-BE49-F238E27FC236}">
-                    <a16:creationId xmlns:a16="http://schemas.microsoft.com/office/drawing/2014/main" id="{1652C279-373D-2C74-1E1B-1C278DC999FB}"/>
-                  </a:ext>
-                </a:extLst>
-              </p:cNvPr>
-              <p:cNvPicPr/>
-              <p:nvPr/>
-            </p:nvPicPr>
-            <p:blipFill>
-              <a:blip r:embed="rId21"/>
-              <a:stretch>
-                <a:fillRect/>
-              </a:stretch>
-            </p:blipFill>
-            <p:spPr>
-              <a:xfrm>
-                <a:off x="7065192" y="6336408"/>
-                <a:ext cx="94680" cy="46800"/>
-              </a:xfrm>
-              <a:prstGeom prst="rect">
-                <a:avLst/>
-              </a:prstGeom>
-            </p:spPr>
-          </p:pic>
-        </mc:Fallback>
-      </mc:AlternateContent>
-      <p:grpSp>
-        <p:nvGrpSpPr>
-          <p:cNvPr id="18" name="Group 17">
-            <a:extLst>
-              <a:ext uri="{FF2B5EF4-FFF2-40B4-BE49-F238E27FC236}">
-                <a16:creationId xmlns:a16="http://schemas.microsoft.com/office/drawing/2014/main" id="{52C8A897-B57A-EE81-DBBB-0C1D1E66BCD5}"/>
-              </a:ext>
-            </a:extLst>
-          </p:cNvPr>
-          <p:cNvGrpSpPr/>
-          <p:nvPr/>
-        </p:nvGrpSpPr>
-        <p:grpSpPr>
-          <a:xfrm>
-            <a:off x="7522032" y="5791368"/>
-            <a:ext cx="257040" cy="268560"/>
-            <a:chOff x="7522032" y="5791368"/>
-            <a:chExt cx="257040" cy="268560"/>
-          </a:xfrm>
-        </p:grpSpPr>
-        <mc:AlternateContent xmlns:mc="http://schemas.openxmlformats.org/markup-compatibility/2006" xmlns:p14="http://schemas.microsoft.com/office/powerpoint/2010/main">
-          <mc:Choice Requires="p14">
-            <p:contentPart p14:bwMode="auto" r:id="rId22">
-              <p14:nvContentPartPr>
-                <p14:cNvPr id="15" name="Ink 14">
-                  <a:extLst>
-                    <a:ext uri="{FF2B5EF4-FFF2-40B4-BE49-F238E27FC236}">
-                      <a16:creationId xmlns:a16="http://schemas.microsoft.com/office/drawing/2014/main" id="{C39DD605-38CE-000E-0FF1-FC888D5CEC72}"/>
-                    </a:ext>
-                  </a:extLst>
-                </p14:cNvPr>
-                <p14:cNvContentPartPr/>
-                <p14:nvPr/>
-              </p14:nvContentPartPr>
-              <p14:xfrm>
-                <a:off x="7571352" y="5836728"/>
-                <a:ext cx="157320" cy="223200"/>
-              </p14:xfrm>
-            </p:contentPart>
-          </mc:Choice>
-          <mc:Fallback xmlns="">
-            <p:pic>
-              <p:nvPicPr>
-                <p:cNvPr id="15" name="Ink 14">
-                  <a:extLst>
-                    <a:ext uri="{FF2B5EF4-FFF2-40B4-BE49-F238E27FC236}">
-                      <a16:creationId xmlns:a16="http://schemas.microsoft.com/office/drawing/2014/main" id="{C39DD605-38CE-000E-0FF1-FC888D5CEC72}"/>
-                    </a:ext>
-                  </a:extLst>
-                </p:cNvPr>
-                <p:cNvPicPr/>
-                <p:nvPr/>
-              </p:nvPicPr>
-              <p:blipFill>
-                <a:blip r:embed="rId23"/>
-                <a:stretch>
-                  <a:fillRect/>
-                </a:stretch>
-              </p:blipFill>
-              <p:spPr>
-                <a:xfrm>
-                  <a:off x="7565232" y="5830608"/>
-                  <a:ext cx="169560" cy="235440"/>
-                </a:xfrm>
-                <a:prstGeom prst="rect">
-                  <a:avLst/>
-                </a:prstGeom>
-              </p:spPr>
-            </p:pic>
-          </mc:Fallback>
-        </mc:AlternateContent>
-        <mc:AlternateContent xmlns:mc="http://schemas.openxmlformats.org/markup-compatibility/2006" xmlns:p14="http://schemas.microsoft.com/office/powerpoint/2010/main">
-          <mc:Choice Requires="p14">
-            <p:contentPart p14:bwMode="auto" r:id="rId24">
-              <p14:nvContentPartPr>
-                <p14:cNvPr id="16" name="Ink 15">
-                  <a:extLst>
-                    <a:ext uri="{FF2B5EF4-FFF2-40B4-BE49-F238E27FC236}">
-                      <a16:creationId xmlns:a16="http://schemas.microsoft.com/office/drawing/2014/main" id="{0028271C-9287-3E24-B351-52D9BBE470C5}"/>
-                    </a:ext>
-                  </a:extLst>
-                </p14:cNvPr>
-                <p14:cNvContentPartPr/>
-                <p14:nvPr/>
-              </p14:nvContentPartPr>
-              <p14:xfrm>
-                <a:off x="7522032" y="5791368"/>
-                <a:ext cx="219960" cy="97920"/>
-              </p14:xfrm>
-            </p:contentPart>
-          </mc:Choice>
-          <mc:Fallback xmlns="">
-            <p:pic>
-              <p:nvPicPr>
-                <p:cNvPr id="16" name="Ink 15">
-                  <a:extLst>
-                    <a:ext uri="{FF2B5EF4-FFF2-40B4-BE49-F238E27FC236}">
-                      <a16:creationId xmlns:a16="http://schemas.microsoft.com/office/drawing/2014/main" id="{0028271C-9287-3E24-B351-52D9BBE470C5}"/>
-                    </a:ext>
-                  </a:extLst>
-                </p:cNvPr>
-                <p:cNvPicPr/>
-                <p:nvPr/>
-              </p:nvPicPr>
-              <p:blipFill>
-                <a:blip r:embed="rId25"/>
-                <a:stretch>
-                  <a:fillRect/>
-                </a:stretch>
-              </p:blipFill>
-              <p:spPr>
-                <a:xfrm>
-                  <a:off x="7515912" y="5785248"/>
-                  <a:ext cx="232200" cy="110160"/>
-                </a:xfrm>
-                <a:prstGeom prst="rect">
-                  <a:avLst/>
-                </a:prstGeom>
-              </p:spPr>
-            </p:pic>
-          </mc:Fallback>
-        </mc:AlternateContent>
-        <mc:AlternateContent xmlns:mc="http://schemas.openxmlformats.org/markup-compatibility/2006" xmlns:p14="http://schemas.microsoft.com/office/powerpoint/2010/main">
-          <mc:Choice Requires="p14">
-            <p:contentPart p14:bwMode="auto" r:id="rId26">
-              <p14:nvContentPartPr>
-                <p14:cNvPr id="17" name="Ink 16">
-                  <a:extLst>
-                    <a:ext uri="{FF2B5EF4-FFF2-40B4-BE49-F238E27FC236}">
-                      <a16:creationId xmlns:a16="http://schemas.microsoft.com/office/drawing/2014/main" id="{85EC7925-7C8C-1960-0A20-631351494ABC}"/>
-                    </a:ext>
-                  </a:extLst>
-                </p14:cNvPr>
-                <p14:cNvContentPartPr/>
-                <p14:nvPr/>
-              </p14:nvContentPartPr>
-              <p14:xfrm>
-                <a:off x="7766112" y="5815488"/>
-                <a:ext cx="12960" cy="145440"/>
-              </p14:xfrm>
-            </p:contentPart>
-          </mc:Choice>
-          <mc:Fallback xmlns="">
-            <p:pic>
-              <p:nvPicPr>
-                <p:cNvPr id="17" name="Ink 16">
-                  <a:extLst>
-                    <a:ext uri="{FF2B5EF4-FFF2-40B4-BE49-F238E27FC236}">
-                      <a16:creationId xmlns:a16="http://schemas.microsoft.com/office/drawing/2014/main" id="{85EC7925-7C8C-1960-0A20-631351494ABC}"/>
-                    </a:ext>
-                  </a:extLst>
-                </p:cNvPr>
-                <p:cNvPicPr/>
-                <p:nvPr/>
-              </p:nvPicPr>
-              <p:blipFill>
-                <a:blip r:embed="rId27"/>
-                <a:stretch>
-                  <a:fillRect/>
-                </a:stretch>
-              </p:blipFill>
-              <p:spPr>
-                <a:xfrm>
-                  <a:off x="7759992" y="5809368"/>
-                  <a:ext cx="25200" cy="157680"/>
-                </a:xfrm>
-                <a:prstGeom prst="rect">
-                  <a:avLst/>
-                </a:prstGeom>
-              </p:spPr>
-            </p:pic>
-          </mc:Fallback>
-        </mc:AlternateContent>
-      </p:grpSp>
-      <mc:AlternateContent xmlns:mc="http://schemas.openxmlformats.org/markup-compatibility/2006" xmlns:p14="http://schemas.microsoft.com/office/powerpoint/2010/main">
-        <mc:Choice Requires="p14">
-          <p:contentPart p14:bwMode="auto" r:id="rId28">
-            <p14:nvContentPartPr>
-              <p14:cNvPr id="19" name="Ink 18">
-                <a:extLst>
-                  <a:ext uri="{FF2B5EF4-FFF2-40B4-BE49-F238E27FC236}">
-                    <a16:creationId xmlns:a16="http://schemas.microsoft.com/office/drawing/2014/main" id="{99BF301A-8F6F-F59F-A677-73E14F91EDE3}"/>
-                  </a:ext>
-                </a:extLst>
-              </p14:cNvPr>
-              <p14:cNvContentPartPr/>
-              <p14:nvPr/>
-            </p14:nvContentPartPr>
-            <p14:xfrm>
-              <a:off x="4900872" y="5559528"/>
-              <a:ext cx="360" cy="360"/>
-            </p14:xfrm>
-          </p:contentPart>
-        </mc:Choice>
-        <mc:Fallback xmlns="">
-          <p:pic>
-            <p:nvPicPr>
-              <p:cNvPr id="19" name="Ink 18">
-                <a:extLst>
-                  <a:ext uri="{FF2B5EF4-FFF2-40B4-BE49-F238E27FC236}">
-                    <a16:creationId xmlns:a16="http://schemas.microsoft.com/office/drawing/2014/main" id="{99BF301A-8F6F-F59F-A677-73E14F91EDE3}"/>
-                  </a:ext>
-                </a:extLst>
-              </p:cNvPr>
-              <p:cNvPicPr/>
-              <p:nvPr/>
-            </p:nvPicPr>
-            <p:blipFill>
-              <a:blip r:embed="rId29"/>
-              <a:stretch>
-                <a:fillRect/>
-              </a:stretch>
-            </p:blipFill>
-            <p:spPr>
-              <a:xfrm>
-                <a:off x="4894752" y="5553408"/>
-                <a:ext cx="12600" cy="12600"/>
-              </a:xfrm>
-              <a:prstGeom prst="rect">
-                <a:avLst/>
-              </a:prstGeom>
-            </p:spPr>
-          </p:pic>
-        </mc:Fallback>
-      </mc:AlternateContent>
-      <mc:AlternateContent xmlns:mc="http://schemas.openxmlformats.org/markup-compatibility/2006" xmlns:p14="http://schemas.microsoft.com/office/powerpoint/2010/main">
-        <mc:Choice Requires="p14">
-          <p:contentPart p14:bwMode="auto" r:id="rId30">
-            <p14:nvContentPartPr>
-              <p14:cNvPr id="20" name="Ink 19">
-                <a:extLst>
-                  <a:ext uri="{FF2B5EF4-FFF2-40B4-BE49-F238E27FC236}">
-                    <a16:creationId xmlns:a16="http://schemas.microsoft.com/office/drawing/2014/main" id="{11C71C60-AADE-35A9-69F6-F615B915049B}"/>
-                  </a:ext>
-                </a:extLst>
-              </p14:cNvPr>
-              <p14:cNvContentPartPr/>
-              <p14:nvPr/>
-            </p14:nvContentPartPr>
-            <p14:xfrm>
-              <a:off x="4913472" y="5571408"/>
-              <a:ext cx="1605240" cy="13680"/>
-            </p14:xfrm>
-          </p:contentPart>
-        </mc:Choice>
-        <mc:Fallback xmlns="">
-          <p:pic>
-            <p:nvPicPr>
-              <p:cNvPr id="20" name="Ink 19">
-                <a:extLst>
-                  <a:ext uri="{FF2B5EF4-FFF2-40B4-BE49-F238E27FC236}">
-                    <a16:creationId xmlns:a16="http://schemas.microsoft.com/office/drawing/2014/main" id="{11C71C60-AADE-35A9-69F6-F615B915049B}"/>
-                  </a:ext>
-                </a:extLst>
-              </p:cNvPr>
-              <p:cNvPicPr/>
-              <p:nvPr/>
-            </p:nvPicPr>
-            <p:blipFill>
-              <a:blip r:embed="rId31"/>
-              <a:stretch>
-                <a:fillRect/>
-              </a:stretch>
-            </p:blipFill>
-            <p:spPr>
-              <a:xfrm>
-                <a:off x="4907352" y="5565288"/>
-                <a:ext cx="1617480" cy="25920"/>
-              </a:xfrm>
-              <a:prstGeom prst="rect">
-                <a:avLst/>
-              </a:prstGeom>
-            </p:spPr>
-          </p:pic>
-        </mc:Fallback>
-      </mc:AlternateContent>
-      <p:sp>
-        <p:nvSpPr>
-          <p:cNvPr id="22" name="TextBox 21">
-            <a:extLst>
-              <a:ext uri="{FF2B5EF4-FFF2-40B4-BE49-F238E27FC236}">
-                <a16:creationId xmlns:a16="http://schemas.microsoft.com/office/drawing/2014/main" id="{3552FF96-B71F-44DD-9AE8-0BEDF09FE6F3}"/>
-              </a:ext>
-            </a:extLst>
-          </p:cNvPr>
-          <p:cNvSpPr txBox="1"/>
-          <p:nvPr/>
-        </p:nvSpPr>
-        <p:spPr>
-          <a:xfrm>
-            <a:off x="4863432" y="5887308"/>
-            <a:ext cx="1911960" cy="369332"/>
+            <a:off x="3810000" y="6019800"/>
+            <a:ext cx="4267200" cy="369332"/>
           </a:xfrm>
           <a:prstGeom prst="rect">
             <a:avLst/>
           </a:prstGeom>
           <a:noFill/>
+          <a:ln>
+            <a:solidFill>
+              <a:srgbClr val="FF0000"/>
+            </a:solidFill>
+          </a:ln>
         </p:spPr>
         <p:txBody>
           <a:bodyPr wrap="square" rtlCol="0">
@@ -8701,12 +7663,16 @@
           <a:lstStyle/>
           <a:p>
             <a:r>
+              <a:rPr lang="en-US" dirty="0"/>
+              <a:t>Calculation happening in </a:t>
+            </a:r>
+            <a:r>
               <a:rPr lang="en-US" dirty="0" err="1"/>
-              <a:t>getBundles</a:t>
+              <a:t>TeamGradebook</a:t>
             </a:r>
             <a:r>
               <a:rPr lang="en-US" dirty="0"/>
-              <a:t>()</a:t>
+              <a:t>!</a:t>
             </a:r>
           </a:p>
         </p:txBody>
@@ -8714,7 +7680,7 @@
     </p:spTree>
     <p:extLst>
       <p:ext uri="{BB962C8B-B14F-4D97-AF65-F5344CB8AC3E}">
-        <p14:creationId xmlns:p14="http://schemas.microsoft.com/office/powerpoint/2010/main" val="4225876227"/>
+        <p14:creationId xmlns:p14="http://schemas.microsoft.com/office/powerpoint/2010/main" val="4277210476"/>
       </p:ext>
     </p:extLst>
   </p:cSld>
@@ -8757,27 +7723,304 @@
           <a:lstStyle/>
           <a:p>
             <a:r>
-              <a:rPr lang="en-US" dirty="0"/>
-              <a:t>Diagrams look similar!</a:t>
-            </a:r>
-          </a:p>
-        </p:txBody>
-      </p:sp>
-      <p:sp>
-        <p:nvSpPr>
-          <p:cNvPr id="3" name="TextBox 2"/>
+              <a:rPr lang="en-US" dirty="0" err="1">
+                <a:latin typeface="Consolas" panose="020B0609020204030204" pitchFamily="49" charset="0"/>
+              </a:rPr>
+              <a:t>getAverage</a:t>
+            </a:r>
+            <a:r>
+              <a:rPr lang="en-US" dirty="0">
+                <a:latin typeface="Consolas" panose="020B0609020204030204" pitchFamily="49" charset="0"/>
+              </a:rPr>
+              <a:t>()</a:t>
+            </a:r>
+          </a:p>
+        </p:txBody>
+      </p:sp>
+      <p:sp>
+        <p:nvSpPr>
+          <p:cNvPr id="3" name="Content Placeholder 2"/>
+          <p:cNvSpPr>
+            <a:spLocks noGrp="1"/>
+          </p:cNvSpPr>
+          <p:nvPr>
+            <p:ph idx="1"/>
+          </p:nvPr>
+        </p:nvSpPr>
+        <p:spPr>
+          <a:xfrm>
+            <a:off x="457200" y="1600201"/>
+            <a:ext cx="8382000" cy="4114800"/>
+          </a:xfrm>
+        </p:spPr>
+        <p:txBody>
+          <a:bodyPr>
+            <a:normAutofit/>
+          </a:bodyPr>
+          <a:lstStyle/>
+          <a:p>
+            <a:pPr marL="0" indent="0">
+              <a:buNone/>
+            </a:pPr>
+            <a:r>
+              <a:rPr lang="en-US" sz="1800" dirty="0">
+                <a:latin typeface="Consolas" panose="020B0609020204030204" pitchFamily="49" charset="0"/>
+              </a:rPr>
+              <a:t>public class </a:t>
+            </a:r>
+            <a:r>
+              <a:rPr lang="en-US" sz="1800" dirty="0" err="1">
+                <a:latin typeface="Consolas" panose="020B0609020204030204" pitchFamily="49" charset="0"/>
+              </a:rPr>
+              <a:t>TeamGradebook</a:t>
+            </a:r>
+            <a:r>
+              <a:rPr lang="en-US" sz="1800" dirty="0">
+                <a:latin typeface="Consolas" panose="020B0609020204030204" pitchFamily="49" charset="0"/>
+              </a:rPr>
+              <a:t> {</a:t>
+            </a:r>
+          </a:p>
+          <a:p>
+            <a:pPr marL="0" indent="0">
+              <a:buNone/>
+            </a:pPr>
+            <a:r>
+              <a:rPr lang="en-US" sz="1800" dirty="0">
+                <a:latin typeface="Consolas" panose="020B0609020204030204" pitchFamily="49" charset="0"/>
+              </a:rPr>
+              <a:t>…</a:t>
+            </a:r>
+          </a:p>
+          <a:p>
+            <a:pPr marL="0" indent="0">
+              <a:buNone/>
+            </a:pPr>
+            <a:r>
+              <a:rPr lang="en-US" sz="1800" dirty="0">
+                <a:latin typeface="Consolas" panose="020B0609020204030204" pitchFamily="49" charset="0"/>
+              </a:rPr>
+              <a:t>private String </a:t>
+            </a:r>
+            <a:r>
+              <a:rPr lang="en-US" sz="1800" dirty="0" err="1">
+                <a:latin typeface="Consolas" panose="020B0609020204030204" pitchFamily="49" charset="0"/>
+              </a:rPr>
+              <a:t>handleGetAverage</a:t>
+            </a:r>
+            <a:r>
+              <a:rPr lang="en-US" sz="1800" dirty="0">
+                <a:latin typeface="Consolas" panose="020B0609020204030204" pitchFamily="49" charset="0"/>
+              </a:rPr>
+              <a:t>(String </a:t>
+            </a:r>
+            <a:r>
+              <a:rPr lang="en-US" sz="1800" dirty="0" err="1">
+                <a:latin typeface="Consolas" panose="020B0609020204030204" pitchFamily="49" charset="0"/>
+              </a:rPr>
+              <a:t>studentName</a:t>
+            </a:r>
+            <a:r>
+              <a:rPr lang="en-US" sz="1800" dirty="0">
+                <a:latin typeface="Consolas" panose="020B0609020204030204" pitchFamily="49" charset="0"/>
+              </a:rPr>
+              <a:t>) {</a:t>
+            </a:r>
+          </a:p>
+          <a:p>
+            <a:pPr marL="0" indent="0">
+              <a:buNone/>
+            </a:pPr>
+            <a:r>
+              <a:rPr lang="en-US" sz="1800" dirty="0">
+                <a:latin typeface="Consolas" panose="020B0609020204030204" pitchFamily="49" charset="0"/>
+              </a:rPr>
+              <a:t>	Student </a:t>
+            </a:r>
+            <a:r>
+              <a:rPr lang="en-US" sz="1800" dirty="0" err="1">
+                <a:latin typeface="Consolas" panose="020B0609020204030204" pitchFamily="49" charset="0"/>
+              </a:rPr>
+              <a:t>student</a:t>
+            </a:r>
+            <a:r>
+              <a:rPr lang="en-US" sz="1800" dirty="0">
+                <a:latin typeface="Consolas" panose="020B0609020204030204" pitchFamily="49" charset="0"/>
+              </a:rPr>
+              <a:t> = </a:t>
+            </a:r>
+            <a:r>
+              <a:rPr lang="en-US" sz="1800" dirty="0" err="1">
+                <a:latin typeface="Consolas" panose="020B0609020204030204" pitchFamily="49" charset="0"/>
+              </a:rPr>
+              <a:t>getStudentByName</a:t>
+            </a:r>
+            <a:r>
+              <a:rPr lang="en-US" sz="1800" dirty="0">
+                <a:latin typeface="Consolas" panose="020B0609020204030204" pitchFamily="49" charset="0"/>
+              </a:rPr>
+              <a:t>(</a:t>
+            </a:r>
+            <a:r>
+              <a:rPr lang="en-US" sz="1800" dirty="0" err="1">
+                <a:latin typeface="Consolas" panose="020B0609020204030204" pitchFamily="49" charset="0"/>
+              </a:rPr>
+              <a:t>studentName</a:t>
+            </a:r>
+            <a:r>
+              <a:rPr lang="en-US" sz="1800" dirty="0">
+                <a:latin typeface="Consolas" panose="020B0609020204030204" pitchFamily="49" charset="0"/>
+              </a:rPr>
+              <a:t>);</a:t>
+            </a:r>
+          </a:p>
+          <a:p>
+            <a:pPr marL="0" indent="0">
+              <a:buNone/>
+            </a:pPr>
+            <a:r>
+              <a:rPr lang="en-US" sz="1800" dirty="0">
+                <a:latin typeface="Consolas" panose="020B0609020204030204" pitchFamily="49" charset="0"/>
+              </a:rPr>
+              <a:t>	if (student == null) {</a:t>
+            </a:r>
+          </a:p>
+          <a:p>
+            <a:pPr marL="0" indent="0">
+              <a:buNone/>
+            </a:pPr>
+            <a:r>
+              <a:rPr lang="en-US" sz="1800" dirty="0">
+                <a:latin typeface="Consolas" panose="020B0609020204030204" pitchFamily="49" charset="0"/>
+              </a:rPr>
+              <a:t>		return "student " + student + " not found";</a:t>
+            </a:r>
+          </a:p>
+          <a:p>
+            <a:pPr marL="0" indent="0">
+              <a:buNone/>
+            </a:pPr>
+            <a:r>
+              <a:rPr lang="en-US" sz="1800" dirty="0">
+                <a:latin typeface="Consolas" panose="020B0609020204030204" pitchFamily="49" charset="0"/>
+              </a:rPr>
+              <a:t>	} // end if</a:t>
+            </a:r>
+          </a:p>
+          <a:p>
+            <a:pPr marL="0" indent="0">
+              <a:buNone/>
+            </a:pPr>
+            <a:r>
+              <a:rPr lang="en-US" sz="1800" dirty="0">
+                <a:latin typeface="Consolas" panose="020B0609020204030204" pitchFamily="49" charset="0"/>
+              </a:rPr>
+              <a:t>	return </a:t>
+            </a:r>
+            <a:r>
+              <a:rPr lang="en-US" sz="1800" dirty="0" err="1">
+                <a:latin typeface="Consolas" panose="020B0609020204030204" pitchFamily="49" charset="0"/>
+              </a:rPr>
+              <a:t>Long.toString</a:t>
+            </a:r>
+            <a:r>
+              <a:rPr lang="en-US" sz="1800" dirty="0">
+                <a:latin typeface="Consolas" panose="020B0609020204030204" pitchFamily="49" charset="0"/>
+              </a:rPr>
+              <a:t>(</a:t>
+            </a:r>
+            <a:r>
+              <a:rPr lang="en-US" sz="1800" dirty="0" err="1">
+                <a:latin typeface="Consolas" panose="020B0609020204030204" pitchFamily="49" charset="0"/>
+              </a:rPr>
+              <a:t>Math.round</a:t>
+            </a:r>
+            <a:r>
+              <a:rPr lang="en-US" sz="1800" dirty="0">
+                <a:latin typeface="Consolas" panose="020B0609020204030204" pitchFamily="49" charset="0"/>
+              </a:rPr>
+              <a:t>(</a:t>
+            </a:r>
+            <a:r>
+              <a:rPr lang="en-US" sz="1800" dirty="0" err="1">
+                <a:solidFill>
+                  <a:srgbClr val="FF0000"/>
+                </a:solidFill>
+                <a:latin typeface="Consolas" panose="020B0609020204030204" pitchFamily="49" charset="0"/>
+              </a:rPr>
+              <a:t>student.getAverage</a:t>
+            </a:r>
+            <a:r>
+              <a:rPr lang="en-US" sz="1800" dirty="0">
+                <a:solidFill>
+                  <a:srgbClr val="FF0000"/>
+                </a:solidFill>
+                <a:latin typeface="Consolas" panose="020B0609020204030204" pitchFamily="49" charset="0"/>
+              </a:rPr>
+              <a:t>()</a:t>
+            </a:r>
+            <a:r>
+              <a:rPr lang="en-US" sz="1800" dirty="0">
+                <a:latin typeface="Consolas" panose="020B0609020204030204" pitchFamily="49" charset="0"/>
+              </a:rPr>
+              <a:t>));</a:t>
+            </a:r>
+          </a:p>
+          <a:p>
+            <a:pPr marL="0" indent="0">
+              <a:buNone/>
+            </a:pPr>
+            <a:r>
+              <a:rPr lang="en-US" sz="1800" dirty="0">
+                <a:latin typeface="Consolas" panose="020B0609020204030204" pitchFamily="49" charset="0"/>
+              </a:rPr>
+              <a:t>}</a:t>
+            </a:r>
+          </a:p>
+          <a:p>
+            <a:pPr marL="0" indent="0">
+              <a:buNone/>
+            </a:pPr>
+            <a:r>
+              <a:rPr lang="en-US" sz="1800" dirty="0">
+                <a:latin typeface="Consolas" panose="020B0609020204030204" pitchFamily="49" charset="0"/>
+              </a:rPr>
+              <a:t>…</a:t>
+            </a:r>
+          </a:p>
+          <a:p>
+            <a:pPr marL="0" indent="0">
+              <a:buNone/>
+            </a:pPr>
+            <a:r>
+              <a:rPr lang="en-US" sz="1800" dirty="0">
+                <a:latin typeface="Consolas" panose="020B0609020204030204" pitchFamily="49" charset="0"/>
+              </a:rPr>
+              <a:t>}</a:t>
+            </a:r>
+          </a:p>
+        </p:txBody>
+      </p:sp>
+      <p:sp>
+        <p:nvSpPr>
+          <p:cNvPr id="5" name="TextBox 4"/>
           <p:cNvSpPr txBox="1"/>
           <p:nvPr/>
         </p:nvSpPr>
         <p:spPr>
           <a:xfrm>
-            <a:off x="990600" y="1828800"/>
-            <a:ext cx="7239000" cy="2554545"/>
+            <a:off x="3810000" y="6019800"/>
+            <a:ext cx="4267200" cy="369332"/>
           </a:xfrm>
           <a:prstGeom prst="rect">
             <a:avLst/>
           </a:prstGeom>
           <a:noFill/>
+          <a:ln>
+            <a:solidFill>
+              <a:srgbClr val="FF0000"/>
+            </a:solidFill>
+          </a:ln>
         </p:spPr>
         <p:txBody>
           <a:bodyPr wrap="square" rtlCol="0">
@@ -8786,8 +8029,8 @@
           <a:lstStyle/>
           <a:p>
             <a:r>
-              <a:rPr lang="en-US" sz="4000" dirty="0"/>
-              <a:t>How would the actual code compare when performing the stated task “calculate a game’s total revenue”?</a:t>
+              <a:rPr lang="en-US" dirty="0"/>
+              <a:t>Calculation happening in Student Class!</a:t>
             </a:r>
           </a:p>
         </p:txBody>
@@ -8795,7 +8038,7 @@
     </p:spTree>
     <p:extLst>
       <p:ext uri="{BB962C8B-B14F-4D97-AF65-F5344CB8AC3E}">
-        <p14:creationId xmlns:p14="http://schemas.microsoft.com/office/powerpoint/2010/main" val="1796087521"/>
+        <p14:creationId xmlns:p14="http://schemas.microsoft.com/office/powerpoint/2010/main" val="2698250179"/>
       </p:ext>
     </p:extLst>
   </p:cSld>
@@ -8832,27 +8075,14 @@
             <p:ph type="title"/>
           </p:nvPr>
         </p:nvSpPr>
-        <p:spPr>
-          <a:xfrm>
-            <a:off x="457200" y="0"/>
-            <a:ext cx="8229600" cy="1143000"/>
-          </a:xfrm>
-        </p:spPr>
+        <p:spPr/>
         <p:txBody>
           <a:bodyPr/>
           <a:lstStyle/>
           <a:p>
             <a:r>
-              <a:rPr lang="en-US" dirty="0" err="1">
-                <a:latin typeface="Consolas" panose="020B0609020204030204" pitchFamily="49" charset="0"/>
-              </a:rPr>
-              <a:t>getBundles</a:t>
-            </a:r>
-            <a:r>
-              <a:rPr lang="en-US" dirty="0">
-                <a:latin typeface="Consolas" panose="020B0609020204030204" pitchFamily="49" charset="0"/>
-              </a:rPr>
-              <a:t>()</a:t>
+              <a:rPr lang="en-US" dirty="0"/>
+              <a:t>Why does this improve the design?</a:t>
             </a:r>
           </a:p>
         </p:txBody>
@@ -8867,1088 +8097,15 @@
             <p:ph idx="1"/>
           </p:nvPr>
         </p:nvSpPr>
-        <p:spPr>
-          <a:xfrm>
-            <a:off x="457200" y="914400"/>
-            <a:ext cx="8382000" cy="4114800"/>
-          </a:xfrm>
-        </p:spPr>
-        <p:txBody>
-          <a:bodyPr>
-            <a:noAutofit/>
-          </a:bodyPr>
+        <p:spPr/>
+        <p:txBody>
+          <a:bodyPr/>
           <a:lstStyle/>
           <a:p>
             <a:pPr marL="0" indent="0">
               <a:buNone/>
             </a:pPr>
             <a:r>
-              <a:rPr lang="en-US" sz="1800" dirty="0">
-                <a:latin typeface="Consolas" panose="020B0609020204030204" pitchFamily="49" charset="0"/>
-              </a:rPr>
-              <a:t>public class </a:t>
-            </a:r>
-            <a:r>
-              <a:rPr lang="en-US" sz="1800" dirty="0" err="1">
-                <a:latin typeface="Consolas" panose="020B0609020204030204" pitchFamily="49" charset="0"/>
-              </a:rPr>
-              <a:t>SalesManager</a:t>
-            </a:r>
-            <a:r>
-              <a:rPr lang="en-US" sz="1800" dirty="0">
-                <a:latin typeface="Consolas" panose="020B0609020204030204" pitchFamily="49" charset="0"/>
-              </a:rPr>
-              <a:t> {</a:t>
-            </a:r>
-          </a:p>
-          <a:p>
-            <a:pPr marL="0" indent="0">
-              <a:buNone/>
-            </a:pPr>
-            <a:r>
-              <a:rPr lang="en-US" sz="1800" dirty="0">
-                <a:latin typeface="Consolas" panose="020B0609020204030204" pitchFamily="49" charset="0"/>
-              </a:rPr>
-              <a:t>…</a:t>
-            </a:r>
-          </a:p>
-          <a:p>
-            <a:pPr marL="0" indent="0">
-              <a:buNone/>
-            </a:pPr>
-            <a:r>
-              <a:rPr lang="en-US" sz="1800" dirty="0">
-                <a:latin typeface="Consolas" panose="020B0609020204030204" pitchFamily="49" charset="0"/>
-              </a:rPr>
-              <a:t>private String </a:t>
-            </a:r>
-            <a:r>
-              <a:rPr lang="en-US" sz="1800" dirty="0" err="1">
-                <a:latin typeface="Consolas" panose="020B0609020204030204" pitchFamily="49" charset="0"/>
-              </a:rPr>
-              <a:t>handleGetHighestRevenueGame</a:t>
-            </a:r>
-            <a:r>
-              <a:rPr lang="en-US" sz="1800" dirty="0">
-                <a:latin typeface="Consolas" panose="020B0609020204030204" pitchFamily="49" charset="0"/>
-              </a:rPr>
-              <a:t>() {</a:t>
-            </a:r>
-          </a:p>
-          <a:p>
-            <a:pPr marL="0" indent="0">
-              <a:buNone/>
-            </a:pPr>
-            <a:r>
-              <a:rPr lang="en-US" sz="1800" dirty="0">
-                <a:latin typeface="Consolas" panose="020B0609020204030204" pitchFamily="49" charset="0"/>
-              </a:rPr>
-              <a:t>	double </a:t>
-            </a:r>
-            <a:r>
-              <a:rPr lang="en-US" sz="1800" dirty="0" err="1">
-                <a:latin typeface="Consolas" panose="020B0609020204030204" pitchFamily="49" charset="0"/>
-              </a:rPr>
-              <a:t>maxRevenue</a:t>
-            </a:r>
-            <a:r>
-              <a:rPr lang="en-US" sz="1800" dirty="0">
-                <a:latin typeface="Consolas" panose="020B0609020204030204" pitchFamily="49" charset="0"/>
-              </a:rPr>
-              <a:t> = </a:t>
-            </a:r>
-            <a:r>
-              <a:rPr lang="en-US" sz="1800" dirty="0" err="1">
-                <a:latin typeface="Consolas" panose="020B0609020204030204" pitchFamily="49" charset="0"/>
-              </a:rPr>
-              <a:t>Double.MIN_VALUE</a:t>
-            </a:r>
-            <a:r>
-              <a:rPr lang="en-US" sz="1800" dirty="0">
-                <a:latin typeface="Consolas" panose="020B0609020204030204" pitchFamily="49" charset="0"/>
-              </a:rPr>
-              <a:t>;</a:t>
-            </a:r>
-          </a:p>
-          <a:p>
-            <a:pPr marL="0" indent="0">
-              <a:buNone/>
-            </a:pPr>
-            <a:r>
-              <a:rPr lang="en-US" sz="1800" dirty="0">
-                <a:latin typeface="Consolas" panose="020B0609020204030204" pitchFamily="49" charset="0"/>
-              </a:rPr>
-              <a:t>	String </a:t>
-            </a:r>
-            <a:r>
-              <a:rPr lang="en-US" sz="1800" dirty="0" err="1">
-                <a:latin typeface="Consolas" panose="020B0609020204030204" pitchFamily="49" charset="0"/>
-              </a:rPr>
-              <a:t>maxRevenueGameTitle</a:t>
-            </a:r>
-            <a:r>
-              <a:rPr lang="en-US" sz="1800" dirty="0">
-                <a:latin typeface="Consolas" panose="020B0609020204030204" pitchFamily="49" charset="0"/>
-              </a:rPr>
-              <a:t> = "";</a:t>
-            </a:r>
-          </a:p>
-          <a:p>
-            <a:pPr marL="0" indent="0">
-              <a:buNone/>
-            </a:pPr>
-            <a:r>
-              <a:rPr lang="en-US" sz="1800" dirty="0">
-                <a:latin typeface="Consolas" panose="020B0609020204030204" pitchFamily="49" charset="0"/>
-              </a:rPr>
-              <a:t>	for (Game </a:t>
-            </a:r>
-            <a:r>
-              <a:rPr lang="en-US" sz="1800" dirty="0" err="1">
-                <a:latin typeface="Consolas" panose="020B0609020204030204" pitchFamily="49" charset="0"/>
-              </a:rPr>
-              <a:t>game</a:t>
-            </a:r>
-            <a:r>
-              <a:rPr lang="en-US" sz="1800" dirty="0">
-                <a:latin typeface="Consolas" panose="020B0609020204030204" pitchFamily="49" charset="0"/>
-              </a:rPr>
-              <a:t> : </a:t>
-            </a:r>
-            <a:r>
-              <a:rPr lang="en-US" sz="1800" dirty="0" err="1">
-                <a:latin typeface="Consolas" panose="020B0609020204030204" pitchFamily="49" charset="0"/>
-              </a:rPr>
-              <a:t>this.games</a:t>
-            </a:r>
-            <a:r>
-              <a:rPr lang="en-US" sz="1800" dirty="0">
-                <a:latin typeface="Consolas" panose="020B0609020204030204" pitchFamily="49" charset="0"/>
-              </a:rPr>
-              <a:t>) {</a:t>
-            </a:r>
-          </a:p>
-          <a:p>
-            <a:pPr marL="0" indent="0">
-              <a:buNone/>
-            </a:pPr>
-            <a:r>
-              <a:rPr lang="en-US" sz="1800" dirty="0">
-                <a:latin typeface="Consolas" panose="020B0609020204030204" pitchFamily="49" charset="0"/>
-              </a:rPr>
-              <a:t> 	    </a:t>
-            </a:r>
-            <a:r>
-              <a:rPr lang="en-US" sz="1800" dirty="0">
-                <a:solidFill>
-                  <a:srgbClr val="FF0000"/>
-                </a:solidFill>
-                <a:latin typeface="Consolas" panose="020B0609020204030204" pitchFamily="49" charset="0"/>
-              </a:rPr>
-              <a:t>double </a:t>
-            </a:r>
-            <a:r>
-              <a:rPr lang="en-US" sz="1800" dirty="0" err="1">
-                <a:solidFill>
-                  <a:srgbClr val="FF0000"/>
-                </a:solidFill>
-                <a:latin typeface="Consolas" panose="020B0609020204030204" pitchFamily="49" charset="0"/>
-              </a:rPr>
-              <a:t>revenueIndividualSales</a:t>
-            </a:r>
-            <a:r>
-              <a:rPr lang="en-US" sz="1800" dirty="0">
-                <a:solidFill>
-                  <a:srgbClr val="FF0000"/>
-                </a:solidFill>
-                <a:latin typeface="Consolas" panose="020B0609020204030204" pitchFamily="49" charset="0"/>
-              </a:rPr>
-              <a:t> = </a:t>
-            </a:r>
-            <a:br>
-              <a:rPr lang="en-US" sz="1800" dirty="0">
-                <a:solidFill>
-                  <a:srgbClr val="FF0000"/>
-                </a:solidFill>
-                <a:latin typeface="Consolas" panose="020B0609020204030204" pitchFamily="49" charset="0"/>
-              </a:rPr>
-            </a:br>
-            <a:r>
-              <a:rPr lang="en-US" sz="1800" dirty="0">
-                <a:solidFill>
-                  <a:srgbClr val="FF0000"/>
-                </a:solidFill>
-                <a:latin typeface="Consolas" panose="020B0609020204030204" pitchFamily="49" charset="0"/>
-              </a:rPr>
-              <a:t>			</a:t>
-            </a:r>
-            <a:r>
-              <a:rPr lang="en-US" sz="1800" dirty="0" err="1">
-                <a:solidFill>
-                  <a:srgbClr val="FF0000"/>
-                </a:solidFill>
-                <a:latin typeface="Consolas" panose="020B0609020204030204" pitchFamily="49" charset="0"/>
-              </a:rPr>
-              <a:t>game.getPrice</a:t>
-            </a:r>
-            <a:r>
-              <a:rPr lang="en-US" sz="1800" dirty="0">
-                <a:solidFill>
-                  <a:srgbClr val="FF0000"/>
-                </a:solidFill>
-                <a:latin typeface="Consolas" panose="020B0609020204030204" pitchFamily="49" charset="0"/>
-              </a:rPr>
-              <a:t>() * </a:t>
-            </a:r>
-            <a:r>
-              <a:rPr lang="en-US" sz="1800" dirty="0" err="1">
-                <a:solidFill>
-                  <a:srgbClr val="FF0000"/>
-                </a:solidFill>
-                <a:latin typeface="Consolas" panose="020B0609020204030204" pitchFamily="49" charset="0"/>
-              </a:rPr>
-              <a:t>game.getNumCopiesSold</a:t>
-            </a:r>
-            <a:r>
-              <a:rPr lang="en-US" sz="1800" dirty="0">
-                <a:solidFill>
-                  <a:srgbClr val="FF0000"/>
-                </a:solidFill>
-                <a:latin typeface="Consolas" panose="020B0609020204030204" pitchFamily="49" charset="0"/>
-              </a:rPr>
-              <a:t>();</a:t>
-            </a:r>
-          </a:p>
-          <a:p>
-            <a:pPr marL="0" indent="0">
-              <a:buNone/>
-            </a:pPr>
-            <a:r>
-              <a:rPr lang="en-US" sz="1800" dirty="0">
-                <a:latin typeface="Consolas" panose="020B0609020204030204" pitchFamily="49" charset="0"/>
-              </a:rPr>
-              <a:t>	    </a:t>
-            </a:r>
-            <a:r>
-              <a:rPr lang="en-US" sz="1800" dirty="0">
-                <a:solidFill>
-                  <a:srgbClr val="FF0000"/>
-                </a:solidFill>
-                <a:latin typeface="Consolas" panose="020B0609020204030204" pitchFamily="49" charset="0"/>
-              </a:rPr>
-              <a:t>double </a:t>
-            </a:r>
-            <a:r>
-              <a:rPr lang="en-US" sz="1800" dirty="0" err="1">
-                <a:solidFill>
-                  <a:srgbClr val="FF0000"/>
-                </a:solidFill>
-                <a:latin typeface="Consolas" panose="020B0609020204030204" pitchFamily="49" charset="0"/>
-              </a:rPr>
-              <a:t>revenueFromBundles</a:t>
-            </a:r>
-            <a:r>
-              <a:rPr lang="en-US" sz="1800" dirty="0">
-                <a:solidFill>
-                  <a:srgbClr val="FF0000"/>
-                </a:solidFill>
-                <a:latin typeface="Consolas" panose="020B0609020204030204" pitchFamily="49" charset="0"/>
-              </a:rPr>
-              <a:t> = 0;</a:t>
-            </a:r>
-          </a:p>
-          <a:p>
-            <a:pPr marL="0" indent="0">
-              <a:buNone/>
-            </a:pPr>
-            <a:r>
-              <a:rPr lang="en-US" sz="1800" dirty="0">
-                <a:solidFill>
-                  <a:srgbClr val="FF0000"/>
-                </a:solidFill>
-                <a:latin typeface="Consolas" panose="020B0609020204030204" pitchFamily="49" charset="0"/>
-              </a:rPr>
-              <a:t>	    for (Bundle b: </a:t>
-            </a:r>
-            <a:r>
-              <a:rPr lang="en-US" sz="1800" dirty="0" err="1">
-                <a:solidFill>
-                  <a:srgbClr val="FF0000"/>
-                </a:solidFill>
-                <a:latin typeface="Consolas" panose="020B0609020204030204" pitchFamily="49" charset="0"/>
-              </a:rPr>
-              <a:t>game.getBundles</a:t>
-            </a:r>
-            <a:r>
-              <a:rPr lang="en-US" sz="1800" dirty="0">
-                <a:solidFill>
-                  <a:srgbClr val="FF0000"/>
-                </a:solidFill>
-                <a:latin typeface="Consolas" panose="020B0609020204030204" pitchFamily="49" charset="0"/>
-              </a:rPr>
-              <a:t>()) {</a:t>
-            </a:r>
-          </a:p>
-          <a:p>
-            <a:pPr marL="0" indent="0">
-              <a:buNone/>
-            </a:pPr>
-            <a:r>
-              <a:rPr lang="en-US" sz="1800" dirty="0">
-                <a:solidFill>
-                  <a:srgbClr val="FF0000"/>
-                </a:solidFill>
-                <a:latin typeface="Consolas" panose="020B0609020204030204" pitchFamily="49" charset="0"/>
-              </a:rPr>
-              <a:t>		 </a:t>
-            </a:r>
-            <a:r>
-              <a:rPr lang="en-US" sz="1800" dirty="0" err="1">
-                <a:solidFill>
-                  <a:srgbClr val="FF0000"/>
-                </a:solidFill>
-                <a:latin typeface="Consolas" panose="020B0609020204030204" pitchFamily="49" charset="0"/>
-              </a:rPr>
-              <a:t>revenueFromBundles</a:t>
-            </a:r>
-            <a:r>
-              <a:rPr lang="en-US" sz="1800" dirty="0">
-                <a:solidFill>
-                  <a:srgbClr val="FF0000"/>
-                </a:solidFill>
-                <a:latin typeface="Consolas" panose="020B0609020204030204" pitchFamily="49" charset="0"/>
-              </a:rPr>
-              <a:t> += </a:t>
-            </a:r>
-            <a:r>
-              <a:rPr lang="en-US" sz="1800" dirty="0" err="1">
-                <a:solidFill>
-                  <a:srgbClr val="FF0000"/>
-                </a:solidFill>
-                <a:latin typeface="Consolas" panose="020B0609020204030204" pitchFamily="49" charset="0"/>
-              </a:rPr>
-              <a:t>b.computeRevenuePerGame</a:t>
-            </a:r>
-            <a:r>
-              <a:rPr lang="en-US" sz="1800" dirty="0">
-                <a:solidFill>
-                  <a:srgbClr val="FF0000"/>
-                </a:solidFill>
-                <a:latin typeface="Consolas" panose="020B0609020204030204" pitchFamily="49" charset="0"/>
-              </a:rPr>
-              <a:t>();</a:t>
-            </a:r>
-          </a:p>
-          <a:p>
-            <a:pPr marL="0" indent="0">
-              <a:buNone/>
-            </a:pPr>
-            <a:r>
-              <a:rPr lang="en-US" sz="1800" dirty="0">
-                <a:solidFill>
-                  <a:srgbClr val="FF0000"/>
-                </a:solidFill>
-                <a:latin typeface="Consolas" panose="020B0609020204030204" pitchFamily="49" charset="0"/>
-              </a:rPr>
-              <a:t>	    }</a:t>
-            </a:r>
-          </a:p>
-          <a:p>
-            <a:pPr marL="0" indent="0">
-              <a:buNone/>
-            </a:pPr>
-            <a:r>
-              <a:rPr lang="en-US" sz="1800" dirty="0">
-                <a:solidFill>
-                  <a:srgbClr val="FF0000"/>
-                </a:solidFill>
-                <a:latin typeface="Consolas" panose="020B0609020204030204" pitchFamily="49" charset="0"/>
-              </a:rPr>
-              <a:t>	    double </a:t>
-            </a:r>
-            <a:r>
-              <a:rPr lang="en-US" sz="1800" dirty="0" err="1">
-                <a:solidFill>
-                  <a:srgbClr val="FF0000"/>
-                </a:solidFill>
-                <a:latin typeface="Consolas" panose="020B0609020204030204" pitchFamily="49" charset="0"/>
-              </a:rPr>
-              <a:t>revenueTotal</a:t>
-            </a:r>
-            <a:r>
-              <a:rPr lang="en-US" sz="1800" dirty="0">
-                <a:solidFill>
-                  <a:srgbClr val="FF0000"/>
-                </a:solidFill>
-                <a:latin typeface="Consolas" panose="020B0609020204030204" pitchFamily="49" charset="0"/>
-              </a:rPr>
-              <a:t> = </a:t>
-            </a:r>
-            <a:r>
-              <a:rPr lang="en-US" sz="1800" dirty="0" err="1">
-                <a:solidFill>
-                  <a:srgbClr val="FF0000"/>
-                </a:solidFill>
-                <a:latin typeface="Consolas" panose="020B0609020204030204" pitchFamily="49" charset="0"/>
-              </a:rPr>
-              <a:t>revenueIndividualSales</a:t>
-            </a:r>
-            <a:r>
-              <a:rPr lang="en-US" sz="1800" dirty="0">
-                <a:solidFill>
-                  <a:srgbClr val="FF0000"/>
-                </a:solidFill>
-                <a:latin typeface="Consolas" panose="020B0609020204030204" pitchFamily="49" charset="0"/>
-              </a:rPr>
-              <a:t> </a:t>
-            </a:r>
-            <a:br>
-              <a:rPr lang="en-US" sz="1800" dirty="0">
-                <a:solidFill>
-                  <a:srgbClr val="FF0000"/>
-                </a:solidFill>
-                <a:latin typeface="Consolas" panose="020B0609020204030204" pitchFamily="49" charset="0"/>
-              </a:rPr>
-            </a:br>
-            <a:r>
-              <a:rPr lang="en-US" sz="1800" dirty="0">
-                <a:solidFill>
-                  <a:srgbClr val="FF0000"/>
-                </a:solidFill>
-                <a:latin typeface="Consolas" panose="020B0609020204030204" pitchFamily="49" charset="0"/>
-              </a:rPr>
-              <a:t>					+ </a:t>
-            </a:r>
-            <a:r>
-              <a:rPr lang="en-US" sz="1800" dirty="0" err="1">
-                <a:solidFill>
-                  <a:srgbClr val="FF0000"/>
-                </a:solidFill>
-                <a:latin typeface="Consolas" panose="020B0609020204030204" pitchFamily="49" charset="0"/>
-              </a:rPr>
-              <a:t>revenueFromBundles</a:t>
-            </a:r>
-            <a:r>
-              <a:rPr lang="en-US" sz="1800" dirty="0">
-                <a:solidFill>
-                  <a:srgbClr val="FF0000"/>
-                </a:solidFill>
-                <a:latin typeface="Consolas" panose="020B0609020204030204" pitchFamily="49" charset="0"/>
-              </a:rPr>
-              <a:t>;</a:t>
-            </a:r>
-          </a:p>
-          <a:p>
-            <a:pPr marL="0" indent="0">
-              <a:buNone/>
-            </a:pPr>
-            <a:r>
-              <a:rPr lang="en-US" sz="1800" dirty="0">
-                <a:latin typeface="Consolas" panose="020B0609020204030204" pitchFamily="49" charset="0"/>
-              </a:rPr>
-              <a:t>	    // logic for updating </a:t>
-            </a:r>
-            <a:r>
-              <a:rPr lang="en-US" sz="1800" dirty="0" err="1">
-                <a:latin typeface="Consolas" panose="020B0609020204030204" pitchFamily="49" charset="0"/>
-              </a:rPr>
-              <a:t>maxRevenue</a:t>
-            </a:r>
-            <a:r>
-              <a:rPr lang="en-US" sz="1800" dirty="0">
-                <a:latin typeface="Consolas" panose="020B0609020204030204" pitchFamily="49" charset="0"/>
-              </a:rPr>
-              <a:t>, </a:t>
-            </a:r>
-            <a:r>
-              <a:rPr lang="en-US" sz="1800" dirty="0" err="1">
-                <a:latin typeface="Consolas" panose="020B0609020204030204" pitchFamily="49" charset="0"/>
-              </a:rPr>
-              <a:t>maxRevenueGameTitle</a:t>
-            </a:r>
-            <a:endParaRPr lang="en-US" sz="1800" dirty="0">
-              <a:latin typeface="Consolas" panose="020B0609020204030204" pitchFamily="49" charset="0"/>
-            </a:endParaRPr>
-          </a:p>
-          <a:p>
-            <a:pPr marL="0" indent="0">
-              <a:buNone/>
-            </a:pPr>
-            <a:r>
-              <a:rPr lang="en-US" sz="1800" dirty="0">
-                <a:latin typeface="Consolas" panose="020B0609020204030204" pitchFamily="49" charset="0"/>
-              </a:rPr>
-              <a:t>	}</a:t>
-            </a:r>
-          </a:p>
-          <a:p>
-            <a:pPr marL="0" indent="0">
-              <a:buNone/>
-            </a:pPr>
-            <a:r>
-              <a:rPr lang="en-US" sz="1800" dirty="0">
-                <a:latin typeface="Consolas" panose="020B0609020204030204" pitchFamily="49" charset="0"/>
-              </a:rPr>
-              <a:t>	return </a:t>
-            </a:r>
-            <a:r>
-              <a:rPr lang="en-US" sz="1800" dirty="0" err="1">
-                <a:latin typeface="Consolas" panose="020B0609020204030204" pitchFamily="49" charset="0"/>
-              </a:rPr>
-              <a:t>maxRevenueGameTitle</a:t>
-            </a:r>
-            <a:r>
-              <a:rPr lang="en-US" sz="1800" dirty="0">
-                <a:latin typeface="Consolas" panose="020B0609020204030204" pitchFamily="49" charset="0"/>
-              </a:rPr>
-              <a:t>;</a:t>
-            </a:r>
-          </a:p>
-          <a:p>
-            <a:pPr marL="0" indent="0">
-              <a:buNone/>
-            </a:pPr>
-            <a:r>
-              <a:rPr lang="en-US" sz="1800" dirty="0">
-                <a:latin typeface="Consolas" panose="020B0609020204030204" pitchFamily="49" charset="0"/>
-              </a:rPr>
-              <a:t>} … }</a:t>
-            </a:r>
-          </a:p>
-        </p:txBody>
-      </p:sp>
-      <p:sp>
-        <p:nvSpPr>
-          <p:cNvPr id="4" name="TextBox 3">
-            <a:extLst>
-              <a:ext uri="{FF2B5EF4-FFF2-40B4-BE49-F238E27FC236}">
-                <a16:creationId xmlns:a16="http://schemas.microsoft.com/office/drawing/2014/main" id="{D1787662-8906-8434-17CF-6B14119171B8}"/>
-              </a:ext>
-            </a:extLst>
-          </p:cNvPr>
-          <p:cNvSpPr txBox="1"/>
-          <p:nvPr/>
-        </p:nvSpPr>
-        <p:spPr>
-          <a:xfrm>
-            <a:off x="4343400" y="6400800"/>
-            <a:ext cx="4724400" cy="369332"/>
-          </a:xfrm>
-          <a:prstGeom prst="rect">
-            <a:avLst/>
-          </a:prstGeom>
-          <a:noFill/>
-          <a:ln>
-            <a:solidFill>
-              <a:srgbClr val="FF0000"/>
-            </a:solidFill>
-          </a:ln>
-        </p:spPr>
-        <p:txBody>
-          <a:bodyPr wrap="square" rtlCol="0">
-            <a:spAutoFit/>
-          </a:bodyPr>
-          <a:lstStyle/>
-          <a:p>
-            <a:r>
-              <a:rPr lang="en-US" dirty="0"/>
-              <a:t>Calculation happening in </a:t>
-            </a:r>
-            <a:r>
-              <a:rPr lang="en-US" dirty="0" err="1"/>
-              <a:t>SalesManager</a:t>
-            </a:r>
-            <a:r>
-              <a:rPr lang="en-US" dirty="0"/>
-              <a:t> class!</a:t>
-            </a:r>
-          </a:p>
-        </p:txBody>
-      </p:sp>
-    </p:spTree>
-    <p:extLst>
-      <p:ext uri="{BB962C8B-B14F-4D97-AF65-F5344CB8AC3E}">
-        <p14:creationId xmlns:p14="http://schemas.microsoft.com/office/powerpoint/2010/main" val="1560830329"/>
-      </p:ext>
-    </p:extLst>
-  </p:cSld>
-  <p:clrMapOvr>
-    <a:masterClrMapping/>
-  </p:clrMapOvr>
-</p:sld>
-</file>
-
-<file path=ppt/slides/slide16.xml><?xml version="1.0" encoding="utf-8"?>
-<p:sld xmlns:a="http://schemas.openxmlformats.org/drawingml/2006/main" xmlns:r="http://schemas.openxmlformats.org/officeDocument/2006/relationships" xmlns:p="http://schemas.openxmlformats.org/presentationml/2006/main">
-  <p:cSld>
-    <p:spTree>
-      <p:nvGrpSpPr>
-        <p:cNvPr id="1" name=""/>
-        <p:cNvGrpSpPr/>
-        <p:nvPr/>
-      </p:nvGrpSpPr>
-      <p:grpSpPr>
-        <a:xfrm>
-          <a:off x="0" y="0"/>
-          <a:ext cx="0" cy="0"/>
-          <a:chOff x="0" y="0"/>
-          <a:chExt cx="0" cy="0"/>
-        </a:xfrm>
-      </p:grpSpPr>
-      <p:sp>
-        <p:nvSpPr>
-          <p:cNvPr id="2" name="Title 1"/>
-          <p:cNvSpPr>
-            <a:spLocks noGrp="1"/>
-          </p:cNvSpPr>
-          <p:nvPr>
-            <p:ph type="title"/>
-          </p:nvPr>
-        </p:nvSpPr>
-        <p:spPr>
-          <a:xfrm>
-            <a:off x="457200" y="0"/>
-            <a:ext cx="8229600" cy="1143000"/>
-          </a:xfrm>
-        </p:spPr>
-        <p:txBody>
-          <a:bodyPr/>
-          <a:lstStyle/>
-          <a:p>
-            <a:r>
-              <a:rPr lang="en-US" dirty="0" err="1">
-                <a:latin typeface="Consolas" panose="020B0609020204030204" pitchFamily="49" charset="0"/>
-              </a:rPr>
-              <a:t>computeTotalRevenue</a:t>
-            </a:r>
-            <a:r>
-              <a:rPr lang="en-US" dirty="0">
-                <a:latin typeface="Consolas" panose="020B0609020204030204" pitchFamily="49" charset="0"/>
-              </a:rPr>
-              <a:t>()</a:t>
-            </a:r>
-          </a:p>
-        </p:txBody>
-      </p:sp>
-      <p:sp>
-        <p:nvSpPr>
-          <p:cNvPr id="3" name="Content Placeholder 2"/>
-          <p:cNvSpPr>
-            <a:spLocks noGrp="1"/>
-          </p:cNvSpPr>
-          <p:nvPr>
-            <p:ph idx="1"/>
-          </p:nvPr>
-        </p:nvSpPr>
-        <p:spPr>
-          <a:xfrm>
-            <a:off x="457200" y="914400"/>
-            <a:ext cx="8382000" cy="4114800"/>
-          </a:xfrm>
-        </p:spPr>
-        <p:txBody>
-          <a:bodyPr>
-            <a:noAutofit/>
-          </a:bodyPr>
-          <a:lstStyle/>
-          <a:p>
-            <a:pPr marL="0" indent="0">
-              <a:buNone/>
-            </a:pPr>
-            <a:r>
-              <a:rPr lang="en-US" sz="1800" dirty="0">
-                <a:latin typeface="Consolas" panose="020B0609020204030204" pitchFamily="49" charset="0"/>
-              </a:rPr>
-              <a:t>public class </a:t>
-            </a:r>
-            <a:r>
-              <a:rPr lang="en-US" sz="1800" dirty="0" err="1">
-                <a:latin typeface="Consolas" panose="020B0609020204030204" pitchFamily="49" charset="0"/>
-              </a:rPr>
-              <a:t>SalesManager</a:t>
-            </a:r>
-            <a:r>
-              <a:rPr lang="en-US" sz="1800" dirty="0">
-                <a:latin typeface="Consolas" panose="020B0609020204030204" pitchFamily="49" charset="0"/>
-              </a:rPr>
-              <a:t> {</a:t>
-            </a:r>
-          </a:p>
-          <a:p>
-            <a:pPr marL="0" indent="0">
-              <a:buNone/>
-            </a:pPr>
-            <a:r>
-              <a:rPr lang="en-US" sz="1800" dirty="0">
-                <a:latin typeface="Consolas" panose="020B0609020204030204" pitchFamily="49" charset="0"/>
-              </a:rPr>
-              <a:t>…</a:t>
-            </a:r>
-          </a:p>
-          <a:p>
-            <a:pPr marL="0" indent="0">
-              <a:buNone/>
-            </a:pPr>
-            <a:r>
-              <a:rPr lang="en-US" sz="1800" dirty="0">
-                <a:latin typeface="Consolas" panose="020B0609020204030204" pitchFamily="49" charset="0"/>
-              </a:rPr>
-              <a:t>private String </a:t>
-            </a:r>
-            <a:r>
-              <a:rPr lang="en-US" sz="1800" dirty="0" err="1">
-                <a:latin typeface="Consolas" panose="020B0609020204030204" pitchFamily="49" charset="0"/>
-              </a:rPr>
-              <a:t>handleGetHighestRevenueGame</a:t>
-            </a:r>
-            <a:r>
-              <a:rPr lang="en-US" sz="1800" dirty="0">
-                <a:latin typeface="Consolas" panose="020B0609020204030204" pitchFamily="49" charset="0"/>
-              </a:rPr>
-              <a:t>() {</a:t>
-            </a:r>
-          </a:p>
-          <a:p>
-            <a:pPr marL="0" indent="0">
-              <a:buNone/>
-            </a:pPr>
-            <a:r>
-              <a:rPr lang="en-US" sz="1800" dirty="0">
-                <a:latin typeface="Consolas" panose="020B0609020204030204" pitchFamily="49" charset="0"/>
-              </a:rPr>
-              <a:t>	double </a:t>
-            </a:r>
-            <a:r>
-              <a:rPr lang="en-US" sz="1800" dirty="0" err="1">
-                <a:latin typeface="Consolas" panose="020B0609020204030204" pitchFamily="49" charset="0"/>
-              </a:rPr>
-              <a:t>maxRevenue</a:t>
-            </a:r>
-            <a:r>
-              <a:rPr lang="en-US" sz="1800" dirty="0">
-                <a:latin typeface="Consolas" panose="020B0609020204030204" pitchFamily="49" charset="0"/>
-              </a:rPr>
-              <a:t> = </a:t>
-            </a:r>
-            <a:r>
-              <a:rPr lang="en-US" sz="1800" dirty="0" err="1">
-                <a:latin typeface="Consolas" panose="020B0609020204030204" pitchFamily="49" charset="0"/>
-              </a:rPr>
-              <a:t>Double.MIN_VALUE</a:t>
-            </a:r>
-            <a:r>
-              <a:rPr lang="en-US" sz="1800" dirty="0">
-                <a:latin typeface="Consolas" panose="020B0609020204030204" pitchFamily="49" charset="0"/>
-              </a:rPr>
-              <a:t>;</a:t>
-            </a:r>
-          </a:p>
-          <a:p>
-            <a:pPr marL="0" indent="0">
-              <a:buNone/>
-            </a:pPr>
-            <a:r>
-              <a:rPr lang="en-US" sz="1800" dirty="0">
-                <a:latin typeface="Consolas" panose="020B0609020204030204" pitchFamily="49" charset="0"/>
-              </a:rPr>
-              <a:t>	String </a:t>
-            </a:r>
-            <a:r>
-              <a:rPr lang="en-US" sz="1800" dirty="0" err="1">
-                <a:latin typeface="Consolas" panose="020B0609020204030204" pitchFamily="49" charset="0"/>
-              </a:rPr>
-              <a:t>maxRevenueGameTitle</a:t>
-            </a:r>
-            <a:r>
-              <a:rPr lang="en-US" sz="1800" dirty="0">
-                <a:latin typeface="Consolas" panose="020B0609020204030204" pitchFamily="49" charset="0"/>
-              </a:rPr>
-              <a:t> = "";</a:t>
-            </a:r>
-          </a:p>
-          <a:p>
-            <a:pPr marL="0" indent="0">
-              <a:buNone/>
-            </a:pPr>
-            <a:r>
-              <a:rPr lang="en-US" sz="1800" dirty="0">
-                <a:latin typeface="Consolas" panose="020B0609020204030204" pitchFamily="49" charset="0"/>
-              </a:rPr>
-              <a:t>	for (Game </a:t>
-            </a:r>
-            <a:r>
-              <a:rPr lang="en-US" sz="1800" dirty="0" err="1">
-                <a:latin typeface="Consolas" panose="020B0609020204030204" pitchFamily="49" charset="0"/>
-              </a:rPr>
-              <a:t>game</a:t>
-            </a:r>
-            <a:r>
-              <a:rPr lang="en-US" sz="1800" dirty="0">
-                <a:latin typeface="Consolas" panose="020B0609020204030204" pitchFamily="49" charset="0"/>
-              </a:rPr>
-              <a:t> : </a:t>
-            </a:r>
-            <a:r>
-              <a:rPr lang="en-US" sz="1800" dirty="0" err="1">
-                <a:latin typeface="Consolas" panose="020B0609020204030204" pitchFamily="49" charset="0"/>
-              </a:rPr>
-              <a:t>this.games</a:t>
-            </a:r>
-            <a:r>
-              <a:rPr lang="en-US" sz="1800" dirty="0">
-                <a:latin typeface="Consolas" panose="020B0609020204030204" pitchFamily="49" charset="0"/>
-              </a:rPr>
-              <a:t>) {</a:t>
-            </a:r>
-          </a:p>
-          <a:p>
-            <a:pPr marL="0" indent="0">
-              <a:buNone/>
-            </a:pPr>
-            <a:r>
-              <a:rPr lang="en-US" sz="1800" dirty="0">
-                <a:latin typeface="Consolas" panose="020B0609020204030204" pitchFamily="49" charset="0"/>
-              </a:rPr>
-              <a:t> 	    </a:t>
-            </a:r>
-            <a:r>
-              <a:rPr lang="en-US" sz="1800" dirty="0">
-                <a:solidFill>
-                  <a:srgbClr val="FF0000"/>
-                </a:solidFill>
-                <a:latin typeface="Consolas" panose="020B0609020204030204" pitchFamily="49" charset="0"/>
-              </a:rPr>
-              <a:t>double </a:t>
-            </a:r>
-            <a:r>
-              <a:rPr lang="en-US" sz="1800" dirty="0" err="1">
-                <a:solidFill>
-                  <a:srgbClr val="FF0000"/>
-                </a:solidFill>
-                <a:latin typeface="Consolas" panose="020B0609020204030204" pitchFamily="49" charset="0"/>
-              </a:rPr>
-              <a:t>revenueTotal</a:t>
-            </a:r>
-            <a:r>
-              <a:rPr lang="en-US" sz="1800" dirty="0">
-                <a:solidFill>
-                  <a:srgbClr val="FF0000"/>
-                </a:solidFill>
-                <a:latin typeface="Consolas" panose="020B0609020204030204" pitchFamily="49" charset="0"/>
-              </a:rPr>
-              <a:t> = </a:t>
-            </a:r>
-            <a:r>
-              <a:rPr lang="en-US" sz="1800" dirty="0" err="1">
-                <a:solidFill>
-                  <a:srgbClr val="FF0000"/>
-                </a:solidFill>
-                <a:latin typeface="Consolas" panose="020B0609020204030204" pitchFamily="49" charset="0"/>
-              </a:rPr>
-              <a:t>game.computeTotalRevenue</a:t>
-            </a:r>
-            <a:r>
-              <a:rPr lang="en-US" sz="1800" dirty="0">
-                <a:solidFill>
-                  <a:srgbClr val="FF0000"/>
-                </a:solidFill>
-                <a:latin typeface="Consolas" panose="020B0609020204030204" pitchFamily="49" charset="0"/>
-              </a:rPr>
-              <a:t>();</a:t>
-            </a:r>
-          </a:p>
-          <a:p>
-            <a:pPr marL="0" indent="0">
-              <a:buNone/>
-            </a:pPr>
-            <a:r>
-              <a:rPr lang="en-US" sz="1800" dirty="0">
-                <a:latin typeface="Consolas" panose="020B0609020204030204" pitchFamily="49" charset="0"/>
-              </a:rPr>
-              <a:t>	    // logic for updating </a:t>
-            </a:r>
-            <a:r>
-              <a:rPr lang="en-US" sz="1800" dirty="0" err="1">
-                <a:latin typeface="Consolas" panose="020B0609020204030204" pitchFamily="49" charset="0"/>
-              </a:rPr>
-              <a:t>maxRevenue</a:t>
-            </a:r>
-            <a:r>
-              <a:rPr lang="en-US" sz="1800" dirty="0">
-                <a:latin typeface="Consolas" panose="020B0609020204030204" pitchFamily="49" charset="0"/>
-              </a:rPr>
-              <a:t>, </a:t>
-            </a:r>
-            <a:r>
-              <a:rPr lang="en-US" sz="1800" dirty="0" err="1">
-                <a:latin typeface="Consolas" panose="020B0609020204030204" pitchFamily="49" charset="0"/>
-              </a:rPr>
-              <a:t>maxRevenueGameTitle</a:t>
-            </a:r>
-            <a:endParaRPr lang="en-US" sz="1800" dirty="0">
-              <a:latin typeface="Consolas" panose="020B0609020204030204" pitchFamily="49" charset="0"/>
-            </a:endParaRPr>
-          </a:p>
-          <a:p>
-            <a:pPr marL="0" indent="0">
-              <a:buNone/>
-            </a:pPr>
-            <a:r>
-              <a:rPr lang="en-US" sz="1800" dirty="0">
-                <a:latin typeface="Consolas" panose="020B0609020204030204" pitchFamily="49" charset="0"/>
-              </a:rPr>
-              <a:t>	}</a:t>
-            </a:r>
-          </a:p>
-          <a:p>
-            <a:pPr marL="0" indent="0">
-              <a:buNone/>
-            </a:pPr>
-            <a:r>
-              <a:rPr lang="en-US" sz="1800" dirty="0">
-                <a:latin typeface="Consolas" panose="020B0609020204030204" pitchFamily="49" charset="0"/>
-              </a:rPr>
-              <a:t>	return </a:t>
-            </a:r>
-            <a:r>
-              <a:rPr lang="en-US" sz="1800" dirty="0" err="1">
-                <a:latin typeface="Consolas" panose="020B0609020204030204" pitchFamily="49" charset="0"/>
-              </a:rPr>
-              <a:t>maxRevenueGameTitle</a:t>
-            </a:r>
-            <a:r>
-              <a:rPr lang="en-US" sz="1800" dirty="0">
-                <a:latin typeface="Consolas" panose="020B0609020204030204" pitchFamily="49" charset="0"/>
-              </a:rPr>
-              <a:t>;</a:t>
-            </a:r>
-          </a:p>
-          <a:p>
-            <a:pPr marL="0" indent="0">
-              <a:buNone/>
-            </a:pPr>
-            <a:r>
-              <a:rPr lang="en-US" sz="1800" dirty="0">
-                <a:latin typeface="Consolas" panose="020B0609020204030204" pitchFamily="49" charset="0"/>
-              </a:rPr>
-              <a:t>} … }</a:t>
-            </a:r>
-          </a:p>
-        </p:txBody>
-      </p:sp>
-      <p:sp>
-        <p:nvSpPr>
-          <p:cNvPr id="4" name="TextBox 3">
-            <a:extLst>
-              <a:ext uri="{FF2B5EF4-FFF2-40B4-BE49-F238E27FC236}">
-                <a16:creationId xmlns:a16="http://schemas.microsoft.com/office/drawing/2014/main" id="{D1787662-8906-8434-17CF-6B14119171B8}"/>
-              </a:ext>
-            </a:extLst>
-          </p:cNvPr>
-          <p:cNvSpPr txBox="1"/>
-          <p:nvPr/>
-        </p:nvSpPr>
-        <p:spPr>
-          <a:xfrm>
-            <a:off x="4343400" y="6400800"/>
-            <a:ext cx="4724400" cy="369332"/>
-          </a:xfrm>
-          <a:prstGeom prst="rect">
-            <a:avLst/>
-          </a:prstGeom>
-          <a:noFill/>
-          <a:ln>
-            <a:solidFill>
-              <a:srgbClr val="FF0000"/>
-            </a:solidFill>
-          </a:ln>
-        </p:spPr>
-        <p:txBody>
-          <a:bodyPr wrap="square" rtlCol="0">
-            <a:spAutoFit/>
-          </a:bodyPr>
-          <a:lstStyle/>
-          <a:p>
-            <a:r>
-              <a:rPr lang="en-US" dirty="0"/>
-              <a:t>Calculation happening in Game class!</a:t>
-            </a:r>
-          </a:p>
-        </p:txBody>
-      </p:sp>
-    </p:spTree>
-    <p:extLst>
-      <p:ext uri="{BB962C8B-B14F-4D97-AF65-F5344CB8AC3E}">
-        <p14:creationId xmlns:p14="http://schemas.microsoft.com/office/powerpoint/2010/main" val="70982834"/>
-      </p:ext>
-    </p:extLst>
-  </p:cSld>
-  <p:clrMapOvr>
-    <a:masterClrMapping/>
-  </p:clrMapOvr>
-</p:sld>
-</file>
-
-<file path=ppt/slides/slide17.xml><?xml version="1.0" encoding="utf-8"?>
-<p:sld xmlns:a="http://schemas.openxmlformats.org/drawingml/2006/main" xmlns:r="http://schemas.openxmlformats.org/officeDocument/2006/relationships" xmlns:p="http://schemas.openxmlformats.org/presentationml/2006/main">
-  <p:cSld>
-    <p:spTree>
-      <p:nvGrpSpPr>
-        <p:cNvPr id="1" name=""/>
-        <p:cNvGrpSpPr/>
-        <p:nvPr/>
-      </p:nvGrpSpPr>
-      <p:grpSpPr>
-        <a:xfrm>
-          <a:off x="0" y="0"/>
-          <a:ext cx="0" cy="0"/>
-          <a:chOff x="0" y="0"/>
-          <a:chExt cx="0" cy="0"/>
-        </a:xfrm>
-      </p:grpSpPr>
-      <p:sp>
-        <p:nvSpPr>
-          <p:cNvPr id="2" name="Title 1"/>
-          <p:cNvSpPr>
-            <a:spLocks noGrp="1"/>
-          </p:cNvSpPr>
-          <p:nvPr>
-            <p:ph type="title"/>
-          </p:nvPr>
-        </p:nvSpPr>
-        <p:spPr/>
-        <p:txBody>
-          <a:bodyPr/>
-          <a:lstStyle/>
-          <a:p>
-            <a:r>
-              <a:rPr lang="en-US" dirty="0"/>
-              <a:t>Why does this improve the design?</a:t>
-            </a:r>
-          </a:p>
-        </p:txBody>
-      </p:sp>
-      <p:sp>
-        <p:nvSpPr>
-          <p:cNvPr id="3" name="Content Placeholder 2"/>
-          <p:cNvSpPr>
-            <a:spLocks noGrp="1"/>
-          </p:cNvSpPr>
-          <p:nvPr>
-            <p:ph idx="1"/>
-          </p:nvPr>
-        </p:nvSpPr>
-        <p:spPr/>
-        <p:txBody>
-          <a:bodyPr>
-            <a:normAutofit/>
-          </a:bodyPr>
-          <a:lstStyle/>
-          <a:p>
-            <a:pPr marL="0" indent="0">
-              <a:buNone/>
-            </a:pPr>
-            <a:r>
               <a:rPr lang="en-US" dirty="0"/>
               <a:t>Reduces coupling between two classes:</a:t>
             </a:r>
@@ -9956,7 +8113,7 @@
           <a:p>
             <a:r>
               <a:rPr lang="en-US" dirty="0"/>
-              <a:t>It makes the Game object more featureful, and puts the code in an expected place</a:t>
+              <a:t>It makes the Student object more featureful, and puts the code in an expected place</a:t>
             </a:r>
           </a:p>
           <a:p>
@@ -9966,7 +8123,7 @@
             </a:r>
             <a:r>
               <a:rPr lang="en-US" dirty="0" err="1"/>
-              <a:t>SalesManager</a:t>
+              <a:t>TeamGradebook</a:t>
             </a:r>
             <a:r>
               <a:rPr lang="en-US" dirty="0"/>
@@ -9976,14 +8133,15 @@
           <a:p>
             <a:r>
               <a:rPr lang="en-US" dirty="0"/>
-              <a:t>Allows you to change how the Game’s total revenue is calculated, should you wish to </a:t>
-            </a:r>
-            <a:br>
+              <a:t>Allows you to change how the grades are represented in </a:t>
+            </a:r>
+            <a:r>
+              <a:rPr lang="en-US" dirty="0" err="1"/>
+              <a:t>TeamGradebook</a:t>
+            </a:r>
+            <a:r>
               <a:rPr lang="en-US" dirty="0"/>
-            </a:br>
-            <a:r>
-              <a:rPr lang="en-US" dirty="0"/>
-              <a:t>(e.g., give more weight to individual sales)</a:t>
+              <a:t>, should you wish to (e.g., drop lowest score)</a:t>
             </a:r>
           </a:p>
         </p:txBody>
@@ -10001,7 +8159,7 @@
 </p:sld>
 </file>
 
-<file path=ppt/slides/slide18.xml><?xml version="1.0" encoding="utf-8"?>
+<file path=ppt/slides/slide16.xml><?xml version="1.0" encoding="utf-8"?>
 <p:sld xmlns:a="http://schemas.openxmlformats.org/drawingml/2006/main" xmlns:r="http://schemas.openxmlformats.org/officeDocument/2006/relationships" xmlns:p="http://schemas.openxmlformats.org/presentationml/2006/main">
   <p:cSld>
     <p:spTree>
@@ -10404,7 +8562,7 @@
 </p:sld>
 </file>
 
-<file path=ppt/slides/slide19.xml><?xml version="1.0" encoding="utf-8"?>
+<file path=ppt/slides/slide17.xml><?xml version="1.0" encoding="utf-8"?>
 <p:sld xmlns:a="http://schemas.openxmlformats.org/drawingml/2006/main" xmlns:r="http://schemas.openxmlformats.org/officeDocument/2006/relationships" xmlns:p="http://schemas.openxmlformats.org/presentationml/2006/main">
   <p:cSld>
     <p:spTree>
@@ -10765,128 +8923,7 @@
 </p:sld>
 </file>
 
-<file path=ppt/slides/slide2.xml><?xml version="1.0" encoding="utf-8"?>
-<p:sld xmlns:a="http://schemas.openxmlformats.org/drawingml/2006/main" xmlns:r="http://schemas.openxmlformats.org/officeDocument/2006/relationships" xmlns:p="http://schemas.openxmlformats.org/presentationml/2006/main">
-  <p:cSld>
-    <p:spTree>
-      <p:nvGrpSpPr>
-        <p:cNvPr id="1" name=""/>
-        <p:cNvGrpSpPr/>
-        <p:nvPr/>
-      </p:nvGrpSpPr>
-      <p:grpSpPr>
-        <a:xfrm>
-          <a:off x="0" y="0"/>
-          <a:ext cx="0" cy="0"/>
-          <a:chOff x="0" y="0"/>
-          <a:chExt cx="0" cy="0"/>
-        </a:xfrm>
-      </p:grpSpPr>
-      <p:sp>
-        <p:nvSpPr>
-          <p:cNvPr id="2" name="Title 1"/>
-          <p:cNvSpPr>
-            <a:spLocks noGrp="1"/>
-          </p:cNvSpPr>
-          <p:nvPr>
-            <p:ph type="title"/>
-          </p:nvPr>
-        </p:nvSpPr>
-        <p:spPr/>
-        <p:txBody>
-          <a:bodyPr/>
-          <a:lstStyle/>
-          <a:p>
-            <a:r>
-              <a:rPr lang="en-US" dirty="0"/>
-              <a:t>Today’s topic – </a:t>
-            </a:r>
-            <a:r>
-              <a:rPr lang="en-US" b="1" i="1" dirty="0"/>
-              <a:t>Tell Don’t Ask</a:t>
-            </a:r>
-          </a:p>
-        </p:txBody>
-      </p:sp>
-      <p:sp>
-        <p:nvSpPr>
-          <p:cNvPr id="3" name="Content Placeholder 2"/>
-          <p:cNvSpPr>
-            <a:spLocks noGrp="1"/>
-          </p:cNvSpPr>
-          <p:nvPr>
-            <p:ph idx="1"/>
-          </p:nvPr>
-        </p:nvSpPr>
-        <p:spPr/>
-        <p:txBody>
-          <a:bodyPr/>
-          <a:lstStyle/>
-          <a:p>
-            <a:pPr fontAlgn="base"/>
-            <a:r>
-              <a:rPr lang="en-US" b="1" dirty="0"/>
-              <a:t>Minimize dependencies</a:t>
-            </a:r>
-            <a:r>
-              <a:rPr lang="en-US" dirty="0"/>
-              <a:t> between objects when it does not disrupt usability or extendibility</a:t>
-            </a:r>
-          </a:p>
-          <a:p>
-            <a:pPr lvl="1" fontAlgn="base"/>
-            <a:r>
-              <a:rPr lang="en-US" dirty="0"/>
-              <a:t>If you can see a simpler design that works, use it</a:t>
-            </a:r>
-          </a:p>
-          <a:p>
-            <a:pPr lvl="1" fontAlgn="base"/>
-            <a:r>
-              <a:rPr lang="en-US" dirty="0"/>
-              <a:t>But if you can’t see a simpler design than the one that you have, at least ensure that you:</a:t>
-            </a:r>
-          </a:p>
-          <a:p>
-            <a:pPr lvl="2" fontAlgn="base"/>
-            <a:r>
-              <a:rPr lang="en-US" sz="2800" dirty="0">
-                <a:solidFill>
-                  <a:schemeClr val="accent2"/>
-                </a:solidFill>
-              </a:rPr>
-              <a:t>Tell don't ask</a:t>
-            </a:r>
-          </a:p>
-          <a:p>
-            <a:pPr lvl="2" fontAlgn="base"/>
-            <a:r>
-              <a:rPr lang="en-US" sz="2800" dirty="0"/>
-              <a:t>Don't have message chains</a:t>
-            </a:r>
-          </a:p>
-          <a:p>
-            <a:pPr marL="0" indent="0">
-              <a:buNone/>
-            </a:pPr>
-            <a:endParaRPr lang="en-US" dirty="0"/>
-          </a:p>
-        </p:txBody>
-      </p:sp>
-    </p:spTree>
-    <p:extLst>
-      <p:ext uri="{BB962C8B-B14F-4D97-AF65-F5344CB8AC3E}">
-        <p14:creationId xmlns:p14="http://schemas.microsoft.com/office/powerpoint/2010/main" val="2691170345"/>
-      </p:ext>
-    </p:extLst>
-  </p:cSld>
-  <p:clrMapOvr>
-    <a:masterClrMapping/>
-  </p:clrMapOvr>
-</p:sld>
-</file>
-
-<file path=ppt/slides/slide20.xml><?xml version="1.0" encoding="utf-8"?>
+<file path=ppt/slides/slide18.xml><?xml version="1.0" encoding="utf-8"?>
 <p:sld xmlns:a="http://schemas.openxmlformats.org/drawingml/2006/main" xmlns:r="http://schemas.openxmlformats.org/officeDocument/2006/relationships" xmlns:p="http://schemas.openxmlformats.org/presentationml/2006/main">
   <p:cSld>
     <p:spTree>
@@ -11027,6 +9064,127 @@
 </p:sld>
 </file>
 
+<file path=ppt/slides/slide2.xml><?xml version="1.0" encoding="utf-8"?>
+<p:sld xmlns:a="http://schemas.openxmlformats.org/drawingml/2006/main" xmlns:r="http://schemas.openxmlformats.org/officeDocument/2006/relationships" xmlns:p="http://schemas.openxmlformats.org/presentationml/2006/main">
+  <p:cSld>
+    <p:spTree>
+      <p:nvGrpSpPr>
+        <p:cNvPr id="1" name=""/>
+        <p:cNvGrpSpPr/>
+        <p:nvPr/>
+      </p:nvGrpSpPr>
+      <p:grpSpPr>
+        <a:xfrm>
+          <a:off x="0" y="0"/>
+          <a:ext cx="0" cy="0"/>
+          <a:chOff x="0" y="0"/>
+          <a:chExt cx="0" cy="0"/>
+        </a:xfrm>
+      </p:grpSpPr>
+      <p:sp>
+        <p:nvSpPr>
+          <p:cNvPr id="2" name="Title 1"/>
+          <p:cNvSpPr>
+            <a:spLocks noGrp="1"/>
+          </p:cNvSpPr>
+          <p:nvPr>
+            <p:ph type="title"/>
+          </p:nvPr>
+        </p:nvSpPr>
+        <p:spPr/>
+        <p:txBody>
+          <a:bodyPr/>
+          <a:lstStyle/>
+          <a:p>
+            <a:r>
+              <a:rPr lang="en-US" dirty="0"/>
+              <a:t>Today’s topic – </a:t>
+            </a:r>
+            <a:r>
+              <a:rPr lang="en-US" b="1" i="1" dirty="0"/>
+              <a:t>Tell Don’t Ask</a:t>
+            </a:r>
+          </a:p>
+        </p:txBody>
+      </p:sp>
+      <p:sp>
+        <p:nvSpPr>
+          <p:cNvPr id="3" name="Content Placeholder 2"/>
+          <p:cNvSpPr>
+            <a:spLocks noGrp="1"/>
+          </p:cNvSpPr>
+          <p:nvPr>
+            <p:ph idx="1"/>
+          </p:nvPr>
+        </p:nvSpPr>
+        <p:spPr/>
+        <p:txBody>
+          <a:bodyPr/>
+          <a:lstStyle/>
+          <a:p>
+            <a:pPr fontAlgn="base"/>
+            <a:r>
+              <a:rPr lang="en-US" b="1" dirty="0"/>
+              <a:t>Minimize dependencies</a:t>
+            </a:r>
+            <a:r>
+              <a:rPr lang="en-US" dirty="0"/>
+              <a:t> between objects when it does not disrupt usability or extendibility</a:t>
+            </a:r>
+          </a:p>
+          <a:p>
+            <a:pPr lvl="1" fontAlgn="base"/>
+            <a:r>
+              <a:rPr lang="en-US" dirty="0"/>
+              <a:t>If you can see a simpler design that works, use it</a:t>
+            </a:r>
+          </a:p>
+          <a:p>
+            <a:pPr lvl="1" fontAlgn="base"/>
+            <a:r>
+              <a:rPr lang="en-US" dirty="0"/>
+              <a:t>But if you can’t see a simpler design than the one that you have, at least ensure that you:</a:t>
+            </a:r>
+          </a:p>
+          <a:p>
+            <a:pPr lvl="2" fontAlgn="base"/>
+            <a:r>
+              <a:rPr lang="en-US" sz="2800" dirty="0">
+                <a:solidFill>
+                  <a:schemeClr val="accent2"/>
+                </a:solidFill>
+              </a:rPr>
+              <a:t>Tell don't ask</a:t>
+            </a:r>
+          </a:p>
+          <a:p>
+            <a:pPr lvl="2" fontAlgn="base"/>
+            <a:r>
+              <a:rPr lang="en-US" sz="2800" dirty="0"/>
+              <a:t>Don't have message chains</a:t>
+            </a:r>
+          </a:p>
+          <a:p>
+            <a:pPr marL="0" indent="0">
+              <a:buNone/>
+            </a:pPr>
+            <a:endParaRPr lang="en-US" dirty="0"/>
+          </a:p>
+        </p:txBody>
+      </p:sp>
+    </p:spTree>
+    <p:extLst>
+      <p:ext uri="{BB962C8B-B14F-4D97-AF65-F5344CB8AC3E}">
+        <p14:creationId xmlns:p14="http://schemas.microsoft.com/office/powerpoint/2010/main" val="2691170345"/>
+      </p:ext>
+    </p:extLst>
+  </p:cSld>
+  <p:clrMapOvr>
+    <a:masterClrMapping/>
+  </p:clrMapOvr>
+</p:sld>
+</file>
+
 <file path=ppt/slides/slide3.xml><?xml version="1.0" encoding="utf-8"?>
 <p:sld xmlns:a="http://schemas.openxmlformats.org/drawingml/2006/main" xmlns:r="http://schemas.openxmlformats.org/officeDocument/2006/relationships" xmlns:p="http://schemas.openxmlformats.org/presentationml/2006/main">
   <p:cSld>
@@ -11192,7 +9350,7 @@
         <p:spPr>
           <a:xfrm>
             <a:off x="304800" y="1143000"/>
-            <a:ext cx="8534400" cy="2492990"/>
+            <a:ext cx="8534400" cy="2954655"/>
           </a:xfrm>
           <a:prstGeom prst="rect">
             <a:avLst/>
@@ -11205,7 +9363,7 @@
           <a:lstStyle/>
           <a:p>
             <a:r>
-              <a:rPr lang="en-US" sz="2000" dirty="0">
+              <a:rPr lang="en-US" sz="2400" dirty="0">
                 <a:solidFill>
                   <a:srgbClr val="000000"/>
                 </a:solidFill>
@@ -11219,7 +9377,7 @@
           </a:p>
           <a:p>
             <a:r>
-              <a:rPr lang="en-US" sz="2000" dirty="0">
+              <a:rPr lang="en-US" sz="2400" dirty="0">
                 <a:solidFill>
                   <a:srgbClr val="000000"/>
                 </a:solidFill>
@@ -11228,7 +9386,7 @@
               <a:t>Point2D </a:t>
             </a:r>
             <a:r>
-              <a:rPr lang="en-US" sz="2000" dirty="0">
+              <a:rPr lang="en-US" sz="2400" dirty="0">
                 <a:solidFill>
                   <a:srgbClr val="6A3E3E"/>
                 </a:solidFill>
@@ -11237,7 +9395,7 @@
               <a:t>center1</a:t>
             </a:r>
             <a:r>
-              <a:rPr lang="en-US" sz="2000" dirty="0">
+              <a:rPr lang="en-US" sz="2400" dirty="0">
                 <a:solidFill>
                   <a:srgbClr val="000000"/>
                 </a:solidFill>
@@ -11246,7 +9404,7 @@
               <a:t> = </a:t>
             </a:r>
             <a:r>
-              <a:rPr lang="en-US" sz="2000" dirty="0">
+              <a:rPr lang="en-US" sz="2400" dirty="0">
                 <a:solidFill>
                   <a:srgbClr val="6A3E3E"/>
                 </a:solidFill>
@@ -11255,7 +9413,7 @@
               <a:t>region1</a:t>
             </a:r>
             <a:r>
-              <a:rPr lang="en-US" sz="2000" dirty="0">
+              <a:rPr lang="en-US" sz="2400" dirty="0">
                 <a:solidFill>
                   <a:srgbClr val="000000"/>
                 </a:solidFill>
@@ -11266,7 +9424,7 @@
           </a:p>
           <a:p>
             <a:r>
-              <a:rPr lang="en-US" sz="2000" dirty="0">
+              <a:rPr lang="en-US" sz="2400" dirty="0">
                 <a:solidFill>
                   <a:srgbClr val="000000"/>
                 </a:solidFill>
@@ -11275,7 +9433,7 @@
               <a:t>Point2D </a:t>
             </a:r>
             <a:r>
-              <a:rPr lang="en-US" sz="2000" dirty="0">
+              <a:rPr lang="en-US" sz="2400" dirty="0">
                 <a:solidFill>
                   <a:srgbClr val="6A3E3E"/>
                 </a:solidFill>
@@ -11284,7 +9442,7 @@
               <a:t>center2</a:t>
             </a:r>
             <a:r>
-              <a:rPr lang="en-US" sz="2000" dirty="0">
+              <a:rPr lang="en-US" sz="2400" dirty="0">
                 <a:solidFill>
                   <a:srgbClr val="000000"/>
                 </a:solidFill>
@@ -11293,7 +9451,7 @@
               <a:t> = </a:t>
             </a:r>
             <a:r>
-              <a:rPr lang="en-US" sz="2000" dirty="0">
+              <a:rPr lang="en-US" sz="2400" dirty="0">
                 <a:solidFill>
                   <a:srgbClr val="6A3E3E"/>
                 </a:solidFill>
@@ -11302,7 +9460,7 @@
               <a:t>region2</a:t>
             </a:r>
             <a:r>
-              <a:rPr lang="en-US" sz="2000" dirty="0">
+              <a:rPr lang="en-US" sz="2400" dirty="0">
                 <a:solidFill>
                   <a:srgbClr val="000000"/>
                 </a:solidFill>
@@ -11313,7 +9471,7 @@
           </a:p>
           <a:p>
             <a:r>
-              <a:rPr lang="en-US" sz="2000" b="1" dirty="0">
+              <a:rPr lang="en-US" sz="2400" b="1" dirty="0">
                 <a:solidFill>
                   <a:srgbClr val="7F0055"/>
                 </a:solidFill>
@@ -11322,7 +9480,7 @@
               <a:t>double</a:t>
             </a:r>
             <a:r>
-              <a:rPr lang="en-US" sz="2000" b="1" dirty="0">
+              <a:rPr lang="en-US" sz="2400" b="1" dirty="0">
                 <a:solidFill>
                   <a:srgbClr val="000000"/>
                 </a:solidFill>
@@ -11331,7 +9489,7 @@
               <a:t> </a:t>
             </a:r>
             <a:r>
-              <a:rPr lang="en-US" sz="2000" b="1" dirty="0" err="1">
+              <a:rPr lang="en-US" sz="2400" b="1" dirty="0" err="1">
                 <a:solidFill>
                   <a:srgbClr val="6A3E3E"/>
                 </a:solidFill>
@@ -11340,7 +9498,7 @@
               <a:t>dist</a:t>
             </a:r>
             <a:r>
-              <a:rPr lang="en-US" sz="2000" b="1" dirty="0">
+              <a:rPr lang="en-US" sz="2400" b="1" dirty="0">
                 <a:solidFill>
                   <a:srgbClr val="000000"/>
                 </a:solidFill>
@@ -11349,7 +9507,7 @@
               <a:t> = </a:t>
             </a:r>
             <a:r>
-              <a:rPr lang="en-US" sz="2000" b="1" dirty="0">
+              <a:rPr lang="en-US" sz="2400" b="1" dirty="0">
                 <a:solidFill>
                   <a:srgbClr val="6A3E3E"/>
                 </a:solidFill>
@@ -11358,7 +9516,7 @@
               <a:t>center1</a:t>
             </a:r>
             <a:r>
-              <a:rPr lang="en-US" sz="2000" b="1" dirty="0">
+              <a:rPr lang="en-US" sz="2400" b="1" dirty="0">
                 <a:solidFill>
                   <a:srgbClr val="000000"/>
                 </a:solidFill>
@@ -11367,7 +9525,7 @@
               <a:t>.distance(</a:t>
             </a:r>
             <a:r>
-              <a:rPr lang="en-US" sz="2000" b="1" dirty="0">
+              <a:rPr lang="en-US" sz="2400" b="1" dirty="0">
                 <a:solidFill>
                   <a:srgbClr val="6A3E3E"/>
                 </a:solidFill>
@@ -11376,7 +9534,7 @@
               <a:t>center2</a:t>
             </a:r>
             <a:r>
-              <a:rPr lang="en-US" sz="2000" b="1" dirty="0">
+              <a:rPr lang="en-US" sz="2400" b="1" dirty="0">
                 <a:solidFill>
                   <a:srgbClr val="000000"/>
                 </a:solidFill>
@@ -11387,7 +9545,7 @@
           </a:p>
           <a:p>
             <a:r>
-              <a:rPr lang="en-US" sz="2000" b="1" dirty="0">
+              <a:rPr lang="en-US" sz="2400" b="1" dirty="0">
                 <a:solidFill>
                   <a:srgbClr val="7F0055"/>
                 </a:solidFill>
@@ -11396,7 +9554,7 @@
               <a:t>if</a:t>
             </a:r>
             <a:r>
-              <a:rPr lang="en-US" sz="2000" b="1" dirty="0">
+              <a:rPr lang="en-US" sz="2400" b="1" dirty="0">
                 <a:solidFill>
                   <a:srgbClr val="000000"/>
                 </a:solidFill>
@@ -11405,7 +9563,7 @@
               <a:t>(</a:t>
             </a:r>
             <a:r>
-              <a:rPr lang="en-US" sz="2000" b="1" dirty="0" err="1">
+              <a:rPr lang="en-US" sz="2400" b="1" dirty="0" err="1">
                 <a:solidFill>
                   <a:srgbClr val="6A3E3E"/>
                 </a:solidFill>
@@ -11414,16 +9572,16 @@
               <a:t>dist</a:t>
             </a:r>
             <a:r>
-              <a:rPr lang="en-US" sz="2000" b="1" dirty="0">
+              <a:rPr lang="en-US" sz="2400" b="1" dirty="0">
                 <a:solidFill>
                   <a:srgbClr val="000000"/>
                 </a:solidFill>
                 <a:latin typeface="Consolas" panose="020B0609020204030204" pitchFamily="49" charset="0"/>
               </a:rPr>
-              <a:t> &lt; </a:t>
-            </a:r>
-            <a:r>
-              <a:rPr lang="en-US" sz="2000" b="1" dirty="0">
+              <a:t> &gt; </a:t>
+            </a:r>
+            <a:r>
+              <a:rPr lang="en-US" sz="2400" b="1" dirty="0">
                 <a:solidFill>
                   <a:srgbClr val="6A3E3E"/>
                 </a:solidFill>
@@ -11432,85 +9590,67 @@
               <a:t>region1</a:t>
             </a:r>
             <a:r>
-              <a:rPr lang="en-US" sz="2000" b="1" dirty="0">
+              <a:rPr lang="en-US" sz="2400" b="1" dirty="0">
                 <a:solidFill>
                   <a:srgbClr val="000000"/>
                 </a:solidFill>
                 <a:latin typeface="Consolas" panose="020B0609020204030204" pitchFamily="49" charset="0"/>
               </a:rPr>
-              <a:t>.getRadius() + </a:t>
-            </a:r>
-            <a:r>
-              <a:rPr lang="en-US" sz="2000" b="1" dirty="0">
+              <a:t>.getRadius()) {</a:t>
+            </a:r>
+          </a:p>
+          <a:p>
+            <a:r>
+              <a:rPr lang="en-US" sz="2400" dirty="0">
                 <a:solidFill>
                   <a:srgbClr val="6A3E3E"/>
                 </a:solidFill>
                 <a:latin typeface="Consolas" panose="020B0609020204030204" pitchFamily="49" charset="0"/>
               </a:rPr>
-              <a:t>region2</a:t>
-            </a:r>
-            <a:r>
-              <a:rPr lang="en-US" sz="2000" b="1" dirty="0">
+              <a:t>   region1</a:t>
+            </a:r>
+            <a:r>
+              <a:rPr lang="en-US" sz="2400" dirty="0">
                 <a:solidFill>
                   <a:srgbClr val="000000"/>
                 </a:solidFill>
                 <a:latin typeface="Consolas" panose="020B0609020204030204" pitchFamily="49" charset="0"/>
               </a:rPr>
-              <a:t>.getRadius()) {</a:t>
-            </a:r>
-          </a:p>
-          <a:p>
-            <a:r>
-              <a:rPr lang="en-US" sz="2000" dirty="0">
-                <a:solidFill>
-                  <a:srgbClr val="6A3E3E"/>
+              <a:t>.setIsOverlapping(</a:t>
+            </a:r>
+            <a:r>
+              <a:rPr lang="en-US" sz="2400" b="1" dirty="0">
+                <a:solidFill>
+                  <a:srgbClr val="7F0055"/>
                 </a:solidFill>
                 <a:latin typeface="Consolas" panose="020B0609020204030204" pitchFamily="49" charset="0"/>
               </a:rPr>
-              <a:t>   region1</a:t>
-            </a:r>
-            <a:r>
-              <a:rPr lang="en-US" sz="2000" dirty="0">
+              <a:t>true</a:t>
+            </a:r>
+            <a:r>
+              <a:rPr lang="en-US" sz="2400" b="1" dirty="0">
                 <a:solidFill>
                   <a:srgbClr val="000000"/>
                 </a:solidFill>
                 <a:latin typeface="Consolas" panose="020B0609020204030204" pitchFamily="49" charset="0"/>
               </a:rPr>
-              <a:t>.setIsOverlapping(</a:t>
-            </a:r>
-            <a:r>
-              <a:rPr lang="en-US" sz="2000" b="1" dirty="0">
-                <a:solidFill>
-                  <a:srgbClr val="7F0055"/>
+              <a:t>);</a:t>
+            </a:r>
+          </a:p>
+          <a:p>
+            <a:r>
+              <a:rPr lang="en-US" sz="2400" dirty="0">
+                <a:solidFill>
+                  <a:srgbClr val="000000"/>
                 </a:solidFill>
                 <a:latin typeface="Consolas" panose="020B0609020204030204" pitchFamily="49" charset="0"/>
               </a:rPr>
-              <a:t>true</a:t>
-            </a:r>
-            <a:r>
-              <a:rPr lang="en-US" sz="2000" b="1" dirty="0">
-                <a:solidFill>
-                  <a:srgbClr val="000000"/>
-                </a:solidFill>
-                <a:latin typeface="Consolas" panose="020B0609020204030204" pitchFamily="49" charset="0"/>
-              </a:rPr>
-              <a:t>);</a:t>
-            </a:r>
-          </a:p>
-          <a:p>
-            <a:r>
-              <a:rPr lang="en-US" sz="2000" dirty="0">
-                <a:solidFill>
-                  <a:srgbClr val="000000"/>
-                </a:solidFill>
-                <a:latin typeface="Consolas" panose="020B0609020204030204" pitchFamily="49" charset="0"/>
-              </a:rPr>
               <a:t>}</a:t>
             </a:r>
           </a:p>
           <a:p>
             <a:r>
-              <a:rPr lang="en-US" sz="1600" dirty="0">
+              <a:rPr lang="en-US" dirty="0">
                 <a:solidFill>
                   <a:srgbClr val="000000"/>
                 </a:solidFill>
@@ -11521,7 +9661,7 @@
               </a:rPr>
               <a:t>// This code is determining if two regions intersect</a:t>
             </a:r>
-            <a:endParaRPr lang="en-US" sz="1600" dirty="0">
+            <a:endParaRPr lang="en-US" dirty="0">
               <a:highlight>
                 <a:srgbClr val="FFFF00"/>
               </a:highlight>
@@ -11537,7 +9677,7 @@
         </p:nvSpPr>
         <p:spPr>
           <a:xfrm>
-            <a:off x="457200" y="3962400"/>
+            <a:off x="381000" y="4038600"/>
             <a:ext cx="8305800" cy="2677656"/>
           </a:xfrm>
           <a:prstGeom prst="rect">
@@ -11579,6 +9719,49 @@
             <a:r>
               <a:rPr lang="en-US" sz="2400" dirty="0"/>
               <a:t>Note how much this code “knows” about the Region class.  It knows about many of its fields.  It has a very strong dependency on the Region class.</a:t>
+            </a:r>
+          </a:p>
+        </p:txBody>
+      </p:sp>
+      <p:sp>
+        <p:nvSpPr>
+          <p:cNvPr id="8" name="Left Arrow 7"/>
+          <p:cNvSpPr/>
+          <p:nvPr/>
+        </p:nvSpPr>
+        <p:spPr>
+          <a:xfrm>
+            <a:off x="7315200" y="1143000"/>
+            <a:ext cx="1371600" cy="2209800"/>
+          </a:xfrm>
+          <a:prstGeom prst="leftArrow">
+            <a:avLst/>
+          </a:prstGeom>
+        </p:spPr>
+        <p:style>
+          <a:lnRef idx="2">
+            <a:schemeClr val="accent1">
+              <a:shade val="50000"/>
+            </a:schemeClr>
+          </a:lnRef>
+          <a:fillRef idx="1">
+            <a:schemeClr val="accent1"/>
+          </a:fillRef>
+          <a:effectRef idx="0">
+            <a:schemeClr val="accent1"/>
+          </a:effectRef>
+          <a:fontRef idx="minor">
+            <a:schemeClr val="lt1"/>
+          </a:fontRef>
+        </p:style>
+        <p:txBody>
+          <a:bodyPr rtlCol="0" anchor="ctr"/>
+          <a:lstStyle/>
+          <a:p>
+            <a:pPr algn="ctr"/>
+            <a:r>
+              <a:rPr lang="en-US" dirty="0"/>
+              <a:t>Many ASKS</a:t>
             </a:r>
           </a:p>
         </p:txBody>
@@ -11597,8 +9780,8 @@
         </p:nvSpPr>
         <p:spPr>
           <a:xfrm>
-            <a:off x="152400" y="1121157"/>
-            <a:ext cx="8610600" cy="2677656"/>
+            <a:off x="152400" y="1121156"/>
+            <a:ext cx="8610600" cy="2976499"/>
           </a:xfrm>
           <a:prstGeom prst="roundRect">
             <a:avLst/>
@@ -11627,49 +9810,6 @@
           <a:p>
             <a:pPr algn="ctr"/>
             <a:endParaRPr lang="en-US"/>
-          </a:p>
-        </p:txBody>
-      </p:sp>
-      <p:sp>
-        <p:nvSpPr>
-          <p:cNvPr id="8" name="Left Arrow 7"/>
-          <p:cNvSpPr/>
-          <p:nvPr/>
-        </p:nvSpPr>
-        <p:spPr>
-          <a:xfrm>
-            <a:off x="7772400" y="1078484"/>
-            <a:ext cx="1371600" cy="2209800"/>
-          </a:xfrm>
-          <a:prstGeom prst="leftArrow">
-            <a:avLst/>
-          </a:prstGeom>
-        </p:spPr>
-        <p:style>
-          <a:lnRef idx="2">
-            <a:schemeClr val="accent1">
-              <a:shade val="50000"/>
-            </a:schemeClr>
-          </a:lnRef>
-          <a:fillRef idx="1">
-            <a:schemeClr val="accent1"/>
-          </a:fillRef>
-          <a:effectRef idx="0">
-            <a:schemeClr val="accent1"/>
-          </a:effectRef>
-          <a:fontRef idx="minor">
-            <a:schemeClr val="lt1"/>
-          </a:fontRef>
-        </p:style>
-        <p:txBody>
-          <a:bodyPr rtlCol="0" anchor="ctr"/>
-          <a:lstStyle/>
-          <a:p>
-            <a:pPr algn="ctr"/>
-            <a:r>
-              <a:rPr lang="en-US" dirty="0"/>
-              <a:t>Many ASKS</a:t>
-            </a:r>
           </a:p>
         </p:txBody>
       </p:sp>
@@ -12633,7 +10773,7 @@
           <a:p>
             <a:r>
               <a:rPr lang="en-US" dirty="0"/>
-              <a:t>Be wary of getter methods</a:t>
+              <a:t>Be wary getter methods</a:t>
             </a:r>
           </a:p>
           <a:p>
@@ -12682,13 +10822,7 @@
       </p:grpSpPr>
       <p:sp>
         <p:nvSpPr>
-          <p:cNvPr id="2" name="Title 1">
-            <a:extLst>
-              <a:ext uri="{FF2B5EF4-FFF2-40B4-BE49-F238E27FC236}">
-                <a16:creationId xmlns:a16="http://schemas.microsoft.com/office/drawing/2014/main" id="{9D2C71B3-EAC7-849E-C9CC-60FB16B606E4}"/>
-              </a:ext>
-            </a:extLst>
-          </p:cNvPr>
+          <p:cNvPr id="2" name="Title 1"/>
           <p:cNvSpPr>
             <a:spLocks noGrp="1"/>
           </p:cNvSpPr>
@@ -12698,56 +10832,111 @@
         </p:nvSpPr>
         <p:spPr/>
         <p:txBody>
-          <a:bodyPr/>
+          <a:bodyPr>
+            <a:normAutofit/>
+          </a:bodyPr>
           <a:lstStyle/>
           <a:p>
             <a:r>
               <a:rPr lang="en-US" dirty="0"/>
-              <a:t>Recall: DP2 Solution</a:t>
-            </a:r>
-          </a:p>
-        </p:txBody>
-      </p:sp>
-      <p:pic>
-        <p:nvPicPr>
-          <p:cNvPr id="4" name="Picture 3" descr="A diagram of a computer code&#10;&#10;Description automatically generated with medium confidence">
-            <a:extLst>
-              <a:ext uri="{FF2B5EF4-FFF2-40B4-BE49-F238E27FC236}">
-                <a16:creationId xmlns:a16="http://schemas.microsoft.com/office/drawing/2014/main" id="{965C6FCA-3F0F-73A5-424B-98E39A7E3B60}"/>
-              </a:ext>
-            </a:extLst>
-          </p:cNvPr>
-          <p:cNvPicPr>
-            <a:picLocks noChangeAspect="1"/>
-          </p:cNvPicPr>
-          <p:nvPr/>
-        </p:nvPicPr>
-        <p:blipFill>
-          <a:blip r:embed="rId3">
-            <a:extLst>
-              <a:ext uri="{28A0092B-C50C-407E-A947-70E740481C1C}">
-                <a14:useLocalDpi xmlns:a14="http://schemas.microsoft.com/office/drawing/2010/main" val="0"/>
-              </a:ext>
-            </a:extLst>
-          </a:blip>
-          <a:stretch>
-            <a:fillRect/>
-          </a:stretch>
-        </p:blipFill>
-        <p:spPr>
-          <a:xfrm>
-            <a:off x="104775" y="2514600"/>
-            <a:ext cx="8934450" cy="2076617"/>
-          </a:xfrm>
-          <a:prstGeom prst="rect">
-            <a:avLst/>
-          </a:prstGeom>
-        </p:spPr>
-      </p:pic>
+              <a:t>A simple example of Tell Don’t Ask</a:t>
+            </a:r>
+          </a:p>
+        </p:txBody>
+      </p:sp>
+      <p:sp>
+        <p:nvSpPr>
+          <p:cNvPr id="3" name="Content Placeholder 2"/>
+          <p:cNvSpPr>
+            <a:spLocks noGrp="1"/>
+          </p:cNvSpPr>
+          <p:nvPr>
+            <p:ph idx="1"/>
+          </p:nvPr>
+        </p:nvSpPr>
+        <p:spPr/>
+        <p:txBody>
+          <a:bodyPr>
+            <a:normAutofit/>
+          </a:bodyPr>
+          <a:lstStyle/>
+          <a:p>
+            <a:pPr marL="0" indent="0">
+              <a:buNone/>
+            </a:pPr>
+            <a:r>
+              <a:rPr lang="en-US" dirty="0"/>
+              <a:t>In your </a:t>
+            </a:r>
+            <a:r>
+              <a:rPr lang="en-US" dirty="0" err="1"/>
+              <a:t>TeamGradebook</a:t>
+            </a:r>
+            <a:r>
+              <a:rPr lang="en-US" dirty="0"/>
+              <a:t> classes, you need to calculate a student’s average grade.  This could be accomplished by 2 different approaches:</a:t>
+            </a:r>
+          </a:p>
+          <a:p>
+            <a:pPr marL="514350" indent="-514350">
+              <a:buAutoNum type="arabicParenR"/>
+            </a:pPr>
+            <a:r>
+              <a:rPr lang="en-US" dirty="0"/>
+              <a:t>Adding a </a:t>
+            </a:r>
+            <a:r>
+              <a:rPr lang="en-US" i="1" dirty="0" err="1"/>
+              <a:t>getAverage</a:t>
+            </a:r>
+            <a:r>
+              <a:rPr lang="en-US" dirty="0"/>
+              <a:t>() method to the Student class which calculates the average</a:t>
+            </a:r>
+          </a:p>
+          <a:p>
+            <a:pPr marL="514350" indent="-514350">
+              <a:buAutoNum type="arabicParenR"/>
+            </a:pPr>
+            <a:r>
+              <a:rPr lang="en-US" dirty="0"/>
+              <a:t>Adding a </a:t>
+            </a:r>
+            <a:r>
+              <a:rPr lang="en-US" i="1" dirty="0" err="1"/>
+              <a:t>getGrades</a:t>
+            </a:r>
+            <a:r>
+              <a:rPr lang="en-US" dirty="0"/>
+              <a:t>() method to the student class, which the </a:t>
+            </a:r>
+            <a:r>
+              <a:rPr lang="en-US" dirty="0" err="1"/>
+              <a:t>TeamGradebook</a:t>
+            </a:r>
+            <a:r>
+              <a:rPr lang="en-US" dirty="0"/>
+              <a:t> class could call, and then use to compute the average</a:t>
+            </a:r>
+          </a:p>
+          <a:p>
+            <a:pPr marL="514350" indent="-514350">
+              <a:buAutoNum type="arabicParenR"/>
+            </a:pPr>
+            <a:endParaRPr lang="en-US" dirty="0"/>
+          </a:p>
+          <a:p>
+            <a:pPr marL="514350" indent="-514350">
+              <a:buAutoNum type="alphaLcParenR"/>
+            </a:pPr>
+            <a:endParaRPr lang="en-US" dirty="0"/>
+          </a:p>
+        </p:txBody>
+      </p:sp>
     </p:spTree>
     <p:extLst>
       <p:ext uri="{BB962C8B-B14F-4D97-AF65-F5344CB8AC3E}">
-        <p14:creationId xmlns:p14="http://schemas.microsoft.com/office/powerpoint/2010/main" val="968503782"/>
+        <p14:creationId xmlns:p14="http://schemas.microsoft.com/office/powerpoint/2010/main" val="3063415246"/>
       </p:ext>
     </p:extLst>
   </p:cSld>
@@ -12811,7 +11000,7 @@
         <p:spPr/>
         <p:txBody>
           <a:bodyPr>
-            <a:normAutofit fontScale="92500" lnSpcReduction="20000"/>
+            <a:normAutofit/>
           </a:bodyPr>
           <a:lstStyle/>
           <a:p>
@@ -12820,15 +11009,7 @@
             </a:pPr>
             <a:r>
               <a:rPr lang="en-US" dirty="0"/>
-              <a:t>In your </a:t>
-            </a:r>
-            <a:r>
-              <a:rPr lang="en-US" dirty="0" err="1"/>
-              <a:t>VaporSalesManager</a:t>
-            </a:r>
-            <a:r>
-              <a:rPr lang="en-US" dirty="0"/>
-              <a:t> classes, you need to calculate a game’s total revenue, including revenue from its bundle sales. This could be accomplished by 2 different approaches:</a:t>
+              <a:t>Approach #1:</a:t>
             </a:r>
           </a:p>
           <a:p>
@@ -12841,57 +11022,45 @@
             </a:r>
             <a:r>
               <a:rPr lang="en-US" i="1" dirty="0" err="1"/>
-              <a:t>computeTotalRevenue</a:t>
+              <a:t>getAverage</a:t>
             </a:r>
             <a:r>
               <a:rPr lang="en-US" dirty="0"/>
-              <a:t>() method to the Game class which adds up the revenues</a:t>
-            </a:r>
-          </a:p>
-          <a:p>
-            <a:pPr marL="514350" indent="-514350">
-              <a:buAutoNum type="arabicParenR"/>
+              <a:t>() method to the Student class which calculates the average</a:t>
+            </a:r>
+          </a:p>
+          <a:p>
+            <a:pPr marL="0" indent="0">
+              <a:buNone/>
             </a:pPr>
             <a:r>
-              <a:rPr lang="en-US" dirty="0"/>
-              <a:t>Adding a </a:t>
-            </a:r>
-            <a:r>
-              <a:rPr lang="en-US" i="1" dirty="0" err="1"/>
-              <a:t>getBundles</a:t>
-            </a:r>
-            <a:r>
-              <a:rPr lang="en-US" dirty="0"/>
-              <a:t>() method to the Game class, which the </a:t>
-            </a:r>
-            <a:r>
-              <a:rPr lang="en-US" dirty="0" err="1"/>
-              <a:t>SalesManager</a:t>
-            </a:r>
-            <a:r>
-              <a:rPr lang="en-US" dirty="0"/>
-              <a:t> class could call, and then use in </a:t>
-            </a:r>
-            <a:r>
-              <a:rPr lang="en-US" i="1" dirty="0" err="1"/>
-              <a:t>handleGetHighestRevenueGame</a:t>
-            </a:r>
-            <a:r>
-              <a:rPr lang="en-US" dirty="0"/>
-              <a:t>() and  </a:t>
-            </a:r>
-            <a:r>
-              <a:rPr lang="en-US" i="1" dirty="0" err="1"/>
-              <a:t>handlePrintGameSalesReport</a:t>
-            </a:r>
-            <a:r>
-              <a:rPr lang="en-US" dirty="0"/>
-              <a:t>()</a:t>
-            </a:r>
-          </a:p>
-          <a:p>
-            <a:pPr marL="514350" indent="-514350">
-              <a:buAutoNum type="arabicParenR"/>
+              <a:rPr lang="en-US" dirty="0">
+                <a:highlight>
+                  <a:srgbClr val="FFFF00"/>
+                </a:highlight>
+              </a:rPr>
+              <a:t>This approach engineers Student class so that it “knows” more about what goes on with Students, and </a:t>
+            </a:r>
+            <a:r>
+              <a:rPr lang="en-US" dirty="0" err="1">
+                <a:highlight>
+                  <a:srgbClr val="FFFF00"/>
+                </a:highlight>
+              </a:rPr>
+              <a:t>TeamGradeBook</a:t>
+            </a:r>
+            <a:r>
+              <a:rPr lang="en-US" dirty="0">
+                <a:highlight>
+                  <a:srgbClr val="FFFF00"/>
+                </a:highlight>
+              </a:rPr>
+              <a:t> “knows” less</a:t>
+            </a:r>
+          </a:p>
+          <a:p>
+            <a:pPr marL="0" indent="0">
+              <a:buNone/>
             </a:pPr>
             <a:endParaRPr lang="en-US" dirty="0"/>
           </a:p>
@@ -12903,10 +11072,57 @@
           </a:p>
         </p:txBody>
       </p:sp>
+      <p:sp>
+        <p:nvSpPr>
+          <p:cNvPr id="4" name="Rectangle: Rounded Corners 3">
+            <a:extLst>
+              <a:ext uri="{FF2B5EF4-FFF2-40B4-BE49-F238E27FC236}">
+                <a16:creationId xmlns:a16="http://schemas.microsoft.com/office/drawing/2014/main" id="{9FDF7A2F-37E5-4A29-9E46-AFA3BEB7826C}"/>
+              </a:ext>
+            </a:extLst>
+          </p:cNvPr>
+          <p:cNvSpPr/>
+          <p:nvPr/>
+        </p:nvSpPr>
+        <p:spPr>
+          <a:xfrm>
+            <a:off x="304800" y="2133600"/>
+            <a:ext cx="8382000" cy="1066800"/>
+          </a:xfrm>
+          <a:prstGeom prst="roundRect">
+            <a:avLst/>
+          </a:prstGeom>
+          <a:noFill/>
+        </p:spPr>
+        <p:style>
+          <a:lnRef idx="2">
+            <a:schemeClr val="accent1">
+              <a:shade val="50000"/>
+            </a:schemeClr>
+          </a:lnRef>
+          <a:fillRef idx="1">
+            <a:schemeClr val="accent1"/>
+          </a:fillRef>
+          <a:effectRef idx="0">
+            <a:schemeClr val="accent1"/>
+          </a:effectRef>
+          <a:fontRef idx="minor">
+            <a:schemeClr val="lt1"/>
+          </a:fontRef>
+        </p:style>
+        <p:txBody>
+          <a:bodyPr rtlCol="0" anchor="ctr"/>
+          <a:lstStyle/>
+          <a:p>
+            <a:pPr algn="ctr"/>
+            <a:endParaRPr lang="en-US"/>
+          </a:p>
+        </p:txBody>
+      </p:sp>
     </p:spTree>
     <p:extLst>
       <p:ext uri="{BB962C8B-B14F-4D97-AF65-F5344CB8AC3E}">
-        <p14:creationId xmlns:p14="http://schemas.microsoft.com/office/powerpoint/2010/main" val="3063415246"/>
+        <p14:creationId xmlns:p14="http://schemas.microsoft.com/office/powerpoint/2010/main" val="3847481478"/>
       </p:ext>
     </p:extLst>
   </p:cSld>
@@ -13487,18 +11703,18 @@
 </file>
 
 <file path=customXml/item1.xml><?xml version="1.0" encoding="utf-8"?>
+<p:properties xmlns:p="http://schemas.microsoft.com/office/2006/metadata/properties" xmlns:xsi="http://www.w3.org/2001/XMLSchema-instance" xmlns:pc="http://schemas.microsoft.com/office/infopath/2007/PartnerControls">
+  <documentManagement/>
+</p:properties>
+</file>
+
+<file path=customXml/item2.xml><?xml version="1.0" encoding="utf-8"?>
 <?mso-contentType ?>
 <FormTemplates xmlns="http://schemas.microsoft.com/sharepoint/v3/contenttype/forms">
   <Display>DocumentLibraryForm</Display>
   <Edit>DocumentLibraryForm</Edit>
   <New>DocumentLibraryForm</New>
 </FormTemplates>
-</file>
-
-<file path=customXml/item2.xml><?xml version="1.0" encoding="utf-8"?>
-<p:properties xmlns:p="http://schemas.microsoft.com/office/2006/metadata/properties" xmlns:xsi="http://www.w3.org/2001/XMLSchema-instance" xmlns:pc="http://schemas.microsoft.com/office/infopath/2007/PartnerControls">
-  <documentManagement/>
-</p:properties>
 </file>
 
 <file path=customXml/item3.xml><?xml version="1.0" encoding="utf-8"?>
@@ -13672,18 +11888,18 @@
 </file>
 
 <file path=customXml/itemProps1.xml><?xml version="1.0" encoding="utf-8"?>
-<ds:datastoreItem xmlns:ds="http://schemas.openxmlformats.org/officeDocument/2006/customXml" ds:itemID="{9AE2D890-DD52-42DE-B5B8-84F83EC3D48C}">
+<ds:datastoreItem xmlns:ds="http://schemas.openxmlformats.org/officeDocument/2006/customXml" ds:itemID="{06F1CD26-666D-4C8A-ADB0-C09DB6DA8803}">
   <ds:schemaRefs>
-    <ds:schemaRef ds:uri="http://schemas.microsoft.com/sharepoint/v3/contenttype/forms"/>
+    <ds:schemaRef ds:uri="http://schemas.microsoft.com/office/2006/metadata/properties"/>
+    <ds:schemaRef ds:uri="http://schemas.microsoft.com/office/infopath/2007/PartnerControls"/>
   </ds:schemaRefs>
 </ds:datastoreItem>
 </file>
 
 <file path=customXml/itemProps2.xml><?xml version="1.0" encoding="utf-8"?>
-<ds:datastoreItem xmlns:ds="http://schemas.openxmlformats.org/officeDocument/2006/customXml" ds:itemID="{06F1CD26-666D-4C8A-ADB0-C09DB6DA8803}">
+<ds:datastoreItem xmlns:ds="http://schemas.openxmlformats.org/officeDocument/2006/customXml" ds:itemID="{9AE2D890-DD52-42DE-B5B8-84F83EC3D48C}">
   <ds:schemaRefs>
-    <ds:schemaRef ds:uri="http://schemas.microsoft.com/office/2006/metadata/properties"/>
-    <ds:schemaRef ds:uri="http://schemas.microsoft.com/office/infopath/2007/PartnerControls"/>
+    <ds:schemaRef ds:uri="http://schemas.microsoft.com/sharepoint/v3/contenttype/forms"/>
   </ds:schemaRefs>
 </ds:datastoreItem>
 </file>

--- a/ClassMaterials/CohesionAndCoupling/Slides/Part2-OOD-DP4-TellDoNotAsk.pptx
+++ b/ClassMaterials/CohesionAndCoupling/Slides/Part2-OOD-DP4-TellDoNotAsk.pptx
@@ -1098,7 +1098,7 @@
           <a:p>
             <a:fld id="{11374350-B736-4AC1-A1E7-19777DF1B0E1}" type="datetimeFigureOut">
               <a:rPr lang="en-US" smtClean="0"/>
-              <a:t>10/2/2023</a:t>
+              <a:t>2/25/2024</a:t>
             </a:fld>
             <a:endParaRPr lang="en-US"/>
           </a:p>
@@ -3505,7 +3505,7 @@
           <a:p>
             <a:fld id="{50A519B0-864F-436F-AD10-563B5AD2C023}" type="datetimeFigureOut">
               <a:rPr lang="en-US" smtClean="0"/>
-              <a:t>10/2/2023</a:t>
+              <a:t>2/25/2024</a:t>
             </a:fld>
             <a:endParaRPr lang="en-US"/>
           </a:p>
@@ -3673,7 +3673,7 @@
           <a:p>
             <a:fld id="{50A519B0-864F-436F-AD10-563B5AD2C023}" type="datetimeFigureOut">
               <a:rPr lang="en-US" smtClean="0"/>
-              <a:t>10/2/2023</a:t>
+              <a:t>2/25/2024</a:t>
             </a:fld>
             <a:endParaRPr lang="en-US"/>
           </a:p>
@@ -3851,7 +3851,7 @@
           <a:p>
             <a:fld id="{50A519B0-864F-436F-AD10-563B5AD2C023}" type="datetimeFigureOut">
               <a:rPr lang="en-US" smtClean="0"/>
-              <a:t>10/2/2023</a:t>
+              <a:t>2/25/2024</a:t>
             </a:fld>
             <a:endParaRPr lang="en-US"/>
           </a:p>
@@ -4019,7 +4019,7 @@
           <a:p>
             <a:fld id="{50A519B0-864F-436F-AD10-563B5AD2C023}" type="datetimeFigureOut">
               <a:rPr lang="en-US" smtClean="0"/>
-              <a:t>10/2/2023</a:t>
+              <a:t>2/25/2024</a:t>
             </a:fld>
             <a:endParaRPr lang="en-US"/>
           </a:p>
@@ -4264,7 +4264,7 @@
           <a:p>
             <a:fld id="{50A519B0-864F-436F-AD10-563B5AD2C023}" type="datetimeFigureOut">
               <a:rPr lang="en-US" smtClean="0"/>
-              <a:t>10/2/2023</a:t>
+              <a:t>2/25/2024</a:t>
             </a:fld>
             <a:endParaRPr lang="en-US"/>
           </a:p>
@@ -4549,7 +4549,7 @@
           <a:p>
             <a:fld id="{50A519B0-864F-436F-AD10-563B5AD2C023}" type="datetimeFigureOut">
               <a:rPr lang="en-US" smtClean="0"/>
-              <a:t>10/2/2023</a:t>
+              <a:t>2/25/2024</a:t>
             </a:fld>
             <a:endParaRPr lang="en-US"/>
           </a:p>
@@ -4968,7 +4968,7 @@
           <a:p>
             <a:fld id="{50A519B0-864F-436F-AD10-563B5AD2C023}" type="datetimeFigureOut">
               <a:rPr lang="en-US" smtClean="0"/>
-              <a:t>10/2/2023</a:t>
+              <a:t>2/25/2024</a:t>
             </a:fld>
             <a:endParaRPr lang="en-US"/>
           </a:p>
@@ -5085,7 +5085,7 @@
           <a:p>
             <a:fld id="{50A519B0-864F-436F-AD10-563B5AD2C023}" type="datetimeFigureOut">
               <a:rPr lang="en-US" smtClean="0"/>
-              <a:t>10/2/2023</a:t>
+              <a:t>2/25/2024</a:t>
             </a:fld>
             <a:endParaRPr lang="en-US"/>
           </a:p>
@@ -5180,7 +5180,7 @@
           <a:p>
             <a:fld id="{50A519B0-864F-436F-AD10-563B5AD2C023}" type="datetimeFigureOut">
               <a:rPr lang="en-US" smtClean="0"/>
-              <a:t>10/2/2023</a:t>
+              <a:t>2/25/2024</a:t>
             </a:fld>
             <a:endParaRPr lang="en-US"/>
           </a:p>
@@ -5455,7 +5455,7 @@
           <a:p>
             <a:fld id="{50A519B0-864F-436F-AD10-563B5AD2C023}" type="datetimeFigureOut">
               <a:rPr lang="en-US" smtClean="0"/>
-              <a:t>10/2/2023</a:t>
+              <a:t>2/25/2024</a:t>
             </a:fld>
             <a:endParaRPr lang="en-US"/>
           </a:p>
@@ -5707,7 +5707,7 @@
           <a:p>
             <a:fld id="{50A519B0-864F-436F-AD10-563B5AD2C023}" type="datetimeFigureOut">
               <a:rPr lang="en-US" smtClean="0"/>
-              <a:t>10/2/2023</a:t>
+              <a:t>2/25/2024</a:t>
             </a:fld>
             <a:endParaRPr lang="en-US"/>
           </a:p>
@@ -5918,7 +5918,7 @@
           <a:p>
             <a:fld id="{50A519B0-864F-436F-AD10-563B5AD2C023}" type="datetimeFigureOut">
               <a:rPr lang="en-US" smtClean="0"/>
-              <a:t>10/2/2023</a:t>
+              <a:t>2/25/2024</a:t>
             </a:fld>
             <a:endParaRPr lang="en-US"/>
           </a:p>
